--- a/Implementacja kodu wielomianowego CRC-32 – IEEE 802-3.pptx
+++ b/Implementacja kodu wielomianowego CRC-32 – IEEE 802-3.pptx
@@ -5,10 +5,10 @@
     <p:sldMasterId id="2147483684" r:id="rId4"/>
   </p:sldMasterIdLst>
   <p:notesMasterIdLst>
-    <p:notesMasterId r:id="rId20"/>
+    <p:notesMasterId r:id="rId21"/>
   </p:notesMasterIdLst>
   <p:handoutMasterIdLst>
-    <p:handoutMasterId r:id="rId21"/>
+    <p:handoutMasterId r:id="rId22"/>
   </p:handoutMasterIdLst>
   <p:sldIdLst>
     <p:sldId id="317" r:id="rId5"/>
@@ -16,16 +16,17 @@
     <p:sldId id="389" r:id="rId7"/>
     <p:sldId id="392" r:id="rId8"/>
     <p:sldId id="393" r:id="rId9"/>
-    <p:sldId id="394" r:id="rId10"/>
-    <p:sldId id="277" r:id="rId11"/>
-    <p:sldId id="384" r:id="rId12"/>
-    <p:sldId id="279" r:id="rId13"/>
-    <p:sldId id="268" r:id="rId14"/>
-    <p:sldId id="272" r:id="rId15"/>
-    <p:sldId id="270" r:id="rId16"/>
-    <p:sldId id="281" r:id="rId17"/>
-    <p:sldId id="321" r:id="rId18"/>
-    <p:sldId id="391" r:id="rId19"/>
+    <p:sldId id="395" r:id="rId10"/>
+    <p:sldId id="396" r:id="rId11"/>
+    <p:sldId id="394" r:id="rId12"/>
+    <p:sldId id="277" r:id="rId13"/>
+    <p:sldId id="279" r:id="rId14"/>
+    <p:sldId id="268" r:id="rId15"/>
+    <p:sldId id="272" r:id="rId16"/>
+    <p:sldId id="270" r:id="rId17"/>
+    <p:sldId id="281" r:id="rId18"/>
+    <p:sldId id="321" r:id="rId19"/>
+    <p:sldId id="391" r:id="rId20"/>
   </p:sldIdLst>
   <p:sldSz cx="12192000" cy="6858000"/>
   <p:notesSz cx="6858000" cy="9144000"/>
@@ -5298,7 +5299,7 @@
             <a:pPr rtl="0"/>
             <a:fld id="{1983A999-5E0E-42CA-8400-604AE921FF7C}" type="slidenum">
               <a:rPr lang="pl-PL" smtClean="0"/>
-              <a:t>8</a:t>
+              <a:t>11</a:t>
             </a:fld>
             <a:endParaRPr lang="pl-PL"/>
           </a:p>
@@ -5309,7 +5310,7 @@
           <p:cNvPr id="5" name="Symbol zastępczy daty 4">
             <a:extLst>
               <a:ext uri="{FF2B5EF4-FFF2-40B4-BE49-F238E27FC236}">
-                <a16:creationId xmlns:a16="http://schemas.microsoft.com/office/drawing/2014/main" id="{9B290639-4E92-4ED8-8D96-471111637F13}"/>
+                <a16:creationId xmlns:a16="http://schemas.microsoft.com/office/drawing/2014/main" id="{E233BE3D-D76F-4FC3-90DD-076CC61266C6}"/>
               </a:ext>
             </a:extLst>
           </p:cNvPr>
@@ -5326,7 +5327,7 @@
           <a:lstStyle/>
           <a:p>
             <a:pPr rtl="0"/>
-            <a:fld id="{725DCC78-8463-444F-A0CF-2EABB296C18C}" type="datetime1">
+            <a:fld id="{0A1D9C8C-C657-40A7-B3BC-81AB0E04CBBF}" type="datetime1">
               <a:rPr lang="pl-PL" smtClean="0"/>
               <a:t>01.06.2025</a:t>
             </a:fld>
@@ -5337,7 +5338,7 @@
     </p:spTree>
     <p:extLst>
       <p:ext uri="{BB962C8B-B14F-4D97-AF65-F5344CB8AC3E}">
-        <p14:creationId xmlns:p14="http://schemas.microsoft.com/office/powerpoint/2010/main" val="2100331255"/>
+        <p14:creationId xmlns:p14="http://schemas.microsoft.com/office/powerpoint/2010/main" val="396330408"/>
       </p:ext>
     </p:extLst>
   </p:cSld>
@@ -5392,7 +5393,7 @@
           <a:lstStyle/>
           <a:p>
             <a:pPr rtl="0"/>
-            <a:endParaRPr lang="pl-PL" dirty="0"/>
+            <a:endParaRPr lang="pl-PL"/>
           </a:p>
         </p:txBody>
       </p:sp>
@@ -5403,7 +5404,7 @@
             <a:spLocks noGrp="1"/>
           </p:cNvSpPr>
           <p:nvPr>
-            <p:ph type="sldNum" sz="quarter" idx="5"/>
+            <p:ph type="sldNum" sz="quarter" idx="10"/>
           </p:nvPr>
         </p:nvSpPr>
         <p:spPr/>
@@ -5412,9 +5413,9 @@
           <a:lstStyle/>
           <a:p>
             <a:pPr rtl="0"/>
-            <a:fld id="{1983A999-5E0E-42CA-8400-604AE921FF7C}" type="slidenum">
+            <a:fld id="{32DC0559-D619-4E56-BF6F-3712370C2150}" type="slidenum">
               <a:rPr lang="pl-PL" smtClean="0"/>
-              <a:t>10</a:t>
+              <a:t>12</a:t>
             </a:fld>
             <a:endParaRPr lang="pl-PL"/>
           </a:p>
@@ -5425,7 +5426,7 @@
           <p:cNvPr id="5" name="Symbol zastępczy daty 4">
             <a:extLst>
               <a:ext uri="{FF2B5EF4-FFF2-40B4-BE49-F238E27FC236}">
-                <a16:creationId xmlns:a16="http://schemas.microsoft.com/office/drawing/2014/main" id="{E233BE3D-D76F-4FC3-90DD-076CC61266C6}"/>
+                <a16:creationId xmlns:a16="http://schemas.microsoft.com/office/drawing/2014/main" id="{53161216-F533-408B-AC3D-C1534949BCE4}"/>
               </a:ext>
             </a:extLst>
           </p:cNvPr>
@@ -5442,7 +5443,7 @@
           <a:lstStyle/>
           <a:p>
             <a:pPr rtl="0"/>
-            <a:fld id="{0A1D9C8C-C657-40A7-B3BC-81AB0E04CBBF}" type="datetime1">
+            <a:fld id="{23B35D52-2BE3-474F-A65D-1C57A1E9C8EA}" type="datetime1">
               <a:rPr lang="pl-PL" smtClean="0"/>
               <a:t>01.06.2025</a:t>
             </a:fld>
@@ -5453,7 +5454,7 @@
     </p:spTree>
     <p:extLst>
       <p:ext uri="{BB962C8B-B14F-4D97-AF65-F5344CB8AC3E}">
-        <p14:creationId xmlns:p14="http://schemas.microsoft.com/office/powerpoint/2010/main" val="396330408"/>
+        <p14:creationId xmlns:p14="http://schemas.microsoft.com/office/powerpoint/2010/main" val="514541281"/>
       </p:ext>
     </p:extLst>
   </p:cSld>
@@ -5508,7 +5509,7 @@
           <a:lstStyle/>
           <a:p>
             <a:pPr rtl="0"/>
-            <a:endParaRPr lang="pl-PL"/>
+            <a:endParaRPr lang="pl-PL" dirty="0"/>
           </a:p>
         </p:txBody>
       </p:sp>
@@ -5519,7 +5520,7 @@
             <a:spLocks noGrp="1"/>
           </p:cNvSpPr>
           <p:nvPr>
-            <p:ph type="sldNum" sz="quarter" idx="10"/>
+            <p:ph type="sldNum" sz="quarter" idx="5"/>
           </p:nvPr>
         </p:nvSpPr>
         <p:spPr/>
@@ -5528,9 +5529,9 @@
           <a:lstStyle/>
           <a:p>
             <a:pPr rtl="0"/>
-            <a:fld id="{32DC0559-D619-4E56-BF6F-3712370C2150}" type="slidenum">
+            <a:fld id="{1983A999-5E0E-42CA-8400-604AE921FF7C}" type="slidenum">
               <a:rPr lang="pl-PL" smtClean="0"/>
-              <a:t>11</a:t>
+              <a:t>13</a:t>
             </a:fld>
             <a:endParaRPr lang="pl-PL"/>
           </a:p>
@@ -5541,7 +5542,7 @@
           <p:cNvPr id="5" name="Symbol zastępczy daty 4">
             <a:extLst>
               <a:ext uri="{FF2B5EF4-FFF2-40B4-BE49-F238E27FC236}">
-                <a16:creationId xmlns:a16="http://schemas.microsoft.com/office/drawing/2014/main" id="{53161216-F533-408B-AC3D-C1534949BCE4}"/>
+                <a16:creationId xmlns:a16="http://schemas.microsoft.com/office/drawing/2014/main" id="{96F04566-63C4-4E04-95F6-F236912A2F8F}"/>
               </a:ext>
             </a:extLst>
           </p:cNvPr>
@@ -5558,7 +5559,7 @@
           <a:lstStyle/>
           <a:p>
             <a:pPr rtl="0"/>
-            <a:fld id="{23B35D52-2BE3-474F-A65D-1C57A1E9C8EA}" type="datetime1">
+            <a:fld id="{349161C6-02E6-4A51-9612-82E8932FCFC9}" type="datetime1">
               <a:rPr lang="pl-PL" smtClean="0"/>
               <a:t>01.06.2025</a:t>
             </a:fld>
@@ -5569,7 +5570,7 @@
     </p:spTree>
     <p:extLst>
       <p:ext uri="{BB962C8B-B14F-4D97-AF65-F5344CB8AC3E}">
-        <p14:creationId xmlns:p14="http://schemas.microsoft.com/office/powerpoint/2010/main" val="514541281"/>
+        <p14:creationId xmlns:p14="http://schemas.microsoft.com/office/powerpoint/2010/main" val="404304175"/>
       </p:ext>
     </p:extLst>
   </p:cSld>
@@ -5580,6 +5581,121 @@
 </file>
 
 <file path=ppt/notesSlides/notesSlide5.xml><?xml version="1.0" encoding="utf-8"?>
+<p:notes xmlns:a="http://schemas.openxmlformats.org/drawingml/2006/main" xmlns:r="http://schemas.openxmlformats.org/officeDocument/2006/relationships" xmlns:p="http://schemas.openxmlformats.org/presentationml/2006/main">
+  <p:cSld>
+    <p:spTree>
+      <p:nvGrpSpPr>
+        <p:cNvPr id="1" name=""/>
+        <p:cNvGrpSpPr/>
+        <p:nvPr/>
+      </p:nvGrpSpPr>
+      <p:grpSpPr>
+        <a:xfrm>
+          <a:off x="0" y="0"/>
+          <a:ext cx="0" cy="0"/>
+          <a:chOff x="0" y="0"/>
+          <a:chExt cx="0" cy="0"/>
+        </a:xfrm>
+      </p:grpSpPr>
+      <p:sp>
+        <p:nvSpPr>
+          <p:cNvPr id="2" name="Symbol zastępczy obrazu slajdu 1"/>
+          <p:cNvSpPr>
+            <a:spLocks noGrp="1" noRot="1" noChangeAspect="1"/>
+          </p:cNvSpPr>
+          <p:nvPr>
+            <p:ph type="sldImg"/>
+          </p:nvPr>
+        </p:nvSpPr>
+        <p:spPr/>
+      </p:sp>
+      <p:sp>
+        <p:nvSpPr>
+          <p:cNvPr id="3" name="Symbol zastępczy notatek 2"/>
+          <p:cNvSpPr>
+            <a:spLocks noGrp="1"/>
+          </p:cNvSpPr>
+          <p:nvPr>
+            <p:ph type="body" idx="1"/>
+          </p:nvPr>
+        </p:nvSpPr>
+        <p:spPr/>
+        <p:txBody>
+          <a:bodyPr/>
+          <a:lstStyle/>
+          <a:p>
+            <a:endParaRPr lang="pl-PL" dirty="0"/>
+          </a:p>
+        </p:txBody>
+      </p:sp>
+      <p:sp>
+        <p:nvSpPr>
+          <p:cNvPr id="4" name="Symbol zastępczy numeru slajdu 3"/>
+          <p:cNvSpPr>
+            <a:spLocks noGrp="1"/>
+          </p:cNvSpPr>
+          <p:nvPr>
+            <p:ph type="sldNum" sz="quarter" idx="5"/>
+          </p:nvPr>
+        </p:nvSpPr>
+        <p:spPr/>
+        <p:txBody>
+          <a:bodyPr/>
+          <a:lstStyle/>
+          <a:p>
+            <a:pPr rtl="0"/>
+            <a:fld id="{E7CCE34D-CFF1-4FFE-815B-D050E7ED2DFD}" type="slidenum">
+              <a:rPr lang="pl-PL" smtClean="0"/>
+              <a:t>14</a:t>
+            </a:fld>
+            <a:endParaRPr lang="pl-PL"/>
+          </a:p>
+        </p:txBody>
+      </p:sp>
+      <p:sp>
+        <p:nvSpPr>
+          <p:cNvPr id="5" name="Symbol zastępczy daty 4">
+            <a:extLst>
+              <a:ext uri="{FF2B5EF4-FFF2-40B4-BE49-F238E27FC236}">
+                <a16:creationId xmlns:a16="http://schemas.microsoft.com/office/drawing/2014/main" id="{E4891A17-6249-461C-B075-652AEA2598D9}"/>
+              </a:ext>
+            </a:extLst>
+          </p:cNvPr>
+          <p:cNvSpPr>
+            <a:spLocks noGrp="1"/>
+          </p:cNvSpPr>
+          <p:nvPr>
+            <p:ph type="dt" idx="1"/>
+          </p:nvPr>
+        </p:nvSpPr>
+        <p:spPr/>
+        <p:txBody>
+          <a:bodyPr/>
+          <a:lstStyle/>
+          <a:p>
+            <a:pPr rtl="0"/>
+            <a:fld id="{0CE26397-7EB8-4E6D-9388-C37617315B24}" type="datetime1">
+              <a:rPr lang="pl-PL" smtClean="0"/>
+              <a:t>01.06.2025</a:t>
+            </a:fld>
+            <a:endParaRPr lang="pl-PL"/>
+          </a:p>
+        </p:txBody>
+      </p:sp>
+    </p:spTree>
+    <p:extLst>
+      <p:ext uri="{BB962C8B-B14F-4D97-AF65-F5344CB8AC3E}">
+        <p14:creationId xmlns:p14="http://schemas.microsoft.com/office/powerpoint/2010/main" val="438094687"/>
+      </p:ext>
+    </p:extLst>
+  </p:cSld>
+  <p:clrMapOvr>
+    <a:masterClrMapping/>
+  </p:clrMapOvr>
+</p:notes>
+</file>
+
+<file path=ppt/notesSlides/notesSlide6.xml><?xml version="1.0" encoding="utf-8"?>
 <p:notes xmlns:a="http://schemas.openxmlformats.org/drawingml/2006/main" xmlns:r="http://schemas.openxmlformats.org/officeDocument/2006/relationships" xmlns:p="http://schemas.openxmlformats.org/presentationml/2006/main">
   <p:cSld>
     <p:spTree>
@@ -5646,238 +5762,7 @@
             <a:pPr rtl="0"/>
             <a:fld id="{1983A999-5E0E-42CA-8400-604AE921FF7C}" type="slidenum">
               <a:rPr lang="pl-PL" smtClean="0"/>
-              <a:t>12</a:t>
-            </a:fld>
-            <a:endParaRPr lang="pl-PL"/>
-          </a:p>
-        </p:txBody>
-      </p:sp>
-      <p:sp>
-        <p:nvSpPr>
-          <p:cNvPr id="5" name="Symbol zastępczy daty 4">
-            <a:extLst>
-              <a:ext uri="{FF2B5EF4-FFF2-40B4-BE49-F238E27FC236}">
-                <a16:creationId xmlns:a16="http://schemas.microsoft.com/office/drawing/2014/main" id="{96F04566-63C4-4E04-95F6-F236912A2F8F}"/>
-              </a:ext>
-            </a:extLst>
-          </p:cNvPr>
-          <p:cNvSpPr>
-            <a:spLocks noGrp="1"/>
-          </p:cNvSpPr>
-          <p:nvPr>
-            <p:ph type="dt" idx="1"/>
-          </p:nvPr>
-        </p:nvSpPr>
-        <p:spPr/>
-        <p:txBody>
-          <a:bodyPr/>
-          <a:lstStyle/>
-          <a:p>
-            <a:pPr rtl="0"/>
-            <a:fld id="{349161C6-02E6-4A51-9612-82E8932FCFC9}" type="datetime1">
-              <a:rPr lang="pl-PL" smtClean="0"/>
-              <a:t>01.06.2025</a:t>
-            </a:fld>
-            <a:endParaRPr lang="pl-PL"/>
-          </a:p>
-        </p:txBody>
-      </p:sp>
-    </p:spTree>
-    <p:extLst>
-      <p:ext uri="{BB962C8B-B14F-4D97-AF65-F5344CB8AC3E}">
-        <p14:creationId xmlns:p14="http://schemas.microsoft.com/office/powerpoint/2010/main" val="404304175"/>
-      </p:ext>
-    </p:extLst>
-  </p:cSld>
-  <p:clrMapOvr>
-    <a:masterClrMapping/>
-  </p:clrMapOvr>
-</p:notes>
-</file>
-
-<file path=ppt/notesSlides/notesSlide6.xml><?xml version="1.0" encoding="utf-8"?>
-<p:notes xmlns:a="http://schemas.openxmlformats.org/drawingml/2006/main" xmlns:r="http://schemas.openxmlformats.org/officeDocument/2006/relationships" xmlns:p="http://schemas.openxmlformats.org/presentationml/2006/main">
-  <p:cSld>
-    <p:spTree>
-      <p:nvGrpSpPr>
-        <p:cNvPr id="1" name=""/>
-        <p:cNvGrpSpPr/>
-        <p:nvPr/>
-      </p:nvGrpSpPr>
-      <p:grpSpPr>
-        <a:xfrm>
-          <a:off x="0" y="0"/>
-          <a:ext cx="0" cy="0"/>
-          <a:chOff x="0" y="0"/>
-          <a:chExt cx="0" cy="0"/>
-        </a:xfrm>
-      </p:grpSpPr>
-      <p:sp>
-        <p:nvSpPr>
-          <p:cNvPr id="2" name="Symbol zastępczy obrazu slajdu 1"/>
-          <p:cNvSpPr>
-            <a:spLocks noGrp="1" noRot="1" noChangeAspect="1"/>
-          </p:cNvSpPr>
-          <p:nvPr>
-            <p:ph type="sldImg"/>
-          </p:nvPr>
-        </p:nvSpPr>
-        <p:spPr/>
-      </p:sp>
-      <p:sp>
-        <p:nvSpPr>
-          <p:cNvPr id="3" name="Symbol zastępczy notatek 2"/>
-          <p:cNvSpPr>
-            <a:spLocks noGrp="1"/>
-          </p:cNvSpPr>
-          <p:nvPr>
-            <p:ph type="body" idx="1"/>
-          </p:nvPr>
-        </p:nvSpPr>
-        <p:spPr/>
-        <p:txBody>
-          <a:bodyPr/>
-          <a:lstStyle/>
-          <a:p>
-            <a:endParaRPr lang="pl-PL" dirty="0"/>
-          </a:p>
-        </p:txBody>
-      </p:sp>
-      <p:sp>
-        <p:nvSpPr>
-          <p:cNvPr id="4" name="Symbol zastępczy numeru slajdu 3"/>
-          <p:cNvSpPr>
-            <a:spLocks noGrp="1"/>
-          </p:cNvSpPr>
-          <p:nvPr>
-            <p:ph type="sldNum" sz="quarter" idx="5"/>
-          </p:nvPr>
-        </p:nvSpPr>
-        <p:spPr/>
-        <p:txBody>
-          <a:bodyPr/>
-          <a:lstStyle/>
-          <a:p>
-            <a:pPr rtl="0"/>
-            <a:fld id="{E7CCE34D-CFF1-4FFE-815B-D050E7ED2DFD}" type="slidenum">
-              <a:rPr lang="pl-PL" smtClean="0"/>
-              <a:t>13</a:t>
-            </a:fld>
-            <a:endParaRPr lang="pl-PL"/>
-          </a:p>
-        </p:txBody>
-      </p:sp>
-      <p:sp>
-        <p:nvSpPr>
-          <p:cNvPr id="5" name="Symbol zastępczy daty 4">
-            <a:extLst>
-              <a:ext uri="{FF2B5EF4-FFF2-40B4-BE49-F238E27FC236}">
-                <a16:creationId xmlns:a16="http://schemas.microsoft.com/office/drawing/2014/main" id="{E4891A17-6249-461C-B075-652AEA2598D9}"/>
-              </a:ext>
-            </a:extLst>
-          </p:cNvPr>
-          <p:cNvSpPr>
-            <a:spLocks noGrp="1"/>
-          </p:cNvSpPr>
-          <p:nvPr>
-            <p:ph type="dt" idx="1"/>
-          </p:nvPr>
-        </p:nvSpPr>
-        <p:spPr/>
-        <p:txBody>
-          <a:bodyPr/>
-          <a:lstStyle/>
-          <a:p>
-            <a:pPr rtl="0"/>
-            <a:fld id="{0CE26397-7EB8-4E6D-9388-C37617315B24}" type="datetime1">
-              <a:rPr lang="pl-PL" smtClean="0"/>
-              <a:t>01.06.2025</a:t>
-            </a:fld>
-            <a:endParaRPr lang="pl-PL"/>
-          </a:p>
-        </p:txBody>
-      </p:sp>
-    </p:spTree>
-    <p:extLst>
-      <p:ext uri="{BB962C8B-B14F-4D97-AF65-F5344CB8AC3E}">
-        <p14:creationId xmlns:p14="http://schemas.microsoft.com/office/powerpoint/2010/main" val="438094687"/>
-      </p:ext>
-    </p:extLst>
-  </p:cSld>
-  <p:clrMapOvr>
-    <a:masterClrMapping/>
-  </p:clrMapOvr>
-</p:notes>
-</file>
-
-<file path=ppt/notesSlides/notesSlide7.xml><?xml version="1.0" encoding="utf-8"?>
-<p:notes xmlns:a="http://schemas.openxmlformats.org/drawingml/2006/main" xmlns:r="http://schemas.openxmlformats.org/officeDocument/2006/relationships" xmlns:p="http://schemas.openxmlformats.org/presentationml/2006/main">
-  <p:cSld>
-    <p:spTree>
-      <p:nvGrpSpPr>
-        <p:cNvPr id="1" name=""/>
-        <p:cNvGrpSpPr/>
-        <p:nvPr/>
-      </p:nvGrpSpPr>
-      <p:grpSpPr>
-        <a:xfrm>
-          <a:off x="0" y="0"/>
-          <a:ext cx="0" cy="0"/>
-          <a:chOff x="0" y="0"/>
-          <a:chExt cx="0" cy="0"/>
-        </a:xfrm>
-      </p:grpSpPr>
-      <p:sp>
-        <p:nvSpPr>
-          <p:cNvPr id="2" name="Obraz slajdu — symbol zastępczy 1"/>
-          <p:cNvSpPr>
-            <a:spLocks noGrp="1" noRot="1" noChangeAspect="1"/>
-          </p:cNvSpPr>
-          <p:nvPr>
-            <p:ph type="sldImg"/>
-          </p:nvPr>
-        </p:nvSpPr>
-        <p:spPr/>
-      </p:sp>
-      <p:sp>
-        <p:nvSpPr>
-          <p:cNvPr id="3" name="Notatki — symbol zastępczy 2"/>
-          <p:cNvSpPr>
-            <a:spLocks noGrp="1"/>
-          </p:cNvSpPr>
-          <p:nvPr>
-            <p:ph type="body" idx="1"/>
-          </p:nvPr>
-        </p:nvSpPr>
-        <p:spPr/>
-        <p:txBody>
-          <a:bodyPr rtlCol="0"/>
-          <a:lstStyle/>
-          <a:p>
-            <a:pPr rtl="0"/>
-            <a:endParaRPr lang="pl-PL" dirty="0"/>
-          </a:p>
-        </p:txBody>
-      </p:sp>
-      <p:sp>
-        <p:nvSpPr>
-          <p:cNvPr id="4" name="Numer slajdu — symbol zastępczy 3"/>
-          <p:cNvSpPr>
-            <a:spLocks noGrp="1"/>
-          </p:cNvSpPr>
-          <p:nvPr>
-            <p:ph type="sldNum" sz="quarter" idx="5"/>
-          </p:nvPr>
-        </p:nvSpPr>
-        <p:spPr/>
-        <p:txBody>
-          <a:bodyPr rtlCol="0"/>
-          <a:lstStyle/>
-          <a:p>
-            <a:pPr rtl="0"/>
-            <a:fld id="{1983A999-5E0E-42CA-8400-604AE921FF7C}" type="slidenum">
-              <a:rPr lang="pl-PL" smtClean="0"/>
-              <a:t>14</a:t>
+              <a:t>15</a:t>
             </a:fld>
             <a:endParaRPr lang="pl-PL"/>
           </a:p>
@@ -19266,6 +19151,113 @@
       </p:grpSpPr>
       <p:sp>
         <p:nvSpPr>
+          <p:cNvPr id="21" name="Numer slajdu — symbol zastępczy 20">
+            <a:extLst>
+              <a:ext uri="{FF2B5EF4-FFF2-40B4-BE49-F238E27FC236}">
+                <a16:creationId xmlns:a16="http://schemas.microsoft.com/office/drawing/2014/main" id="{1C563B34-DD53-4FB1-B8C2-8914E01C6365}"/>
+              </a:ext>
+            </a:extLst>
+          </p:cNvPr>
+          <p:cNvSpPr>
+            <a:spLocks noGrp="1"/>
+          </p:cNvSpPr>
+          <p:nvPr>
+            <p:ph type="sldNum" sz="quarter" idx="12"/>
+          </p:nvPr>
+        </p:nvSpPr>
+        <p:spPr>
+          <a:xfrm>
+            <a:off x="9948863" y="6507212"/>
+            <a:ext cx="1692274" cy="153888"/>
+          </a:xfrm>
+        </p:spPr>
+        <p:txBody>
+          <a:bodyPr rtlCol="0"/>
+          <a:lstStyle/>
+          <a:p>
+            <a:pPr rtl="0"/>
+            <a:fld id="{DBA1B0FB-D917-4C8C-928F-313BD683BF39}" type="slidenum">
+              <a:rPr lang="pl-PL" smtClean="0"/>
+              <a:pPr rtl="0"/>
+              <a:t>10</a:t>
+            </a:fld>
+            <a:endParaRPr lang="pl-PL"/>
+          </a:p>
+        </p:txBody>
+      </p:sp>
+      <p:sp>
+        <p:nvSpPr>
+          <p:cNvPr id="5" name="Symbol zastępczy zawartości 4">
+            <a:extLst>
+              <a:ext uri="{FF2B5EF4-FFF2-40B4-BE49-F238E27FC236}">
+                <a16:creationId xmlns:a16="http://schemas.microsoft.com/office/drawing/2014/main" id="{7148E578-9F75-6F03-CDDA-52AA93C2811F}"/>
+              </a:ext>
+            </a:extLst>
+          </p:cNvPr>
+          <p:cNvSpPr>
+            <a:spLocks noGrp="1"/>
+          </p:cNvSpPr>
+          <p:nvPr>
+            <p:ph sz="quarter" idx="15"/>
+          </p:nvPr>
+        </p:nvSpPr>
+        <p:spPr>
+          <a:xfrm>
+            <a:off x="550863" y="196901"/>
+            <a:ext cx="11090274" cy="5991464"/>
+          </a:xfrm>
+        </p:spPr>
+        <p:txBody>
+          <a:bodyPr/>
+          <a:lstStyle/>
+          <a:p>
+            <a:pPr marL="285750" indent="-285750">
+              <a:buFont typeface="Arial" panose="020B0604020202020204" pitchFamily="34" charset="0"/>
+              <a:buChar char="•"/>
+            </a:pPr>
+            <a:r>
+              <a:rPr lang="pl-PL" sz="1500" dirty="0"/>
+              <a:t>Błędy z nieparzystą liczbą bitów</a:t>
+            </a:r>
+            <a:br>
+              <a:rPr lang="pl-PL" sz="1500" dirty="0"/>
+            </a:br>
+            <a:endParaRPr lang="pl-PL" sz="1500" dirty="0"/>
+          </a:p>
+        </p:txBody>
+      </p:sp>
+    </p:spTree>
+    <p:extLst>
+      <p:ext uri="{BB962C8B-B14F-4D97-AF65-F5344CB8AC3E}">
+        <p14:creationId xmlns:p14="http://schemas.microsoft.com/office/powerpoint/2010/main" val="395518310"/>
+      </p:ext>
+    </p:extLst>
+  </p:cSld>
+  <p:clrMapOvr>
+    <a:masterClrMapping/>
+  </p:clrMapOvr>
+</p:sld>
+</file>
+
+<file path=ppt/slides/slide11.xml><?xml version="1.0" encoding="utf-8"?>
+<p:sld xmlns:a="http://schemas.openxmlformats.org/drawingml/2006/main" xmlns:r="http://schemas.openxmlformats.org/officeDocument/2006/relationships" xmlns:p="http://schemas.openxmlformats.org/presentationml/2006/main">
+  <p:cSld>
+    <p:spTree>
+      <p:nvGrpSpPr>
+        <p:cNvPr id="1" name=""/>
+        <p:cNvGrpSpPr/>
+        <p:nvPr/>
+      </p:nvGrpSpPr>
+      <p:grpSpPr>
+        <a:xfrm>
+          <a:off x="0" y="0"/>
+          <a:ext cx="0" cy="0"/>
+          <a:chOff x="0" y="0"/>
+          <a:chExt cx="0" cy="0"/>
+        </a:xfrm>
+      </p:grpSpPr>
+      <p:sp>
+        <p:nvSpPr>
           <p:cNvPr id="6" name="Tytuł 5">
             <a:extLst>
               <a:ext uri="{FF2B5EF4-FFF2-40B4-BE49-F238E27FC236}">
@@ -19805,7 +19797,7 @@
             <a:fld id="{DBA1B0FB-D917-4C8C-928F-313BD683BF39}" type="slidenum">
               <a:rPr lang="pl-PL" smtClean="0"/>
               <a:pPr rtl="0"/>
-              <a:t>10</a:t>
+              <a:t>11</a:t>
             </a:fld>
             <a:endParaRPr lang="pl-PL"/>
           </a:p>
@@ -19824,7 +19816,7 @@
 </p:sld>
 </file>
 
-<file path=ppt/slides/slide11.xml><?xml version="1.0" encoding="utf-8"?>
+<file path=ppt/slides/slide12.xml><?xml version="1.0" encoding="utf-8"?>
 <p:sld xmlns:a="http://schemas.openxmlformats.org/drawingml/2006/main" xmlns:r="http://schemas.openxmlformats.org/officeDocument/2006/relationships" xmlns:p="http://schemas.openxmlformats.org/presentationml/2006/main">
   <p:cSld>
     <p:spTree>
@@ -20005,7 +19997,7 @@
             <a:fld id="{DBA1B0FB-D917-4C8C-928F-313BD683BF39}" type="slidenum">
               <a:rPr lang="pl-PL" smtClean="0"/>
               <a:pPr rtl="0"/>
-              <a:t>11</a:t>
+              <a:t>12</a:t>
             </a:fld>
             <a:endParaRPr lang="pl-PL"/>
           </a:p>
@@ -20024,7 +20016,7 @@
 </p:sld>
 </file>
 
-<file path=ppt/slides/slide12.xml><?xml version="1.0" encoding="utf-8"?>
+<file path=ppt/slides/slide13.xml><?xml version="1.0" encoding="utf-8"?>
 <p:sld xmlns:a="http://schemas.openxmlformats.org/drawingml/2006/main" xmlns:r="http://schemas.openxmlformats.org/officeDocument/2006/relationships" xmlns:p="http://schemas.openxmlformats.org/presentationml/2006/main">
   <p:cSld>
     <p:spTree>
@@ -20468,21 +20460,21 @@
           <a:p>
             <a:pPr rtl="0"/>
             <a:r>
-              <a:rPr lang="pl-PL"/>
+              <a:rPr lang="pl-PL" dirty="0"/>
               <a:t>Dodaj tekst, obrazy, grafiki i klipy wideo. </a:t>
             </a:r>
           </a:p>
           <a:p>
             <a:pPr rtl="0"/>
             <a:r>
-              <a:rPr lang="pl-PL"/>
+              <a:rPr lang="pl-PL" dirty="0"/>
               <a:t>Dodaj przejścia, animacje i ruch. </a:t>
             </a:r>
           </a:p>
           <a:p>
             <a:pPr rtl="0"/>
             <a:r>
-              <a:rPr lang="pl-PL"/>
+              <a:rPr lang="pl-PL" dirty="0"/>
               <a:t>Zapisuj prezentacje w usłudze OneDrive, aby uzyskać do nich dostęp z komputera, tabletu lub telefonu. </a:t>
             </a:r>
           </a:p>
@@ -20666,7 +20658,7 @@
             <a:fld id="{DBA1B0FB-D917-4C8C-928F-313BD683BF39}" type="slidenum">
               <a:rPr lang="pl-PL" smtClean="0"/>
               <a:pPr rtl="0"/>
-              <a:t>12</a:t>
+              <a:t>13</a:t>
             </a:fld>
             <a:endParaRPr lang="pl-PL"/>
           </a:p>
@@ -20846,7 +20838,7 @@
 </p:sld>
 </file>
 
-<file path=ppt/slides/slide13.xml><?xml version="1.0" encoding="utf-8"?>
+<file path=ppt/slides/slide14.xml><?xml version="1.0" encoding="utf-8"?>
 <p:sld xmlns:a="http://schemas.openxmlformats.org/drawingml/2006/main" xmlns:r="http://schemas.openxmlformats.org/officeDocument/2006/relationships" xmlns:p="http://schemas.openxmlformats.org/presentationml/2006/main">
   <p:cSld>
     <p:spTree>
@@ -20955,44 +20947,9 @@
         </p:spPr>
         <p:txBody>
           <a:bodyPr rtlCol="0">
-            <a:normAutofit fontScale="92500" lnSpcReduction="10000"/>
+            <a:normAutofit/>
           </a:bodyPr>
           <a:lstStyle/>
-          <a:p>
-            <a:pPr lvl="0" rtl="0"/>
-            <a:r>
-              <a:rPr lang="pl-PL" sz="1600" dirty="0"/>
-              <a:t>Dodaj tekst, obrazy, grafiki i klipy wideo. </a:t>
-            </a:r>
-          </a:p>
-          <a:p>
-            <a:pPr lvl="0" rtl="0"/>
-            <a:r>
-              <a:rPr lang="pl-PL" sz="1600" dirty="0"/>
-              <a:t>Dodaj przejścia, animacje i ruch. </a:t>
-            </a:r>
-          </a:p>
-          <a:p>
-            <a:pPr lvl="0" rtl="0"/>
-            <a:r>
-              <a:rPr lang="pl-PL" sz="1600" dirty="0"/>
-              <a:t>Zapisuj prezentacje w usłudze OneDrive, aby uzyskać do nich dostęp z komputera, tabletu lub telefonu. </a:t>
-            </a:r>
-          </a:p>
-          <a:p>
-            <a:pPr rtl="0"/>
-            <a:r>
-              <a:rPr lang="pl-PL" sz="1600" dirty="0"/>
-              <a:t>Otwórz okienko Pomysły dotyczące projektu, aby korzystać z błyskawicznych przeobrażeń slajdów. </a:t>
-            </a:r>
-          </a:p>
-          <a:p>
-            <a:pPr rtl="0"/>
-            <a:r>
-              <a:rPr lang="pl-PL" sz="1600" dirty="0"/>
-              <a:t>W tym miejscu będziemy przedstawiać nasze pomysły projektowe. </a:t>
-            </a:r>
-          </a:p>
           <a:p>
             <a:pPr lvl="0" rtl="0"/>
             <a:endParaRPr lang="pl-PL" sz="1600" dirty="0"/>
@@ -21299,7 +21256,7 @@
             <a:fld id="{DBA1B0FB-D917-4C8C-928F-313BD683BF39}" type="slidenum">
               <a:rPr lang="pl-PL" smtClean="0"/>
               <a:pPr rtl="0"/>
-              <a:t>13</a:t>
+              <a:t>14</a:t>
             </a:fld>
             <a:endParaRPr lang="pl-PL"/>
           </a:p>
@@ -21309,207 +21266,6 @@
     <p:extLst>
       <p:ext uri="{BB962C8B-B14F-4D97-AF65-F5344CB8AC3E}">
         <p14:creationId xmlns:p14="http://schemas.microsoft.com/office/powerpoint/2010/main" val="1420547054"/>
-      </p:ext>
-    </p:extLst>
-  </p:cSld>
-  <p:clrMapOvr>
-    <a:masterClrMapping/>
-  </p:clrMapOvr>
-</p:sld>
-</file>
-
-<file path=ppt/slides/slide14.xml><?xml version="1.0" encoding="utf-8"?>
-<p:sld xmlns:a="http://schemas.openxmlformats.org/drawingml/2006/main" xmlns:r="http://schemas.openxmlformats.org/officeDocument/2006/relationships" xmlns:p="http://schemas.openxmlformats.org/presentationml/2006/main">
-  <p:cSld>
-    <p:spTree>
-      <p:nvGrpSpPr>
-        <p:cNvPr id="1" name=""/>
-        <p:cNvGrpSpPr/>
-        <p:nvPr/>
-      </p:nvGrpSpPr>
-      <p:grpSpPr>
-        <a:xfrm>
-          <a:off x="0" y="0"/>
-          <a:ext cx="0" cy="0"/>
-          <a:chOff x="0" y="0"/>
-          <a:chExt cx="0" cy="0"/>
-        </a:xfrm>
-      </p:grpSpPr>
-      <p:sp>
-        <p:nvSpPr>
-          <p:cNvPr id="11" name="Tytuł 10">
-            <a:extLst>
-              <a:ext uri="{FF2B5EF4-FFF2-40B4-BE49-F238E27FC236}">
-                <a16:creationId xmlns:a16="http://schemas.microsoft.com/office/drawing/2014/main" id="{581E8936-2270-47FE-94A4-398CB123EF90}"/>
-              </a:ext>
-            </a:extLst>
-          </p:cNvPr>
-          <p:cNvSpPr>
-            <a:spLocks noGrp="1"/>
-          </p:cNvSpPr>
-          <p:nvPr>
-            <p:ph type="title"/>
-          </p:nvPr>
-        </p:nvSpPr>
-        <p:spPr>
-          <a:xfrm>
-            <a:off x="550863" y="549275"/>
-            <a:ext cx="11090274" cy="1332000"/>
-          </a:xfrm>
-        </p:spPr>
-        <p:txBody>
-          <a:bodyPr wrap="square" rtlCol="0" anchor="t">
-            <a:normAutofit/>
-          </a:bodyPr>
-          <a:lstStyle/>
-          <a:p>
-            <a:pPr rtl="0"/>
-            <a:r>
-              <a:rPr lang="pl-PL" dirty="0"/>
-              <a:t>Bibliografia</a:t>
-            </a:r>
-          </a:p>
-        </p:txBody>
-      </p:sp>
-      <p:sp>
-        <p:nvSpPr>
-          <p:cNvPr id="13" name="Zawartość — symbol zastępczy 12">
-            <a:extLst>
-              <a:ext uri="{FF2B5EF4-FFF2-40B4-BE49-F238E27FC236}">
-                <a16:creationId xmlns:a16="http://schemas.microsoft.com/office/drawing/2014/main" id="{C0287FEC-3826-4868-8D93-52429C6156F5}"/>
-              </a:ext>
-            </a:extLst>
-          </p:cNvPr>
-          <p:cNvSpPr>
-            <a:spLocks noGrp="1"/>
-          </p:cNvSpPr>
-          <p:nvPr>
-            <p:ph sz="half" idx="1"/>
-          </p:nvPr>
-        </p:nvSpPr>
-        <p:spPr>
-          <a:xfrm>
-            <a:off x="550862" y="2097175"/>
-            <a:ext cx="5435600" cy="3995650"/>
-          </a:xfrm>
-        </p:spPr>
-        <p:txBody>
-          <a:bodyPr wrap="square" rtlCol="0">
-            <a:normAutofit/>
-          </a:bodyPr>
-          <a:lstStyle/>
-          <a:p>
-            <a:pPr rtl="0"/>
-            <a:r>
-              <a:rPr lang="pl-PL" dirty="0"/>
-              <a:t>[1]</a:t>
-            </a:r>
-            <a:r>
-              <a:rPr lang="pl-PL" dirty="0" err="1">
-                <a:hlinkClick r:id="rId3"/>
-              </a:rPr>
-              <a:t>Cyclic_redundancy_check_wikipedia</a:t>
-            </a:r>
-            <a:endParaRPr lang="pl-PL" dirty="0"/>
-          </a:p>
-          <a:p>
-            <a:pPr rtl="0"/>
-            <a:r>
-              <a:rPr lang="pl-PL" dirty="0"/>
-              <a:t>[2]</a:t>
-            </a:r>
-            <a:r>
-              <a:rPr lang="pl-PL" dirty="0" err="1">
-                <a:hlinkClick r:id="rId4"/>
-              </a:rPr>
-              <a:t>Mathematics_of_CRC</a:t>
-            </a:r>
-            <a:endParaRPr lang="pl-PL" dirty="0"/>
-          </a:p>
-          <a:p>
-            <a:pPr rtl="0"/>
-            <a:r>
-              <a:rPr lang="pl-PL" dirty="0"/>
-              <a:t>[3]</a:t>
-            </a:r>
-          </a:p>
-        </p:txBody>
-      </p:sp>
-      <p:sp>
-        <p:nvSpPr>
-          <p:cNvPr id="6" name="Numer slajdu — symbol zastępczy 5">
-            <a:extLst>
-              <a:ext uri="{FF2B5EF4-FFF2-40B4-BE49-F238E27FC236}">
-                <a16:creationId xmlns:a16="http://schemas.microsoft.com/office/drawing/2014/main" id="{9ED907F8-C614-4D59-A03F-BF9CD5E35703}"/>
-              </a:ext>
-            </a:extLst>
-          </p:cNvPr>
-          <p:cNvSpPr>
-            <a:spLocks noGrp="1"/>
-          </p:cNvSpPr>
-          <p:nvPr>
-            <p:ph type="sldNum" sz="quarter" idx="12"/>
-          </p:nvPr>
-        </p:nvSpPr>
-        <p:spPr>
-          <a:xfrm>
-            <a:off x="9948863" y="6507212"/>
-            <a:ext cx="1692274" cy="153888"/>
-          </a:xfrm>
-        </p:spPr>
-        <p:txBody>
-          <a:bodyPr wrap="square" rtlCol="0" anchor="ctr">
-            <a:normAutofit/>
-          </a:bodyPr>
-          <a:lstStyle/>
-          <a:p>
-            <a:pPr rtl="0">
-              <a:spcAft>
-                <a:spcPts val="600"/>
-              </a:spcAft>
-            </a:pPr>
-            <a:fld id="{DBA1B0FB-D917-4C8C-928F-313BD683BF39}" type="slidenum">
-              <a:rPr lang="pl-PL" smtClean="0"/>
-              <a:pPr rtl="0">
-                <a:spcAft>
-                  <a:spcPts val="600"/>
-                </a:spcAft>
-              </a:pPr>
-              <a:t>14</a:t>
-            </a:fld>
-            <a:endParaRPr lang="pl-PL"/>
-          </a:p>
-        </p:txBody>
-      </p:sp>
-      <p:sp>
-        <p:nvSpPr>
-          <p:cNvPr id="3" name="Symbol zastępczy zawartości 2">
-            <a:extLst>
-              <a:ext uri="{FF2B5EF4-FFF2-40B4-BE49-F238E27FC236}">
-                <a16:creationId xmlns:a16="http://schemas.microsoft.com/office/drawing/2014/main" id="{6529BA9D-6250-284C-255C-31D8AC37A94A}"/>
-              </a:ext>
-            </a:extLst>
-          </p:cNvPr>
-          <p:cNvSpPr>
-            <a:spLocks noGrp="1"/>
-          </p:cNvSpPr>
-          <p:nvPr>
-            <p:ph sz="half" idx="2"/>
-          </p:nvPr>
-        </p:nvSpPr>
-        <p:spPr/>
-        <p:txBody>
-          <a:bodyPr/>
-          <a:lstStyle/>
-          <a:p>
-            <a:endParaRPr lang="pl-PL"/>
-          </a:p>
-        </p:txBody>
-      </p:sp>
-    </p:spTree>
-    <p:extLst>
-      <p:ext uri="{BB962C8B-B14F-4D97-AF65-F5344CB8AC3E}">
-        <p14:creationId xmlns:p14="http://schemas.microsoft.com/office/powerpoint/2010/main" val="3521561301"/>
       </p:ext>
     </p:extLst>
   </p:cSld>
@@ -21538,6 +21294,214 @@
       </p:grpSpPr>
       <p:sp>
         <p:nvSpPr>
+          <p:cNvPr id="11" name="Tytuł 10">
+            <a:extLst>
+              <a:ext uri="{FF2B5EF4-FFF2-40B4-BE49-F238E27FC236}">
+                <a16:creationId xmlns:a16="http://schemas.microsoft.com/office/drawing/2014/main" id="{581E8936-2270-47FE-94A4-398CB123EF90}"/>
+              </a:ext>
+            </a:extLst>
+          </p:cNvPr>
+          <p:cNvSpPr>
+            <a:spLocks noGrp="1"/>
+          </p:cNvSpPr>
+          <p:nvPr>
+            <p:ph type="title"/>
+          </p:nvPr>
+        </p:nvSpPr>
+        <p:spPr>
+          <a:xfrm>
+            <a:off x="550863" y="549275"/>
+            <a:ext cx="11090274" cy="1332000"/>
+          </a:xfrm>
+        </p:spPr>
+        <p:txBody>
+          <a:bodyPr wrap="square" rtlCol="0" anchor="t">
+            <a:normAutofit/>
+          </a:bodyPr>
+          <a:lstStyle/>
+          <a:p>
+            <a:pPr rtl="0"/>
+            <a:r>
+              <a:rPr lang="pl-PL" dirty="0"/>
+              <a:t>Bibliografia</a:t>
+            </a:r>
+          </a:p>
+        </p:txBody>
+      </p:sp>
+      <p:sp>
+        <p:nvSpPr>
+          <p:cNvPr id="13" name="Zawartość — symbol zastępczy 12">
+            <a:extLst>
+              <a:ext uri="{FF2B5EF4-FFF2-40B4-BE49-F238E27FC236}">
+                <a16:creationId xmlns:a16="http://schemas.microsoft.com/office/drawing/2014/main" id="{C0287FEC-3826-4868-8D93-52429C6156F5}"/>
+              </a:ext>
+            </a:extLst>
+          </p:cNvPr>
+          <p:cNvSpPr>
+            <a:spLocks noGrp="1"/>
+          </p:cNvSpPr>
+          <p:nvPr>
+            <p:ph sz="half" idx="1"/>
+          </p:nvPr>
+        </p:nvSpPr>
+        <p:spPr>
+          <a:xfrm>
+            <a:off x="550862" y="2097175"/>
+            <a:ext cx="5435600" cy="3995650"/>
+          </a:xfrm>
+        </p:spPr>
+        <p:txBody>
+          <a:bodyPr wrap="square" rtlCol="0">
+            <a:normAutofit/>
+          </a:bodyPr>
+          <a:lstStyle/>
+          <a:p>
+            <a:pPr rtl="0"/>
+            <a:r>
+              <a:rPr lang="pl-PL" dirty="0"/>
+              <a:t>[1]</a:t>
+            </a:r>
+            <a:r>
+              <a:rPr lang="pl-PL" dirty="0" err="1">
+                <a:hlinkClick r:id="rId3"/>
+              </a:rPr>
+              <a:t>Cyclic_redundancy_check_wikipedia</a:t>
+            </a:r>
+            <a:endParaRPr lang="pl-PL" dirty="0"/>
+          </a:p>
+          <a:p>
+            <a:pPr rtl="0"/>
+            <a:r>
+              <a:rPr lang="pl-PL" dirty="0"/>
+              <a:t>[2]</a:t>
+            </a:r>
+            <a:r>
+              <a:rPr lang="pl-PL" dirty="0" err="1">
+                <a:hlinkClick r:id="rId4"/>
+              </a:rPr>
+              <a:t>Mathematics_of_CRC</a:t>
+            </a:r>
+            <a:endParaRPr lang="pl-PL" dirty="0"/>
+          </a:p>
+          <a:p>
+            <a:pPr rtl="0"/>
+            <a:r>
+              <a:rPr lang="pl-PL" dirty="0"/>
+              <a:t>[3]</a:t>
+            </a:r>
+            <a:r>
+              <a:rPr lang="pl-PL" dirty="0">
+                <a:hlinkClick r:id="rId5"/>
+              </a:rPr>
+              <a:t>IEEE 802.3 - 2022</a:t>
+            </a:r>
+            <a:endParaRPr lang="pl-PL" dirty="0"/>
+          </a:p>
+        </p:txBody>
+      </p:sp>
+      <p:sp>
+        <p:nvSpPr>
+          <p:cNvPr id="6" name="Numer slajdu — symbol zastępczy 5">
+            <a:extLst>
+              <a:ext uri="{FF2B5EF4-FFF2-40B4-BE49-F238E27FC236}">
+                <a16:creationId xmlns:a16="http://schemas.microsoft.com/office/drawing/2014/main" id="{9ED907F8-C614-4D59-A03F-BF9CD5E35703}"/>
+              </a:ext>
+            </a:extLst>
+          </p:cNvPr>
+          <p:cNvSpPr>
+            <a:spLocks noGrp="1"/>
+          </p:cNvSpPr>
+          <p:nvPr>
+            <p:ph type="sldNum" sz="quarter" idx="12"/>
+          </p:nvPr>
+        </p:nvSpPr>
+        <p:spPr>
+          <a:xfrm>
+            <a:off x="9948863" y="6507212"/>
+            <a:ext cx="1692274" cy="153888"/>
+          </a:xfrm>
+        </p:spPr>
+        <p:txBody>
+          <a:bodyPr wrap="square" rtlCol="0" anchor="ctr">
+            <a:normAutofit/>
+          </a:bodyPr>
+          <a:lstStyle/>
+          <a:p>
+            <a:pPr rtl="0">
+              <a:spcAft>
+                <a:spcPts val="600"/>
+              </a:spcAft>
+            </a:pPr>
+            <a:fld id="{DBA1B0FB-D917-4C8C-928F-313BD683BF39}" type="slidenum">
+              <a:rPr lang="pl-PL" smtClean="0"/>
+              <a:pPr rtl="0">
+                <a:spcAft>
+                  <a:spcPts val="600"/>
+                </a:spcAft>
+              </a:pPr>
+              <a:t>15</a:t>
+            </a:fld>
+            <a:endParaRPr lang="pl-PL"/>
+          </a:p>
+        </p:txBody>
+      </p:sp>
+      <p:sp>
+        <p:nvSpPr>
+          <p:cNvPr id="3" name="Symbol zastępczy zawartości 2">
+            <a:extLst>
+              <a:ext uri="{FF2B5EF4-FFF2-40B4-BE49-F238E27FC236}">
+                <a16:creationId xmlns:a16="http://schemas.microsoft.com/office/drawing/2014/main" id="{6529BA9D-6250-284C-255C-31D8AC37A94A}"/>
+              </a:ext>
+            </a:extLst>
+          </p:cNvPr>
+          <p:cNvSpPr>
+            <a:spLocks noGrp="1"/>
+          </p:cNvSpPr>
+          <p:nvPr>
+            <p:ph sz="half" idx="2"/>
+          </p:nvPr>
+        </p:nvSpPr>
+        <p:spPr/>
+        <p:txBody>
+          <a:bodyPr/>
+          <a:lstStyle/>
+          <a:p>
+            <a:endParaRPr lang="pl-PL"/>
+          </a:p>
+        </p:txBody>
+      </p:sp>
+    </p:spTree>
+    <p:extLst>
+      <p:ext uri="{BB962C8B-B14F-4D97-AF65-F5344CB8AC3E}">
+        <p14:creationId xmlns:p14="http://schemas.microsoft.com/office/powerpoint/2010/main" val="3521561301"/>
+      </p:ext>
+    </p:extLst>
+  </p:cSld>
+  <p:clrMapOvr>
+    <a:masterClrMapping/>
+  </p:clrMapOvr>
+</p:sld>
+</file>
+
+<file path=ppt/slides/slide16.xml><?xml version="1.0" encoding="utf-8"?>
+<p:sld xmlns:a="http://schemas.openxmlformats.org/drawingml/2006/main" xmlns:r="http://schemas.openxmlformats.org/officeDocument/2006/relationships" xmlns:p="http://schemas.openxmlformats.org/presentationml/2006/main">
+  <p:cSld>
+    <p:spTree>
+      <p:nvGrpSpPr>
+        <p:cNvPr id="1" name=""/>
+        <p:cNvGrpSpPr/>
+        <p:nvPr/>
+      </p:nvGrpSpPr>
+      <p:grpSpPr>
+        <a:xfrm>
+          <a:off x="0" y="0"/>
+          <a:ext cx="0" cy="0"/>
+          <a:chOff x="0" y="0"/>
+          <a:chExt cx="0" cy="0"/>
+        </a:xfrm>
+      </p:grpSpPr>
+      <p:sp>
+        <p:nvSpPr>
           <p:cNvPr id="22" name="Tytuł 21">
             <a:extLst>
               <a:ext uri="{FF2B5EF4-FFF2-40B4-BE49-F238E27FC236}">
@@ -21784,7 +21748,7 @@
             <a:fld id="{DBA1B0FB-D917-4C8C-928F-313BD683BF39}" type="slidenum">
               <a:rPr lang="pl-PL" smtClean="0"/>
               <a:pPr rtl="0"/>
-              <a:t>15</a:t>
+              <a:t>16</a:t>
             </a:fld>
             <a:endParaRPr lang="pl-PL"/>
           </a:p>
@@ -23257,8 +23221,8 @@
           <a:chExt cx="0" cy="0"/>
         </a:xfrm>
       </p:grpSpPr>
-      <mc:AlternateContent xmlns:mc="http://schemas.openxmlformats.org/markup-compatibility/2006" xmlns:a14="http://schemas.microsoft.com/office/drawing/2010/main">
-        <mc:Choice Requires="a14">
+      <mc:AlternateContent xmlns:mc="http://schemas.openxmlformats.org/markup-compatibility/2006">
+        <mc:Choice xmlns:a14="http://schemas.microsoft.com/office/drawing/2010/main" Requires="a14">
           <p:sp>
             <p:nvSpPr>
               <p:cNvPr id="14" name="Content Placeholder 2">
@@ -23707,28 +23671,13 @@
                 <a:endParaRPr lang="pl-PL" sz="1600" b="0" dirty="0"/>
               </a:p>
               <a:p>
-                <a:pPr marL="342900" indent="-342900">
-                  <a:buFont typeface="Arial" panose="020B0604020202020204" pitchFamily="34" charset="0"/>
-                  <a:buChar char="•"/>
-                </a:pPr>
+                <a:pPr marL="0" indent="0"/>
                 <a:endParaRPr lang="pl-PL" sz="1600" dirty="0"/>
-              </a:p>
-              <a:p>
-                <a:pPr marL="0" indent="0" algn="ctr"/>
-                <a:r>
-                  <a:rPr lang="pl-PL" sz="1600" b="0" dirty="0"/>
-                  <a:t>Standard 802.11 dodaje </a:t>
-                </a:r>
-                <a:r>
-                  <a:rPr lang="pl-PL" sz="1600" dirty="0"/>
-                  <a:t>swoje małe zmiany do opisanego powyżej algorytmu, ale jeżeli chodzi o same założenia to nie różni się od pokazanego podejścia.</a:t>
-                </a:r>
-                <a:endParaRPr lang="pl-PL" sz="1600" b="0" dirty="0"/>
               </a:p>
             </p:txBody>
           </p:sp>
         </mc:Choice>
-        <mc:Fallback xmlns="">
+        <mc:Fallback>
           <p:sp>
             <p:nvSpPr>
               <p:cNvPr id="14" name="Content Placeholder 2">
@@ -23850,6 +23799,1128 @@
       </p:grpSpPr>
       <p:sp>
         <p:nvSpPr>
+          <p:cNvPr id="2" name="Tytuł 1">
+            <a:extLst>
+              <a:ext uri="{FF2B5EF4-FFF2-40B4-BE49-F238E27FC236}">
+                <a16:creationId xmlns:a16="http://schemas.microsoft.com/office/drawing/2014/main" id="{E3775615-0FD6-A772-8FA5-6191B91B8D20}"/>
+              </a:ext>
+            </a:extLst>
+          </p:cNvPr>
+          <p:cNvSpPr>
+            <a:spLocks noGrp="1"/>
+          </p:cNvSpPr>
+          <p:nvPr>
+            <p:ph type="title"/>
+          </p:nvPr>
+        </p:nvSpPr>
+        <p:spPr>
+          <a:xfrm>
+            <a:off x="430790" y="290657"/>
+            <a:ext cx="11090274" cy="623743"/>
+          </a:xfrm>
+        </p:spPr>
+        <p:txBody>
+          <a:bodyPr/>
+          <a:lstStyle/>
+          <a:p>
+            <a:r>
+              <a:rPr lang="pl-PL" sz="3200" dirty="0"/>
+              <a:t>CRC – sztuka projektowania wielomianu G(x)</a:t>
+            </a:r>
+          </a:p>
+        </p:txBody>
+      </p:sp>
+      <p:sp>
+        <p:nvSpPr>
+          <p:cNvPr id="5" name="Symbol zastępczy daty 4">
+            <a:extLst>
+              <a:ext uri="{FF2B5EF4-FFF2-40B4-BE49-F238E27FC236}">
+                <a16:creationId xmlns:a16="http://schemas.microsoft.com/office/drawing/2014/main" id="{0BAA7A3A-5026-D349-5E45-F31AA262157C}"/>
+              </a:ext>
+            </a:extLst>
+          </p:cNvPr>
+          <p:cNvSpPr>
+            <a:spLocks noGrp="1"/>
+          </p:cNvSpPr>
+          <p:nvPr>
+            <p:ph type="dt" sz="half" idx="10"/>
+          </p:nvPr>
+        </p:nvSpPr>
+        <p:spPr/>
+        <p:txBody>
+          <a:bodyPr/>
+          <a:lstStyle/>
+          <a:p>
+            <a:pPr rtl="0"/>
+            <a:r>
+              <a:rPr lang="pl-PL"/>
+              <a:t>Wtorek, 2 lutego 20XX</a:t>
+            </a:r>
+          </a:p>
+        </p:txBody>
+      </p:sp>
+      <p:sp>
+        <p:nvSpPr>
+          <p:cNvPr id="6" name="Symbol zastępczy stopki 5">
+            <a:extLst>
+              <a:ext uri="{FF2B5EF4-FFF2-40B4-BE49-F238E27FC236}">
+                <a16:creationId xmlns:a16="http://schemas.microsoft.com/office/drawing/2014/main" id="{63F5ACA9-E8CC-8AE4-EB88-A20D851C0C61}"/>
+              </a:ext>
+            </a:extLst>
+          </p:cNvPr>
+          <p:cNvSpPr>
+            <a:spLocks noGrp="1"/>
+          </p:cNvSpPr>
+          <p:nvPr>
+            <p:ph type="ftr" sz="quarter" idx="11"/>
+          </p:nvPr>
+        </p:nvSpPr>
+        <p:spPr/>
+        <p:txBody>
+          <a:bodyPr/>
+          <a:lstStyle/>
+          <a:p>
+            <a:pPr rtl="0"/>
+            <a:r>
+              <a:rPr lang="pl-PL"/>
+              <a:t>Przykładowy tekst stopki</a:t>
+            </a:r>
+          </a:p>
+        </p:txBody>
+      </p:sp>
+      <p:sp>
+        <p:nvSpPr>
+          <p:cNvPr id="7" name="Symbol zastępczy numeru slajdu 6">
+            <a:extLst>
+              <a:ext uri="{FF2B5EF4-FFF2-40B4-BE49-F238E27FC236}">
+                <a16:creationId xmlns:a16="http://schemas.microsoft.com/office/drawing/2014/main" id="{75B4849C-8494-1CB4-0550-A461F5102CA9}"/>
+              </a:ext>
+            </a:extLst>
+          </p:cNvPr>
+          <p:cNvSpPr>
+            <a:spLocks noGrp="1"/>
+          </p:cNvSpPr>
+          <p:nvPr>
+            <p:ph type="sldNum" sz="quarter" idx="12"/>
+          </p:nvPr>
+        </p:nvSpPr>
+        <p:spPr/>
+        <p:txBody>
+          <a:bodyPr/>
+          <a:lstStyle/>
+          <a:p>
+            <a:pPr rtl="0"/>
+            <a:fld id="{DBA1B0FB-D917-4C8C-928F-313BD683BF39}" type="slidenum">
+              <a:rPr lang="pl-PL" smtClean="0"/>
+              <a:t>6</a:t>
+            </a:fld>
+            <a:endParaRPr lang="pl-PL"/>
+          </a:p>
+        </p:txBody>
+      </p:sp>
+      <mc:AlternateContent xmlns:mc="http://schemas.openxmlformats.org/markup-compatibility/2006">
+        <mc:Choice xmlns:a14="http://schemas.microsoft.com/office/drawing/2010/main" Requires="a14">
+          <p:sp>
+            <p:nvSpPr>
+              <p:cNvPr id="10" name="Zawartość — symbol zastępczy 8">
+                <a:extLst>
+                  <a:ext uri="{FF2B5EF4-FFF2-40B4-BE49-F238E27FC236}">
+                    <a16:creationId xmlns:a16="http://schemas.microsoft.com/office/drawing/2014/main" id="{66708DB3-BBD8-280A-4DF1-4098EAC933B9}"/>
+                  </a:ext>
+                </a:extLst>
+              </p:cNvPr>
+              <p:cNvSpPr txBox="1">
+                <a:spLocks/>
+              </p:cNvSpPr>
+              <p:nvPr/>
+            </p:nvSpPr>
+            <p:spPr>
+              <a:xfrm>
+                <a:off x="430789" y="944597"/>
+                <a:ext cx="11090274" cy="5326893"/>
+              </a:xfrm>
+              <a:prstGeom prst="rect">
+                <a:avLst/>
+              </a:prstGeom>
+            </p:spPr>
+            <p:txBody>
+              <a:bodyPr rtlCol="0">
+                <a:normAutofit lnSpcReduction="10000"/>
+              </a:bodyPr>
+              <a:lstStyle>
+                <a:lvl1pPr marL="228600" indent="-228600" algn="l" defTabSz="914400" rtl="0" eaLnBrk="1" latinLnBrk="0" hangingPunct="1">
+                  <a:lnSpc>
+                    <a:spcPct val="110000"/>
+                  </a:lnSpc>
+                  <a:spcBef>
+                    <a:spcPts val="1000"/>
+                  </a:spcBef>
+                  <a:spcAft>
+                    <a:spcPts val="800"/>
+                  </a:spcAft>
+                  <a:buFont typeface="Arial" panose="020B0604020202020204" pitchFamily="34" charset="0"/>
+                  <a:buChar char="•"/>
+                  <a:defRPr sz="2000" kern="1200">
+                    <a:solidFill>
+                      <a:schemeClr val="tx1">
+                        <a:alpha val="60000"/>
+                      </a:schemeClr>
+                    </a:solidFill>
+                    <a:latin typeface="+mn-lt"/>
+                    <a:ea typeface="+mn-ea"/>
+                    <a:cs typeface="+mn-cs"/>
+                  </a:defRPr>
+                </a:lvl1pPr>
+                <a:lvl2pPr marL="685800" indent="-228600" algn="l" defTabSz="914400" rtl="0" eaLnBrk="1" latinLnBrk="0" hangingPunct="1">
+                  <a:lnSpc>
+                    <a:spcPct val="110000"/>
+                  </a:lnSpc>
+                  <a:spcBef>
+                    <a:spcPts val="500"/>
+                  </a:spcBef>
+                  <a:spcAft>
+                    <a:spcPts val="800"/>
+                  </a:spcAft>
+                  <a:buFont typeface="Arial" panose="020B0604020202020204" pitchFamily="34" charset="0"/>
+                  <a:buChar char="•"/>
+                  <a:defRPr sz="1400" kern="1200">
+                    <a:solidFill>
+                      <a:schemeClr val="tx1">
+                        <a:alpha val="60000"/>
+                      </a:schemeClr>
+                    </a:solidFill>
+                    <a:latin typeface="+mn-lt"/>
+                    <a:ea typeface="+mn-ea"/>
+                    <a:cs typeface="+mn-cs"/>
+                  </a:defRPr>
+                </a:lvl2pPr>
+                <a:lvl3pPr marL="1143000" indent="-228600" algn="l" defTabSz="914400" rtl="0" eaLnBrk="1" latinLnBrk="0" hangingPunct="1">
+                  <a:lnSpc>
+                    <a:spcPct val="110000"/>
+                  </a:lnSpc>
+                  <a:spcBef>
+                    <a:spcPts val="500"/>
+                  </a:spcBef>
+                  <a:spcAft>
+                    <a:spcPts val="800"/>
+                  </a:spcAft>
+                  <a:buFont typeface="Arial" panose="020B0604020202020204" pitchFamily="34" charset="0"/>
+                  <a:buChar char="•"/>
+                  <a:defRPr sz="1400" kern="1200">
+                    <a:solidFill>
+                      <a:schemeClr val="tx1">
+                        <a:alpha val="60000"/>
+                      </a:schemeClr>
+                    </a:solidFill>
+                    <a:latin typeface="+mn-lt"/>
+                    <a:ea typeface="+mn-ea"/>
+                    <a:cs typeface="+mn-cs"/>
+                  </a:defRPr>
+                </a:lvl3pPr>
+                <a:lvl4pPr marL="1600200" indent="-228600" algn="l" defTabSz="914400" rtl="0" eaLnBrk="1" latinLnBrk="0" hangingPunct="1">
+                  <a:lnSpc>
+                    <a:spcPct val="110000"/>
+                  </a:lnSpc>
+                  <a:spcBef>
+                    <a:spcPts val="500"/>
+                  </a:spcBef>
+                  <a:spcAft>
+                    <a:spcPts val="800"/>
+                  </a:spcAft>
+                  <a:buFont typeface="Arial" panose="020B0604020202020204" pitchFamily="34" charset="0"/>
+                  <a:buChar char="•"/>
+                  <a:defRPr sz="1400" kern="1200">
+                    <a:solidFill>
+                      <a:schemeClr val="tx1">
+                        <a:alpha val="60000"/>
+                      </a:schemeClr>
+                    </a:solidFill>
+                    <a:latin typeface="+mn-lt"/>
+                    <a:ea typeface="+mn-ea"/>
+                    <a:cs typeface="+mn-cs"/>
+                  </a:defRPr>
+                </a:lvl4pPr>
+                <a:lvl5pPr marL="2057400" indent="-228600" algn="l" defTabSz="914400" rtl="0" eaLnBrk="1" latinLnBrk="0" hangingPunct="1">
+                  <a:lnSpc>
+                    <a:spcPct val="110000"/>
+                  </a:lnSpc>
+                  <a:spcBef>
+                    <a:spcPts val="500"/>
+                  </a:spcBef>
+                  <a:spcAft>
+                    <a:spcPts val="800"/>
+                  </a:spcAft>
+                  <a:buFont typeface="Arial" panose="020B0604020202020204" pitchFamily="34" charset="0"/>
+                  <a:buChar char="•"/>
+                  <a:defRPr sz="1400" kern="1200">
+                    <a:solidFill>
+                      <a:schemeClr val="tx1">
+                        <a:alpha val="60000"/>
+                      </a:schemeClr>
+                    </a:solidFill>
+                    <a:latin typeface="+mn-lt"/>
+                    <a:ea typeface="+mn-ea"/>
+                    <a:cs typeface="+mn-cs"/>
+                  </a:defRPr>
+                </a:lvl5pPr>
+                <a:lvl6pPr marL="2514600" indent="-228600" algn="l" defTabSz="914400" rtl="0" eaLnBrk="1" latinLnBrk="0" hangingPunct="1">
+                  <a:lnSpc>
+                    <a:spcPct val="90000"/>
+                  </a:lnSpc>
+                  <a:spcBef>
+                    <a:spcPts val="500"/>
+                  </a:spcBef>
+                  <a:buFont typeface="Arial" panose="020B0604020202020204" pitchFamily="34" charset="0"/>
+                  <a:buChar char="•"/>
+                  <a:defRPr sz="1800" kern="1200">
+                    <a:solidFill>
+                      <a:schemeClr val="tx1"/>
+                    </a:solidFill>
+                    <a:latin typeface="+mn-lt"/>
+                    <a:ea typeface="+mn-ea"/>
+                    <a:cs typeface="+mn-cs"/>
+                  </a:defRPr>
+                </a:lvl6pPr>
+                <a:lvl7pPr marL="2971800" indent="-228600" algn="l" defTabSz="914400" rtl="0" eaLnBrk="1" latinLnBrk="0" hangingPunct="1">
+                  <a:lnSpc>
+                    <a:spcPct val="90000"/>
+                  </a:lnSpc>
+                  <a:spcBef>
+                    <a:spcPts val="500"/>
+                  </a:spcBef>
+                  <a:buFont typeface="Arial" panose="020B0604020202020204" pitchFamily="34" charset="0"/>
+                  <a:buChar char="•"/>
+                  <a:defRPr sz="1800" kern="1200">
+                    <a:solidFill>
+                      <a:schemeClr val="tx1"/>
+                    </a:solidFill>
+                    <a:latin typeface="+mn-lt"/>
+                    <a:ea typeface="+mn-ea"/>
+                    <a:cs typeface="+mn-cs"/>
+                  </a:defRPr>
+                </a:lvl7pPr>
+                <a:lvl8pPr marL="3429000" indent="-228600" algn="l" defTabSz="914400" rtl="0" eaLnBrk="1" latinLnBrk="0" hangingPunct="1">
+                  <a:lnSpc>
+                    <a:spcPct val="90000"/>
+                  </a:lnSpc>
+                  <a:spcBef>
+                    <a:spcPts val="500"/>
+                  </a:spcBef>
+                  <a:buFont typeface="Arial" panose="020B0604020202020204" pitchFamily="34" charset="0"/>
+                  <a:buChar char="•"/>
+                  <a:defRPr sz="1800" kern="1200">
+                    <a:solidFill>
+                      <a:schemeClr val="tx1"/>
+                    </a:solidFill>
+                    <a:latin typeface="+mn-lt"/>
+                    <a:ea typeface="+mn-ea"/>
+                    <a:cs typeface="+mn-cs"/>
+                  </a:defRPr>
+                </a:lvl8pPr>
+                <a:lvl9pPr marL="3886200" indent="-228600" algn="l" defTabSz="914400" rtl="0" eaLnBrk="1" latinLnBrk="0" hangingPunct="1">
+                  <a:lnSpc>
+                    <a:spcPct val="90000"/>
+                  </a:lnSpc>
+                  <a:spcBef>
+                    <a:spcPts val="500"/>
+                  </a:spcBef>
+                  <a:buFont typeface="Arial" panose="020B0604020202020204" pitchFamily="34" charset="0"/>
+                  <a:buChar char="•"/>
+                  <a:defRPr sz="1800" kern="1200">
+                    <a:solidFill>
+                      <a:schemeClr val="tx1"/>
+                    </a:solidFill>
+                    <a:latin typeface="+mn-lt"/>
+                    <a:ea typeface="+mn-ea"/>
+                    <a:cs typeface="+mn-cs"/>
+                  </a:defRPr>
+                </a:lvl9pPr>
+              </a:lstStyle>
+              <a:p>
+                <a:pPr marL="0" indent="0">
+                  <a:buNone/>
+                </a:pPr>
+                <a:r>
+                  <a:rPr lang="pl-PL" sz="1600" dirty="0"/>
+                  <a:t>Wielomian stopnia n </a:t>
+                </a:r>
+                <a14:m>
+                  <m:oMath xmlns:m="http://schemas.openxmlformats.org/officeDocument/2006/math">
+                    <m:r>
+                      <a:rPr lang="pl-PL" sz="1600" b="0" i="1" smtClean="0">
+                        <a:latin typeface="Cambria Math" panose="02040503050406030204" pitchFamily="18" charset="0"/>
+                      </a:rPr>
+                      <m:t>→</m:t>
+                    </m:r>
+                  </m:oMath>
+                </a14:m>
+                <a:r>
+                  <a:rPr lang="pl-PL" sz="1600" dirty="0"/>
+                  <a:t> CRC o długości (n-1) bitów.</a:t>
+                </a:r>
+              </a:p>
+              <a:p>
+                <a:r>
+                  <a:rPr lang="pl-PL" sz="1600" dirty="0"/>
+                  <a:t>Wielomian pierwotny – ma on największy „cykl” wykrywalności, wykrywa:  wszystkie 1-bitowe błędy, wszystkie 2-bitowe błędy jeśli </a:t>
+                </a:r>
+                <a:r>
+                  <a:rPr lang="pl-PL" sz="1600" dirty="0" err="1"/>
+                  <a:t>blok_danych</a:t>
+                </a:r>
+                <a:r>
+                  <a:rPr lang="pl-PL" sz="1600" dirty="0"/>
+                  <a:t> ≤ </a:t>
+                </a:r>
+                <a14:m>
+                  <m:oMath xmlns:m="http://schemas.openxmlformats.org/officeDocument/2006/math">
+                    <m:sSup>
+                      <m:sSupPr>
+                        <m:ctrlPr>
+                          <a:rPr lang="pl-PL" sz="1600" i="1" dirty="0" smtClean="0">
+                            <a:latin typeface="Cambria Math" panose="02040503050406030204" pitchFamily="18" charset="0"/>
+                          </a:rPr>
+                        </m:ctrlPr>
+                      </m:sSupPr>
+                      <m:e>
+                        <m:r>
+                          <a:rPr lang="pl-PL" sz="1600" i="1" dirty="0" smtClean="0">
+                            <a:latin typeface="Cambria Math" panose="02040503050406030204" pitchFamily="18" charset="0"/>
+                          </a:rPr>
+                          <m:t>2</m:t>
+                        </m:r>
+                      </m:e>
+                      <m:sup>
+                        <m:r>
+                          <a:rPr lang="pl-PL" sz="1600" i="1" dirty="0" smtClean="0">
+                            <a:latin typeface="Cambria Math" panose="02040503050406030204" pitchFamily="18" charset="0"/>
+                          </a:rPr>
+                          <m:t>𝑟</m:t>
+                        </m:r>
+                      </m:sup>
+                    </m:sSup>
+                    <m:r>
+                      <a:rPr lang="pl-PL" sz="1600" i="1" dirty="0" smtClean="0">
+                        <a:latin typeface="Cambria Math" panose="02040503050406030204" pitchFamily="18" charset="0"/>
+                      </a:rPr>
+                      <m:t>−1 </m:t>
+                    </m:r>
+                  </m:oMath>
+                </a14:m>
+                <a:r>
+                  <a:rPr lang="pl-PL" sz="1600" dirty="0"/>
+                  <a:t>( gdzie </a:t>
+                </a:r>
+                <a14:m>
+                  <m:oMath xmlns:m="http://schemas.openxmlformats.org/officeDocument/2006/math">
+                    <m:r>
+                      <a:rPr lang="pl-PL" sz="1600" i="1" dirty="0" smtClean="0">
+                        <a:latin typeface="Cambria Math" panose="02040503050406030204" pitchFamily="18" charset="0"/>
+                      </a:rPr>
+                      <m:t>𝑟</m:t>
+                    </m:r>
+                  </m:oMath>
+                </a14:m>
+                <a:r>
+                  <a:rPr lang="pl-PL" sz="1600" dirty="0"/>
+                  <a:t> to stopień wielomianu )</a:t>
+                </a:r>
+                <a:br>
+                  <a:rPr lang="pl-PL" sz="1600" dirty="0"/>
+                </a:br>
+                <a:br>
+                  <a:rPr lang="pl-PL" sz="1600" dirty="0"/>
+                </a:br>
+                <a:r>
+                  <a:rPr lang="pl-PL" sz="1600" dirty="0"/>
+                  <a:t>Nie mamy natomiast gwarancji wykrycia wszystkich błędów 3-bitowych, 4-bitowych itd. </a:t>
+                </a:r>
+                <a:br>
+                  <a:rPr lang="pl-PL" sz="1600" dirty="0"/>
+                </a:br>
+                <a:endParaRPr lang="pl-PL" sz="1600" dirty="0"/>
+              </a:p>
+              <a:p>
+                <a:r>
+                  <a:rPr lang="pl-PL" sz="1600" dirty="0"/>
+                  <a:t>Wielomian typu </a:t>
+                </a:r>
+                <a14:m>
+                  <m:oMath xmlns:m="http://schemas.openxmlformats.org/officeDocument/2006/math">
+                    <m:r>
+                      <a:rPr lang="pl-PL" sz="1600" i="1" dirty="0" smtClean="0">
+                        <a:latin typeface="Cambria Math" panose="02040503050406030204" pitchFamily="18" charset="0"/>
+                      </a:rPr>
+                      <m:t>𝑔</m:t>
+                    </m:r>
+                    <m:r>
+                      <a:rPr lang="pl-PL" sz="1600" i="1" dirty="0" smtClean="0">
+                        <a:latin typeface="Cambria Math" panose="02040503050406030204" pitchFamily="18" charset="0"/>
+                      </a:rPr>
+                      <m:t>(</m:t>
+                    </m:r>
+                    <m:r>
+                      <a:rPr lang="pl-PL" sz="1600" i="1" dirty="0" smtClean="0">
+                        <a:latin typeface="Cambria Math" panose="02040503050406030204" pitchFamily="18" charset="0"/>
+                      </a:rPr>
+                      <m:t>𝑥</m:t>
+                    </m:r>
+                    <m:r>
+                      <a:rPr lang="pl-PL" sz="1600" i="1" dirty="0" smtClean="0">
+                        <a:latin typeface="Cambria Math" panose="02040503050406030204" pitchFamily="18" charset="0"/>
+                      </a:rPr>
+                      <m:t>) = </m:t>
+                    </m:r>
+                    <m:r>
+                      <a:rPr lang="pl-PL" sz="1600" i="1" dirty="0" smtClean="0">
+                        <a:latin typeface="Cambria Math" panose="02040503050406030204" pitchFamily="18" charset="0"/>
+                      </a:rPr>
+                      <m:t>𝑝</m:t>
+                    </m:r>
+                    <m:r>
+                      <a:rPr lang="pl-PL" sz="1600" i="1" dirty="0" smtClean="0">
+                        <a:latin typeface="Cambria Math" panose="02040503050406030204" pitchFamily="18" charset="0"/>
+                      </a:rPr>
+                      <m:t>(</m:t>
+                    </m:r>
+                    <m:r>
+                      <a:rPr lang="pl-PL" sz="1600" i="1" dirty="0" smtClean="0">
+                        <a:latin typeface="Cambria Math" panose="02040503050406030204" pitchFamily="18" charset="0"/>
+                      </a:rPr>
+                      <m:t>𝑥</m:t>
+                    </m:r>
+                    <m:r>
+                      <a:rPr lang="pl-PL" sz="1600" i="1" dirty="0" smtClean="0">
+                        <a:latin typeface="Cambria Math" panose="02040503050406030204" pitchFamily="18" charset="0"/>
+                      </a:rPr>
+                      <m:t>) ∗ </m:t>
+                    </m:r>
+                    <m:d>
+                      <m:dPr>
+                        <m:ctrlPr>
+                          <a:rPr lang="pl-PL" sz="1600" i="1" dirty="0" smtClean="0">
+                            <a:latin typeface="Cambria Math" panose="02040503050406030204" pitchFamily="18" charset="0"/>
+                          </a:rPr>
+                        </m:ctrlPr>
+                      </m:dPr>
+                      <m:e>
+                        <m:r>
+                          <a:rPr lang="pl-PL" sz="1600" i="1" dirty="0" smtClean="0">
+                            <a:latin typeface="Cambria Math" panose="02040503050406030204" pitchFamily="18" charset="0"/>
+                          </a:rPr>
+                          <m:t>𝑥</m:t>
+                        </m:r>
+                        <m:r>
+                          <a:rPr lang="pl-PL" sz="1600" i="1" dirty="0" smtClean="0">
+                            <a:latin typeface="Cambria Math" panose="02040503050406030204" pitchFamily="18" charset="0"/>
+                          </a:rPr>
+                          <m:t>+1</m:t>
+                        </m:r>
+                      </m:e>
+                    </m:d>
+                  </m:oMath>
+                </a14:m>
+                <a:r>
+                  <a:rPr lang="pl-PL" sz="1000" dirty="0"/>
+                  <a:t> </a:t>
+                </a:r>
+                <a:r>
+                  <a:rPr lang="pl-PL" sz="1500" dirty="0"/>
+                  <a:t>, gdzie </a:t>
+                </a:r>
+                <a14:m>
+                  <m:oMath xmlns:m="http://schemas.openxmlformats.org/officeDocument/2006/math">
+                    <m:r>
+                      <a:rPr lang="pl-PL" sz="1500" i="1" dirty="0" smtClean="0">
+                        <a:latin typeface="Cambria Math" panose="02040503050406030204" pitchFamily="18" charset="0"/>
+                      </a:rPr>
+                      <m:t>𝑝</m:t>
+                    </m:r>
+                    <m:r>
+                      <a:rPr lang="pl-PL" sz="1500" i="1" dirty="0" smtClean="0">
+                        <a:latin typeface="Cambria Math" panose="02040503050406030204" pitchFamily="18" charset="0"/>
+                      </a:rPr>
+                      <m:t>(</m:t>
+                    </m:r>
+                    <m:r>
+                      <a:rPr lang="pl-PL" sz="1500" i="1" dirty="0" smtClean="0">
+                        <a:latin typeface="Cambria Math" panose="02040503050406030204" pitchFamily="18" charset="0"/>
+                      </a:rPr>
+                      <m:t>𝑥</m:t>
+                    </m:r>
+                    <m:r>
+                      <a:rPr lang="pl-PL" sz="1500" i="1" dirty="0" smtClean="0">
+                        <a:latin typeface="Cambria Math" panose="02040503050406030204" pitchFamily="18" charset="0"/>
+                      </a:rPr>
+                      <m:t>) −&gt; </m:t>
+                    </m:r>
+                  </m:oMath>
+                </a14:m>
+                <a:r>
+                  <a:rPr lang="pl-PL" sz="1500" dirty="0"/>
+                  <a:t>pierwiastek pierwotny stopnia </a:t>
+                </a:r>
+                <a14:m>
+                  <m:oMath xmlns:m="http://schemas.openxmlformats.org/officeDocument/2006/math">
+                    <m:r>
+                      <a:rPr lang="pl-PL" sz="1500" i="1" dirty="0" smtClean="0">
+                        <a:latin typeface="Cambria Math" panose="02040503050406030204" pitchFamily="18" charset="0"/>
+                      </a:rPr>
+                      <m:t>(</m:t>
+                    </m:r>
+                    <m:r>
+                      <a:rPr lang="pl-PL" sz="1500" i="1" dirty="0" smtClean="0">
+                        <a:latin typeface="Cambria Math" panose="02040503050406030204" pitchFamily="18" charset="0"/>
+                      </a:rPr>
+                      <m:t>𝑟</m:t>
+                    </m:r>
+                    <m:r>
+                      <a:rPr lang="pl-PL" sz="1500" i="1" dirty="0" smtClean="0">
+                        <a:latin typeface="Cambria Math" panose="02040503050406030204" pitchFamily="18" charset="0"/>
+                      </a:rPr>
+                      <m:t>−1)</m:t>
+                    </m:r>
+                  </m:oMath>
+                </a14:m>
+                <a:r>
+                  <a:rPr lang="pl-PL" sz="1500" dirty="0"/>
+                  <a:t>. Wielomian generujący w taki formacie wykrywa: wszystkie błędu 1-bitowe, 2-bitowe oraz wszystkie błędu o nieparzystej liczbie bitów.</a:t>
+                </a:r>
+                <a:br>
+                  <a:rPr lang="pl-PL" sz="1500" dirty="0"/>
+                </a:br>
+                <a:br>
+                  <a:rPr lang="pl-PL" sz="1500" dirty="0"/>
+                </a:br>
+                <a:r>
+                  <a:rPr lang="pl-PL" sz="1500" dirty="0"/>
+                  <a:t>Jedynie ma on krótszy maksymalny blok danych, w którym można wykryć błąd: </a:t>
+                </a:r>
+                <a14:m>
+                  <m:oMath xmlns:m="http://schemas.openxmlformats.org/officeDocument/2006/math">
+                    <m:sSup>
+                      <m:sSupPr>
+                        <m:ctrlPr>
+                          <a:rPr lang="pl-PL" sz="1500" i="1" dirty="0" smtClean="0">
+                            <a:latin typeface="Cambria Math" panose="02040503050406030204" pitchFamily="18" charset="0"/>
+                          </a:rPr>
+                        </m:ctrlPr>
+                      </m:sSupPr>
+                      <m:e>
+                        <m:r>
+                          <a:rPr lang="pl-PL" sz="1500" i="1" dirty="0" smtClean="0">
+                            <a:latin typeface="Cambria Math" panose="02040503050406030204" pitchFamily="18" charset="0"/>
+                          </a:rPr>
+                          <m:t>2</m:t>
+                        </m:r>
+                      </m:e>
+                      <m:sup>
+                        <m:r>
+                          <a:rPr lang="pl-PL" sz="1500" i="1" dirty="0" smtClean="0">
+                            <a:latin typeface="Cambria Math" panose="02040503050406030204" pitchFamily="18" charset="0"/>
+                          </a:rPr>
+                          <m:t>𝑟</m:t>
+                        </m:r>
+                        <m:r>
+                          <a:rPr lang="pl-PL" sz="1500" i="1" dirty="0" smtClean="0">
+                            <a:latin typeface="Cambria Math" panose="02040503050406030204" pitchFamily="18" charset="0"/>
+                          </a:rPr>
+                          <m:t>−1</m:t>
+                        </m:r>
+                      </m:sup>
+                    </m:sSup>
+                    <m:r>
+                      <a:rPr lang="pl-PL" sz="1500" i="1" dirty="0" smtClean="0">
+                        <a:latin typeface="Cambria Math" panose="02040503050406030204" pitchFamily="18" charset="0"/>
+                      </a:rPr>
+                      <m:t>– 1</m:t>
+                    </m:r>
+                  </m:oMath>
+                </a14:m>
+                <a:r>
+                  <a:rPr lang="pl-PL" sz="1500" dirty="0"/>
+                  <a:t>, czyli o połowę mniej niż w przypadku wielomianu generującego czysto pierwotnego.</a:t>
+                </a:r>
+              </a:p>
+              <a:p>
+                <a:r>
+                  <a:rPr lang="pl-PL" sz="1600" dirty="0"/>
+                  <a:t>A co w przypadku rozkładalnych wielomianów ?</a:t>
+                </a:r>
+                <a:br>
+                  <a:rPr lang="pl-PL" sz="1600" dirty="0"/>
+                </a:br>
+                <a:r>
+                  <a:rPr lang="pl-PL" sz="1600" dirty="0"/>
+                  <a:t>Wielomian G(x) jest rozkładalny, jeśli da się go zapisać jako:</a:t>
+                </a:r>
+                <a:br>
+                  <a:rPr lang="pl-PL" sz="1600" dirty="0"/>
+                </a:br>
+                <a14:m>
+                  <m:oMath xmlns:m="http://schemas.openxmlformats.org/officeDocument/2006/math">
+                    <m:r>
+                      <a:rPr lang="pl-PL" sz="1600" i="1" dirty="0" smtClean="0">
+                        <a:latin typeface="Cambria Math" panose="02040503050406030204" pitchFamily="18" charset="0"/>
+                      </a:rPr>
+                      <m:t>𝑔</m:t>
+                    </m:r>
+                    <m:r>
+                      <a:rPr lang="pl-PL" sz="1600" i="1" dirty="0" smtClean="0">
+                        <a:latin typeface="Cambria Math" panose="02040503050406030204" pitchFamily="18" charset="0"/>
+                      </a:rPr>
+                      <m:t>(</m:t>
+                    </m:r>
+                    <m:r>
+                      <a:rPr lang="pl-PL" sz="1600" i="1" dirty="0" smtClean="0">
+                        <a:latin typeface="Cambria Math" panose="02040503050406030204" pitchFamily="18" charset="0"/>
+                      </a:rPr>
+                      <m:t>𝑥</m:t>
+                    </m:r>
+                    <m:r>
+                      <a:rPr lang="pl-PL" sz="1600" i="1" dirty="0" smtClean="0">
+                        <a:latin typeface="Cambria Math" panose="02040503050406030204" pitchFamily="18" charset="0"/>
+                      </a:rPr>
+                      <m:t>) = </m:t>
+                    </m:r>
+                    <m:r>
+                      <a:rPr lang="pl-PL" sz="1600" i="1" dirty="0" smtClean="0">
+                        <a:latin typeface="Cambria Math" panose="02040503050406030204" pitchFamily="18" charset="0"/>
+                      </a:rPr>
+                      <m:t>𝑓</m:t>
+                    </m:r>
+                    <m:r>
+                      <a:rPr lang="pl-PL" sz="1600" i="1" dirty="0" smtClean="0">
+                        <a:latin typeface="Cambria Math" panose="02040503050406030204" pitchFamily="18" charset="0"/>
+                      </a:rPr>
+                      <m:t>(</m:t>
+                    </m:r>
+                    <m:r>
+                      <a:rPr lang="pl-PL" sz="1600" i="1" dirty="0" smtClean="0">
+                        <a:latin typeface="Cambria Math" panose="02040503050406030204" pitchFamily="18" charset="0"/>
+                      </a:rPr>
+                      <m:t>𝑥</m:t>
+                    </m:r>
+                    <m:r>
+                      <a:rPr lang="pl-PL" sz="1600" i="1" dirty="0" smtClean="0">
+                        <a:latin typeface="Cambria Math" panose="02040503050406030204" pitchFamily="18" charset="0"/>
+                      </a:rPr>
+                      <m:t>)∗</m:t>
+                    </m:r>
+                    <m:r>
+                      <a:rPr lang="pl-PL" sz="1600" i="1" dirty="0" smtClean="0">
+                        <a:latin typeface="Cambria Math" panose="02040503050406030204" pitchFamily="18" charset="0"/>
+                      </a:rPr>
+                      <m:t>h</m:t>
+                    </m:r>
+                    <m:r>
+                      <a:rPr lang="pl-PL" sz="1600" i="1" dirty="0" smtClean="0">
+                        <a:latin typeface="Cambria Math" panose="02040503050406030204" pitchFamily="18" charset="0"/>
+                      </a:rPr>
+                      <m:t>(</m:t>
+                    </m:r>
+                    <m:r>
+                      <a:rPr lang="pl-PL" sz="1600" i="1" dirty="0" smtClean="0">
+                        <a:latin typeface="Cambria Math" panose="02040503050406030204" pitchFamily="18" charset="0"/>
+                      </a:rPr>
+                      <m:t>𝑥</m:t>
+                    </m:r>
+                    <m:r>
+                      <a:rPr lang="pl-PL" sz="1600" i="1" dirty="0" smtClean="0">
+                        <a:latin typeface="Cambria Math" panose="02040503050406030204" pitchFamily="18" charset="0"/>
+                      </a:rPr>
+                      <m:t>)</m:t>
+                    </m:r>
+                  </m:oMath>
+                </a14:m>
+                <a:br>
+                  <a:rPr lang="pl-PL" sz="1600" dirty="0"/>
+                </a:br>
+                <a:r>
+                  <a:rPr lang="pl-PL" sz="1600" dirty="0"/>
+                  <a:t>Wtedy pierścień resztkowy nie jest ciałem, tylko ma w sobie tzw. Zero-dzielniki. Są to takie elementy a(x), dla którego istnieje element niezerowy b(x), że:</a:t>
+                </a:r>
+                <a:br>
+                  <a:rPr lang="pl-PL" sz="1600" dirty="0"/>
+                </a:br>
+                <a14:m>
+                  <m:oMath xmlns:m="http://schemas.openxmlformats.org/officeDocument/2006/math">
+                    <m:r>
+                      <a:rPr lang="pl-PL" sz="1600" i="1" dirty="0" smtClean="0">
+                        <a:latin typeface="Cambria Math" panose="02040503050406030204" pitchFamily="18" charset="0"/>
+                      </a:rPr>
+                      <m:t>𝑎</m:t>
+                    </m:r>
+                    <m:d>
+                      <m:dPr>
+                        <m:ctrlPr>
+                          <a:rPr lang="pl-PL" sz="1600" i="1" dirty="0" smtClean="0">
+                            <a:latin typeface="Cambria Math" panose="02040503050406030204" pitchFamily="18" charset="0"/>
+                          </a:rPr>
+                        </m:ctrlPr>
+                      </m:dPr>
+                      <m:e>
+                        <m:r>
+                          <a:rPr lang="pl-PL" sz="1600" i="1" dirty="0" smtClean="0">
+                            <a:latin typeface="Cambria Math" panose="02040503050406030204" pitchFamily="18" charset="0"/>
+                          </a:rPr>
+                          <m:t>𝑥</m:t>
+                        </m:r>
+                      </m:e>
+                    </m:d>
+                    <m:r>
+                      <a:rPr lang="pl-PL" sz="1600" i="1" dirty="0" smtClean="0">
+                        <a:latin typeface="Cambria Math" panose="02040503050406030204" pitchFamily="18" charset="0"/>
+                      </a:rPr>
+                      <m:t>∗</m:t>
+                    </m:r>
+                    <m:r>
+                      <a:rPr lang="pl-PL" sz="1600" i="1" dirty="0" smtClean="0">
+                        <a:latin typeface="Cambria Math" panose="02040503050406030204" pitchFamily="18" charset="0"/>
+                      </a:rPr>
+                      <m:t>𝑏</m:t>
+                    </m:r>
+                    <m:d>
+                      <m:dPr>
+                        <m:ctrlPr>
+                          <a:rPr lang="pl-PL" sz="1600" i="1" dirty="0" smtClean="0">
+                            <a:latin typeface="Cambria Math" panose="02040503050406030204" pitchFamily="18" charset="0"/>
+                          </a:rPr>
+                        </m:ctrlPr>
+                      </m:dPr>
+                      <m:e>
+                        <m:r>
+                          <a:rPr lang="pl-PL" sz="1600" i="1" dirty="0" smtClean="0">
+                            <a:latin typeface="Cambria Math" panose="02040503050406030204" pitchFamily="18" charset="0"/>
+                          </a:rPr>
+                          <m:t>𝑥</m:t>
+                        </m:r>
+                      </m:e>
+                    </m:d>
+                    <m:r>
+                      <a:rPr lang="pl-PL" sz="1600" i="1" dirty="0" smtClean="0">
+                        <a:latin typeface="Cambria Math" panose="02040503050406030204" pitchFamily="18" charset="0"/>
+                      </a:rPr>
+                      <m:t>= 0 </m:t>
+                    </m:r>
+                    <m:r>
+                      <a:rPr lang="pl-PL" sz="1600" i="1" dirty="0" err="1" smtClean="0">
+                        <a:latin typeface="Cambria Math" panose="02040503050406030204" pitchFamily="18" charset="0"/>
+                      </a:rPr>
+                      <m:t>𝑚𝑜𝑑</m:t>
+                    </m:r>
+                    <m:r>
+                      <a:rPr lang="pl-PL" sz="1600" i="1" dirty="0" smtClean="0">
+                        <a:latin typeface="Cambria Math" panose="02040503050406030204" pitchFamily="18" charset="0"/>
+                      </a:rPr>
+                      <m:t> </m:t>
+                    </m:r>
+                    <m:r>
+                      <a:rPr lang="pl-PL" sz="1600" i="1" dirty="0" smtClean="0">
+                        <a:latin typeface="Cambria Math" panose="02040503050406030204" pitchFamily="18" charset="0"/>
+                      </a:rPr>
+                      <m:t>𝑔</m:t>
+                    </m:r>
+                    <m:d>
+                      <m:dPr>
+                        <m:ctrlPr>
+                          <a:rPr lang="pl-PL" sz="1600" i="1" dirty="0" smtClean="0">
+                            <a:latin typeface="Cambria Math" panose="02040503050406030204" pitchFamily="18" charset="0"/>
+                          </a:rPr>
+                        </m:ctrlPr>
+                      </m:dPr>
+                      <m:e>
+                        <m:r>
+                          <a:rPr lang="pl-PL" sz="1600" i="1" dirty="0" smtClean="0">
+                            <a:latin typeface="Cambria Math" panose="02040503050406030204" pitchFamily="18" charset="0"/>
+                          </a:rPr>
+                          <m:t>𝑥</m:t>
+                        </m:r>
+                      </m:e>
+                    </m:d>
+                  </m:oMath>
+                </a14:m>
+                <a:br>
+                  <a:rPr lang="pl-PL" sz="1600" dirty="0"/>
+                </a:br>
+                <a:r>
+                  <a:rPr lang="pl-PL" sz="1600" dirty="0"/>
+                  <a:t>Zatem jeśli jakiś błąd przyjmie taką właśnie postać, to nie będziemy w stanie go wykryć za pomocą CRC.</a:t>
+                </a:r>
+              </a:p>
+            </p:txBody>
+          </p:sp>
+        </mc:Choice>
+        <mc:Fallback>
+          <p:sp>
+            <p:nvSpPr>
+              <p:cNvPr id="10" name="Zawartość — symbol zastępczy 8">
+                <a:extLst>
+                  <a:ext uri="{FF2B5EF4-FFF2-40B4-BE49-F238E27FC236}">
+                    <a16:creationId xmlns:a16="http://schemas.microsoft.com/office/drawing/2014/main" id="{66708DB3-BBD8-280A-4DF1-4098EAC933B9}"/>
+                  </a:ext>
+                </a:extLst>
+              </p:cNvPr>
+              <p:cNvSpPr txBox="1">
+                <a:spLocks noRot="1" noChangeAspect="1" noMove="1" noResize="1" noEditPoints="1" noAdjustHandles="1" noChangeArrowheads="1" noChangeShapeType="1" noTextEdit="1"/>
+              </p:cNvSpPr>
+              <p:nvPr/>
+            </p:nvSpPr>
+            <p:spPr>
+              <a:xfrm>
+                <a:off x="430789" y="944597"/>
+                <a:ext cx="11090274" cy="5326893"/>
+              </a:xfrm>
+              <a:prstGeom prst="rect">
+                <a:avLst/>
+              </a:prstGeom>
+              <a:blipFill>
+                <a:blip r:embed="rId2"/>
+                <a:stretch>
+                  <a:fillRect l="-330" t="-343" r="-220"/>
+                </a:stretch>
+              </a:blipFill>
+            </p:spPr>
+            <p:txBody>
+              <a:bodyPr/>
+              <a:lstStyle/>
+              <a:p>
+                <a:r>
+                  <a:rPr lang="pl-PL">
+                    <a:noFill/>
+                  </a:rPr>
+                  <a:t> </a:t>
+                </a:r>
+              </a:p>
+            </p:txBody>
+          </p:sp>
+        </mc:Fallback>
+      </mc:AlternateContent>
+    </p:spTree>
+    <p:extLst>
+      <p:ext uri="{BB962C8B-B14F-4D97-AF65-F5344CB8AC3E}">
+        <p14:creationId xmlns:p14="http://schemas.microsoft.com/office/powerpoint/2010/main" val="3152177789"/>
+      </p:ext>
+    </p:extLst>
+  </p:cSld>
+  <p:clrMapOvr>
+    <a:masterClrMapping/>
+  </p:clrMapOvr>
+</p:sld>
+</file>
+
+<file path=ppt/slides/slide7.xml><?xml version="1.0" encoding="utf-8"?>
+<p:sld xmlns:a="http://schemas.openxmlformats.org/drawingml/2006/main" xmlns:r="http://schemas.openxmlformats.org/officeDocument/2006/relationships" xmlns:p="http://schemas.openxmlformats.org/presentationml/2006/main">
+  <p:cSld>
+    <p:spTree>
+      <p:nvGrpSpPr>
+        <p:cNvPr id="1" name=""/>
+        <p:cNvGrpSpPr/>
+        <p:nvPr/>
+      </p:nvGrpSpPr>
+      <p:grpSpPr>
+        <a:xfrm>
+          <a:off x="0" y="0"/>
+          <a:ext cx="0" cy="0"/>
+          <a:chOff x="0" y="0"/>
+          <a:chExt cx="0" cy="0"/>
+        </a:xfrm>
+      </p:grpSpPr>
+      <p:sp>
+        <p:nvSpPr>
+          <p:cNvPr id="2" name="Tytuł 1">
+            <a:extLst>
+              <a:ext uri="{FF2B5EF4-FFF2-40B4-BE49-F238E27FC236}">
+                <a16:creationId xmlns:a16="http://schemas.microsoft.com/office/drawing/2014/main" id="{3A21D8B7-E5B0-7582-2B4A-AA51CDE17638}"/>
+              </a:ext>
+            </a:extLst>
+          </p:cNvPr>
+          <p:cNvSpPr>
+            <a:spLocks noGrp="1"/>
+          </p:cNvSpPr>
+          <p:nvPr>
+            <p:ph type="title"/>
+          </p:nvPr>
+        </p:nvSpPr>
+        <p:spPr/>
+        <p:txBody>
+          <a:bodyPr/>
+          <a:lstStyle/>
+          <a:p>
+            <a:endParaRPr lang="pl-PL"/>
+          </a:p>
+        </p:txBody>
+      </p:sp>
+      <p:sp>
+        <p:nvSpPr>
+          <p:cNvPr id="3" name="Symbol zastępczy zawartości 2">
+            <a:extLst>
+              <a:ext uri="{FF2B5EF4-FFF2-40B4-BE49-F238E27FC236}">
+                <a16:creationId xmlns:a16="http://schemas.microsoft.com/office/drawing/2014/main" id="{98DF8D17-2DD5-199C-58E2-91C5B895A1C8}"/>
+              </a:ext>
+            </a:extLst>
+          </p:cNvPr>
+          <p:cNvSpPr>
+            <a:spLocks noGrp="1"/>
+          </p:cNvSpPr>
+          <p:nvPr>
+            <p:ph sz="quarter" idx="15"/>
+          </p:nvPr>
+        </p:nvSpPr>
+        <p:spPr/>
+        <p:txBody>
+          <a:bodyPr/>
+          <a:lstStyle/>
+          <a:p>
+            <a:endParaRPr lang="pl-PL"/>
+          </a:p>
+        </p:txBody>
+      </p:sp>
+      <p:sp>
+        <p:nvSpPr>
+          <p:cNvPr id="4" name="Symbol zastępczy obrazu 3">
+            <a:extLst>
+              <a:ext uri="{FF2B5EF4-FFF2-40B4-BE49-F238E27FC236}">
+                <a16:creationId xmlns:a16="http://schemas.microsoft.com/office/drawing/2014/main" id="{89EE3B3D-82A8-C5B2-45C4-43C4CD794367}"/>
+              </a:ext>
+            </a:extLst>
+          </p:cNvPr>
+          <p:cNvSpPr>
+            <a:spLocks noGrp="1"/>
+          </p:cNvSpPr>
+          <p:nvPr>
+            <p:ph type="pic" sz="quarter" idx="13"/>
+          </p:nvPr>
+        </p:nvSpPr>
+        <p:spPr/>
+        <p:txBody>
+          <a:bodyPr/>
+          <a:lstStyle/>
+          <a:p>
+            <a:endParaRPr lang="pl-PL"/>
+          </a:p>
+        </p:txBody>
+      </p:sp>
+      <p:sp>
+        <p:nvSpPr>
+          <p:cNvPr id="5" name="Symbol zastępczy daty 4">
+            <a:extLst>
+              <a:ext uri="{FF2B5EF4-FFF2-40B4-BE49-F238E27FC236}">
+                <a16:creationId xmlns:a16="http://schemas.microsoft.com/office/drawing/2014/main" id="{911D19DC-90C1-9509-6C34-115ACB1C4B0D}"/>
+              </a:ext>
+            </a:extLst>
+          </p:cNvPr>
+          <p:cNvSpPr>
+            <a:spLocks noGrp="1"/>
+          </p:cNvSpPr>
+          <p:nvPr>
+            <p:ph type="dt" sz="half" idx="10"/>
+          </p:nvPr>
+        </p:nvSpPr>
+        <p:spPr/>
+        <p:txBody>
+          <a:bodyPr/>
+          <a:lstStyle/>
+          <a:p>
+            <a:pPr rtl="0"/>
+            <a:r>
+              <a:rPr lang="pl-PL"/>
+              <a:t>Wtorek, 2 lutego 20XX</a:t>
+            </a:r>
+          </a:p>
+        </p:txBody>
+      </p:sp>
+      <p:sp>
+        <p:nvSpPr>
+          <p:cNvPr id="6" name="Symbol zastępczy stopki 5">
+            <a:extLst>
+              <a:ext uri="{FF2B5EF4-FFF2-40B4-BE49-F238E27FC236}">
+                <a16:creationId xmlns:a16="http://schemas.microsoft.com/office/drawing/2014/main" id="{E8BE03B6-8D4E-1FCD-3186-B7FC1FF8CC2D}"/>
+              </a:ext>
+            </a:extLst>
+          </p:cNvPr>
+          <p:cNvSpPr>
+            <a:spLocks noGrp="1"/>
+          </p:cNvSpPr>
+          <p:nvPr>
+            <p:ph type="ftr" sz="quarter" idx="11"/>
+          </p:nvPr>
+        </p:nvSpPr>
+        <p:spPr/>
+        <p:txBody>
+          <a:bodyPr/>
+          <a:lstStyle/>
+          <a:p>
+            <a:pPr rtl="0"/>
+            <a:r>
+              <a:rPr lang="pl-PL"/>
+              <a:t>Przykładowy tekst stopki</a:t>
+            </a:r>
+          </a:p>
+        </p:txBody>
+      </p:sp>
+      <p:sp>
+        <p:nvSpPr>
+          <p:cNvPr id="7" name="Symbol zastępczy numeru slajdu 6">
+            <a:extLst>
+              <a:ext uri="{FF2B5EF4-FFF2-40B4-BE49-F238E27FC236}">
+                <a16:creationId xmlns:a16="http://schemas.microsoft.com/office/drawing/2014/main" id="{B0E4ADD1-4AAF-FCFB-2523-C3B18693E959}"/>
+              </a:ext>
+            </a:extLst>
+          </p:cNvPr>
+          <p:cNvSpPr>
+            <a:spLocks noGrp="1"/>
+          </p:cNvSpPr>
+          <p:nvPr>
+            <p:ph type="sldNum" sz="quarter" idx="12"/>
+          </p:nvPr>
+        </p:nvSpPr>
+        <p:spPr/>
+        <p:txBody>
+          <a:bodyPr/>
+          <a:lstStyle/>
+          <a:p>
+            <a:pPr rtl="0"/>
+            <a:fld id="{DBA1B0FB-D917-4C8C-928F-313BD683BF39}" type="slidenum">
+              <a:rPr lang="pl-PL" smtClean="0"/>
+              <a:t>7</a:t>
+            </a:fld>
+            <a:endParaRPr lang="pl-PL"/>
+          </a:p>
+        </p:txBody>
+      </p:sp>
+    </p:spTree>
+    <p:extLst>
+      <p:ext uri="{BB962C8B-B14F-4D97-AF65-F5344CB8AC3E}">
+        <p14:creationId xmlns:p14="http://schemas.microsoft.com/office/powerpoint/2010/main" val="3436805233"/>
+      </p:ext>
+    </p:extLst>
+  </p:cSld>
+  <p:clrMapOvr>
+    <a:masterClrMapping/>
+  </p:clrMapOvr>
+</p:sld>
+</file>
+
+<file path=ppt/slides/slide8.xml><?xml version="1.0" encoding="utf-8"?>
+<p:sld xmlns:a="http://schemas.openxmlformats.org/drawingml/2006/main" xmlns:r="http://schemas.openxmlformats.org/officeDocument/2006/relationships" xmlns:p="http://schemas.openxmlformats.org/presentationml/2006/main">
+  <p:cSld>
+    <p:spTree>
+      <p:nvGrpSpPr>
+        <p:cNvPr id="1" name=""/>
+        <p:cNvGrpSpPr/>
+        <p:nvPr/>
+      </p:nvGrpSpPr>
+      <p:grpSpPr>
+        <a:xfrm>
+          <a:off x="0" y="0"/>
+          <a:ext cx="0" cy="0"/>
+          <a:chOff x="0" y="0"/>
+          <a:chExt cx="0" cy="0"/>
+        </a:xfrm>
+      </p:grpSpPr>
+      <p:sp>
+        <p:nvSpPr>
           <p:cNvPr id="12" name="Title 1">
             <a:extLst>
               <a:ext uri="{FF2B5EF4-FFF2-40B4-BE49-F238E27FC236}">
@@ -23922,7 +24993,7 @@
                   <a:spcPts val="600"/>
                 </a:spcAft>
               </a:pPr>
-              <a:t>6</a:t>
+              <a:t>8</a:t>
             </a:fld>
             <a:endParaRPr lang="pl-PL"/>
           </a:p>
@@ -24001,7 +25072,7 @@
 </p:sld>
 </file>
 
-<file path=ppt/slides/slide7.xml><?xml version="1.0" encoding="utf-8"?>
+<file path=ppt/slides/slide9.xml><?xml version="1.0" encoding="utf-8"?>
 <p:sld xmlns:a="http://schemas.openxmlformats.org/drawingml/2006/main" xmlns:r="http://schemas.openxmlformats.org/officeDocument/2006/relationships" xmlns:p="http://schemas.openxmlformats.org/presentationml/2006/main">
   <p:cSld>
     <p:spTree>
@@ -24054,75 +25125,6 @@
       </p:sp>
       <p:sp>
         <p:nvSpPr>
-          <p:cNvPr id="4" name="Data — symbol zastępczy 3">
-            <a:extLst>
-              <a:ext uri="{FF2B5EF4-FFF2-40B4-BE49-F238E27FC236}">
-                <a16:creationId xmlns:a16="http://schemas.microsoft.com/office/drawing/2014/main" id="{E39EF484-38C8-4EDC-ACF5-695CFB216839}"/>
-              </a:ext>
-            </a:extLst>
-          </p:cNvPr>
-          <p:cNvSpPr>
-            <a:spLocks noGrp="1"/>
-          </p:cNvSpPr>
-          <p:nvPr>
-            <p:ph type="dt" sz="half" idx="10"/>
-          </p:nvPr>
-        </p:nvSpPr>
-        <p:spPr>
-          <a:xfrm>
-            <a:off x="550863" y="6507212"/>
-            <a:ext cx="2628900" cy="153888"/>
-          </a:xfrm>
-        </p:spPr>
-        <p:txBody>
-          <a:bodyPr rtlCol="0"/>
-          <a:lstStyle/>
-          <a:p>
-            <a:pPr rtl="0"/>
-            <a:r>
-              <a:rPr lang="pl-PL"/>
-              <a:t>Wtorek, 2 lutego 20XX</a:t>
-            </a:r>
-            <a:endParaRPr lang="pl-PL" dirty="0"/>
-          </a:p>
-        </p:txBody>
-      </p:sp>
-      <p:sp>
-        <p:nvSpPr>
-          <p:cNvPr id="5" name="Stopka — symbol zastępczy 4">
-            <a:extLst>
-              <a:ext uri="{FF2B5EF4-FFF2-40B4-BE49-F238E27FC236}">
-                <a16:creationId xmlns:a16="http://schemas.microsoft.com/office/drawing/2014/main" id="{AFD183D7-B16E-4A9D-BC4B-D1EC347BF97E}"/>
-              </a:ext>
-            </a:extLst>
-          </p:cNvPr>
-          <p:cNvSpPr>
-            <a:spLocks noGrp="1"/>
-          </p:cNvSpPr>
-          <p:nvPr>
-            <p:ph type="ftr" sz="quarter" idx="11"/>
-          </p:nvPr>
-        </p:nvSpPr>
-        <p:spPr>
-          <a:xfrm>
-            <a:off x="3359150" y="6507212"/>
-            <a:ext cx="6379210" cy="153888"/>
-          </a:xfrm>
-        </p:spPr>
-        <p:txBody>
-          <a:bodyPr rtlCol="0"/>
-          <a:lstStyle/>
-          <a:p>
-            <a:pPr rtl="0"/>
-            <a:r>
-              <a:rPr lang="pl-PL"/>
-              <a:t>Przykładowy tekst stopki</a:t>
-            </a:r>
-          </a:p>
-        </p:txBody>
-      </p:sp>
-      <p:sp>
-        <p:nvSpPr>
           <p:cNvPr id="6" name="Numer slajdu — symbol zastępczy 5">
             <a:extLst>
               <a:ext uri="{FF2B5EF4-FFF2-40B4-BE49-F238E27FC236}">
@@ -24151,14 +25153,14 @@
             <a:fld id="{DBA1B0FB-D917-4C8C-928F-313BD683BF39}" type="slidenum">
               <a:rPr lang="pl-PL" smtClean="0"/>
               <a:pPr rtl="0"/>
-              <a:t>7</a:t>
+              <a:t>9</a:t>
             </a:fld>
             <a:endParaRPr lang="pl-PL"/>
           </a:p>
         </p:txBody>
       </p:sp>
-      <mc:AlternateContent xmlns:mc="http://schemas.openxmlformats.org/markup-compatibility/2006" xmlns:a14="http://schemas.microsoft.com/office/drawing/2010/main">
-        <mc:Choice Requires="a14">
+      <mc:AlternateContent xmlns:mc="http://schemas.openxmlformats.org/markup-compatibility/2006">
+        <mc:Choice xmlns:a14="http://schemas.microsoft.com/office/drawing/2010/main" Requires="a14">
           <p:sp>
             <p:nvSpPr>
               <p:cNvPr id="3" name="Symbol zastępczy zawartości 2">
@@ -24175,81 +25177,45 @@
                 <p:ph idx="1"/>
               </p:nvPr>
             </p:nvSpPr>
-            <p:spPr/>
+            <p:spPr>
+              <a:xfrm>
+                <a:off x="550862" y="1219200"/>
+                <a:ext cx="11188555" cy="5375563"/>
+              </a:xfrm>
+            </p:spPr>
             <p:txBody>
               <a:bodyPr/>
               <a:lstStyle/>
               <a:p>
+                <a:pPr marL="0" indent="0">
+                  <a:buNone/>
+                </a:pPr>
                 <a:r>
-                  <a:rPr lang="pl-PL" dirty="0"/>
-                  <a:t>CRC opiera się na teorii systematycznych kodów cyklicznych. Kody cykliczne są szczególnie efektywne w wykrywaniu tzw. błędów grupowych ( </a:t>
-                </a:r>
-                <a:r>
-                  <a:rPr lang="pl-PL" b="1" i="1" dirty="0" err="1"/>
-                  <a:t>burst</a:t>
-                </a:r>
-                <a:r>
-                  <a:rPr lang="pl-PL" b="1" i="1" dirty="0"/>
-                  <a:t> </a:t>
-                </a:r>
-                <a:r>
-                  <a:rPr lang="pl-PL" b="1" i="1" dirty="0" err="1"/>
-                  <a:t>errors</a:t>
-                </a:r>
-                <a:r>
-                  <a:rPr lang="pl-PL" dirty="0"/>
-                  <a:t> ).  Wynika to z faktu iż błąd grupowy jest to po prostu ciąg błędnych bitów o długości </a:t>
+                  <a:rPr lang="pl-PL" sz="1500" dirty="0"/>
+                  <a:t>Jeśli dane zostaną zmienione ( np. przez zakłócenie transmisji ), to odebrany ciąg będzie się różnił od oryginału. Tę różnicę zapisuje się jako wielomian błędu </a:t>
                 </a:r>
                 <a14:m>
                   <m:oMath xmlns:m="http://schemas.openxmlformats.org/officeDocument/2006/math">
                     <m:r>
-                      <a:rPr lang="pl-PL" i="1" dirty="0" smtClean="0">
-                        <a:latin typeface="Cambria Math" panose="02040503050406030204" pitchFamily="18" charset="0"/>
-                      </a:rPr>
-                      <m:t>𝐿</m:t>
-                    </m:r>
-                  </m:oMath>
-                </a14:m>
-                <a:r>
-                  <a:rPr lang="pl-PL" dirty="0"/>
-                  <a:t> np. </a:t>
-                </a:r>
-                <a14:m>
-                  <m:oMath xmlns:m="http://schemas.openxmlformats.org/officeDocument/2006/math">
-                    <m:r>
-                      <a:rPr lang="pl-PL" i="1" dirty="0" smtClean="0">
-                        <a:latin typeface="Cambria Math" panose="02040503050406030204" pitchFamily="18" charset="0"/>
-                      </a:rPr>
-                      <m:t>0011100</m:t>
-                    </m:r>
-                  </m:oMath>
-                </a14:m>
-                <a:r>
-                  <a:rPr lang="pl-PL" dirty="0"/>
-                  <a:t>, gdzie błędy występują na sąsiadujących pozycjach. Matematycznie takowy błąd może zostać przedstawiony jako wielomian </a:t>
-                </a:r>
-                <a14:m>
-                  <m:oMath xmlns:m="http://schemas.openxmlformats.org/officeDocument/2006/math">
-                    <m:r>
-                      <a:rPr lang="pl-PL" i="1" dirty="0" smtClean="0">
+                      <a:rPr lang="pl-PL" sz="1500" i="1" dirty="0" smtClean="0">
                         <a:latin typeface="Cambria Math" panose="02040503050406030204" pitchFamily="18" charset="0"/>
                       </a:rPr>
                       <m:t>𝐸</m:t>
                     </m:r>
                     <m:r>
-                      <a:rPr lang="pl-PL" i="1" dirty="0" smtClean="0">
+                      <a:rPr lang="pl-PL" sz="1500" i="1" dirty="0" smtClean="0">
                         <a:latin typeface="Cambria Math" panose="02040503050406030204" pitchFamily="18" charset="0"/>
                       </a:rPr>
                       <m:t>(</m:t>
                     </m:r>
                     <m:r>
-                      <a:rPr lang="pl-PL" i="1" dirty="0" smtClean="0">
+                      <a:rPr lang="pl-PL" sz="1500" i="1" dirty="0" smtClean="0">
                         <a:latin typeface="Cambria Math" panose="02040503050406030204" pitchFamily="18" charset="0"/>
                       </a:rPr>
                       <m:t>𝑥</m:t>
                     </m:r>
                     <m:r>
-                      <a:rPr lang="pl-PL" i="1" dirty="0" smtClean="0">
+                      <a:rPr lang="pl-PL" sz="1500" i="1" dirty="0" smtClean="0">
                         <a:latin typeface="Cambria Math" panose="02040503050406030204" pitchFamily="18" charset="0"/>
                       </a:rPr>
                       <m:t>)</m:t>
@@ -24257,118 +25223,73 @@
                   </m:oMath>
                 </a14:m>
                 <a:r>
-                  <a:rPr lang="pl-PL" dirty="0"/>
-                  <a:t> ( stopnień takiego wielomianu jest ograniczony przez długość </a:t>
+                  <a:rPr lang="pl-PL" sz="1500" dirty="0"/>
+                  <a:t>.</a:t>
                 </a:r>
+                <a:br>
+                  <a:rPr lang="pl-PL" sz="1500" dirty="0"/>
+                </a:br>
+                <a:br>
+                  <a:rPr lang="pl-PL" sz="1500" dirty="0"/>
+                </a:br>
                 <a:r>
-                  <a:rPr lang="pl-PL" dirty="0" err="1"/>
-                  <a:t>burst</a:t>
-                </a:r>
-                <a:r>
-                  <a:rPr lang="pl-PL" dirty="0"/>
-                  <a:t>-u  </a:t>
+                  <a:rPr lang="pl-PL" sz="1500" dirty="0"/>
+                  <a:t>CRC będzie w stanie wykryć błąd tylko wtedy gdy </a:t>
                 </a:r>
                 <a14:m>
                   <m:oMath xmlns:m="http://schemas.openxmlformats.org/officeDocument/2006/math">
                     <m:r>
-                      <a:rPr lang="pl-PL" b="0" i="0" dirty="0" smtClean="0">
-                        <a:latin typeface="Cambria Math" panose="02040503050406030204" pitchFamily="18" charset="0"/>
-                      </a:rPr>
-                      <m:t>→</m:t>
-                    </m:r>
-                    <m:r>
-                      <a:rPr lang="pl-PL" i="1" dirty="0" smtClean="0">
-                        <a:latin typeface="Cambria Math" panose="02040503050406030204" pitchFamily="18" charset="0"/>
-                      </a:rPr>
-                      <m:t>𝐿</m:t>
-                    </m:r>
-                    <m:r>
-                      <a:rPr lang="pl-PL" i="1" dirty="0" smtClean="0">
-                        <a:latin typeface="Cambria Math" panose="02040503050406030204" pitchFamily="18" charset="0"/>
-                      </a:rPr>
-                      <m:t>−1</m:t>
-                    </m:r>
-                  </m:oMath>
-                </a14:m>
-                <a:r>
-                  <a:rPr lang="pl-PL" dirty="0"/>
-                  <a:t> dla naszego przykładu ).  CRC gwarantuje wykrycie wszystkich błędów grupowych o długości </a:t>
-                </a:r>
-                <a14:m>
-                  <m:oMath xmlns:m="http://schemas.openxmlformats.org/officeDocument/2006/math">
-                    <m:r>
-                      <a:rPr lang="pl-PL" i="1" dirty="0" smtClean="0">
-                        <a:latin typeface="Cambria Math" panose="02040503050406030204" pitchFamily="18" charset="0"/>
-                      </a:rPr>
-                      <m:t>𝐿</m:t>
-                    </m:r>
-                    <m:r>
-                      <a:rPr lang="pl-PL" i="1" dirty="0" smtClean="0">
-                        <a:latin typeface="Cambria Math" panose="02040503050406030204" pitchFamily="18" charset="0"/>
-                      </a:rPr>
-                      <m:t> ≤ </m:t>
-                    </m:r>
-                    <m:r>
-                      <a:rPr lang="pl-PL" i="1" dirty="0" smtClean="0">
-                        <a:latin typeface="Cambria Math" panose="02040503050406030204" pitchFamily="18" charset="0"/>
-                      </a:rPr>
-                      <m:t>𝑛</m:t>
-                    </m:r>
-                    <m:r>
-                      <a:rPr lang="pl-PL" i="1" dirty="0" smtClean="0">
-                        <a:latin typeface="Cambria Math" panose="02040503050406030204" pitchFamily="18" charset="0"/>
-                      </a:rPr>
-                      <m:t>+1</m:t>
-                    </m:r>
-                  </m:oMath>
-                </a14:m>
-                <a:r>
-                  <a:rPr lang="pl-PL" dirty="0"/>
-                  <a:t>,  gdzie </a:t>
-                </a:r>
-                <a14:m>
-                  <m:oMath xmlns:m="http://schemas.openxmlformats.org/officeDocument/2006/math">
-                    <m:r>
-                      <a:rPr lang="pl-PL" i="1" dirty="0" smtClean="0">
-                        <a:latin typeface="Cambria Math" panose="02040503050406030204" pitchFamily="18" charset="0"/>
-                      </a:rPr>
-                      <m:t>𝑛</m:t>
-                    </m:r>
-                  </m:oMath>
-                </a14:m>
-                <a:r>
-                  <a:rPr lang="pl-PL" dirty="0"/>
-                  <a:t> to stopień wielomianu generującego. </a:t>
-                </a:r>
-                <a:br>
-                  <a:rPr lang="pl-PL" dirty="0"/>
-                </a:br>
-                <a:r>
-                  <a:rPr lang="pl-PL" dirty="0"/>
-                  <a:t>Fakt ten wynika z tego, że wielomian błędu </a:t>
-                </a:r>
-                <a14:m>
-                  <m:oMath xmlns:m="http://schemas.openxmlformats.org/officeDocument/2006/math">
-                    <m:r>
-                      <a:rPr lang="pl-PL" i="1" dirty="0" smtClean="0">
+                      <a:rPr lang="pl-PL" sz="1500" i="1" dirty="0" smtClean="0">
                         <a:latin typeface="Cambria Math" panose="02040503050406030204" pitchFamily="18" charset="0"/>
                       </a:rPr>
                       <m:t>𝐸</m:t>
                     </m:r>
                     <m:r>
-                      <a:rPr lang="pl-PL" i="1" dirty="0" smtClean="0">
+                      <a:rPr lang="pl-PL" sz="1500" i="1" dirty="0" smtClean="0">
                         <a:latin typeface="Cambria Math" panose="02040503050406030204" pitchFamily="18" charset="0"/>
                       </a:rPr>
                       <m:t>(</m:t>
                     </m:r>
                     <m:r>
-                      <a:rPr lang="pl-PL" i="1" dirty="0" smtClean="0">
+                      <a:rPr lang="pl-PL" sz="1500" i="1" dirty="0" smtClean="0">
                         <a:latin typeface="Cambria Math" panose="02040503050406030204" pitchFamily="18" charset="0"/>
                       </a:rPr>
                       <m:t>𝑥</m:t>
                     </m:r>
                     <m:r>
-                      <a:rPr lang="pl-PL" i="1" dirty="0" smtClean="0">
+                      <a:rPr lang="pl-PL" sz="1500" i="1" dirty="0" smtClean="0">
+                        <a:latin typeface="Cambria Math" panose="02040503050406030204" pitchFamily="18" charset="0"/>
+                      </a:rPr>
+                      <m:t>) </m:t>
+                    </m:r>
+                  </m:oMath>
+                </a14:m>
+                <a:r>
+                  <a:rPr lang="pl-PL" sz="1500" dirty="0"/>
+                  <a:t>nie dzieli się przez </a:t>
+                </a:r>
+                <a14:m>
+                  <m:oMath xmlns:m="http://schemas.openxmlformats.org/officeDocument/2006/math">
+                    <m:r>
+                      <a:rPr lang="pl-PL" sz="1500" i="1" dirty="0" smtClean="0">
+                        <a:latin typeface="Cambria Math" panose="02040503050406030204" pitchFamily="18" charset="0"/>
+                      </a:rPr>
+                      <m:t>𝐺</m:t>
+                    </m:r>
+                    <m:r>
+                      <a:rPr lang="pl-PL" sz="1500" i="1" dirty="0" smtClean="0">
+                        <a:latin typeface="Cambria Math" panose="02040503050406030204" pitchFamily="18" charset="0"/>
+                      </a:rPr>
+                      <m:t>(</m:t>
+                    </m:r>
+                    <m:r>
+                      <a:rPr lang="pl-PL" sz="1500" i="1" dirty="0" smtClean="0">
+                        <a:latin typeface="Cambria Math" panose="02040503050406030204" pitchFamily="18" charset="0"/>
+                      </a:rPr>
+                      <m:t>𝑥</m:t>
+                    </m:r>
+                    <m:r>
+                      <a:rPr lang="pl-PL" sz="1500" i="1" dirty="0" smtClean="0">
                         <a:latin typeface="Cambria Math" panose="02040503050406030204" pitchFamily="18" charset="0"/>
                       </a:rPr>
                       <m:t>)</m:t>
@@ -24376,31 +25297,396 @@
                   </m:oMath>
                 </a14:m>
                 <a:r>
-                  <a:rPr lang="pl-PL" dirty="0"/>
-                  <a:t> musi być podzielny przez </a:t>
+                  <a:rPr lang="pl-PL" sz="1500" dirty="0"/>
+                  <a:t>.</a:t>
+                </a:r>
+                <a:br>
+                  <a:rPr lang="pl-PL" sz="1500" dirty="0"/>
+                </a:br>
+                <a:br>
+                  <a:rPr lang="pl-PL" sz="1500" dirty="0"/>
+                </a:br>
+                <a:r>
+                  <a:rPr lang="pl-PL" sz="1500" dirty="0"/>
+                  <a:t>Jakie błędy zatem jesteśmy w stanie wykryć z pomocą kodów cyklicznych CRC-x ?</a:t>
+                </a:r>
+              </a:p>
+              <a:p>
+                <a:r>
+                  <a:rPr lang="pl-PL" sz="1500" dirty="0"/>
+                  <a:t>Błędy pojedynczego bitu:</a:t>
+                </a:r>
+                <a:br>
+                  <a:rPr lang="pl-PL" sz="1500" dirty="0"/>
+                </a:br>
+                <a:r>
+                  <a:rPr lang="pl-PL" sz="1500" dirty="0"/>
+                  <a:t>Tego typu błędy są wykrywane zawsze, jeśli wielomian G(x) ma co najmniej dwa niezerowe wyrazy.</a:t>
+                </a:r>
+                <a:br>
+                  <a:rPr lang="pl-PL" sz="1500" dirty="0"/>
+                </a:br>
+                <a:r>
+                  <a:rPr lang="pl-PL" sz="1500" dirty="0"/>
+                  <a:t>Wyjaśnienie:</a:t>
+                </a:r>
+                <a:br>
+                  <a:rPr lang="pl-PL" sz="1500" dirty="0"/>
+                </a:br>
+                <a14:m>
+                  <m:oMath xmlns:m="http://schemas.openxmlformats.org/officeDocument/2006/math">
+                    <m:r>
+                      <a:rPr lang="pl-PL" sz="1500" i="1" dirty="0" smtClean="0">
+                        <a:latin typeface="Cambria Math" panose="02040503050406030204" pitchFamily="18" charset="0"/>
+                      </a:rPr>
+                      <m:t>𝐸</m:t>
+                    </m:r>
+                    <m:d>
+                      <m:dPr>
+                        <m:ctrlPr>
+                          <a:rPr lang="pl-PL" sz="1500" i="1" dirty="0" smtClean="0">
+                            <a:latin typeface="Cambria Math" panose="02040503050406030204" pitchFamily="18" charset="0"/>
+                          </a:rPr>
+                        </m:ctrlPr>
+                      </m:dPr>
+                      <m:e>
+                        <m:r>
+                          <a:rPr lang="pl-PL" sz="1500" i="1" dirty="0" smtClean="0">
+                            <a:latin typeface="Cambria Math" panose="02040503050406030204" pitchFamily="18" charset="0"/>
+                          </a:rPr>
+                          <m:t>𝑥</m:t>
+                        </m:r>
+                      </m:e>
+                    </m:d>
+                    <m:r>
+                      <a:rPr lang="pl-PL" sz="1500" i="1" dirty="0" smtClean="0">
+                        <a:latin typeface="Cambria Math" panose="02040503050406030204" pitchFamily="18" charset="0"/>
+                      </a:rPr>
+                      <m:t>= </m:t>
+                    </m:r>
+                    <m:sSup>
+                      <m:sSupPr>
+                        <m:ctrlPr>
+                          <a:rPr lang="pl-PL" sz="1500" i="1" dirty="0" smtClean="0">
+                            <a:latin typeface="Cambria Math" panose="02040503050406030204" pitchFamily="18" charset="0"/>
+                          </a:rPr>
+                        </m:ctrlPr>
+                      </m:sSupPr>
+                      <m:e>
+                        <m:r>
+                          <a:rPr lang="pl-PL" sz="1500" i="1" dirty="0" smtClean="0">
+                            <a:latin typeface="Cambria Math" panose="02040503050406030204" pitchFamily="18" charset="0"/>
+                          </a:rPr>
+                          <m:t>𝑥</m:t>
+                        </m:r>
+                      </m:e>
+                      <m:sup>
+                        <m:r>
+                          <a:rPr lang="pl-PL" sz="1500" i="1" dirty="0" smtClean="0">
+                            <a:latin typeface="Cambria Math" panose="02040503050406030204" pitchFamily="18" charset="0"/>
+                          </a:rPr>
+                          <m:t>5</m:t>
+                        </m:r>
+                      </m:sup>
+                    </m:sSup>
+                    <m:r>
+                      <a:rPr lang="pl-PL" sz="1500" i="1" dirty="0" smtClean="0">
+                        <a:latin typeface="Cambria Math" panose="02040503050406030204" pitchFamily="18" charset="0"/>
+                      </a:rPr>
+                      <m:t>→ </m:t>
+                    </m:r>
+                    <m:r>
+                      <a:rPr lang="pl-PL" sz="1500" i="1" dirty="0" smtClean="0">
+                        <a:latin typeface="Cambria Math" panose="02040503050406030204" pitchFamily="18" charset="0"/>
+                      </a:rPr>
+                      <m:t>𝑤𝑖𝑒𝑙𝑜𝑚𝑖𝑎𝑛</m:t>
+                    </m:r>
+                    <m:r>
+                      <a:rPr lang="pl-PL" sz="1500" i="1" dirty="0" smtClean="0">
+                        <a:latin typeface="Cambria Math" panose="02040503050406030204" pitchFamily="18" charset="0"/>
+                      </a:rPr>
+                      <m:t> </m:t>
+                    </m:r>
+                    <m:sSup>
+                      <m:sSupPr>
+                        <m:ctrlPr>
+                          <a:rPr lang="pl-PL" sz="1500" i="1" dirty="0" err="1" smtClean="0">
+                            <a:latin typeface="Cambria Math" panose="02040503050406030204" pitchFamily="18" charset="0"/>
+                          </a:rPr>
+                        </m:ctrlPr>
+                      </m:sSupPr>
+                      <m:e>
+                        <m:r>
+                          <a:rPr lang="pl-PL" sz="1500" i="1" dirty="0" err="1" smtClean="0">
+                            <a:latin typeface="Cambria Math" panose="02040503050406030204" pitchFamily="18" charset="0"/>
+                          </a:rPr>
+                          <m:t>𝑥</m:t>
+                        </m:r>
+                      </m:e>
+                      <m:sup>
+                        <m:r>
+                          <a:rPr lang="pl-PL" sz="1500" i="1" dirty="0" err="1" smtClean="0">
+                            <a:latin typeface="Cambria Math" panose="02040503050406030204" pitchFamily="18" charset="0"/>
+                          </a:rPr>
+                          <m:t>𝑘</m:t>
+                        </m:r>
+                      </m:sup>
+                    </m:sSup>
+                    <m:r>
+                      <a:rPr lang="pl-PL" sz="1500" b="0" i="1" dirty="0" smtClean="0">
+                        <a:latin typeface="Cambria Math" panose="02040503050406030204" pitchFamily="18" charset="0"/>
+                      </a:rPr>
+                      <m:t> </m:t>
+                    </m:r>
+                    <m:r>
+                      <a:rPr lang="pl-PL" sz="1500" i="1" dirty="0" smtClean="0">
+                        <a:latin typeface="Cambria Math" panose="02040503050406030204" pitchFamily="18" charset="0"/>
+                      </a:rPr>
+                      <m:t>𝑑𝑧𝑖𝑒𝑙𝑖</m:t>
+                    </m:r>
+                    <m:r>
+                      <a:rPr lang="pl-PL" sz="1500" i="1" dirty="0" smtClean="0">
+                        <a:latin typeface="Cambria Math" panose="02040503050406030204" pitchFamily="18" charset="0"/>
+                      </a:rPr>
+                      <m:t> </m:t>
+                    </m:r>
+                    <m:r>
+                      <a:rPr lang="pl-PL" sz="1500" i="1" dirty="0" smtClean="0">
+                        <a:latin typeface="Cambria Math" panose="02040503050406030204" pitchFamily="18" charset="0"/>
+                      </a:rPr>
+                      <m:t>𝑠𝑖</m:t>
+                    </m:r>
+                    <m:r>
+                      <a:rPr lang="pl-PL" sz="1500" i="1" dirty="0" smtClean="0">
+                        <a:latin typeface="Cambria Math" panose="02040503050406030204" pitchFamily="18" charset="0"/>
+                      </a:rPr>
+                      <m:t>ę </m:t>
+                    </m:r>
+                    <m:r>
+                      <a:rPr lang="pl-PL" sz="1500" i="1" dirty="0" smtClean="0">
+                        <a:latin typeface="Cambria Math" panose="02040503050406030204" pitchFamily="18" charset="0"/>
+                      </a:rPr>
+                      <m:t>𝑡𝑦𝑙𝑘𝑜</m:t>
+                    </m:r>
+                    <m:r>
+                      <a:rPr lang="pl-PL" sz="1500" i="1" dirty="0" smtClean="0">
+                        <a:latin typeface="Cambria Math" panose="02040503050406030204" pitchFamily="18" charset="0"/>
+                      </a:rPr>
+                      <m:t> </m:t>
+                    </m:r>
+                    <m:r>
+                      <a:rPr lang="pl-PL" sz="1500" i="1" dirty="0" smtClean="0">
+                        <a:latin typeface="Cambria Math" panose="02040503050406030204" pitchFamily="18" charset="0"/>
+                      </a:rPr>
+                      <m:t>𝑝𝑟𝑧𝑒𝑧</m:t>
+                    </m:r>
+                    <m:r>
+                      <a:rPr lang="pl-PL" sz="1500" i="1" dirty="0" smtClean="0">
+                        <a:latin typeface="Cambria Math" panose="02040503050406030204" pitchFamily="18" charset="0"/>
+                      </a:rPr>
+                      <m:t> </m:t>
+                    </m:r>
+                    <m:r>
+                      <a:rPr lang="pl-PL" sz="1500" i="1" dirty="0" smtClean="0">
+                        <a:latin typeface="Cambria Math" panose="02040503050406030204" pitchFamily="18" charset="0"/>
+                      </a:rPr>
+                      <m:t>𝑥</m:t>
+                    </m:r>
+                    <m:r>
+                      <a:rPr lang="pl-PL" sz="1500" i="1" dirty="0" smtClean="0">
+                        <a:latin typeface="Cambria Math" panose="02040503050406030204" pitchFamily="18" charset="0"/>
+                      </a:rPr>
+                      <m:t>, </m:t>
+                    </m:r>
+                    <m:sSup>
+                      <m:sSupPr>
+                        <m:ctrlPr>
+                          <a:rPr lang="pl-PL" sz="1500" i="1" dirty="0" smtClean="0">
+                            <a:latin typeface="Cambria Math" panose="02040503050406030204" pitchFamily="18" charset="0"/>
+                          </a:rPr>
+                        </m:ctrlPr>
+                      </m:sSupPr>
+                      <m:e>
+                        <m:r>
+                          <a:rPr lang="pl-PL" sz="1500" i="1" dirty="0" smtClean="0">
+                            <a:latin typeface="Cambria Math" panose="02040503050406030204" pitchFamily="18" charset="0"/>
+                          </a:rPr>
+                          <m:t>𝑥</m:t>
+                        </m:r>
+                      </m:e>
+                      <m:sup>
+                        <m:r>
+                          <a:rPr lang="pl-PL" sz="1500" i="1" dirty="0" smtClean="0">
+                            <a:latin typeface="Cambria Math" panose="02040503050406030204" pitchFamily="18" charset="0"/>
+                          </a:rPr>
+                          <m:t>2</m:t>
+                        </m:r>
+                      </m:sup>
+                    </m:sSup>
+                    <m:r>
+                      <a:rPr lang="pl-PL" sz="1500" i="1" dirty="0" smtClean="0">
+                        <a:latin typeface="Cambria Math" panose="02040503050406030204" pitchFamily="18" charset="0"/>
+                      </a:rPr>
+                      <m:t>, </m:t>
+                    </m:r>
+                    <m:sSup>
+                      <m:sSupPr>
+                        <m:ctrlPr>
+                          <a:rPr lang="pl-PL" sz="1500" i="1" dirty="0" smtClean="0">
+                            <a:latin typeface="Cambria Math" panose="02040503050406030204" pitchFamily="18" charset="0"/>
+                          </a:rPr>
+                        </m:ctrlPr>
+                      </m:sSupPr>
+                      <m:e>
+                        <m:r>
+                          <a:rPr lang="pl-PL" sz="1500" i="1" dirty="0" smtClean="0">
+                            <a:latin typeface="Cambria Math" panose="02040503050406030204" pitchFamily="18" charset="0"/>
+                          </a:rPr>
+                          <m:t>𝑥</m:t>
+                        </m:r>
+                      </m:e>
+                      <m:sup>
+                        <m:r>
+                          <a:rPr lang="pl-PL" sz="1500" i="1" dirty="0" smtClean="0">
+                            <a:latin typeface="Cambria Math" panose="02040503050406030204" pitchFamily="18" charset="0"/>
+                          </a:rPr>
+                          <m:t>3</m:t>
+                        </m:r>
+                      </m:sup>
+                    </m:sSup>
+                    <m:r>
+                      <a:rPr lang="pl-PL" sz="1500" i="1" dirty="0" smtClean="0">
+                        <a:latin typeface="Cambria Math" panose="02040503050406030204" pitchFamily="18" charset="0"/>
+                      </a:rPr>
+                      <m:t>, … </m:t>
+                    </m:r>
+                    <m:d>
+                      <m:dPr>
+                        <m:ctrlPr>
+                          <a:rPr lang="pl-PL" sz="1500" i="1" dirty="0" smtClean="0">
+                            <a:latin typeface="Cambria Math" panose="02040503050406030204" pitchFamily="18" charset="0"/>
+                          </a:rPr>
+                        </m:ctrlPr>
+                      </m:dPr>
+                      <m:e>
+                        <m:r>
+                          <a:rPr lang="pl-PL" sz="1500" i="1" dirty="0" smtClean="0">
+                            <a:latin typeface="Cambria Math" panose="02040503050406030204" pitchFamily="18" charset="0"/>
+                          </a:rPr>
+                          <m:t> </m:t>
+                        </m:r>
+                        <m:r>
+                          <a:rPr lang="pl-PL" sz="1500" i="1" dirty="0" smtClean="0">
+                            <a:latin typeface="Cambria Math" panose="02040503050406030204" pitchFamily="18" charset="0"/>
+                          </a:rPr>
+                          <m:t>𝑤𝑖𝑒𝑙𝑜𝑚𝑖𝑎𝑛𝑦</m:t>
+                        </m:r>
+                        <m:r>
+                          <a:rPr lang="pl-PL" sz="1500" i="1" dirty="0" smtClean="0">
+                            <a:latin typeface="Cambria Math" panose="02040503050406030204" pitchFamily="18" charset="0"/>
+                          </a:rPr>
+                          <m:t> </m:t>
+                        </m:r>
+                        <m:r>
+                          <a:rPr lang="pl-PL" sz="1500" i="1" dirty="0" smtClean="0">
+                            <a:latin typeface="Cambria Math" panose="02040503050406030204" pitchFamily="18" charset="0"/>
+                          </a:rPr>
+                          <m:t>𝑡𝑦𝑙𝑘𝑜</m:t>
+                        </m:r>
+                        <m:r>
+                          <a:rPr lang="pl-PL" sz="1500" i="1" dirty="0" smtClean="0">
+                            <a:latin typeface="Cambria Math" panose="02040503050406030204" pitchFamily="18" charset="0"/>
+                          </a:rPr>
+                          <m:t> </m:t>
+                        </m:r>
+                        <m:r>
+                          <a:rPr lang="pl-PL" sz="1500" i="1" dirty="0" smtClean="0">
+                            <a:latin typeface="Cambria Math" panose="02040503050406030204" pitchFamily="18" charset="0"/>
+                          </a:rPr>
+                          <m:t>𝑧</m:t>
+                        </m:r>
+                        <m:r>
+                          <a:rPr lang="pl-PL" sz="1500" i="1" dirty="0" smtClean="0">
+                            <a:latin typeface="Cambria Math" panose="02040503050406030204" pitchFamily="18" charset="0"/>
+                          </a:rPr>
+                          <m:t> </m:t>
+                        </m:r>
+                        <m:r>
+                          <a:rPr lang="pl-PL" sz="1500" i="1" dirty="0" smtClean="0">
+                            <a:latin typeface="Cambria Math" panose="02040503050406030204" pitchFamily="18" charset="0"/>
+                          </a:rPr>
+                          <m:t>𝑗𝑒𝑑𝑛𝑦𝑚</m:t>
+                        </m:r>
+                        <m:r>
+                          <a:rPr lang="pl-PL" sz="1500" i="1" dirty="0" smtClean="0">
+                            <a:latin typeface="Cambria Math" panose="02040503050406030204" pitchFamily="18" charset="0"/>
+                          </a:rPr>
+                          <m:t> </m:t>
+                        </m:r>
+                        <m:r>
+                          <a:rPr lang="pl-PL" sz="1500" i="1" dirty="0" smtClean="0">
+                            <a:latin typeface="Cambria Math" panose="02040503050406030204" pitchFamily="18" charset="0"/>
+                          </a:rPr>
+                          <m:t>𝑤𝑠𝑝</m:t>
+                        </m:r>
+                        <m:r>
+                          <a:rPr lang="pl-PL" sz="1500" i="1" dirty="0" smtClean="0">
+                            <a:latin typeface="Cambria Math" panose="02040503050406030204" pitchFamily="18" charset="0"/>
+                          </a:rPr>
+                          <m:t>ół</m:t>
+                        </m:r>
+                        <m:r>
+                          <a:rPr lang="pl-PL" sz="1500" i="1" dirty="0" smtClean="0">
+                            <a:latin typeface="Cambria Math" panose="02040503050406030204" pitchFamily="18" charset="0"/>
+                          </a:rPr>
+                          <m:t>𝑐𝑧𝑦𝑛𝑛𝑖𝑘𝑖𝑒𝑚</m:t>
+                        </m:r>
+                        <m:r>
+                          <a:rPr lang="pl-PL" sz="1500" i="1" dirty="0" smtClean="0">
+                            <a:latin typeface="Cambria Math" panose="02040503050406030204" pitchFamily="18" charset="0"/>
+                          </a:rPr>
+                          <m:t> </m:t>
+                        </m:r>
+                      </m:e>
+                    </m:d>
+                  </m:oMath>
+                </a14:m>
+                <a:endParaRPr lang="pl-PL" sz="1500" dirty="0"/>
+              </a:p>
+              <a:p>
+                <a:r>
+                  <a:rPr lang="pl-PL" sz="1500" dirty="0"/>
+                  <a:t>Błędy dwóch bitów</a:t>
+                </a:r>
+                <a:br>
+                  <a:rPr lang="pl-PL" sz="1500" dirty="0"/>
+                </a:br>
+                <a:r>
+                  <a:rPr lang="pl-PL" sz="1500" dirty="0"/>
+                  <a:t>Taki błąd zostanie wykryty, jeśli odległość między błędnymi bitami jest mniejsza niż rząd ( order ) tzw. wielomianu pierwotnego zawartego pod postacią </a:t>
                 </a:r>
                 <a14:m>
                   <m:oMath xmlns:m="http://schemas.openxmlformats.org/officeDocument/2006/math">
                     <m:r>
-                      <a:rPr lang="pl-PL" i="1" dirty="0" smtClean="0">
+                      <a:rPr lang="pl-PL" sz="1500" i="1" dirty="0" smtClean="0">
                         <a:latin typeface="Cambria Math" panose="02040503050406030204" pitchFamily="18" charset="0"/>
                       </a:rPr>
                       <m:t>𝐺</m:t>
                     </m:r>
                     <m:r>
-                      <a:rPr lang="pl-PL" i="1" dirty="0" smtClean="0">
+                      <a:rPr lang="pl-PL" sz="1500" i="1" dirty="0" smtClean="0">
                         <a:latin typeface="Cambria Math" panose="02040503050406030204" pitchFamily="18" charset="0"/>
                       </a:rPr>
                       <m:t>(</m:t>
                     </m:r>
                     <m:r>
-                      <a:rPr lang="pl-PL" i="1" dirty="0" smtClean="0">
+                      <a:rPr lang="pl-PL" sz="1500" i="1" dirty="0" smtClean="0">
                         <a:latin typeface="Cambria Math" panose="02040503050406030204" pitchFamily="18" charset="0"/>
                       </a:rPr>
                       <m:t>𝑥</m:t>
                     </m:r>
                     <m:r>
-                      <a:rPr lang="pl-PL" i="1" dirty="0" smtClean="0">
+                      <a:rPr lang="pl-PL" sz="1500" i="1" dirty="0" smtClean="0">
                         <a:latin typeface="Cambria Math" panose="02040503050406030204" pitchFamily="18" charset="0"/>
                       </a:rPr>
                       <m:t>)</m:t>
@@ -24408,24 +25694,431 @@
                   </m:oMath>
                 </a14:m>
                 <a:r>
-                  <a:rPr lang="pl-PL" dirty="0"/>
-                  <a:t>, aby błąd pozostał niewykryty, co jest bardzo mało prawdopodobne dla dobrze dobranych wielomianów generujących.</a:t>
+                  <a:rPr lang="pl-PL" sz="1500" dirty="0"/>
+                  <a:t>. </a:t>
                 </a:r>
                 <a:br>
-                  <a:rPr lang="pl-PL" dirty="0"/>
-                </a:br>
-                <a:br>
-                  <a:rPr lang="pl-PL" dirty="0"/>
+                  <a:rPr lang="pl-PL" sz="1500" dirty="0"/>
                 </a:br>
                 <a:r>
-                  <a:rPr lang="pl-PL" dirty="0"/>
-                  <a:t>Oczywiście detekcja dłuższych przekłamań jest możliwa, ale nie jest już gwarantowana.</a:t>
+                  <a:rPr lang="pl-PL" sz="1500" dirty="0"/>
+                  <a:t>Wyjaśnienie:</a:t>
                 </a:r>
+                <a:br>
+                  <a:rPr lang="pl-PL" sz="1500" dirty="0"/>
+                </a:br>
+                <a14:m>
+                  <m:oMath xmlns:m="http://schemas.openxmlformats.org/officeDocument/2006/math">
+                    <m:r>
+                      <a:rPr lang="pl-PL" sz="1500" i="1" dirty="0">
+                        <a:latin typeface="Cambria Math" panose="02040503050406030204" pitchFamily="18" charset="0"/>
+                      </a:rPr>
+                      <m:t>𝐸</m:t>
+                    </m:r>
+                    <m:d>
+                      <m:dPr>
+                        <m:ctrlPr>
+                          <a:rPr lang="pl-PL" sz="1500" i="1" dirty="0">
+                            <a:latin typeface="Cambria Math" panose="02040503050406030204" pitchFamily="18" charset="0"/>
+                          </a:rPr>
+                        </m:ctrlPr>
+                      </m:dPr>
+                      <m:e>
+                        <m:r>
+                          <a:rPr lang="pl-PL" sz="1500" i="1" dirty="0">
+                            <a:latin typeface="Cambria Math" panose="02040503050406030204" pitchFamily="18" charset="0"/>
+                          </a:rPr>
+                          <m:t>𝑥</m:t>
+                        </m:r>
+                      </m:e>
+                    </m:d>
+                    <m:r>
+                      <a:rPr lang="pl-PL" sz="1500" i="1" dirty="0">
+                        <a:latin typeface="Cambria Math" panose="02040503050406030204" pitchFamily="18" charset="0"/>
+                      </a:rPr>
+                      <m:t>= </m:t>
+                    </m:r>
+                    <m:sSup>
+                      <m:sSupPr>
+                        <m:ctrlPr>
+                          <a:rPr lang="pl-PL" sz="1500" i="1" dirty="0" err="1">
+                            <a:latin typeface="Cambria Math" panose="02040503050406030204" pitchFamily="18" charset="0"/>
+                          </a:rPr>
+                        </m:ctrlPr>
+                      </m:sSupPr>
+                      <m:e>
+                        <m:r>
+                          <a:rPr lang="pl-PL" sz="1500" i="1" dirty="0" err="1">
+                            <a:latin typeface="Cambria Math" panose="02040503050406030204" pitchFamily="18" charset="0"/>
+                          </a:rPr>
+                          <m:t>𝑥</m:t>
+                        </m:r>
+                      </m:e>
+                      <m:sup>
+                        <m:r>
+                          <a:rPr lang="pl-PL" sz="1500" i="1" dirty="0" err="1">
+                            <a:latin typeface="Cambria Math" panose="02040503050406030204" pitchFamily="18" charset="0"/>
+                          </a:rPr>
+                          <m:t>𝑘</m:t>
+                        </m:r>
+                      </m:sup>
+                    </m:sSup>
+                    <m:r>
+                      <a:rPr lang="pl-PL" sz="1500" i="1" dirty="0">
+                        <a:latin typeface="Cambria Math" panose="02040503050406030204" pitchFamily="18" charset="0"/>
+                      </a:rPr>
+                      <m:t>∗ </m:t>
+                    </m:r>
+                    <m:d>
+                      <m:dPr>
+                        <m:ctrlPr>
+                          <a:rPr lang="pl-PL" sz="1500" i="1" dirty="0">
+                            <a:latin typeface="Cambria Math" panose="02040503050406030204" pitchFamily="18" charset="0"/>
+                          </a:rPr>
+                        </m:ctrlPr>
+                      </m:dPr>
+                      <m:e>
+                        <m:sSup>
+                          <m:sSupPr>
+                            <m:ctrlPr>
+                              <a:rPr lang="pl-PL" sz="1500" i="1" dirty="0">
+                                <a:latin typeface="Cambria Math" panose="02040503050406030204" pitchFamily="18" charset="0"/>
+                              </a:rPr>
+                            </m:ctrlPr>
+                          </m:sSupPr>
+                          <m:e>
+                            <m:r>
+                              <a:rPr lang="pl-PL" sz="1500" i="1" dirty="0">
+                                <a:latin typeface="Cambria Math" panose="02040503050406030204" pitchFamily="18" charset="0"/>
+                              </a:rPr>
+                              <m:t>𝑥</m:t>
+                            </m:r>
+                          </m:e>
+                          <m:sup>
+                            <m:r>
+                              <a:rPr lang="pl-PL" sz="1500" i="1" dirty="0">
+                                <a:latin typeface="Cambria Math" panose="02040503050406030204" pitchFamily="18" charset="0"/>
+                              </a:rPr>
+                              <m:t>𝑖</m:t>
+                            </m:r>
+                            <m:r>
+                              <a:rPr lang="pl-PL" sz="1500" i="1" dirty="0">
+                                <a:latin typeface="Cambria Math" panose="02040503050406030204" pitchFamily="18" charset="0"/>
+                              </a:rPr>
+                              <m:t>−</m:t>
+                            </m:r>
+                            <m:r>
+                              <a:rPr lang="pl-PL" sz="1500" i="1" dirty="0">
+                                <a:latin typeface="Cambria Math" panose="02040503050406030204" pitchFamily="18" charset="0"/>
+                              </a:rPr>
+                              <m:t>𝑘</m:t>
+                            </m:r>
+                          </m:sup>
+                        </m:sSup>
+                        <m:r>
+                          <a:rPr lang="pl-PL" sz="1500" i="1" dirty="0">
+                            <a:latin typeface="Cambria Math" panose="02040503050406030204" pitchFamily="18" charset="0"/>
+                          </a:rPr>
+                          <m:t>+1</m:t>
+                        </m:r>
+                      </m:e>
+                    </m:d>
+                    <m:r>
+                      <a:rPr lang="pl-PL" sz="1500" i="1" dirty="0">
+                        <a:latin typeface="Cambria Math" panose="02040503050406030204" pitchFamily="18" charset="0"/>
+                      </a:rPr>
+                      <m:t> →</m:t>
+                    </m:r>
+                    <m:r>
+                      <a:rPr lang="pl-PL" sz="1500" i="1" dirty="0">
+                        <a:latin typeface="Cambria Math" panose="02040503050406030204" pitchFamily="18" charset="0"/>
+                      </a:rPr>
+                      <m:t>𝑤𝑖𝑑𝑧𝑖𝑚𝑦</m:t>
+                    </m:r>
+                    <m:r>
+                      <a:rPr lang="pl-PL" sz="1500" i="1" dirty="0">
+                        <a:latin typeface="Cambria Math" panose="02040503050406030204" pitchFamily="18" charset="0"/>
+                      </a:rPr>
+                      <m:t>, ż</m:t>
+                    </m:r>
+                    <m:r>
+                      <a:rPr lang="pl-PL" sz="1500" i="1" dirty="0">
+                        <a:latin typeface="Cambria Math" panose="02040503050406030204" pitchFamily="18" charset="0"/>
+                      </a:rPr>
+                      <m:t>𝑒</m:t>
+                    </m:r>
+                    <m:r>
+                      <a:rPr lang="pl-PL" sz="1500" i="1" dirty="0">
+                        <a:latin typeface="Cambria Math" panose="02040503050406030204" pitchFamily="18" charset="0"/>
+                      </a:rPr>
+                      <m:t> </m:t>
+                    </m:r>
+                    <m:r>
+                      <a:rPr lang="pl-PL" sz="1500" i="1" dirty="0">
+                        <a:latin typeface="Cambria Math" panose="02040503050406030204" pitchFamily="18" charset="0"/>
+                      </a:rPr>
+                      <m:t>𝐺</m:t>
+                    </m:r>
+                    <m:d>
+                      <m:dPr>
+                        <m:ctrlPr>
+                          <a:rPr lang="pl-PL" sz="1500" i="1" dirty="0">
+                            <a:latin typeface="Cambria Math" panose="02040503050406030204" pitchFamily="18" charset="0"/>
+                          </a:rPr>
+                        </m:ctrlPr>
+                      </m:dPr>
+                      <m:e>
+                        <m:r>
+                          <a:rPr lang="pl-PL" sz="1500" i="1" dirty="0">
+                            <a:latin typeface="Cambria Math" panose="02040503050406030204" pitchFamily="18" charset="0"/>
+                          </a:rPr>
+                          <m:t>𝑥</m:t>
+                        </m:r>
+                      </m:e>
+                    </m:d>
+                    <m:r>
+                      <a:rPr lang="pl-PL" sz="1500" b="0" i="1" dirty="0" smtClean="0">
+                        <a:latin typeface="Cambria Math" panose="02040503050406030204" pitchFamily="18" charset="0"/>
+                      </a:rPr>
+                      <m:t> </m:t>
+                    </m:r>
+                    <m:r>
+                      <a:rPr lang="pl-PL" sz="1500" i="1" dirty="0">
+                        <a:latin typeface="Cambria Math" panose="02040503050406030204" pitchFamily="18" charset="0"/>
+                      </a:rPr>
+                      <m:t>𝑚𝑢𝑠𝑖</m:t>
+                    </m:r>
+                    <m:r>
+                      <a:rPr lang="pl-PL" sz="1500" i="1" dirty="0">
+                        <a:latin typeface="Cambria Math" panose="02040503050406030204" pitchFamily="18" charset="0"/>
+                      </a:rPr>
+                      <m:t> </m:t>
+                    </m:r>
+                    <m:r>
+                      <a:rPr lang="pl-PL" sz="1500" i="1" dirty="0">
+                        <a:latin typeface="Cambria Math" panose="02040503050406030204" pitchFamily="18" charset="0"/>
+                      </a:rPr>
+                      <m:t>𝑑𝑧𝑖𝑒𝑙𝑖</m:t>
+                    </m:r>
+                    <m:r>
+                      <a:rPr lang="pl-PL" sz="1500" i="1" dirty="0">
+                        <a:latin typeface="Cambria Math" panose="02040503050406030204" pitchFamily="18" charset="0"/>
+                      </a:rPr>
+                      <m:t>ć </m:t>
+                    </m:r>
+                    <m:d>
+                      <m:dPr>
+                        <m:ctrlPr>
+                          <a:rPr lang="pl-PL" sz="1500" b="0" i="1" dirty="0" smtClean="0">
+                            <a:latin typeface="Cambria Math" panose="02040503050406030204" pitchFamily="18" charset="0"/>
+                          </a:rPr>
+                        </m:ctrlPr>
+                      </m:dPr>
+                      <m:e>
+                        <m:sSup>
+                          <m:sSupPr>
+                            <m:ctrlPr>
+                              <a:rPr lang="pl-PL" sz="1500" i="1" dirty="0">
+                                <a:latin typeface="Cambria Math" panose="02040503050406030204" pitchFamily="18" charset="0"/>
+                              </a:rPr>
+                            </m:ctrlPr>
+                          </m:sSupPr>
+                          <m:e>
+                            <m:r>
+                              <a:rPr lang="pl-PL" sz="1500" i="1" dirty="0">
+                                <a:latin typeface="Cambria Math" panose="02040503050406030204" pitchFamily="18" charset="0"/>
+                              </a:rPr>
+                              <m:t>𝑥</m:t>
+                            </m:r>
+                          </m:e>
+                          <m:sup>
+                            <m:r>
+                              <a:rPr lang="pl-PL" sz="1500" i="1" dirty="0">
+                                <a:latin typeface="Cambria Math" panose="02040503050406030204" pitchFamily="18" charset="0"/>
+                              </a:rPr>
+                              <m:t>𝑖</m:t>
+                            </m:r>
+                            <m:r>
+                              <a:rPr lang="pl-PL" sz="1500" i="1" dirty="0">
+                                <a:latin typeface="Cambria Math" panose="02040503050406030204" pitchFamily="18" charset="0"/>
+                              </a:rPr>
+                              <m:t>−</m:t>
+                            </m:r>
+                            <m:r>
+                              <a:rPr lang="pl-PL" sz="1500" i="1" dirty="0">
+                                <a:latin typeface="Cambria Math" panose="02040503050406030204" pitchFamily="18" charset="0"/>
+                              </a:rPr>
+                              <m:t>𝑘</m:t>
+                            </m:r>
+                          </m:sup>
+                        </m:sSup>
+                        <m:r>
+                          <a:rPr lang="pl-PL" sz="1500" i="1" dirty="0">
+                            <a:latin typeface="Cambria Math" panose="02040503050406030204" pitchFamily="18" charset="0"/>
+                          </a:rPr>
+                          <m:t>+1</m:t>
+                        </m:r>
+                      </m:e>
+                    </m:d>
+                    <m:r>
+                      <a:rPr lang="pl-PL" sz="1500" i="1" dirty="0">
+                        <a:latin typeface="Cambria Math" panose="02040503050406030204" pitchFamily="18" charset="0"/>
+                      </a:rPr>
+                      <m:t>ż</m:t>
+                    </m:r>
+                    <m:r>
+                      <a:rPr lang="pl-PL" sz="1500" i="1" dirty="0">
+                        <a:latin typeface="Cambria Math" panose="02040503050406030204" pitchFamily="18" charset="0"/>
+                      </a:rPr>
+                      <m:t>𝑒𝑏𝑦</m:t>
+                    </m:r>
+                    <m:r>
+                      <a:rPr lang="pl-PL" sz="1500" i="1" dirty="0">
+                        <a:latin typeface="Cambria Math" panose="02040503050406030204" pitchFamily="18" charset="0"/>
+                      </a:rPr>
+                      <m:t> </m:t>
+                    </m:r>
+                    <m:r>
+                      <a:rPr lang="pl-PL" sz="1500" i="1" dirty="0">
+                        <a:latin typeface="Cambria Math" panose="02040503050406030204" pitchFamily="18" charset="0"/>
+                      </a:rPr>
+                      <m:t>𝑛𝑖𝑒</m:t>
+                    </m:r>
+                    <m:r>
+                      <a:rPr lang="pl-PL" sz="1500" i="1" dirty="0">
+                        <a:latin typeface="Cambria Math" panose="02040503050406030204" pitchFamily="18" charset="0"/>
+                      </a:rPr>
+                      <m:t> </m:t>
+                    </m:r>
+                    <m:r>
+                      <a:rPr lang="pl-PL" sz="1500" i="1" dirty="0">
+                        <a:latin typeface="Cambria Math" panose="02040503050406030204" pitchFamily="18" charset="0"/>
+                      </a:rPr>
+                      <m:t>𝑤𝑦𝑘𝑟𝑦</m:t>
+                    </m:r>
+                    <m:r>
+                      <a:rPr lang="pl-PL" sz="1500" i="1" dirty="0">
+                        <a:latin typeface="Cambria Math" panose="02040503050406030204" pitchFamily="18" charset="0"/>
+                      </a:rPr>
+                      <m:t>ć </m:t>
+                    </m:r>
+                    <m:r>
+                      <a:rPr lang="pl-PL" sz="1500" i="1" dirty="0">
+                        <a:latin typeface="Cambria Math" panose="02040503050406030204" pitchFamily="18" charset="0"/>
+                      </a:rPr>
+                      <m:t>𝑡𝑒𝑔𝑜</m:t>
+                    </m:r>
+                    <m:r>
+                      <a:rPr lang="pl-PL" sz="1500" i="1" dirty="0">
+                        <a:latin typeface="Cambria Math" panose="02040503050406030204" pitchFamily="18" charset="0"/>
+                      </a:rPr>
+                      <m:t> </m:t>
+                    </m:r>
+                    <m:r>
+                      <a:rPr lang="pl-PL" sz="1500" i="1" dirty="0">
+                        <a:latin typeface="Cambria Math" panose="02040503050406030204" pitchFamily="18" charset="0"/>
+                      </a:rPr>
+                      <m:t>𝑏</m:t>
+                    </m:r>
+                    <m:r>
+                      <a:rPr lang="pl-PL" sz="1500" i="1" dirty="0">
+                        <a:latin typeface="Cambria Math" panose="02040503050406030204" pitchFamily="18" charset="0"/>
+                      </a:rPr>
+                      <m:t>łę</m:t>
+                    </m:r>
+                    <m:r>
+                      <a:rPr lang="pl-PL" sz="1500" i="1" dirty="0">
+                        <a:latin typeface="Cambria Math" panose="02040503050406030204" pitchFamily="18" charset="0"/>
+                      </a:rPr>
+                      <m:t>𝑑𝑢</m:t>
+                    </m:r>
+                  </m:oMath>
+                </a14:m>
+                <a:br>
+                  <a:rPr lang="pl-PL" sz="1500" dirty="0"/>
+                </a:br>
+                <a:r>
+                  <a:rPr lang="pl-PL" sz="1500" dirty="0"/>
+                  <a:t>	Czym jest ( rząd wielomianu ) ? Jest to najmniejsza liczba m, dla której:</a:t>
+                </a:r>
+                <a:br>
+                  <a:rPr lang="pl-PL" sz="1500" dirty="0"/>
+                </a:br>
+                <a14:m>
+                  <m:oMath xmlns:m="http://schemas.openxmlformats.org/officeDocument/2006/math">
+                    <m:r>
+                      <a:rPr lang="pl-PL" sz="1500" i="1" dirty="0" smtClean="0">
+                        <a:latin typeface="Cambria Math" panose="02040503050406030204" pitchFamily="18" charset="0"/>
+                      </a:rPr>
+                      <m:t>𝐺</m:t>
+                    </m:r>
+                    <m:r>
+                      <a:rPr lang="pl-PL" sz="1500" i="1" dirty="0" smtClean="0">
+                        <a:latin typeface="Cambria Math" panose="02040503050406030204" pitchFamily="18" charset="0"/>
+                      </a:rPr>
+                      <m:t>(</m:t>
+                    </m:r>
+                    <m:r>
+                      <a:rPr lang="pl-PL" sz="1500" i="1" dirty="0" smtClean="0">
+                        <a:latin typeface="Cambria Math" panose="02040503050406030204" pitchFamily="18" charset="0"/>
+                      </a:rPr>
+                      <m:t>𝑥</m:t>
+                    </m:r>
+                    <m:r>
+                      <a:rPr lang="pl-PL" sz="1500" i="1" dirty="0" smtClean="0">
+                        <a:latin typeface="Cambria Math" panose="02040503050406030204" pitchFamily="18" charset="0"/>
+                      </a:rPr>
+                      <m:t>) | (</m:t>
+                    </m:r>
+                    <m:sSup>
+                      <m:sSupPr>
+                        <m:ctrlPr>
+                          <a:rPr lang="pl-PL" sz="1500" i="1" dirty="0" smtClean="0">
+                            <a:latin typeface="Cambria Math" panose="02040503050406030204" pitchFamily="18" charset="0"/>
+                          </a:rPr>
+                        </m:ctrlPr>
+                      </m:sSupPr>
+                      <m:e>
+                        <m:r>
+                          <a:rPr lang="pl-PL" sz="1500" b="0" i="1" dirty="0" smtClean="0">
+                            <a:latin typeface="Cambria Math" panose="02040503050406030204" pitchFamily="18" charset="0"/>
+                          </a:rPr>
+                          <m:t>𝑥</m:t>
+                        </m:r>
+                      </m:e>
+                      <m:sup>
+                        <m:r>
+                          <a:rPr lang="pl-PL" sz="1500" b="0" i="1" dirty="0" smtClean="0">
+                            <a:latin typeface="Cambria Math" panose="02040503050406030204" pitchFamily="18" charset="0"/>
+                          </a:rPr>
+                          <m:t>𝑚</m:t>
+                        </m:r>
+                      </m:sup>
+                    </m:sSup>
+                    <m:r>
+                      <a:rPr lang="pl-PL" sz="1500" i="1" dirty="0" smtClean="0">
+                        <a:latin typeface="Cambria Math" panose="02040503050406030204" pitchFamily="18" charset="0"/>
+                      </a:rPr>
+                      <m:t>+1)</m:t>
+                    </m:r>
+                  </m:oMath>
+                </a14:m>
+                <a:br>
+                  <a:rPr lang="pl-PL" sz="1500" dirty="0"/>
+                </a:br>
+                <a:r>
+                  <a:rPr lang="pl-PL" sz="1500" dirty="0"/>
+                  <a:t>		</a:t>
+                </a:r>
+                <a:br>
+                  <a:rPr lang="pl-PL" sz="1500" dirty="0"/>
+                </a:br>
+                <a:endParaRPr lang="pl-PL" sz="1500" dirty="0"/>
               </a:p>
             </p:txBody>
           </p:sp>
         </mc:Choice>
-        <mc:Fallback xmlns="">
+        <mc:Fallback>
           <p:sp>
             <p:nvSpPr>
               <p:cNvPr id="3" name="Symbol zastępczy zawartości 2">
@@ -24443,10 +26136,14 @@
               </p:nvPr>
             </p:nvSpPr>
             <p:spPr>
+              <a:xfrm>
+                <a:off x="550862" y="1219200"/>
+                <a:ext cx="11188555" cy="5375563"/>
+              </a:xfrm>
               <a:blipFill>
                 <a:blip r:embed="rId2"/>
                 <a:stretch>
-                  <a:fillRect l="-1319" t="-1840" r="-1703"/>
+                  <a:fillRect l="-1035" t="-1020" r="-817"/>
                 </a:stretch>
               </a:blipFill>
             </p:spPr>
@@ -24469,613 +26166,6 @@
     <p:extLst>
       <p:ext uri="{BB962C8B-B14F-4D97-AF65-F5344CB8AC3E}">
         <p14:creationId xmlns:p14="http://schemas.microsoft.com/office/powerpoint/2010/main" val="3740286033"/>
-      </p:ext>
-    </p:extLst>
-  </p:cSld>
-  <p:clrMapOvr>
-    <a:masterClrMapping/>
-  </p:clrMapOvr>
-</p:sld>
-</file>
-
-<file path=ppt/slides/slide8.xml><?xml version="1.0" encoding="utf-8"?>
-<p:sld xmlns:a="http://schemas.openxmlformats.org/drawingml/2006/main" xmlns:r="http://schemas.openxmlformats.org/officeDocument/2006/relationships" xmlns:p="http://schemas.openxmlformats.org/presentationml/2006/main">
-  <p:cSld>
-    <p:spTree>
-      <p:nvGrpSpPr>
-        <p:cNvPr id="1" name=""/>
-        <p:cNvGrpSpPr/>
-        <p:nvPr/>
-      </p:nvGrpSpPr>
-      <p:grpSpPr>
-        <a:xfrm>
-          <a:off x="0" y="0"/>
-          <a:ext cx="0" cy="0"/>
-          <a:chOff x="0" y="0"/>
-          <a:chExt cx="0" cy="0"/>
-        </a:xfrm>
-      </p:grpSpPr>
-      <p:sp>
-        <p:nvSpPr>
-          <p:cNvPr id="11" name="Tytuł 10">
-            <a:extLst>
-              <a:ext uri="{FF2B5EF4-FFF2-40B4-BE49-F238E27FC236}">
-                <a16:creationId xmlns:a16="http://schemas.microsoft.com/office/drawing/2014/main" id="{23418ADF-358F-4647-A511-FCFFEDA83429}"/>
-              </a:ext>
-            </a:extLst>
-          </p:cNvPr>
-          <p:cNvSpPr>
-            <a:spLocks noGrp="1"/>
-          </p:cNvSpPr>
-          <p:nvPr>
-            <p:ph type="title"/>
-          </p:nvPr>
-        </p:nvSpPr>
-        <p:spPr>
-          <a:xfrm>
-            <a:off x="550863" y="4507200"/>
-            <a:ext cx="4500562" cy="1562959"/>
-          </a:xfrm>
-        </p:spPr>
-        <p:txBody>
-          <a:bodyPr rtlCol="0"/>
-          <a:lstStyle/>
-          <a:p>
-            <a:pPr rtl="0"/>
-            <a:r>
-              <a:rPr lang="pl-PL"/>
-              <a:t>Wstęp</a:t>
-            </a:r>
-            <a:endParaRPr lang="pl-PL" dirty="0"/>
-          </a:p>
-        </p:txBody>
-      </p:sp>
-      <p:pic>
-        <p:nvPicPr>
-          <p:cNvPr id="18" name="Obraz — symbol zastępczy 17" descr="Grupa osób siedzących przy stole">
-            <a:extLst>
-              <a:ext uri="{FF2B5EF4-FFF2-40B4-BE49-F238E27FC236}">
-                <a16:creationId xmlns:a16="http://schemas.microsoft.com/office/drawing/2014/main" id="{E2536017-F539-430C-A901-70AB81CA612A}"/>
-              </a:ext>
-            </a:extLst>
-          </p:cNvPr>
-          <p:cNvPicPr>
-            <a:picLocks noGrp="1" noChangeAspect="1"/>
-          </p:cNvPicPr>
-          <p:nvPr>
-            <p:ph type="pic" sz="quarter" idx="13"/>
-          </p:nvPr>
-        </p:nvPicPr>
-        <p:blipFill rotWithShape="1">
-          <a:blip r:embed="rId3" cstate="screen">
-            <a:extLst>
-              <a:ext uri="{28A0092B-C50C-407E-A947-70E740481C1C}">
-                <a14:useLocalDpi xmlns:a14="http://schemas.microsoft.com/office/drawing/2010/main" val="0"/>
-              </a:ext>
-            </a:extLst>
-          </a:blip>
-          <a:srcRect t="42" b="42"/>
-          <a:stretch/>
-        </p:blipFill>
-        <p:spPr>
-          <a:xfrm>
-            <a:off x="0" y="0"/>
-            <a:ext cx="3054096" cy="3776472"/>
-          </a:xfrm>
-        </p:spPr>
-      </p:pic>
-      <p:pic>
-        <p:nvPicPr>
-          <p:cNvPr id="20" name="Obraz — symbol zastępczy 19" descr="Cyfrowe tło punktów danych">
-            <a:extLst>
-              <a:ext uri="{FF2B5EF4-FFF2-40B4-BE49-F238E27FC236}">
-                <a16:creationId xmlns:a16="http://schemas.microsoft.com/office/drawing/2014/main" id="{528A7D8D-1AB5-46C4-93FA-D92C2FD51692}"/>
-              </a:ext>
-            </a:extLst>
-          </p:cNvPr>
-          <p:cNvPicPr>
-            <a:picLocks noGrp="1" noChangeAspect="1"/>
-          </p:cNvPicPr>
-          <p:nvPr>
-            <p:ph type="pic" sz="quarter" idx="14"/>
-          </p:nvPr>
-        </p:nvPicPr>
-        <p:blipFill rotWithShape="1">
-          <a:blip r:embed="rId4" cstate="screen">
-            <a:extLst>
-              <a:ext uri="{28A0092B-C50C-407E-A947-70E740481C1C}">
-                <a14:useLocalDpi xmlns:a14="http://schemas.microsoft.com/office/drawing/2010/main" val="0"/>
-              </a:ext>
-            </a:extLst>
-          </a:blip>
-          <a:srcRect t="42" b="42"/>
-          <a:stretch/>
-        </p:blipFill>
-        <p:spPr>
-          <a:xfrm>
-            <a:off x="3054096" y="0"/>
-            <a:ext cx="3054096" cy="3776472"/>
-          </a:xfrm>
-        </p:spPr>
-      </p:pic>
-      <p:pic>
-        <p:nvPicPr>
-          <p:cNvPr id="25" name="Obraz — symbol zastępczy 24" descr="Ekran wykresu cyfrowego">
-            <a:extLst>
-              <a:ext uri="{FF2B5EF4-FFF2-40B4-BE49-F238E27FC236}">
-                <a16:creationId xmlns:a16="http://schemas.microsoft.com/office/drawing/2014/main" id="{B7353C46-ACC1-4078-85C2-26B57B0E58B7}"/>
-              </a:ext>
-            </a:extLst>
-          </p:cNvPr>
-          <p:cNvPicPr>
-            <a:picLocks noGrp="1" noChangeAspect="1"/>
-          </p:cNvPicPr>
-          <p:nvPr>
-            <p:ph type="pic" sz="quarter" idx="16"/>
-          </p:nvPr>
-        </p:nvPicPr>
-        <p:blipFill rotWithShape="1">
-          <a:blip r:embed="rId5" cstate="screen">
-            <a:extLst>
-              <a:ext uri="{28A0092B-C50C-407E-A947-70E740481C1C}">
-                <a14:useLocalDpi xmlns:a14="http://schemas.microsoft.com/office/drawing/2010/main" val="0"/>
-              </a:ext>
-            </a:extLst>
-          </a:blip>
-          <a:srcRect t="42" b="42"/>
-          <a:stretch/>
-        </p:blipFill>
-        <p:spPr>
-          <a:xfrm>
-            <a:off x="9137904" y="0"/>
-            <a:ext cx="3054096" cy="3776472"/>
-          </a:xfrm>
-        </p:spPr>
-      </p:pic>
-      <p:sp>
-        <p:nvSpPr>
-          <p:cNvPr id="4" name="Data — symbol zastępczy 3">
-            <a:extLst>
-              <a:ext uri="{FF2B5EF4-FFF2-40B4-BE49-F238E27FC236}">
-                <a16:creationId xmlns:a16="http://schemas.microsoft.com/office/drawing/2014/main" id="{0C329F70-04F7-4C70-BCF8-D4371F54EF2F}"/>
-              </a:ext>
-            </a:extLst>
-          </p:cNvPr>
-          <p:cNvSpPr>
-            <a:spLocks noGrp="1"/>
-          </p:cNvSpPr>
-          <p:nvPr>
-            <p:ph type="dt" sz="half" idx="10"/>
-          </p:nvPr>
-        </p:nvSpPr>
-        <p:spPr>
-          <a:xfrm>
-            <a:off x="550863" y="6507212"/>
-            <a:ext cx="2628900" cy="153888"/>
-          </a:xfrm>
-        </p:spPr>
-        <p:txBody>
-          <a:bodyPr rtlCol="0"/>
-          <a:lstStyle/>
-          <a:p>
-            <a:pPr rtl="0"/>
-            <a:r>
-              <a:rPr lang="pl-PL"/>
-              <a:t>Wtorek, 2 lutego 20XX</a:t>
-            </a:r>
-            <a:endParaRPr lang="pl-PL" dirty="0"/>
-          </a:p>
-        </p:txBody>
-      </p:sp>
-      <p:sp>
-        <p:nvSpPr>
-          <p:cNvPr id="5" name="Stopka — symbol zastępczy 4">
-            <a:extLst>
-              <a:ext uri="{FF2B5EF4-FFF2-40B4-BE49-F238E27FC236}">
-                <a16:creationId xmlns:a16="http://schemas.microsoft.com/office/drawing/2014/main" id="{06A3302E-502D-4151-81C9-5FD6AF9596D6}"/>
-              </a:ext>
-            </a:extLst>
-          </p:cNvPr>
-          <p:cNvSpPr>
-            <a:spLocks noGrp="1"/>
-          </p:cNvSpPr>
-          <p:nvPr>
-            <p:ph type="ftr" sz="quarter" idx="11"/>
-          </p:nvPr>
-        </p:nvSpPr>
-        <p:spPr>
-          <a:xfrm>
-            <a:off x="3359150" y="6507212"/>
-            <a:ext cx="6379210" cy="153888"/>
-          </a:xfrm>
-        </p:spPr>
-        <p:txBody>
-          <a:bodyPr rtlCol="0"/>
-          <a:lstStyle/>
-          <a:p>
-            <a:pPr rtl="0"/>
-            <a:r>
-              <a:rPr lang="pl-PL"/>
-              <a:t>Przykładowy tekst stopki</a:t>
-            </a:r>
-          </a:p>
-        </p:txBody>
-      </p:sp>
-      <p:sp>
-        <p:nvSpPr>
-          <p:cNvPr id="6" name="Numer slajdu — symbol zastępczy 5">
-            <a:extLst>
-              <a:ext uri="{FF2B5EF4-FFF2-40B4-BE49-F238E27FC236}">
-                <a16:creationId xmlns:a16="http://schemas.microsoft.com/office/drawing/2014/main" id="{9ED907F8-C614-4D59-A03F-BF9CD5E35703}"/>
-              </a:ext>
-            </a:extLst>
-          </p:cNvPr>
-          <p:cNvSpPr>
-            <a:spLocks noGrp="1"/>
-          </p:cNvSpPr>
-          <p:nvPr>
-            <p:ph type="sldNum" sz="quarter" idx="12"/>
-          </p:nvPr>
-        </p:nvSpPr>
-        <p:spPr>
-          <a:xfrm>
-            <a:off x="9948863" y="6507212"/>
-            <a:ext cx="1692274" cy="153888"/>
-          </a:xfrm>
-        </p:spPr>
-        <p:txBody>
-          <a:bodyPr rtlCol="0"/>
-          <a:lstStyle/>
-          <a:p>
-            <a:pPr rtl="0"/>
-            <a:fld id="{DBA1B0FB-D917-4C8C-928F-313BD683BF39}" type="slidenum">
-              <a:rPr lang="pl-PL" smtClean="0"/>
-              <a:pPr rtl="0"/>
-              <a:t>8</a:t>
-            </a:fld>
-            <a:endParaRPr lang="pl-PL"/>
-          </a:p>
-        </p:txBody>
-      </p:sp>
-      <p:pic>
-        <p:nvPicPr>
-          <p:cNvPr id="23" name="Obraz — symbol zastępczy 22" descr="Osoba rysująca na białej tablicy">
-            <a:extLst>
-              <a:ext uri="{FF2B5EF4-FFF2-40B4-BE49-F238E27FC236}">
-                <a16:creationId xmlns:a16="http://schemas.microsoft.com/office/drawing/2014/main" id="{2B3C4F95-A0FA-45D9-BF43-1C398F65B891}"/>
-              </a:ext>
-            </a:extLst>
-          </p:cNvPr>
-          <p:cNvPicPr>
-            <a:picLocks noGrp="1" noChangeAspect="1"/>
-          </p:cNvPicPr>
-          <p:nvPr>
-            <p:ph type="pic" sz="quarter" idx="15"/>
-          </p:nvPr>
-        </p:nvPicPr>
-        <p:blipFill rotWithShape="1">
-          <a:blip r:embed="rId6" cstate="screen">
-            <a:extLst>
-              <a:ext uri="{28A0092B-C50C-407E-A947-70E740481C1C}">
-                <a14:useLocalDpi xmlns:a14="http://schemas.microsoft.com/office/drawing/2010/main" val="0"/>
-              </a:ext>
-            </a:extLst>
-          </a:blip>
-          <a:srcRect t="42" b="42"/>
-          <a:stretch/>
-        </p:blipFill>
-        <p:spPr>
-          <a:xfrm>
-            <a:off x="6083808" y="0"/>
-            <a:ext cx="3054096" cy="3776472"/>
-          </a:xfrm>
-        </p:spPr>
-      </p:pic>
-      <p:sp>
-        <p:nvSpPr>
-          <p:cNvPr id="12" name="Zawartość — symbol zastępczy 11">
-            <a:extLst>
-              <a:ext uri="{FF2B5EF4-FFF2-40B4-BE49-F238E27FC236}">
-                <a16:creationId xmlns:a16="http://schemas.microsoft.com/office/drawing/2014/main" id="{E5127060-CDBF-435F-9009-A5451CCE305D}"/>
-              </a:ext>
-            </a:extLst>
-          </p:cNvPr>
-          <p:cNvSpPr>
-            <a:spLocks noGrp="1"/>
-          </p:cNvSpPr>
-          <p:nvPr>
-            <p:ph sz="quarter" idx="15"/>
-          </p:nvPr>
-        </p:nvSpPr>
-        <p:spPr>
-          <a:xfrm>
-            <a:off x="5164783" y="4508500"/>
-            <a:ext cx="6319192" cy="1563688"/>
-          </a:xfrm>
-          <a:noFill/>
-        </p:spPr>
-        <p:txBody>
-          <a:bodyPr rtlCol="0">
-            <a:noAutofit/>
-          </a:bodyPr>
-          <a:lstStyle/>
-          <a:p>
-            <a:pPr rtl="0"/>
-            <a:r>
-              <a:rPr lang="pl-PL" sz="1700" dirty="0"/>
-              <a:t>W programie PowerPoint możesz tworzyć prezentacje i udostępniać je innym osobom, niezależnie od tego, gdzie się znajdują. Tutaj wpisz jakiś tekst, aby rozpocząć. Do tego szablonu można również dodawać obrazy, grafiki i klipy wideo. Zapisuj prezentacje w usłudze OneDrive i uzyskuj do nich dostęp z komputera, tabletu lub telefonu. </a:t>
-            </a:r>
-          </a:p>
-        </p:txBody>
-      </p:sp>
-    </p:spTree>
-    <p:extLst>
-      <p:ext uri="{BB962C8B-B14F-4D97-AF65-F5344CB8AC3E}">
-        <p14:creationId xmlns:p14="http://schemas.microsoft.com/office/powerpoint/2010/main" val="2158886557"/>
-      </p:ext>
-    </p:extLst>
-  </p:cSld>
-  <p:clrMapOvr>
-    <a:masterClrMapping/>
-  </p:clrMapOvr>
-</p:sld>
-</file>
-
-<file path=ppt/slides/slide9.xml><?xml version="1.0" encoding="utf-8"?>
-<p:sld xmlns:a="http://schemas.openxmlformats.org/drawingml/2006/main" xmlns:r="http://schemas.openxmlformats.org/officeDocument/2006/relationships" xmlns:p="http://schemas.openxmlformats.org/presentationml/2006/main">
-  <p:cSld>
-    <p:spTree>
-      <p:nvGrpSpPr>
-        <p:cNvPr id="1" name=""/>
-        <p:cNvGrpSpPr/>
-        <p:nvPr/>
-      </p:nvGrpSpPr>
-      <p:grpSpPr>
-        <a:xfrm>
-          <a:off x="0" y="0"/>
-          <a:ext cx="0" cy="0"/>
-          <a:chOff x="0" y="0"/>
-          <a:chExt cx="0" cy="0"/>
-        </a:xfrm>
-      </p:grpSpPr>
-      <p:sp>
-        <p:nvSpPr>
-          <p:cNvPr id="14" name="Tytuł 13">
-            <a:extLst>
-              <a:ext uri="{FF2B5EF4-FFF2-40B4-BE49-F238E27FC236}">
-                <a16:creationId xmlns:a16="http://schemas.microsoft.com/office/drawing/2014/main" id="{C15EE852-24F1-4643-8082-AB45CFF2BA10}"/>
-              </a:ext>
-            </a:extLst>
-          </p:cNvPr>
-          <p:cNvSpPr>
-            <a:spLocks noGrp="1"/>
-          </p:cNvSpPr>
-          <p:nvPr>
-            <p:ph type="title"/>
-          </p:nvPr>
-        </p:nvSpPr>
-        <p:spPr>
-          <a:xfrm>
-            <a:off x="550864" y="549275"/>
-            <a:ext cx="3566160" cy="3384550"/>
-          </a:xfrm>
-        </p:spPr>
-        <p:txBody>
-          <a:bodyPr rtlCol="0">
-            <a:noAutofit/>
-          </a:bodyPr>
-          <a:lstStyle/>
-          <a:p>
-            <a:pPr rtl="0"/>
-            <a:r>
-              <a:rPr lang="pl-PL" sz="3600" dirty="0"/>
-              <a:t>Najlepszym sposobem na rozpoczęcie jest skończenie </a:t>
-            </a:r>
-            <a:br>
-              <a:rPr lang="pl-PL" sz="3600" dirty="0"/>
-            </a:br>
-            <a:r>
-              <a:rPr lang="pl-PL" sz="3600" dirty="0"/>
-              <a:t>z mówieniem </a:t>
-            </a:r>
-            <a:br>
-              <a:rPr lang="pl-PL" sz="3600" dirty="0"/>
-            </a:br>
-            <a:r>
-              <a:rPr lang="pl-PL" sz="3600" dirty="0"/>
-              <a:t>i przystąpienie </a:t>
-            </a:r>
-            <a:br>
-              <a:rPr lang="pl-PL" sz="3600" dirty="0"/>
-            </a:br>
-            <a:r>
-              <a:rPr lang="pl-PL" sz="3600" dirty="0"/>
-              <a:t>do działania.</a:t>
-            </a:r>
-          </a:p>
-        </p:txBody>
-      </p:sp>
-      <p:sp>
-        <p:nvSpPr>
-          <p:cNvPr id="15" name="Zawartość — symbol zastępczy 14">
-            <a:extLst>
-              <a:ext uri="{FF2B5EF4-FFF2-40B4-BE49-F238E27FC236}">
-                <a16:creationId xmlns:a16="http://schemas.microsoft.com/office/drawing/2014/main" id="{4139825C-53C7-44F4-A064-9795CECD081B}"/>
-              </a:ext>
-            </a:extLst>
-          </p:cNvPr>
-          <p:cNvSpPr>
-            <a:spLocks noGrp="1"/>
-          </p:cNvSpPr>
-          <p:nvPr>
-            <p:ph sz="quarter" idx="15"/>
-          </p:nvPr>
-        </p:nvSpPr>
-        <p:spPr>
-          <a:xfrm>
-            <a:off x="550863" y="4097338"/>
-            <a:ext cx="3565524" cy="2351087"/>
-          </a:xfrm>
-        </p:spPr>
-        <p:txBody>
-          <a:bodyPr rtlCol="0"/>
-          <a:lstStyle/>
-          <a:p>
-            <a:pPr rtl="0"/>
-            <a:r>
-              <a:rPr lang="pl-PL" dirty="0"/>
-              <a:t>Walt Disney</a:t>
-            </a:r>
-          </a:p>
-          <a:p>
-            <a:pPr rtl="0"/>
-            <a:endParaRPr lang="pl-PL" dirty="0"/>
-          </a:p>
-        </p:txBody>
-      </p:sp>
-      <p:pic>
-        <p:nvPicPr>
-          <p:cNvPr id="18" name="Obraz — symbol zastępczy 17" descr="Osoba rysująca na białej tablicy">
-            <a:extLst>
-              <a:ext uri="{FF2B5EF4-FFF2-40B4-BE49-F238E27FC236}">
-                <a16:creationId xmlns:a16="http://schemas.microsoft.com/office/drawing/2014/main" id="{301557C2-9072-409B-88EC-E8577CEFCAFB}"/>
-              </a:ext>
-            </a:extLst>
-          </p:cNvPr>
-          <p:cNvPicPr>
-            <a:picLocks noGrp="1" noChangeAspect="1"/>
-          </p:cNvPicPr>
-          <p:nvPr>
-            <p:ph type="pic" sz="quarter" idx="13"/>
-          </p:nvPr>
-        </p:nvPicPr>
-        <p:blipFill rotWithShape="1">
-          <a:blip r:embed="rId2" cstate="screen">
-            <a:extLst>
-              <a:ext uri="{28A0092B-C50C-407E-A947-70E740481C1C}">
-                <a14:useLocalDpi xmlns:a14="http://schemas.microsoft.com/office/drawing/2010/main" val="0"/>
-              </a:ext>
-            </a:extLst>
-          </a:blip>
-          <a:srcRect/>
-          <a:stretch/>
-        </p:blipFill>
-        <p:spPr>
-          <a:xfrm>
-            <a:off x="5535809" y="656633"/>
-            <a:ext cx="5132388" cy="5132388"/>
-          </a:xfrm>
-        </p:spPr>
-      </p:pic>
-      <p:sp>
-        <p:nvSpPr>
-          <p:cNvPr id="19" name="Data — symbol zastępczy 18">
-            <a:extLst>
-              <a:ext uri="{FF2B5EF4-FFF2-40B4-BE49-F238E27FC236}">
-                <a16:creationId xmlns:a16="http://schemas.microsoft.com/office/drawing/2014/main" id="{386DB667-0553-4FB8-B0E0-776539934AFF}"/>
-              </a:ext>
-            </a:extLst>
-          </p:cNvPr>
-          <p:cNvSpPr>
-            <a:spLocks noGrp="1"/>
-          </p:cNvSpPr>
-          <p:nvPr>
-            <p:ph type="dt" sz="half" idx="10"/>
-          </p:nvPr>
-        </p:nvSpPr>
-        <p:spPr>
-          <a:xfrm>
-            <a:off x="550863" y="6507212"/>
-            <a:ext cx="2628900" cy="153888"/>
-          </a:xfrm>
-        </p:spPr>
-        <p:txBody>
-          <a:bodyPr rtlCol="0"/>
-          <a:lstStyle/>
-          <a:p>
-            <a:pPr rtl="0"/>
-            <a:r>
-              <a:rPr lang="pl-PL"/>
-              <a:t>Wtorek, 2 lutego 20XX</a:t>
-            </a:r>
-            <a:endParaRPr lang="pl-PL" dirty="0"/>
-          </a:p>
-        </p:txBody>
-      </p:sp>
-      <p:sp>
-        <p:nvSpPr>
-          <p:cNvPr id="20" name="Stopka — symbol zastępczy 19">
-            <a:extLst>
-              <a:ext uri="{FF2B5EF4-FFF2-40B4-BE49-F238E27FC236}">
-                <a16:creationId xmlns:a16="http://schemas.microsoft.com/office/drawing/2014/main" id="{C77C6228-C5A8-44DC-ABD7-A22A4475D3DF}"/>
-              </a:ext>
-            </a:extLst>
-          </p:cNvPr>
-          <p:cNvSpPr>
-            <a:spLocks noGrp="1"/>
-          </p:cNvSpPr>
-          <p:nvPr>
-            <p:ph type="ftr" sz="quarter" idx="11"/>
-          </p:nvPr>
-        </p:nvSpPr>
-        <p:spPr>
-          <a:xfrm>
-            <a:off x="3359150" y="6507212"/>
-            <a:ext cx="6379210" cy="153888"/>
-          </a:xfrm>
-        </p:spPr>
-        <p:txBody>
-          <a:bodyPr rtlCol="0"/>
-          <a:lstStyle/>
-          <a:p>
-            <a:pPr rtl="0"/>
-            <a:r>
-              <a:rPr lang="pl-PL"/>
-              <a:t>Przykładowy tekst stopki</a:t>
-            </a:r>
-          </a:p>
-        </p:txBody>
-      </p:sp>
-      <p:sp>
-        <p:nvSpPr>
-          <p:cNvPr id="21" name="Numer slajdu — symbol zastępczy 20">
-            <a:extLst>
-              <a:ext uri="{FF2B5EF4-FFF2-40B4-BE49-F238E27FC236}">
-                <a16:creationId xmlns:a16="http://schemas.microsoft.com/office/drawing/2014/main" id="{1C563B34-DD53-4FB1-B8C2-8914E01C6365}"/>
-              </a:ext>
-            </a:extLst>
-          </p:cNvPr>
-          <p:cNvSpPr>
-            <a:spLocks noGrp="1"/>
-          </p:cNvSpPr>
-          <p:nvPr>
-            <p:ph type="sldNum" sz="quarter" idx="12"/>
-          </p:nvPr>
-        </p:nvSpPr>
-        <p:spPr>
-          <a:xfrm>
-            <a:off x="9948863" y="6507212"/>
-            <a:ext cx="1692274" cy="153888"/>
-          </a:xfrm>
-        </p:spPr>
-        <p:txBody>
-          <a:bodyPr rtlCol="0"/>
-          <a:lstStyle/>
-          <a:p>
-            <a:pPr rtl="0"/>
-            <a:fld id="{DBA1B0FB-D917-4C8C-928F-313BD683BF39}" type="slidenum">
-              <a:rPr lang="pl-PL" smtClean="0"/>
-              <a:pPr rtl="0"/>
-              <a:t>9</a:t>
-            </a:fld>
-            <a:endParaRPr lang="pl-PL"/>
-          </a:p>
-        </p:txBody>
-      </p:sp>
-    </p:spTree>
-    <p:extLst>
-      <p:ext uri="{BB962C8B-B14F-4D97-AF65-F5344CB8AC3E}">
-        <p14:creationId xmlns:p14="http://schemas.microsoft.com/office/powerpoint/2010/main" val="395518310"/>
       </p:ext>
     </p:extLst>
   </p:cSld>
@@ -25877,6 +26967,34 @@
 </file>
 
 <file path=customXml/item1.xml><?xml version="1.0" encoding="utf-8"?>
+<?mso-contentType ?>
+<FormTemplates xmlns="http://schemas.microsoft.com/sharepoint/v3/contenttype/forms">
+  <Display>DocumentLibraryForm</Display>
+  <Edit>DocumentLibraryForm</Edit>
+  <New>DocumentLibraryForm</New>
+</FormTemplates>
+</file>
+
+<file path=customXml/item2.xml><?xml version="1.0" encoding="utf-8"?>
+<p:properties xmlns:p="http://schemas.microsoft.com/office/2006/metadata/properties" xmlns:xsi="http://www.w3.org/2001/XMLSchema-instance" xmlns:pc="http://schemas.microsoft.com/office/infopath/2007/PartnerControls">
+  <documentManagement>
+    <_ip_UnifiedCompliancePolicyUIAction xmlns="http://schemas.microsoft.com/sharepoint/v3" xsi:nil="true"/>
+    <Image xmlns="71af3243-3dd4-4a8d-8c0d-dd76da1f02a5">
+      <Url xsi:nil="true"/>
+      <Description xsi:nil="true"/>
+    </Image>
+    <Status xmlns="71af3243-3dd4-4a8d-8c0d-dd76da1f02a5">Not started</Status>
+    <_ip_UnifiedCompliancePolicyProperties xmlns="http://schemas.microsoft.com/sharepoint/v3" xsi:nil="true"/>
+    <lcf76f155ced4ddcb4097134ff3c332f xmlns="71af3243-3dd4-4a8d-8c0d-dd76da1f02a5">
+      <Terms xmlns="http://schemas.microsoft.com/office/infopath/2007/PartnerControls"/>
+    </lcf76f155ced4ddcb4097134ff3c332f>
+    <TaxCatchAll xmlns="230e9df3-be65-4c73-a93b-d1236ebd677e"/>
+    <MediaServiceKeyPoints xmlns="71af3243-3dd4-4a8d-8c0d-dd76da1f02a5" xsi:nil="true"/>
+  </documentManagement>
+</p:properties>
+</file>
+
+<file path=customXml/item3.xml><?xml version="1.0" encoding="utf-8"?>
 <ct:contentTypeSchema xmlns:ct="http://schemas.microsoft.com/office/2006/metadata/contentType" xmlns:ma="http://schemas.microsoft.com/office/2006/metadata/properties/metaAttributes" ct:_="" ma:_="" ma:contentTypeName="Document" ma:contentTypeID="0x01010079F111ED35F8CC479449609E8A0923A6" ma:contentTypeVersion="18" ma:contentTypeDescription="Create a new document." ma:contentTypeScope="" ma:versionID="22a266b9fa9a230c5a512669d8b298c3">
   <xsd:schema xmlns:xsd="http://www.w3.org/2001/XMLSchema" xmlns:xs="http://www.w3.org/2001/XMLSchema" xmlns:p="http://schemas.microsoft.com/office/2006/metadata/properties" xmlns:ns1="http://schemas.microsoft.com/sharepoint/v3" xmlns:ns2="71af3243-3dd4-4a8d-8c0d-dd76da1f02a5" xmlns:ns3="16c05727-aa75-4e4a-9b5f-8a80a1165891" xmlns:ns4="230e9df3-be65-4c73-a93b-d1236ebd677e" targetNamespace="http://schemas.microsoft.com/office/2006/metadata/properties" ma:root="true" ma:fieldsID="eddc33fff6b14141ee5c74a0d29ea6a1" ns1:_="" ns2:_="" ns3:_="" ns4:_="">
     <xsd:import namespace="http://schemas.microsoft.com/sharepoint/v3"/>
@@ -26152,35 +27270,27 @@
 </ct:contentTypeSchema>
 </file>
 
-<file path=customXml/item2.xml><?xml version="1.0" encoding="utf-8"?>
-<p:properties xmlns:p="http://schemas.microsoft.com/office/2006/metadata/properties" xmlns:xsi="http://www.w3.org/2001/XMLSchema-instance" xmlns:pc="http://schemas.microsoft.com/office/infopath/2007/PartnerControls">
-  <documentManagement>
-    <_ip_UnifiedCompliancePolicyUIAction xmlns="http://schemas.microsoft.com/sharepoint/v3" xsi:nil="true"/>
-    <Image xmlns="71af3243-3dd4-4a8d-8c0d-dd76da1f02a5">
-      <Url xsi:nil="true"/>
-      <Description xsi:nil="true"/>
-    </Image>
-    <Status xmlns="71af3243-3dd4-4a8d-8c0d-dd76da1f02a5">Not started</Status>
-    <_ip_UnifiedCompliancePolicyProperties xmlns="http://schemas.microsoft.com/sharepoint/v3" xsi:nil="true"/>
-    <lcf76f155ced4ddcb4097134ff3c332f xmlns="71af3243-3dd4-4a8d-8c0d-dd76da1f02a5">
-      <Terms xmlns="http://schemas.microsoft.com/office/infopath/2007/PartnerControls"/>
-    </lcf76f155ced4ddcb4097134ff3c332f>
-    <TaxCatchAll xmlns="230e9df3-be65-4c73-a93b-d1236ebd677e"/>
-    <MediaServiceKeyPoints xmlns="71af3243-3dd4-4a8d-8c0d-dd76da1f02a5" xsi:nil="true"/>
-  </documentManagement>
-</p:properties>
+<file path=customXml/itemProps1.xml><?xml version="1.0" encoding="utf-8"?>
+<ds:datastoreItem xmlns:ds="http://schemas.openxmlformats.org/officeDocument/2006/customXml" ds:itemID="{904751AB-E840-446F-8D49-E697067EC887}">
+  <ds:schemaRefs>
+    <ds:schemaRef ds:uri="http://schemas.microsoft.com/sharepoint/v3/contenttype/forms"/>
+  </ds:schemaRefs>
+</ds:datastoreItem>
 </file>
 
-<file path=customXml/item3.xml><?xml version="1.0" encoding="utf-8"?>
-<?mso-contentType ?>
-<FormTemplates xmlns="http://schemas.microsoft.com/sharepoint/v3/contenttype/forms">
-  <Display>DocumentLibraryForm</Display>
-  <Edit>DocumentLibraryForm</Edit>
-  <New>DocumentLibraryForm</New>
-</FormTemplates>
+<file path=customXml/itemProps2.xml><?xml version="1.0" encoding="utf-8"?>
+<ds:datastoreItem xmlns:ds="http://schemas.openxmlformats.org/officeDocument/2006/customXml" ds:itemID="{50811A92-D464-4AC4-A396-BA73B10CEEAC}">
+  <ds:schemaRefs>
+    <ds:schemaRef ds:uri="http://schemas.microsoft.com/office/2006/metadata/properties"/>
+    <ds:schemaRef ds:uri="http://schemas.microsoft.com/office/infopath/2007/PartnerControls"/>
+    <ds:schemaRef ds:uri="http://schemas.microsoft.com/sharepoint/v3"/>
+    <ds:schemaRef ds:uri="71af3243-3dd4-4a8d-8c0d-dd76da1f02a5"/>
+    <ds:schemaRef ds:uri="230e9df3-be65-4c73-a93b-d1236ebd677e"/>
+  </ds:schemaRefs>
+</ds:datastoreItem>
 </file>
 
-<file path=customXml/itemProps1.xml><?xml version="1.0" encoding="utf-8"?>
+<file path=customXml/itemProps3.xml><?xml version="1.0" encoding="utf-8"?>
 <ds:datastoreItem xmlns:ds="http://schemas.openxmlformats.org/officeDocument/2006/customXml" ds:itemID="{DE4876F9-7AE1-498D-B8FE-1E3AD703D2AF}">
   <ds:schemaRefs>
     <ds:schemaRef ds:uri="http://schemas.microsoft.com/office/2006/metadata/contentType"/>
@@ -26201,26 +27311,6 @@
 </ds:datastoreItem>
 </file>
 
-<file path=customXml/itemProps2.xml><?xml version="1.0" encoding="utf-8"?>
-<ds:datastoreItem xmlns:ds="http://schemas.openxmlformats.org/officeDocument/2006/customXml" ds:itemID="{50811A92-D464-4AC4-A396-BA73B10CEEAC}">
-  <ds:schemaRefs>
-    <ds:schemaRef ds:uri="http://schemas.microsoft.com/office/2006/metadata/properties"/>
-    <ds:schemaRef ds:uri="http://schemas.microsoft.com/office/infopath/2007/PartnerControls"/>
-    <ds:schemaRef ds:uri="http://schemas.microsoft.com/sharepoint/v3"/>
-    <ds:schemaRef ds:uri="71af3243-3dd4-4a8d-8c0d-dd76da1f02a5"/>
-    <ds:schemaRef ds:uri="230e9df3-be65-4c73-a93b-d1236ebd677e"/>
-  </ds:schemaRefs>
-</ds:datastoreItem>
-</file>
-
-<file path=customXml/itemProps3.xml><?xml version="1.0" encoding="utf-8"?>
-<ds:datastoreItem xmlns:ds="http://schemas.openxmlformats.org/officeDocument/2006/customXml" ds:itemID="{904751AB-E840-446F-8D49-E697067EC887}">
-  <ds:schemaRefs>
-    <ds:schemaRef ds:uri="http://schemas.microsoft.com/sharepoint/v3/contenttype/forms"/>
-  </ds:schemaRefs>
-</ds:datastoreItem>
-</file>
-
 <file path=docMetadata/LabelInfo.xml><?xml version="1.0" encoding="utf-8"?>
 <clbl:labelList xmlns:clbl="http://schemas.microsoft.com/office/2020/mipLabelMetadata">
   <clbl:label id="{f42aa342-8706-4288-bd11-ebb85995028c}" enabled="1" method="Standard" siteId="{72f988bf-86f1-41af-91ab-2d7cd011db47}" contentBits="0" removed="0"/>

--- a/Implementacja kodu wielomianowego CRC-32 – IEEE 802-3.pptx
+++ b/Implementacja kodu wielomianowego CRC-32 – IEEE 802-3.pptx
@@ -5,10 +5,10 @@
     <p:sldMasterId id="2147483684" r:id="rId4"/>
   </p:sldMasterIdLst>
   <p:notesMasterIdLst>
-    <p:notesMasterId r:id="rId21"/>
+    <p:notesMasterId r:id="rId18"/>
   </p:notesMasterIdLst>
   <p:handoutMasterIdLst>
-    <p:handoutMasterId r:id="rId22"/>
+    <p:handoutMasterId r:id="rId19"/>
   </p:handoutMasterIdLst>
   <p:sldIdLst>
     <p:sldId id="317" r:id="rId5"/>
@@ -17,16 +17,13 @@
     <p:sldId id="392" r:id="rId8"/>
     <p:sldId id="393" r:id="rId9"/>
     <p:sldId id="395" r:id="rId10"/>
-    <p:sldId id="396" r:id="rId11"/>
-    <p:sldId id="394" r:id="rId12"/>
-    <p:sldId id="277" r:id="rId13"/>
-    <p:sldId id="279" r:id="rId14"/>
-    <p:sldId id="268" r:id="rId15"/>
-    <p:sldId id="272" r:id="rId16"/>
-    <p:sldId id="270" r:id="rId17"/>
-    <p:sldId id="281" r:id="rId18"/>
-    <p:sldId id="321" r:id="rId19"/>
-    <p:sldId id="391" r:id="rId20"/>
+    <p:sldId id="394" r:id="rId11"/>
+    <p:sldId id="277" r:id="rId12"/>
+    <p:sldId id="279" r:id="rId13"/>
+    <p:sldId id="396" r:id="rId14"/>
+    <p:sldId id="281" r:id="rId15"/>
+    <p:sldId id="321" r:id="rId16"/>
+    <p:sldId id="391" r:id="rId17"/>
   </p:sldIdLst>
   <p:sldSz cx="12192000" cy="6858000"/>
   <p:notesSz cx="6858000" cy="9144000"/>
@@ -145,4426 +142,6 @@
     </p:ext>
   </p:extLst>
 </p:presentation>
-</file>
-
-<file path=ppt/diagrams/colors1.xml><?xml version="1.0" encoding="utf-8"?>
-<dgm:colorsDef xmlns:dgm="http://schemas.openxmlformats.org/drawingml/2006/diagram" xmlns:a="http://schemas.openxmlformats.org/drawingml/2006/main" uniqueId="urn:microsoft.com/office/officeart/2005/8/colors/colorful5">
-  <dgm:title val=""/>
-  <dgm:desc val=""/>
-  <dgm:catLst>
-    <dgm:cat type="colorful" pri="10500"/>
-  </dgm:catLst>
-  <dgm:styleLbl name="node0">
-    <dgm:fillClrLst meth="repeat">
-      <a:schemeClr val="accent4"/>
-    </dgm:fillClrLst>
-    <dgm:linClrLst meth="repeat">
-      <a:schemeClr val="lt1"/>
-    </dgm:linClrLst>
-    <dgm:effectClrLst/>
-    <dgm:txLinClrLst/>
-    <dgm:txFillClrLst/>
-    <dgm:txEffectClrLst/>
-  </dgm:styleLbl>
-  <dgm:styleLbl name="node1">
-    <dgm:fillClrLst>
-      <a:schemeClr val="accent5"/>
-      <a:schemeClr val="accent6"/>
-    </dgm:fillClrLst>
-    <dgm:linClrLst meth="repeat">
-      <a:schemeClr val="lt1"/>
-    </dgm:linClrLst>
-    <dgm:effectClrLst/>
-    <dgm:txLinClrLst/>
-    <dgm:txFillClrLst/>
-    <dgm:txEffectClrLst/>
-  </dgm:styleLbl>
-  <dgm:styleLbl name="alignNode1">
-    <dgm:fillClrLst>
-      <a:schemeClr val="accent5"/>
-      <a:schemeClr val="accent6"/>
-    </dgm:fillClrLst>
-    <dgm:linClrLst>
-      <a:schemeClr val="accent5"/>
-      <a:schemeClr val="accent6"/>
-    </dgm:linClrLst>
-    <dgm:effectClrLst/>
-    <dgm:txLinClrLst/>
-    <dgm:txFillClrLst/>
-    <dgm:txEffectClrLst/>
-  </dgm:styleLbl>
-  <dgm:styleLbl name="lnNode1">
-    <dgm:fillClrLst>
-      <a:schemeClr val="accent5"/>
-      <a:schemeClr val="accent6"/>
-    </dgm:fillClrLst>
-    <dgm:linClrLst meth="repeat">
-      <a:schemeClr val="lt1"/>
-    </dgm:linClrLst>
-    <dgm:effectClrLst/>
-    <dgm:txLinClrLst/>
-    <dgm:txFillClrLst/>
-    <dgm:txEffectClrLst/>
-  </dgm:styleLbl>
-  <dgm:styleLbl name="vennNode1">
-    <dgm:fillClrLst>
-      <a:schemeClr val="accent5">
-        <a:alpha val="50000"/>
-      </a:schemeClr>
-      <a:schemeClr val="accent6">
-        <a:alpha val="50000"/>
-      </a:schemeClr>
-    </dgm:fillClrLst>
-    <dgm:linClrLst meth="repeat">
-      <a:schemeClr val="lt1"/>
-    </dgm:linClrLst>
-    <dgm:effectClrLst/>
-    <dgm:txLinClrLst/>
-    <dgm:txFillClrLst/>
-    <dgm:txEffectClrLst/>
-  </dgm:styleLbl>
-  <dgm:styleLbl name="node2">
-    <dgm:fillClrLst>
-      <a:schemeClr val="accent6"/>
-    </dgm:fillClrLst>
-    <dgm:linClrLst meth="repeat">
-      <a:schemeClr val="lt1"/>
-    </dgm:linClrLst>
-    <dgm:effectClrLst/>
-    <dgm:txLinClrLst/>
-    <dgm:txFillClrLst/>
-    <dgm:txEffectClrLst/>
-  </dgm:styleLbl>
-  <dgm:styleLbl name="node3">
-    <dgm:fillClrLst>
-      <a:schemeClr val="accent1"/>
-    </dgm:fillClrLst>
-    <dgm:linClrLst meth="repeat">
-      <a:schemeClr val="lt1"/>
-    </dgm:linClrLst>
-    <dgm:effectClrLst/>
-    <dgm:txLinClrLst/>
-    <dgm:txFillClrLst/>
-    <dgm:txEffectClrLst/>
-  </dgm:styleLbl>
-  <dgm:styleLbl name="node4">
-    <dgm:fillClrLst>
-      <a:schemeClr val="accent2"/>
-    </dgm:fillClrLst>
-    <dgm:linClrLst meth="repeat">
-      <a:schemeClr val="lt1"/>
-    </dgm:linClrLst>
-    <dgm:effectClrLst/>
-    <dgm:txLinClrLst/>
-    <dgm:txFillClrLst/>
-    <dgm:txEffectClrLst/>
-  </dgm:styleLbl>
-  <dgm:styleLbl name="fgImgPlace1">
-    <dgm:fillClrLst>
-      <a:schemeClr val="accent5">
-        <a:tint val="50000"/>
-      </a:schemeClr>
-      <a:schemeClr val="accent6">
-        <a:tint val="50000"/>
-      </a:schemeClr>
-    </dgm:fillClrLst>
-    <dgm:linClrLst meth="repeat">
-      <a:schemeClr val="lt1"/>
-    </dgm:linClrLst>
-    <dgm:effectClrLst/>
-    <dgm:txLinClrLst/>
-    <dgm:txFillClrLst meth="repeat">
-      <a:schemeClr val="lt1"/>
-    </dgm:txFillClrLst>
-    <dgm:txEffectClrLst/>
-  </dgm:styleLbl>
-  <dgm:styleLbl name="alignImgPlace1">
-    <dgm:fillClrLst>
-      <a:schemeClr val="accent5">
-        <a:tint val="50000"/>
-      </a:schemeClr>
-      <a:schemeClr val="accent6">
-        <a:tint val="20000"/>
-      </a:schemeClr>
-    </dgm:fillClrLst>
-    <dgm:linClrLst meth="repeat">
-      <a:schemeClr val="lt1"/>
-    </dgm:linClrLst>
-    <dgm:effectClrLst/>
-    <dgm:txLinClrLst/>
-    <dgm:txFillClrLst meth="repeat">
-      <a:schemeClr val="lt1"/>
-    </dgm:txFillClrLst>
-    <dgm:txEffectClrLst/>
-  </dgm:styleLbl>
-  <dgm:styleLbl name="bgImgPlace1">
-    <dgm:fillClrLst>
-      <a:schemeClr val="accent5">
-        <a:tint val="50000"/>
-      </a:schemeClr>
-      <a:schemeClr val="accent6">
-        <a:tint val="20000"/>
-      </a:schemeClr>
-    </dgm:fillClrLst>
-    <dgm:linClrLst meth="repeat">
-      <a:schemeClr val="lt1"/>
-    </dgm:linClrLst>
-    <dgm:effectClrLst/>
-    <dgm:txLinClrLst/>
-    <dgm:txFillClrLst meth="repeat">
-      <a:schemeClr val="lt1"/>
-    </dgm:txFillClrLst>
-    <dgm:txEffectClrLst/>
-  </dgm:styleLbl>
-  <dgm:styleLbl name="sibTrans2D1">
-    <dgm:fillClrLst>
-      <a:schemeClr val="accent5"/>
-      <a:schemeClr val="accent6"/>
-    </dgm:fillClrLst>
-    <dgm:linClrLst meth="repeat">
-      <a:schemeClr val="lt1"/>
-    </dgm:linClrLst>
-    <dgm:effectClrLst/>
-    <dgm:txLinClrLst/>
-    <dgm:txFillClrLst/>
-    <dgm:txEffectClrLst/>
-  </dgm:styleLbl>
-  <dgm:styleLbl name="fgSibTrans2D1">
-    <dgm:fillClrLst>
-      <a:schemeClr val="accent5"/>
-      <a:schemeClr val="accent6"/>
-    </dgm:fillClrLst>
-    <dgm:linClrLst meth="repeat">
-      <a:schemeClr val="lt1"/>
-    </dgm:linClrLst>
-    <dgm:effectClrLst/>
-    <dgm:txLinClrLst/>
-    <dgm:txFillClrLst meth="repeat">
-      <a:schemeClr val="lt1"/>
-    </dgm:txFillClrLst>
-    <dgm:txEffectClrLst/>
-  </dgm:styleLbl>
-  <dgm:styleLbl name="bgSibTrans2D1">
-    <dgm:fillClrLst>
-      <a:schemeClr val="accent5"/>
-      <a:schemeClr val="accent6"/>
-    </dgm:fillClrLst>
-    <dgm:linClrLst meth="repeat">
-      <a:schemeClr val="lt1"/>
-    </dgm:linClrLst>
-    <dgm:effectClrLst/>
-    <dgm:txLinClrLst/>
-    <dgm:txFillClrLst meth="repeat">
-      <a:schemeClr val="lt1"/>
-    </dgm:txFillClrLst>
-    <dgm:txEffectClrLst/>
-  </dgm:styleLbl>
-  <dgm:styleLbl name="sibTrans1D1">
-    <dgm:fillClrLst/>
-    <dgm:linClrLst>
-      <a:schemeClr val="accent5"/>
-      <a:schemeClr val="accent6"/>
-    </dgm:linClrLst>
-    <dgm:effectClrLst/>
-    <dgm:txLinClrLst/>
-    <dgm:txFillClrLst meth="repeat">
-      <a:schemeClr val="tx1"/>
-    </dgm:txFillClrLst>
-    <dgm:txEffectClrLst/>
-  </dgm:styleLbl>
-  <dgm:styleLbl name="callout">
-    <dgm:fillClrLst meth="repeat">
-      <a:schemeClr val="accent5"/>
-    </dgm:fillClrLst>
-    <dgm:linClrLst meth="repeat">
-      <a:schemeClr val="accent5">
-        <a:tint val="50000"/>
-      </a:schemeClr>
-    </dgm:linClrLst>
-    <dgm:effectClrLst/>
-    <dgm:txLinClrLst/>
-    <dgm:txFillClrLst meth="repeat">
-      <a:schemeClr val="tx1"/>
-    </dgm:txFillClrLst>
-    <dgm:txEffectClrLst/>
-  </dgm:styleLbl>
-  <dgm:styleLbl name="asst0">
-    <dgm:fillClrLst meth="repeat">
-      <a:schemeClr val="accent5"/>
-    </dgm:fillClrLst>
-    <dgm:linClrLst meth="repeat">
-      <a:schemeClr val="lt1">
-        <a:shade val="80000"/>
-      </a:schemeClr>
-    </dgm:linClrLst>
-    <dgm:effectClrLst/>
-    <dgm:txLinClrLst/>
-    <dgm:txFillClrLst/>
-    <dgm:txEffectClrLst/>
-  </dgm:styleLbl>
-  <dgm:styleLbl name="asst1">
-    <dgm:fillClrLst meth="repeat">
-      <a:schemeClr val="accent6"/>
-    </dgm:fillClrLst>
-    <dgm:linClrLst meth="repeat">
-      <a:schemeClr val="lt1">
-        <a:shade val="80000"/>
-      </a:schemeClr>
-    </dgm:linClrLst>
-    <dgm:effectClrLst/>
-    <dgm:txLinClrLst/>
-    <dgm:txFillClrLst/>
-    <dgm:txEffectClrLst/>
-  </dgm:styleLbl>
-  <dgm:styleLbl name="asst2">
-    <dgm:fillClrLst>
-      <a:schemeClr val="accent1"/>
-    </dgm:fillClrLst>
-    <dgm:linClrLst meth="repeat">
-      <a:schemeClr val="lt1"/>
-    </dgm:linClrLst>
-    <dgm:effectClrLst/>
-    <dgm:txLinClrLst/>
-    <dgm:txFillClrLst/>
-    <dgm:txEffectClrLst/>
-  </dgm:styleLbl>
-  <dgm:styleLbl name="asst3">
-    <dgm:fillClrLst>
-      <a:schemeClr val="accent2"/>
-    </dgm:fillClrLst>
-    <dgm:linClrLst meth="repeat">
-      <a:schemeClr val="lt1"/>
-    </dgm:linClrLst>
-    <dgm:effectClrLst/>
-    <dgm:txLinClrLst/>
-    <dgm:txFillClrLst/>
-    <dgm:txEffectClrLst/>
-  </dgm:styleLbl>
-  <dgm:styleLbl name="asst4">
-    <dgm:fillClrLst>
-      <a:schemeClr val="accent3"/>
-    </dgm:fillClrLst>
-    <dgm:linClrLst meth="repeat">
-      <a:schemeClr val="lt1"/>
-    </dgm:linClrLst>
-    <dgm:effectClrLst/>
-    <dgm:txLinClrLst/>
-    <dgm:txFillClrLst/>
-    <dgm:txEffectClrLst/>
-  </dgm:styleLbl>
-  <dgm:styleLbl name="parChTrans2D1">
-    <dgm:fillClrLst meth="repeat">
-      <a:schemeClr val="accent5"/>
-    </dgm:fillClrLst>
-    <dgm:linClrLst meth="repeat">
-      <a:schemeClr val="lt1"/>
-    </dgm:linClrLst>
-    <dgm:effectClrLst/>
-    <dgm:txLinClrLst/>
-    <dgm:txFillClrLst meth="repeat">
-      <a:schemeClr val="lt1"/>
-    </dgm:txFillClrLst>
-    <dgm:txEffectClrLst/>
-  </dgm:styleLbl>
-  <dgm:styleLbl name="parChTrans2D2">
-    <dgm:fillClrLst meth="repeat">
-      <a:schemeClr val="accent6"/>
-    </dgm:fillClrLst>
-    <dgm:linClrLst meth="repeat">
-      <a:schemeClr val="lt1"/>
-    </dgm:linClrLst>
-    <dgm:effectClrLst/>
-    <dgm:txLinClrLst/>
-    <dgm:txFillClrLst/>
-    <dgm:txEffectClrLst/>
-  </dgm:styleLbl>
-  <dgm:styleLbl name="parChTrans2D3">
-    <dgm:fillClrLst meth="repeat">
-      <a:schemeClr val="accent6"/>
-    </dgm:fillClrLst>
-    <dgm:linClrLst meth="repeat">
-      <a:schemeClr val="lt1"/>
-    </dgm:linClrLst>
-    <dgm:effectClrLst/>
-    <dgm:txLinClrLst/>
-    <dgm:txFillClrLst/>
-    <dgm:txEffectClrLst/>
-  </dgm:styleLbl>
-  <dgm:styleLbl name="parChTrans2D4">
-    <dgm:fillClrLst meth="repeat">
-      <a:schemeClr val="accent1"/>
-    </dgm:fillClrLst>
-    <dgm:linClrLst meth="repeat">
-      <a:schemeClr val="lt1"/>
-    </dgm:linClrLst>
-    <dgm:effectClrLst/>
-    <dgm:txLinClrLst/>
-    <dgm:txFillClrLst meth="repeat">
-      <a:schemeClr val="lt1"/>
-    </dgm:txFillClrLst>
-    <dgm:txEffectClrLst/>
-  </dgm:styleLbl>
-  <dgm:styleLbl name="parChTrans1D1">
-    <dgm:fillClrLst meth="repeat">
-      <a:schemeClr val="accent5"/>
-    </dgm:fillClrLst>
-    <dgm:linClrLst meth="repeat">
-      <a:schemeClr val="accent5"/>
-    </dgm:linClrLst>
-    <dgm:effectClrLst/>
-    <dgm:txLinClrLst/>
-    <dgm:txFillClrLst meth="repeat">
-      <a:schemeClr val="tx1"/>
-    </dgm:txFillClrLst>
-    <dgm:txEffectClrLst/>
-  </dgm:styleLbl>
-  <dgm:styleLbl name="parChTrans1D2">
-    <dgm:fillClrLst meth="repeat">
-      <a:schemeClr val="accent6">
-        <a:tint val="90000"/>
-      </a:schemeClr>
-    </dgm:fillClrLst>
-    <dgm:linClrLst meth="repeat">
-      <a:schemeClr val="accent6"/>
-    </dgm:linClrLst>
-    <dgm:effectClrLst/>
-    <dgm:txLinClrLst/>
-    <dgm:txFillClrLst meth="repeat">
-      <a:schemeClr val="tx1"/>
-    </dgm:txFillClrLst>
-    <dgm:txEffectClrLst/>
-  </dgm:styleLbl>
-  <dgm:styleLbl name="parChTrans1D3">
-    <dgm:fillClrLst meth="repeat">
-      <a:schemeClr val="accent6">
-        <a:tint val="70000"/>
-      </a:schemeClr>
-    </dgm:fillClrLst>
-    <dgm:linClrLst meth="repeat">
-      <a:schemeClr val="accent1"/>
-    </dgm:linClrLst>
-    <dgm:effectClrLst/>
-    <dgm:txLinClrLst/>
-    <dgm:txFillClrLst meth="repeat">
-      <a:schemeClr val="tx1"/>
-    </dgm:txFillClrLst>
-    <dgm:txEffectClrLst/>
-  </dgm:styleLbl>
-  <dgm:styleLbl name="parChTrans1D4">
-    <dgm:fillClrLst meth="repeat">
-      <a:schemeClr val="accent6">
-        <a:tint val="50000"/>
-      </a:schemeClr>
-    </dgm:fillClrLst>
-    <dgm:linClrLst meth="repeat">
-      <a:schemeClr val="accent2"/>
-    </dgm:linClrLst>
-    <dgm:effectClrLst/>
-    <dgm:txLinClrLst/>
-    <dgm:txFillClrLst meth="repeat">
-      <a:schemeClr val="tx1"/>
-    </dgm:txFillClrLst>
-    <dgm:txEffectClrLst/>
-  </dgm:styleLbl>
-  <dgm:styleLbl name="fgAcc1">
-    <dgm:fillClrLst meth="repeat">
-      <a:schemeClr val="lt1">
-        <a:alpha val="90000"/>
-      </a:schemeClr>
-    </dgm:fillClrLst>
-    <dgm:linClrLst>
-      <a:schemeClr val="accent5"/>
-      <a:schemeClr val="accent6"/>
-    </dgm:linClrLst>
-    <dgm:effectClrLst/>
-    <dgm:txLinClrLst/>
-    <dgm:txFillClrLst meth="repeat">
-      <a:schemeClr val="dk1"/>
-    </dgm:txFillClrLst>
-    <dgm:txEffectClrLst/>
-  </dgm:styleLbl>
-  <dgm:styleLbl name="conFgAcc1">
-    <dgm:fillClrLst meth="repeat">
-      <a:schemeClr val="lt1">
-        <a:alpha val="90000"/>
-      </a:schemeClr>
-    </dgm:fillClrLst>
-    <dgm:linClrLst>
-      <a:schemeClr val="accent5"/>
-      <a:schemeClr val="accent6"/>
-    </dgm:linClrLst>
-    <dgm:effectClrLst/>
-    <dgm:txLinClrLst/>
-    <dgm:txFillClrLst meth="repeat">
-      <a:schemeClr val="dk1"/>
-    </dgm:txFillClrLst>
-    <dgm:txEffectClrLst/>
-  </dgm:styleLbl>
-  <dgm:styleLbl name="alignAcc1">
-    <dgm:fillClrLst meth="repeat">
-      <a:schemeClr val="lt1">
-        <a:alpha val="90000"/>
-      </a:schemeClr>
-    </dgm:fillClrLst>
-    <dgm:linClrLst>
-      <a:schemeClr val="accent5"/>
-      <a:schemeClr val="accent6"/>
-    </dgm:linClrLst>
-    <dgm:effectClrLst/>
-    <dgm:txLinClrLst/>
-    <dgm:txFillClrLst meth="repeat">
-      <a:schemeClr val="dk1"/>
-    </dgm:txFillClrLst>
-    <dgm:txEffectClrLst/>
-  </dgm:styleLbl>
-  <dgm:styleLbl name="trAlignAcc1">
-    <dgm:fillClrLst meth="repeat">
-      <a:schemeClr val="lt1">
-        <a:alpha val="40000"/>
-      </a:schemeClr>
-    </dgm:fillClrLst>
-    <dgm:linClrLst meth="repeat">
-      <a:schemeClr val="accent5"/>
-    </dgm:linClrLst>
-    <dgm:effectClrLst/>
-    <dgm:txLinClrLst/>
-    <dgm:txFillClrLst meth="repeat">
-      <a:schemeClr val="dk1"/>
-    </dgm:txFillClrLst>
-    <dgm:txEffectClrLst/>
-  </dgm:styleLbl>
-  <dgm:styleLbl name="bgAcc1">
-    <dgm:fillClrLst meth="repeat">
-      <a:schemeClr val="lt1">
-        <a:alpha val="90000"/>
-      </a:schemeClr>
-    </dgm:fillClrLst>
-    <dgm:linClrLst>
-      <a:schemeClr val="accent5"/>
-      <a:schemeClr val="accent6"/>
-    </dgm:linClrLst>
-    <dgm:effectClrLst/>
-    <dgm:txLinClrLst/>
-    <dgm:txFillClrLst meth="repeat">
-      <a:schemeClr val="dk1"/>
-    </dgm:txFillClrLst>
-    <dgm:txEffectClrLst/>
-  </dgm:styleLbl>
-  <dgm:styleLbl name="solidFgAcc1">
-    <dgm:fillClrLst meth="repeat">
-      <a:schemeClr val="lt1"/>
-    </dgm:fillClrLst>
-    <dgm:linClrLst>
-      <a:schemeClr val="accent5"/>
-      <a:schemeClr val="accent6"/>
-    </dgm:linClrLst>
-    <dgm:effectClrLst/>
-    <dgm:txLinClrLst/>
-    <dgm:txFillClrLst meth="repeat">
-      <a:schemeClr val="dk1"/>
-    </dgm:txFillClrLst>
-    <dgm:txEffectClrLst/>
-  </dgm:styleLbl>
-  <dgm:styleLbl name="solidAlignAcc1">
-    <dgm:fillClrLst meth="repeat">
-      <a:schemeClr val="lt1"/>
-    </dgm:fillClrLst>
-    <dgm:linClrLst>
-      <a:schemeClr val="accent5"/>
-      <a:schemeClr val="accent6"/>
-    </dgm:linClrLst>
-    <dgm:effectClrLst/>
-    <dgm:txLinClrLst/>
-    <dgm:txFillClrLst meth="repeat">
-      <a:schemeClr val="dk1"/>
-    </dgm:txFillClrLst>
-    <dgm:txEffectClrLst/>
-  </dgm:styleLbl>
-  <dgm:styleLbl name="solidBgAcc1">
-    <dgm:fillClrLst meth="repeat">
-      <a:schemeClr val="lt1"/>
-    </dgm:fillClrLst>
-    <dgm:linClrLst>
-      <a:schemeClr val="accent5"/>
-      <a:schemeClr val="accent6"/>
-    </dgm:linClrLst>
-    <dgm:effectClrLst/>
-    <dgm:txLinClrLst/>
-    <dgm:txFillClrLst meth="repeat">
-      <a:schemeClr val="dk1"/>
-    </dgm:txFillClrLst>
-    <dgm:txEffectClrLst/>
-  </dgm:styleLbl>
-  <dgm:styleLbl name="fgAccFollowNode1">
-    <dgm:fillClrLst>
-      <a:schemeClr val="accent5">
-        <a:tint val="40000"/>
-        <a:alpha val="90000"/>
-      </a:schemeClr>
-      <a:schemeClr val="accent6">
-        <a:tint val="40000"/>
-        <a:alpha val="90000"/>
-      </a:schemeClr>
-    </dgm:fillClrLst>
-    <dgm:linClrLst>
-      <a:schemeClr val="accent5">
-        <a:tint val="40000"/>
-        <a:alpha val="90000"/>
-      </a:schemeClr>
-      <a:schemeClr val="accent5">
-        <a:tint val="40000"/>
-        <a:alpha val="90000"/>
-      </a:schemeClr>
-    </dgm:linClrLst>
-    <dgm:effectClrLst/>
-    <dgm:txLinClrLst/>
-    <dgm:txFillClrLst meth="repeat">
-      <a:schemeClr val="dk1"/>
-    </dgm:txFillClrLst>
-    <dgm:txEffectClrLst/>
-  </dgm:styleLbl>
-  <dgm:styleLbl name="alignAccFollowNode1">
-    <dgm:fillClrLst>
-      <a:schemeClr val="accent5">
-        <a:tint val="40000"/>
-        <a:alpha val="90000"/>
-      </a:schemeClr>
-      <a:schemeClr val="accent6">
-        <a:tint val="40000"/>
-        <a:alpha val="90000"/>
-      </a:schemeClr>
-    </dgm:fillClrLst>
-    <dgm:linClrLst>
-      <a:schemeClr val="accent5">
-        <a:tint val="40000"/>
-        <a:alpha val="90000"/>
-      </a:schemeClr>
-      <a:schemeClr val="accent6">
-        <a:tint val="40000"/>
-        <a:alpha val="90000"/>
-      </a:schemeClr>
-    </dgm:linClrLst>
-    <dgm:effectClrLst/>
-    <dgm:txLinClrLst/>
-    <dgm:txFillClrLst meth="repeat">
-      <a:schemeClr val="dk1"/>
-    </dgm:txFillClrLst>
-    <dgm:txEffectClrLst/>
-  </dgm:styleLbl>
-  <dgm:styleLbl name="bgAccFollowNode1">
-    <dgm:fillClrLst>
-      <a:schemeClr val="accent5">
-        <a:tint val="40000"/>
-        <a:alpha val="90000"/>
-      </a:schemeClr>
-      <a:schemeClr val="accent6">
-        <a:tint val="40000"/>
-        <a:alpha val="90000"/>
-      </a:schemeClr>
-    </dgm:fillClrLst>
-    <dgm:linClrLst>
-      <a:schemeClr val="accent5">
-        <a:tint val="40000"/>
-        <a:alpha val="90000"/>
-      </a:schemeClr>
-      <a:schemeClr val="accent6">
-        <a:tint val="40000"/>
-        <a:alpha val="90000"/>
-      </a:schemeClr>
-    </dgm:linClrLst>
-    <dgm:effectClrLst/>
-    <dgm:txLinClrLst/>
-    <dgm:txFillClrLst meth="repeat">
-      <a:schemeClr val="dk1"/>
-    </dgm:txFillClrLst>
-    <dgm:txEffectClrLst/>
-  </dgm:styleLbl>
-  <dgm:styleLbl name="fgAcc0">
-    <dgm:fillClrLst meth="repeat">
-      <a:schemeClr val="lt1">
-        <a:alpha val="90000"/>
-      </a:schemeClr>
-    </dgm:fillClrLst>
-    <dgm:linClrLst>
-      <a:schemeClr val="accent4"/>
-    </dgm:linClrLst>
-    <dgm:effectClrLst/>
-    <dgm:txLinClrLst/>
-    <dgm:txFillClrLst meth="repeat">
-      <a:schemeClr val="dk1"/>
-    </dgm:txFillClrLst>
-    <dgm:txEffectClrLst/>
-  </dgm:styleLbl>
-  <dgm:styleLbl name="fgAcc2">
-    <dgm:fillClrLst meth="repeat">
-      <a:schemeClr val="lt1">
-        <a:alpha val="90000"/>
-      </a:schemeClr>
-    </dgm:fillClrLst>
-    <dgm:linClrLst>
-      <a:schemeClr val="accent6"/>
-    </dgm:linClrLst>
-    <dgm:effectClrLst/>
-    <dgm:txLinClrLst/>
-    <dgm:txFillClrLst meth="repeat">
-      <a:schemeClr val="dk1"/>
-    </dgm:txFillClrLst>
-    <dgm:txEffectClrLst/>
-  </dgm:styleLbl>
-  <dgm:styleLbl name="fgAcc3">
-    <dgm:fillClrLst meth="repeat">
-      <a:schemeClr val="lt1">
-        <a:alpha val="90000"/>
-      </a:schemeClr>
-    </dgm:fillClrLst>
-    <dgm:linClrLst>
-      <a:schemeClr val="accent1"/>
-    </dgm:linClrLst>
-    <dgm:effectClrLst/>
-    <dgm:txLinClrLst/>
-    <dgm:txFillClrLst meth="repeat">
-      <a:schemeClr val="dk1"/>
-    </dgm:txFillClrLst>
-    <dgm:txEffectClrLst/>
-  </dgm:styleLbl>
-  <dgm:styleLbl name="fgAcc4">
-    <dgm:fillClrLst meth="repeat">
-      <a:schemeClr val="lt1">
-        <a:alpha val="90000"/>
-      </a:schemeClr>
-    </dgm:fillClrLst>
-    <dgm:linClrLst>
-      <a:schemeClr val="accent2"/>
-    </dgm:linClrLst>
-    <dgm:effectClrLst/>
-    <dgm:txLinClrLst/>
-    <dgm:txFillClrLst meth="repeat">
-      <a:schemeClr val="dk1"/>
-    </dgm:txFillClrLst>
-    <dgm:txEffectClrLst/>
-  </dgm:styleLbl>
-  <dgm:styleLbl name="bgShp">
-    <dgm:fillClrLst meth="repeat">
-      <a:schemeClr val="accent5">
-        <a:tint val="40000"/>
-      </a:schemeClr>
-    </dgm:fillClrLst>
-    <dgm:linClrLst meth="repeat">
-      <a:schemeClr val="dk1"/>
-    </dgm:linClrLst>
-    <dgm:effectClrLst/>
-    <dgm:txLinClrLst/>
-    <dgm:txFillClrLst meth="repeat">
-      <a:schemeClr val="dk1"/>
-    </dgm:txFillClrLst>
-    <dgm:txEffectClrLst/>
-  </dgm:styleLbl>
-  <dgm:styleLbl name="dkBgShp">
-    <dgm:fillClrLst meth="repeat">
-      <a:schemeClr val="accent5">
-        <a:shade val="90000"/>
-      </a:schemeClr>
-    </dgm:fillClrLst>
-    <dgm:linClrLst meth="repeat">
-      <a:schemeClr val="dk1"/>
-    </dgm:linClrLst>
-    <dgm:effectClrLst/>
-    <dgm:txLinClrLst/>
-    <dgm:txFillClrLst meth="repeat">
-      <a:schemeClr val="lt1"/>
-    </dgm:txFillClrLst>
-    <dgm:txEffectClrLst/>
-  </dgm:styleLbl>
-  <dgm:styleLbl name="trBgShp">
-    <dgm:fillClrLst meth="repeat">
-      <a:schemeClr val="accent5">
-        <a:tint val="50000"/>
-        <a:alpha val="40000"/>
-      </a:schemeClr>
-    </dgm:fillClrLst>
-    <dgm:linClrLst meth="repeat">
-      <a:schemeClr val="accent5"/>
-    </dgm:linClrLst>
-    <dgm:effectClrLst/>
-    <dgm:txLinClrLst/>
-    <dgm:txFillClrLst meth="repeat">
-      <a:schemeClr val="lt1"/>
-    </dgm:txFillClrLst>
-    <dgm:txEffectClrLst/>
-  </dgm:styleLbl>
-  <dgm:styleLbl name="fgShp">
-    <dgm:fillClrLst meth="repeat">
-      <a:schemeClr val="accent5">
-        <a:tint val="40000"/>
-      </a:schemeClr>
-    </dgm:fillClrLst>
-    <dgm:linClrLst meth="repeat">
-      <a:schemeClr val="lt1"/>
-    </dgm:linClrLst>
-    <dgm:effectClrLst/>
-    <dgm:txLinClrLst/>
-    <dgm:txFillClrLst meth="repeat">
-      <a:schemeClr val="dk1"/>
-    </dgm:txFillClrLst>
-    <dgm:txEffectClrLst/>
-  </dgm:styleLbl>
-  <dgm:styleLbl name="revTx">
-    <dgm:fillClrLst meth="repeat">
-      <a:schemeClr val="lt1">
-        <a:alpha val="0"/>
-      </a:schemeClr>
-    </dgm:fillClrLst>
-    <dgm:linClrLst meth="repeat">
-      <a:schemeClr val="dk1">
-        <a:alpha val="0"/>
-      </a:schemeClr>
-    </dgm:linClrLst>
-    <dgm:effectClrLst/>
-    <dgm:txLinClrLst/>
-    <dgm:txFillClrLst meth="repeat">
-      <a:schemeClr val="tx1"/>
-    </dgm:txFillClrLst>
-    <dgm:txEffectClrLst/>
-  </dgm:styleLbl>
-</dgm:colorsDef>
-</file>
-
-<file path=ppt/diagrams/data1.xml><?xml version="1.0" encoding="utf-8"?>
-<dgm:dataModel xmlns:dgm="http://schemas.openxmlformats.org/drawingml/2006/diagram" xmlns:a="http://schemas.openxmlformats.org/drawingml/2006/main">
-  <dgm:ptLst>
-    <dgm:pt modelId="{E5B2E815-0D19-41DC-B01B-4D608769620A}" type="doc">
-      <dgm:prSet loTypeId="urn:microsoft.com/office/officeart/2016/7/layout/RoundedRectangleTimeline" loCatId="other" qsTypeId="urn:microsoft.com/office/officeart/2005/8/quickstyle/simple1" qsCatId="simple" csTypeId="urn:microsoft.com/office/officeart/2005/8/colors/colorful5" csCatId="colorful" phldr="1"/>
-      <dgm:spPr/>
-      <dgm:t>
-        <a:bodyPr rtlCol="0"/>
-        <a:lstStyle/>
-        <a:p>
-          <a:pPr rtl="0"/>
-          <a:endParaRPr lang="pl-PL"/>
-        </a:p>
-      </dgm:t>
-    </dgm:pt>
-    <dgm:pt modelId="{4259F840-24E7-476F-9F30-482E46395856}">
-      <dgm:prSet phldrT="[Text]" custT="1"/>
-      <dgm:spPr/>
-      <dgm:t>
-        <a:bodyPr rtlCol="0"/>
-        <a:lstStyle/>
-        <a:p>
-          <a:pPr rtl="0"/>
-          <a:r>
-            <a:rPr lang="pl-PL" sz="1800">
-              <a:latin typeface="+mn-lt"/>
-            </a:rPr>
-            <a:t>Tytuł</a:t>
-          </a:r>
-        </a:p>
-      </dgm:t>
-    </dgm:pt>
-    <dgm:pt modelId="{FCE8068D-7E50-4749-A8D0-ADEDAC5637B3}" type="parTrans" cxnId="{42EE41D1-3C16-4937-BB38-B076896C09A0}">
-      <dgm:prSet/>
-      <dgm:spPr/>
-      <dgm:t>
-        <a:bodyPr rtlCol="0"/>
-        <a:lstStyle/>
-        <a:p>
-          <a:pPr rtl="0"/>
-          <a:endParaRPr lang="pl-PL" sz="1800">
-            <a:latin typeface="+mn-lt"/>
-          </a:endParaRPr>
-        </a:p>
-      </dgm:t>
-    </dgm:pt>
-    <dgm:pt modelId="{DCC444A4-F20A-48F5-A61E-47BFFF185A57}" type="sibTrans" cxnId="{42EE41D1-3C16-4937-BB38-B076896C09A0}">
-      <dgm:prSet/>
-      <dgm:spPr/>
-      <dgm:t>
-        <a:bodyPr rtlCol="0"/>
-        <a:lstStyle/>
-        <a:p>
-          <a:pPr rtl="0"/>
-          <a:endParaRPr lang="pl-PL" sz="1800">
-            <a:latin typeface="+mn-lt"/>
-          </a:endParaRPr>
-        </a:p>
-      </dgm:t>
-    </dgm:pt>
-    <dgm:pt modelId="{B54C8F6C-BE1E-4EAB-B7A0-48DE01FFAA36}">
-      <dgm:prSet phldrT="[Text]" custT="1"/>
-      <dgm:spPr/>
-      <dgm:t>
-        <a:bodyPr rtlCol="0"/>
-        <a:lstStyle/>
-        <a:p>
-          <a:pPr rtl="0">
-            <a:buFont typeface="Symbol" panose="05050102010706020507" pitchFamily="18" charset="2"/>
-            <a:buChar char=""/>
-          </a:pPr>
-          <a:r>
-            <a:rPr lang="pl-PL" sz="1800" dirty="0">
-              <a:latin typeface="+mn-lt"/>
-            </a:rPr>
-            <a:t>Aby rozpocząć prezentację, przejdź do karty Pokaz slajdów, a następnie wybierz pozycję Od początku.</a:t>
-          </a:r>
-        </a:p>
-      </dgm:t>
-    </dgm:pt>
-    <dgm:pt modelId="{8DE7CD45-B7C0-432E-B819-6A7D97E31315}" type="parTrans" cxnId="{770CA1CC-3DDD-451E-AE83-A71CA570260C}">
-      <dgm:prSet/>
-      <dgm:spPr/>
-      <dgm:t>
-        <a:bodyPr rtlCol="0"/>
-        <a:lstStyle/>
-        <a:p>
-          <a:pPr rtl="0"/>
-          <a:endParaRPr lang="pl-PL" sz="1800">
-            <a:latin typeface="+mn-lt"/>
-          </a:endParaRPr>
-        </a:p>
-      </dgm:t>
-    </dgm:pt>
-    <dgm:pt modelId="{C33B8BEF-A818-4A2F-A99A-E2B29895E184}" type="sibTrans" cxnId="{770CA1CC-3DDD-451E-AE83-A71CA570260C}">
-      <dgm:prSet/>
-      <dgm:spPr/>
-      <dgm:t>
-        <a:bodyPr rtlCol="0"/>
-        <a:lstStyle/>
-        <a:p>
-          <a:pPr rtl="0"/>
-          <a:endParaRPr lang="pl-PL" sz="1800">
-            <a:latin typeface="+mn-lt"/>
-          </a:endParaRPr>
-        </a:p>
-      </dgm:t>
-    </dgm:pt>
-    <dgm:pt modelId="{E4033A39-DCC4-4038-9562-AEDDBBB37A99}">
-      <dgm:prSet phldrT="[Text]" custT="1"/>
-      <dgm:spPr/>
-      <dgm:t>
-        <a:bodyPr rtlCol="0"/>
-        <a:lstStyle/>
-        <a:p>
-          <a:pPr rtl="0"/>
-          <a:r>
-            <a:rPr lang="pl-PL" sz="1800">
-              <a:latin typeface="+mn-lt"/>
-            </a:rPr>
-            <a:t>Tytuł</a:t>
-          </a:r>
-        </a:p>
-      </dgm:t>
-    </dgm:pt>
-    <dgm:pt modelId="{048EEAE6-78BA-4B00-B7BB-9C22DBB1E8F4}" type="parTrans" cxnId="{32EF2862-2950-4DF8-BEA8-CD19460CCA31}">
-      <dgm:prSet/>
-      <dgm:spPr/>
-      <dgm:t>
-        <a:bodyPr rtlCol="0"/>
-        <a:lstStyle/>
-        <a:p>
-          <a:pPr rtl="0"/>
-          <a:endParaRPr lang="pl-PL" sz="1800">
-            <a:latin typeface="+mn-lt"/>
-          </a:endParaRPr>
-        </a:p>
-      </dgm:t>
-    </dgm:pt>
-    <dgm:pt modelId="{80AB0E5B-0C58-465D-A545-5B21133D2849}" type="sibTrans" cxnId="{32EF2862-2950-4DF8-BEA8-CD19460CCA31}">
-      <dgm:prSet/>
-      <dgm:spPr/>
-      <dgm:t>
-        <a:bodyPr rtlCol="0"/>
-        <a:lstStyle/>
-        <a:p>
-          <a:pPr rtl="0"/>
-          <a:endParaRPr lang="pl-PL" sz="1800">
-            <a:latin typeface="+mn-lt"/>
-          </a:endParaRPr>
-        </a:p>
-      </dgm:t>
-    </dgm:pt>
-    <dgm:pt modelId="{A4C0B4E4-70AD-4901-9E3F-7EA25DD6DAA1}">
-      <dgm:prSet phldrT="[Text]" custT="1"/>
-      <dgm:spPr/>
-      <dgm:t>
-        <a:bodyPr rtlCol="0"/>
-        <a:lstStyle/>
-        <a:p>
-          <a:pPr rtl="0">
-            <a:buFont typeface="Symbol" panose="05050102010706020507" pitchFamily="18" charset="2"/>
-            <a:buChar char=""/>
-          </a:pPr>
-          <a:r>
-            <a:rPr lang="pl-PL" sz="1800" dirty="0">
-              <a:latin typeface="+mn-lt"/>
-            </a:rPr>
-            <a:t>Aby wyświetlić widok prezentera, w widoku Pokaz slajdów na pasku sterowania w lewym dolnym rogu wybierz ikonę wielokropka, </a:t>
-          </a:r>
-          <a:br>
-            <a:rPr lang="pl-PL" sz="1800" dirty="0">
-              <a:latin typeface="+mn-lt"/>
-            </a:rPr>
-          </a:br>
-          <a:r>
-            <a:rPr lang="pl-PL" sz="1800" dirty="0">
-              <a:latin typeface="+mn-lt"/>
-            </a:rPr>
-            <a:t>a następnie polecenie Pokaż Widok prezentera.</a:t>
-          </a:r>
-        </a:p>
-      </dgm:t>
-    </dgm:pt>
-    <dgm:pt modelId="{701D9033-BAD3-4299-933F-A47AFDC2ECD0}" type="parTrans" cxnId="{5E74CB62-E52E-4CEE-8AA1-9812BFC0D67E}">
-      <dgm:prSet/>
-      <dgm:spPr/>
-      <dgm:t>
-        <a:bodyPr rtlCol="0"/>
-        <a:lstStyle/>
-        <a:p>
-          <a:pPr rtl="0"/>
-          <a:endParaRPr lang="pl-PL" sz="1800">
-            <a:latin typeface="+mn-lt"/>
-          </a:endParaRPr>
-        </a:p>
-      </dgm:t>
-    </dgm:pt>
-    <dgm:pt modelId="{657DB10D-2517-48AA-B970-6D815DBD4123}" type="sibTrans" cxnId="{5E74CB62-E52E-4CEE-8AA1-9812BFC0D67E}">
-      <dgm:prSet/>
-      <dgm:spPr/>
-      <dgm:t>
-        <a:bodyPr rtlCol="0"/>
-        <a:lstStyle/>
-        <a:p>
-          <a:pPr rtl="0"/>
-          <a:endParaRPr lang="pl-PL" sz="1800">
-            <a:latin typeface="+mn-lt"/>
-          </a:endParaRPr>
-        </a:p>
-      </dgm:t>
-    </dgm:pt>
-    <dgm:pt modelId="{87BF7896-20EA-4E8F-B6F4-A34EC5C9CB50}">
-      <dgm:prSet phldrT="[Text]" custT="1"/>
-      <dgm:spPr/>
-      <dgm:t>
-        <a:bodyPr rtlCol="0"/>
-        <a:lstStyle/>
-        <a:p>
-          <a:pPr rtl="0"/>
-          <a:r>
-            <a:rPr lang="pl-PL" sz="1800">
-              <a:latin typeface="+mn-lt"/>
-            </a:rPr>
-            <a:t>Tytuł</a:t>
-          </a:r>
-        </a:p>
-      </dgm:t>
-    </dgm:pt>
-    <dgm:pt modelId="{05E47BA5-F724-4AEE-9B5B-401F18E028E6}" type="parTrans" cxnId="{92330C11-C197-4512-BDA4-8D8A69AF7D1C}">
-      <dgm:prSet/>
-      <dgm:spPr/>
-      <dgm:t>
-        <a:bodyPr rtlCol="0"/>
-        <a:lstStyle/>
-        <a:p>
-          <a:pPr rtl="0"/>
-          <a:endParaRPr lang="pl-PL" sz="1800">
-            <a:latin typeface="+mn-lt"/>
-          </a:endParaRPr>
-        </a:p>
-      </dgm:t>
-    </dgm:pt>
-    <dgm:pt modelId="{D63CE73E-35DE-48C3-8753-7648BC953C0D}" type="sibTrans" cxnId="{92330C11-C197-4512-BDA4-8D8A69AF7D1C}">
-      <dgm:prSet/>
-      <dgm:spPr/>
-      <dgm:t>
-        <a:bodyPr rtlCol="0"/>
-        <a:lstStyle/>
-        <a:p>
-          <a:pPr rtl="0"/>
-          <a:endParaRPr lang="pl-PL" sz="1800">
-            <a:latin typeface="+mn-lt"/>
-          </a:endParaRPr>
-        </a:p>
-      </dgm:t>
-    </dgm:pt>
-    <dgm:pt modelId="{43CBB0A2-9D75-4264-8A30-3E8974B40658}">
-      <dgm:prSet phldrT="[Text]" custT="1"/>
-      <dgm:spPr/>
-      <dgm:t>
-        <a:bodyPr rtlCol="0"/>
-        <a:lstStyle/>
-        <a:p>
-          <a:pPr rtl="0">
-            <a:buFont typeface="Symbol" panose="05050102010706020507" pitchFamily="18" charset="2"/>
-            <a:buChar char=""/>
-          </a:pPr>
-          <a:r>
-            <a:rPr lang="pl-PL" sz="1800" dirty="0"/>
-            <a:t>W trakcie prezentacji notatki prelegenta są widoczne na Twoim monitorze, ale nie są widoczne dla odbiorców.</a:t>
-          </a:r>
-          <a:endParaRPr lang="pl-PL" sz="1800" dirty="0">
-            <a:latin typeface="+mn-lt"/>
-          </a:endParaRPr>
-        </a:p>
-      </dgm:t>
-    </dgm:pt>
-    <dgm:pt modelId="{F806E590-5F8E-48A1-96AC-9E738290D2ED}" type="parTrans" cxnId="{4D2DF581-8128-4440-9E51-29109DC6ED52}">
-      <dgm:prSet/>
-      <dgm:spPr/>
-      <dgm:t>
-        <a:bodyPr rtlCol="0"/>
-        <a:lstStyle/>
-        <a:p>
-          <a:pPr rtl="0"/>
-          <a:endParaRPr lang="pl-PL" sz="1800">
-            <a:latin typeface="+mn-lt"/>
-          </a:endParaRPr>
-        </a:p>
-      </dgm:t>
-    </dgm:pt>
-    <dgm:pt modelId="{20F77EFB-335C-4BC3-AD95-8421EDF343E6}" type="sibTrans" cxnId="{4D2DF581-8128-4440-9E51-29109DC6ED52}">
-      <dgm:prSet/>
-      <dgm:spPr/>
-      <dgm:t>
-        <a:bodyPr rtlCol="0"/>
-        <a:lstStyle/>
-        <a:p>
-          <a:pPr rtl="0"/>
-          <a:endParaRPr lang="pl-PL" sz="1800">
-            <a:latin typeface="+mn-lt"/>
-          </a:endParaRPr>
-        </a:p>
-      </dgm:t>
-    </dgm:pt>
-    <dgm:pt modelId="{3DE6FF16-CA4D-4D34-ABEB-8BE6A40B5E52}">
-      <dgm:prSet phldrT="[Text]" custT="1"/>
-      <dgm:spPr/>
-      <dgm:t>
-        <a:bodyPr rtlCol="0"/>
-        <a:lstStyle/>
-        <a:p>
-          <a:pPr rtl="0">
-            <a:buFont typeface="Symbol" panose="05050102010706020507" pitchFamily="18" charset="2"/>
-            <a:buChar char=""/>
-          </a:pPr>
-          <a:r>
-            <a:rPr lang="pl-PL" sz="1800">
-              <a:latin typeface="+mn-lt"/>
-            </a:rPr>
-            <a:t>Tytuł</a:t>
-          </a:r>
-        </a:p>
-      </dgm:t>
-    </dgm:pt>
-    <dgm:pt modelId="{DA9CCCCB-8206-4757-82C8-F885E9D238B5}" type="parTrans" cxnId="{636DE8C5-F706-4BA5-855F-85FD2239E2BE}">
-      <dgm:prSet/>
-      <dgm:spPr/>
-      <dgm:t>
-        <a:bodyPr rtlCol="0"/>
-        <a:lstStyle/>
-        <a:p>
-          <a:pPr rtl="0"/>
-          <a:endParaRPr lang="pl-PL" sz="1800"/>
-        </a:p>
-      </dgm:t>
-    </dgm:pt>
-    <dgm:pt modelId="{986162A7-6F89-4679-B40E-33A17DA21B73}" type="sibTrans" cxnId="{636DE8C5-F706-4BA5-855F-85FD2239E2BE}">
-      <dgm:prSet/>
-      <dgm:spPr/>
-      <dgm:t>
-        <a:bodyPr rtlCol="0"/>
-        <a:lstStyle/>
-        <a:p>
-          <a:pPr rtl="0"/>
-          <a:endParaRPr lang="pl-PL" sz="1800"/>
-        </a:p>
-      </dgm:t>
-    </dgm:pt>
-    <dgm:pt modelId="{AC76BE15-3E8A-498B-91BD-CF772C26B6F1}">
-      <dgm:prSet phldrT="[Text]" custT="1"/>
-      <dgm:spPr/>
-      <dgm:t>
-        <a:bodyPr rtlCol="0"/>
-        <a:lstStyle/>
-        <a:p>
-          <a:pPr rtl="0">
-            <a:buFont typeface="Symbol" panose="05050102010706020507" pitchFamily="18" charset="2"/>
-            <a:buChar char=""/>
-          </a:pPr>
-          <a:r>
-            <a:rPr lang="pl-PL" sz="1800">
-              <a:latin typeface="+mn-lt"/>
-            </a:rPr>
-            <a:t>Tytuł</a:t>
-          </a:r>
-        </a:p>
-      </dgm:t>
-    </dgm:pt>
-    <dgm:pt modelId="{00CCB400-064A-4EF5-9806-9534D9AC69AD}" type="parTrans" cxnId="{140A4778-8248-44DE-B78A-23C578A77D7E}">
-      <dgm:prSet/>
-      <dgm:spPr/>
-      <dgm:t>
-        <a:bodyPr rtlCol="0"/>
-        <a:lstStyle/>
-        <a:p>
-          <a:pPr rtl="0"/>
-          <a:endParaRPr lang="pl-PL" sz="1800"/>
-        </a:p>
-      </dgm:t>
-    </dgm:pt>
-    <dgm:pt modelId="{662A3D6E-7238-444F-BC0B-C7A4321261DB}" type="sibTrans" cxnId="{140A4778-8248-44DE-B78A-23C578A77D7E}">
-      <dgm:prSet/>
-      <dgm:spPr/>
-      <dgm:t>
-        <a:bodyPr rtlCol="0"/>
-        <a:lstStyle/>
-        <a:p>
-          <a:pPr rtl="0"/>
-          <a:endParaRPr lang="pl-PL" sz="1800"/>
-        </a:p>
-      </dgm:t>
-    </dgm:pt>
-    <dgm:pt modelId="{73820394-2159-4075-9E6F-217263B07F8B}">
-      <dgm:prSet phldrT="[Text]" custT="1"/>
-      <dgm:spPr/>
-      <dgm:t>
-        <a:bodyPr rtlCol="0"/>
-        <a:lstStyle/>
-        <a:p>
-          <a:pPr rtl="0">
-            <a:buFont typeface="Symbol" panose="05050102010706020507" pitchFamily="18" charset="2"/>
-            <a:buChar char=""/>
-          </a:pPr>
-          <a:r>
-            <a:rPr lang="pl-PL" sz="1800" dirty="0"/>
-            <a:t>Jeśli nie widzisz okienka notatek lub jest ono całkowicie zminimalizowane, kliknij pozycję Notatki na pasku zadań w dolnej części okna programu PowerPoint.</a:t>
-          </a:r>
-          <a:endParaRPr lang="pl-PL" sz="1800" dirty="0">
-            <a:latin typeface="+mn-lt"/>
-          </a:endParaRPr>
-        </a:p>
-      </dgm:t>
-    </dgm:pt>
-    <dgm:pt modelId="{A861A835-3A0D-4B09-8870-87D7FDC7B27F}" type="parTrans" cxnId="{19CF03A0-47BE-4ABD-A62C-A27E16D6C5A3}">
-      <dgm:prSet/>
-      <dgm:spPr/>
-      <dgm:t>
-        <a:bodyPr rtlCol="0"/>
-        <a:lstStyle/>
-        <a:p>
-          <a:pPr rtl="0"/>
-          <a:endParaRPr lang="pl-PL" sz="1800"/>
-        </a:p>
-      </dgm:t>
-    </dgm:pt>
-    <dgm:pt modelId="{D383A36B-470D-499F-AE13-85A6B2495524}" type="sibTrans" cxnId="{19CF03A0-47BE-4ABD-A62C-A27E16D6C5A3}">
-      <dgm:prSet/>
-      <dgm:spPr/>
-      <dgm:t>
-        <a:bodyPr rtlCol="0"/>
-        <a:lstStyle/>
-        <a:p>
-          <a:pPr rtl="0"/>
-          <a:endParaRPr lang="pl-PL" sz="1800"/>
-        </a:p>
-      </dgm:t>
-    </dgm:pt>
-    <dgm:pt modelId="{C032D242-8D23-4EEC-A10A-7B0691E5A409}">
-      <dgm:prSet phldrT="[Text]" custT="1"/>
-      <dgm:spPr/>
-      <dgm:t>
-        <a:bodyPr rtlCol="0"/>
-        <a:lstStyle/>
-        <a:p>
-          <a:pPr rtl="0">
-            <a:buFont typeface="Symbol" panose="05050102010706020507" pitchFamily="18" charset="2"/>
-            <a:buChar char=""/>
-          </a:pPr>
-          <a:r>
-            <a:rPr lang="pl-PL" sz="1800" dirty="0"/>
-            <a:t>Okienko notatek to pole wyświetlane poniżej każdego slajdu. Naciśnij je, aby dodać notatki.</a:t>
-          </a:r>
-          <a:endParaRPr lang="pl-PL" sz="1800" dirty="0">
-            <a:latin typeface="+mn-lt"/>
-          </a:endParaRPr>
-        </a:p>
-      </dgm:t>
-    </dgm:pt>
-    <dgm:pt modelId="{167DA838-BF1F-42A4-81E8-806F40795A14}" type="parTrans" cxnId="{D9403C73-FB83-47D6-85AE-067D49ED63F2}">
-      <dgm:prSet/>
-      <dgm:spPr/>
-      <dgm:t>
-        <a:bodyPr rtlCol="0"/>
-        <a:lstStyle/>
-        <a:p>
-          <a:pPr rtl="0"/>
-          <a:endParaRPr lang="pl-PL" sz="1800"/>
-        </a:p>
-      </dgm:t>
-    </dgm:pt>
-    <dgm:pt modelId="{7EFA60CA-572D-434D-B452-A4ACBAEB4D2C}" type="sibTrans" cxnId="{D9403C73-FB83-47D6-85AE-067D49ED63F2}">
-      <dgm:prSet/>
-      <dgm:spPr/>
-      <dgm:t>
-        <a:bodyPr rtlCol="0"/>
-        <a:lstStyle/>
-        <a:p>
-          <a:pPr rtl="0"/>
-          <a:endParaRPr lang="pl-PL" sz="1800"/>
-        </a:p>
-      </dgm:t>
-    </dgm:pt>
-    <dgm:pt modelId="{196C9F68-3606-4282-A4C6-4485F1280B5F}" type="pres">
-      <dgm:prSet presAssocID="{E5B2E815-0D19-41DC-B01B-4D608769620A}" presName="Name0" presStyleCnt="0">
-        <dgm:presLayoutVars>
-          <dgm:chMax/>
-          <dgm:chPref/>
-          <dgm:animLvl val="lvl"/>
-        </dgm:presLayoutVars>
-      </dgm:prSet>
-      <dgm:spPr/>
-    </dgm:pt>
-    <dgm:pt modelId="{68D8AC18-502F-4825-B069-75605ADB3A40}" type="pres">
-      <dgm:prSet presAssocID="{4259F840-24E7-476F-9F30-482E46395856}" presName="composite1" presStyleCnt="0"/>
-      <dgm:spPr/>
-    </dgm:pt>
-    <dgm:pt modelId="{E088D226-49D7-4C30-90DC-CA1755D98829}" type="pres">
-      <dgm:prSet presAssocID="{4259F840-24E7-476F-9F30-482E46395856}" presName="parent1" presStyleLbl="alignNode1" presStyleIdx="0" presStyleCnt="5">
-        <dgm:presLayoutVars>
-          <dgm:chMax val="1"/>
-          <dgm:chPref val="1"/>
-          <dgm:bulletEnabled val="1"/>
-        </dgm:presLayoutVars>
-      </dgm:prSet>
-      <dgm:spPr/>
-    </dgm:pt>
-    <dgm:pt modelId="{45A02F84-C6CB-43F5-AEE4-3EA66C2BD25F}" type="pres">
-      <dgm:prSet presAssocID="{4259F840-24E7-476F-9F30-482E46395856}" presName="Childtext1" presStyleLbl="revTx" presStyleIdx="0" presStyleCnt="5">
-        <dgm:presLayoutVars>
-          <dgm:bulletEnabled val="1"/>
-        </dgm:presLayoutVars>
-      </dgm:prSet>
-      <dgm:spPr/>
-    </dgm:pt>
-    <dgm:pt modelId="{6BA46904-CB7C-4538-BD49-D3891EF19552}" type="pres">
-      <dgm:prSet presAssocID="{4259F840-24E7-476F-9F30-482E46395856}" presName="ConnectLine1" presStyleLbl="sibTrans1D1" presStyleIdx="0" presStyleCnt="5"/>
-      <dgm:spPr>
-        <a:noFill/>
-        <a:ln w="6350" cap="flat" cmpd="sng" algn="ctr">
-          <a:solidFill>
-            <a:schemeClr val="accent5">
-              <a:hueOff val="0"/>
-              <a:satOff val="0"/>
-              <a:lumOff val="0"/>
-              <a:alphaOff val="0"/>
-            </a:schemeClr>
-          </a:solidFill>
-          <a:prstDash val="dash"/>
-          <a:miter lim="800000"/>
-        </a:ln>
-        <a:effectLst/>
-      </dgm:spPr>
-    </dgm:pt>
-    <dgm:pt modelId="{049FDBD0-77FE-49D1-A275-A272C8C5E426}" type="pres">
-      <dgm:prSet presAssocID="{4259F840-24E7-476F-9F30-482E46395856}" presName="ConnectLineEnd1" presStyleLbl="lnNode1" presStyleIdx="0" presStyleCnt="5"/>
-      <dgm:spPr/>
-    </dgm:pt>
-    <dgm:pt modelId="{CB26EA94-33BB-4F98-9E1E-2237D4831263}" type="pres">
-      <dgm:prSet presAssocID="{4259F840-24E7-476F-9F30-482E46395856}" presName="EmptyPane1" presStyleCnt="0"/>
-      <dgm:spPr/>
-    </dgm:pt>
-    <dgm:pt modelId="{606F1DBF-510E-4065-ACCB-3EBDA85CFB92}" type="pres">
-      <dgm:prSet presAssocID="{DCC444A4-F20A-48F5-A61E-47BFFF185A57}" presName="spaceBetweenRectangles1" presStyleCnt="0"/>
-      <dgm:spPr/>
-    </dgm:pt>
-    <dgm:pt modelId="{07989479-D1A2-4D15-AA3A-B0CFFB9F91D9}" type="pres">
-      <dgm:prSet presAssocID="{E4033A39-DCC4-4038-9562-AEDDBBB37A99}" presName="composite1" presStyleCnt="0"/>
-      <dgm:spPr/>
-    </dgm:pt>
-    <dgm:pt modelId="{539615E2-3277-4D8E-8484-FF5088C8BF01}" type="pres">
-      <dgm:prSet presAssocID="{E4033A39-DCC4-4038-9562-AEDDBBB37A99}" presName="parent1" presStyleLbl="alignNode1" presStyleIdx="1" presStyleCnt="5">
-        <dgm:presLayoutVars>
-          <dgm:chMax val="1"/>
-          <dgm:chPref val="1"/>
-          <dgm:bulletEnabled val="1"/>
-        </dgm:presLayoutVars>
-      </dgm:prSet>
-      <dgm:spPr/>
-    </dgm:pt>
-    <dgm:pt modelId="{FEBD3C2A-A340-470A-A475-AE614EA07678}" type="pres">
-      <dgm:prSet presAssocID="{E4033A39-DCC4-4038-9562-AEDDBBB37A99}" presName="Childtext1" presStyleLbl="revTx" presStyleIdx="1" presStyleCnt="5">
-        <dgm:presLayoutVars>
-          <dgm:bulletEnabled val="1"/>
-        </dgm:presLayoutVars>
-      </dgm:prSet>
-      <dgm:spPr/>
-    </dgm:pt>
-    <dgm:pt modelId="{080474C8-0FEA-4FD1-97F1-0978CFB4A37F}" type="pres">
-      <dgm:prSet presAssocID="{E4033A39-DCC4-4038-9562-AEDDBBB37A99}" presName="ConnectLine1" presStyleLbl="sibTrans1D1" presStyleIdx="1" presStyleCnt="5"/>
-      <dgm:spPr>
-        <a:noFill/>
-        <a:ln w="6350" cap="flat" cmpd="sng" algn="ctr">
-          <a:solidFill>
-            <a:schemeClr val="accent5">
-              <a:hueOff val="90002"/>
-              <a:satOff val="2173"/>
-              <a:lumOff val="-10490"/>
-              <a:alphaOff val="0"/>
-            </a:schemeClr>
-          </a:solidFill>
-          <a:prstDash val="dash"/>
-          <a:miter lim="800000"/>
-        </a:ln>
-        <a:effectLst/>
-      </dgm:spPr>
-    </dgm:pt>
-    <dgm:pt modelId="{4797FB61-2602-4A58-81E6-6F133DB1E419}" type="pres">
-      <dgm:prSet presAssocID="{E4033A39-DCC4-4038-9562-AEDDBBB37A99}" presName="ConnectLineEnd1" presStyleLbl="lnNode1" presStyleIdx="1" presStyleCnt="5"/>
-      <dgm:spPr/>
-    </dgm:pt>
-    <dgm:pt modelId="{3ADF0AE3-D759-4F4F-8135-572855211847}" type="pres">
-      <dgm:prSet presAssocID="{E4033A39-DCC4-4038-9562-AEDDBBB37A99}" presName="EmptyPane1" presStyleCnt="0"/>
-      <dgm:spPr/>
-    </dgm:pt>
-    <dgm:pt modelId="{B0CD7A53-7149-45F2-83E8-36717D7878A1}" type="pres">
-      <dgm:prSet presAssocID="{80AB0E5B-0C58-465D-A545-5B21133D2849}" presName="spaceBetweenRectangles1" presStyleCnt="0"/>
-      <dgm:spPr/>
-    </dgm:pt>
-    <dgm:pt modelId="{FB379A6E-C0F9-420B-90FC-2785E757E6AE}" type="pres">
-      <dgm:prSet presAssocID="{87BF7896-20EA-4E8F-B6F4-A34EC5C9CB50}" presName="composite1" presStyleCnt="0"/>
-      <dgm:spPr/>
-    </dgm:pt>
-    <dgm:pt modelId="{9D82041D-873A-4600-A9C7-C0A0ADFB138B}" type="pres">
-      <dgm:prSet presAssocID="{87BF7896-20EA-4E8F-B6F4-A34EC5C9CB50}" presName="parent1" presStyleLbl="alignNode1" presStyleIdx="2" presStyleCnt="5">
-        <dgm:presLayoutVars>
-          <dgm:chMax val="1"/>
-          <dgm:chPref val="1"/>
-          <dgm:bulletEnabled val="1"/>
-        </dgm:presLayoutVars>
-      </dgm:prSet>
-      <dgm:spPr/>
-    </dgm:pt>
-    <dgm:pt modelId="{80CDBBF8-C6B4-4166-87C1-DC9120CC7586}" type="pres">
-      <dgm:prSet presAssocID="{87BF7896-20EA-4E8F-B6F4-A34EC5C9CB50}" presName="Childtext1" presStyleLbl="revTx" presStyleIdx="2" presStyleCnt="5">
-        <dgm:presLayoutVars>
-          <dgm:bulletEnabled val="1"/>
-        </dgm:presLayoutVars>
-      </dgm:prSet>
-      <dgm:spPr/>
-    </dgm:pt>
-    <dgm:pt modelId="{89759DE5-9F8A-470E-A6D8-F13BB4DEE93D}" type="pres">
-      <dgm:prSet presAssocID="{87BF7896-20EA-4E8F-B6F4-A34EC5C9CB50}" presName="ConnectLine1" presStyleLbl="sibTrans1D1" presStyleIdx="2" presStyleCnt="5"/>
-      <dgm:spPr>
-        <a:noFill/>
-        <a:ln w="6350" cap="flat" cmpd="sng" algn="ctr">
-          <a:solidFill>
-            <a:schemeClr val="accent5">
-              <a:hueOff val="180003"/>
-              <a:satOff val="4346"/>
-              <a:lumOff val="-20980"/>
-              <a:alphaOff val="0"/>
-            </a:schemeClr>
-          </a:solidFill>
-          <a:prstDash val="dash"/>
-          <a:miter lim="800000"/>
-        </a:ln>
-        <a:effectLst/>
-      </dgm:spPr>
-    </dgm:pt>
-    <dgm:pt modelId="{07CCF286-8B46-4A20-ACAC-84BA2D6EFBBC}" type="pres">
-      <dgm:prSet presAssocID="{87BF7896-20EA-4E8F-B6F4-A34EC5C9CB50}" presName="ConnectLineEnd1" presStyleLbl="lnNode1" presStyleIdx="2" presStyleCnt="5"/>
-      <dgm:spPr/>
-    </dgm:pt>
-    <dgm:pt modelId="{4624FC32-5405-42B1-B5CC-DF0659852A58}" type="pres">
-      <dgm:prSet presAssocID="{87BF7896-20EA-4E8F-B6F4-A34EC5C9CB50}" presName="EmptyPane1" presStyleCnt="0"/>
-      <dgm:spPr/>
-    </dgm:pt>
-    <dgm:pt modelId="{8C327064-3851-4ECF-AAB7-82B51711041E}" type="pres">
-      <dgm:prSet presAssocID="{D63CE73E-35DE-48C3-8753-7648BC953C0D}" presName="spaceBetweenRectangles1" presStyleCnt="0"/>
-      <dgm:spPr/>
-    </dgm:pt>
-    <dgm:pt modelId="{3ADEA4DF-6814-494D-9D3D-41947417052B}" type="pres">
-      <dgm:prSet presAssocID="{3DE6FF16-CA4D-4D34-ABEB-8BE6A40B5E52}" presName="composite1" presStyleCnt="0"/>
-      <dgm:spPr/>
-    </dgm:pt>
-    <dgm:pt modelId="{74CD3FF2-195B-429B-BC6F-5B5A7FED2BE2}" type="pres">
-      <dgm:prSet presAssocID="{3DE6FF16-CA4D-4D34-ABEB-8BE6A40B5E52}" presName="parent1" presStyleLbl="alignNode1" presStyleIdx="3" presStyleCnt="5">
-        <dgm:presLayoutVars>
-          <dgm:chMax val="1"/>
-          <dgm:chPref val="1"/>
-          <dgm:bulletEnabled val="1"/>
-        </dgm:presLayoutVars>
-      </dgm:prSet>
-      <dgm:spPr/>
-    </dgm:pt>
-    <dgm:pt modelId="{1BB5FD64-47F9-47A3-911F-535BFE17A3B9}" type="pres">
-      <dgm:prSet presAssocID="{3DE6FF16-CA4D-4D34-ABEB-8BE6A40B5E52}" presName="Childtext1" presStyleLbl="revTx" presStyleIdx="3" presStyleCnt="5">
-        <dgm:presLayoutVars>
-          <dgm:bulletEnabled val="1"/>
-        </dgm:presLayoutVars>
-      </dgm:prSet>
-      <dgm:spPr/>
-    </dgm:pt>
-    <dgm:pt modelId="{FE9B27EB-7AC7-485A-9A55-41E8118F9EAF}" type="pres">
-      <dgm:prSet presAssocID="{3DE6FF16-CA4D-4D34-ABEB-8BE6A40B5E52}" presName="ConnectLine1" presStyleLbl="sibTrans1D1" presStyleIdx="3" presStyleCnt="5"/>
-      <dgm:spPr>
-        <a:noFill/>
-        <a:ln w="6350" cap="flat" cmpd="sng" algn="ctr">
-          <a:solidFill>
-            <a:schemeClr val="accent5">
-              <a:hueOff val="270005"/>
-              <a:satOff val="6519"/>
-              <a:lumOff val="-31471"/>
-              <a:alphaOff val="0"/>
-            </a:schemeClr>
-          </a:solidFill>
-          <a:prstDash val="dash"/>
-          <a:miter lim="800000"/>
-        </a:ln>
-        <a:effectLst/>
-      </dgm:spPr>
-    </dgm:pt>
-    <dgm:pt modelId="{46BD4721-4664-4AD0-9F11-DBE7E0B207D5}" type="pres">
-      <dgm:prSet presAssocID="{3DE6FF16-CA4D-4D34-ABEB-8BE6A40B5E52}" presName="ConnectLineEnd1" presStyleLbl="lnNode1" presStyleIdx="3" presStyleCnt="5"/>
-      <dgm:spPr/>
-    </dgm:pt>
-    <dgm:pt modelId="{69028BD0-349D-4B47-B1F4-B64C6478DE3C}" type="pres">
-      <dgm:prSet presAssocID="{3DE6FF16-CA4D-4D34-ABEB-8BE6A40B5E52}" presName="EmptyPane1" presStyleCnt="0"/>
-      <dgm:spPr/>
-    </dgm:pt>
-    <dgm:pt modelId="{619CFBB1-86F5-45A6-80BA-23F97450662F}" type="pres">
-      <dgm:prSet presAssocID="{986162A7-6F89-4679-B40E-33A17DA21B73}" presName="spaceBetweenRectangles1" presStyleCnt="0"/>
-      <dgm:spPr/>
-    </dgm:pt>
-    <dgm:pt modelId="{E4E0A96A-AF87-442A-A1A3-64B8F3CFC7FE}" type="pres">
-      <dgm:prSet presAssocID="{AC76BE15-3E8A-498B-91BD-CF772C26B6F1}" presName="composite1" presStyleCnt="0"/>
-      <dgm:spPr/>
-    </dgm:pt>
-    <dgm:pt modelId="{483E7832-9872-48C4-8E65-DCB39D4CDBDF}" type="pres">
-      <dgm:prSet presAssocID="{AC76BE15-3E8A-498B-91BD-CF772C26B6F1}" presName="parent1" presStyleLbl="alignNode1" presStyleIdx="4" presStyleCnt="5">
-        <dgm:presLayoutVars>
-          <dgm:chMax val="1"/>
-          <dgm:chPref val="1"/>
-          <dgm:bulletEnabled val="1"/>
-        </dgm:presLayoutVars>
-      </dgm:prSet>
-      <dgm:spPr/>
-    </dgm:pt>
-    <dgm:pt modelId="{1FA3C236-5719-4A33-A6BB-80FA85F940E3}" type="pres">
-      <dgm:prSet presAssocID="{AC76BE15-3E8A-498B-91BD-CF772C26B6F1}" presName="Childtext1" presStyleLbl="revTx" presStyleIdx="4" presStyleCnt="5">
-        <dgm:presLayoutVars>
-          <dgm:bulletEnabled val="1"/>
-        </dgm:presLayoutVars>
-      </dgm:prSet>
-      <dgm:spPr/>
-    </dgm:pt>
-    <dgm:pt modelId="{18F1C823-9ACD-4FCD-8102-F468DCE57A45}" type="pres">
-      <dgm:prSet presAssocID="{AC76BE15-3E8A-498B-91BD-CF772C26B6F1}" presName="ConnectLine1" presStyleLbl="sibTrans1D1" presStyleIdx="4" presStyleCnt="5"/>
-      <dgm:spPr>
-        <a:noFill/>
-        <a:ln w="6350" cap="flat" cmpd="sng" algn="ctr">
-          <a:solidFill>
-            <a:schemeClr val="accent5">
-              <a:hueOff val="360006"/>
-              <a:satOff val="8692"/>
-              <a:lumOff val="-41961"/>
-              <a:alphaOff val="0"/>
-            </a:schemeClr>
-          </a:solidFill>
-          <a:prstDash val="dash"/>
-          <a:miter lim="800000"/>
-        </a:ln>
-        <a:effectLst/>
-      </dgm:spPr>
-    </dgm:pt>
-    <dgm:pt modelId="{F8AD0AB8-BBDF-4F0A-A6A0-850E289DD521}" type="pres">
-      <dgm:prSet presAssocID="{AC76BE15-3E8A-498B-91BD-CF772C26B6F1}" presName="ConnectLineEnd1" presStyleLbl="lnNode1" presStyleIdx="4" presStyleCnt="5"/>
-      <dgm:spPr/>
-    </dgm:pt>
-    <dgm:pt modelId="{11CAE2E7-2E06-450A-A729-9C2DCEF85421}" type="pres">
-      <dgm:prSet presAssocID="{AC76BE15-3E8A-498B-91BD-CF772C26B6F1}" presName="EmptyPane1" presStyleCnt="0"/>
-      <dgm:spPr/>
-    </dgm:pt>
-  </dgm:ptLst>
-  <dgm:cxnLst>
-    <dgm:cxn modelId="{58AF9605-98E3-490C-9551-60E5D74419A2}" type="presOf" srcId="{3DE6FF16-CA4D-4D34-ABEB-8BE6A40B5E52}" destId="{74CD3FF2-195B-429B-BC6F-5B5A7FED2BE2}" srcOrd="0" destOrd="0" presId="urn:microsoft.com/office/officeart/2016/7/layout/RoundedRectangleTimeline"/>
-    <dgm:cxn modelId="{467F290A-9E2A-412E-AF06-428DAA68BEDD}" type="presOf" srcId="{E4033A39-DCC4-4038-9562-AEDDBBB37A99}" destId="{539615E2-3277-4D8E-8484-FF5088C8BF01}" srcOrd="0" destOrd="0" presId="urn:microsoft.com/office/officeart/2016/7/layout/RoundedRectangleTimeline"/>
-    <dgm:cxn modelId="{A2A50010-8F67-49E4-9B0A-E0F7FDA9656C}" type="presOf" srcId="{B54C8F6C-BE1E-4EAB-B7A0-48DE01FFAA36}" destId="{45A02F84-C6CB-43F5-AEE4-3EA66C2BD25F}" srcOrd="0" destOrd="0" presId="urn:microsoft.com/office/officeart/2016/7/layout/RoundedRectangleTimeline"/>
-    <dgm:cxn modelId="{92330C11-C197-4512-BDA4-8D8A69AF7D1C}" srcId="{E5B2E815-0D19-41DC-B01B-4D608769620A}" destId="{87BF7896-20EA-4E8F-B6F4-A34EC5C9CB50}" srcOrd="2" destOrd="0" parTransId="{05E47BA5-F724-4AEE-9B5B-401F18E028E6}" sibTransId="{D63CE73E-35DE-48C3-8753-7648BC953C0D}"/>
-    <dgm:cxn modelId="{D88F5139-A3BF-4F98-ABB0-AEE7243465CB}" type="presOf" srcId="{87BF7896-20EA-4E8F-B6F4-A34EC5C9CB50}" destId="{9D82041D-873A-4600-A9C7-C0A0ADFB138B}" srcOrd="0" destOrd="0" presId="urn:microsoft.com/office/officeart/2016/7/layout/RoundedRectangleTimeline"/>
-    <dgm:cxn modelId="{32EF2862-2950-4DF8-BEA8-CD19460CCA31}" srcId="{E5B2E815-0D19-41DC-B01B-4D608769620A}" destId="{E4033A39-DCC4-4038-9562-AEDDBBB37A99}" srcOrd="1" destOrd="0" parTransId="{048EEAE6-78BA-4B00-B7BB-9C22DBB1E8F4}" sibTransId="{80AB0E5B-0C58-465D-A545-5B21133D2849}"/>
-    <dgm:cxn modelId="{5E74CB62-E52E-4CEE-8AA1-9812BFC0D67E}" srcId="{E4033A39-DCC4-4038-9562-AEDDBBB37A99}" destId="{A4C0B4E4-70AD-4901-9E3F-7EA25DD6DAA1}" srcOrd="0" destOrd="0" parTransId="{701D9033-BAD3-4299-933F-A47AFDC2ECD0}" sibTransId="{657DB10D-2517-48AA-B970-6D815DBD4123}"/>
-    <dgm:cxn modelId="{4653A150-E557-4235-B1A1-18156274D965}" type="presOf" srcId="{4259F840-24E7-476F-9F30-482E46395856}" destId="{E088D226-49D7-4C30-90DC-CA1755D98829}" srcOrd="0" destOrd="0" presId="urn:microsoft.com/office/officeart/2016/7/layout/RoundedRectangleTimeline"/>
-    <dgm:cxn modelId="{E6B56652-B46A-4546-9536-64D675143F1B}" type="presOf" srcId="{A4C0B4E4-70AD-4901-9E3F-7EA25DD6DAA1}" destId="{FEBD3C2A-A340-470A-A475-AE614EA07678}" srcOrd="0" destOrd="0" presId="urn:microsoft.com/office/officeart/2016/7/layout/RoundedRectangleTimeline"/>
-    <dgm:cxn modelId="{D9403C73-FB83-47D6-85AE-067D49ED63F2}" srcId="{3DE6FF16-CA4D-4D34-ABEB-8BE6A40B5E52}" destId="{C032D242-8D23-4EEC-A10A-7B0691E5A409}" srcOrd="0" destOrd="0" parTransId="{167DA838-BF1F-42A4-81E8-806F40795A14}" sibTransId="{7EFA60CA-572D-434D-B452-A4ACBAEB4D2C}"/>
-    <dgm:cxn modelId="{140A4778-8248-44DE-B78A-23C578A77D7E}" srcId="{E5B2E815-0D19-41DC-B01B-4D608769620A}" destId="{AC76BE15-3E8A-498B-91BD-CF772C26B6F1}" srcOrd="4" destOrd="0" parTransId="{00CCB400-064A-4EF5-9806-9534D9AC69AD}" sibTransId="{662A3D6E-7238-444F-BC0B-C7A4321261DB}"/>
-    <dgm:cxn modelId="{020D505A-97FA-43DD-A9A1-2501AD46F8AF}" type="presOf" srcId="{43CBB0A2-9D75-4264-8A30-3E8974B40658}" destId="{80CDBBF8-C6B4-4166-87C1-DC9120CC7586}" srcOrd="0" destOrd="0" presId="urn:microsoft.com/office/officeart/2016/7/layout/RoundedRectangleTimeline"/>
-    <dgm:cxn modelId="{4D2DF581-8128-4440-9E51-29109DC6ED52}" srcId="{87BF7896-20EA-4E8F-B6F4-A34EC5C9CB50}" destId="{43CBB0A2-9D75-4264-8A30-3E8974B40658}" srcOrd="0" destOrd="0" parTransId="{F806E590-5F8E-48A1-96AC-9E738290D2ED}" sibTransId="{20F77EFB-335C-4BC3-AD95-8421EDF343E6}"/>
-    <dgm:cxn modelId="{67A67F8B-14DC-457C-93BE-25105825881F}" type="presOf" srcId="{AC76BE15-3E8A-498B-91BD-CF772C26B6F1}" destId="{483E7832-9872-48C4-8E65-DCB39D4CDBDF}" srcOrd="0" destOrd="0" presId="urn:microsoft.com/office/officeart/2016/7/layout/RoundedRectangleTimeline"/>
-    <dgm:cxn modelId="{C8CAF48F-322D-43C3-A68B-40DA904320AC}" type="presOf" srcId="{E5B2E815-0D19-41DC-B01B-4D608769620A}" destId="{196C9F68-3606-4282-A4C6-4485F1280B5F}" srcOrd="0" destOrd="0" presId="urn:microsoft.com/office/officeart/2016/7/layout/RoundedRectangleTimeline"/>
-    <dgm:cxn modelId="{19CF03A0-47BE-4ABD-A62C-A27E16D6C5A3}" srcId="{AC76BE15-3E8A-498B-91BD-CF772C26B6F1}" destId="{73820394-2159-4075-9E6F-217263B07F8B}" srcOrd="0" destOrd="0" parTransId="{A861A835-3A0D-4B09-8870-87D7FDC7B27F}" sibTransId="{D383A36B-470D-499F-AE13-85A6B2495524}"/>
-    <dgm:cxn modelId="{D473BBA6-FF54-423D-9B9B-875C8AA2545B}" type="presOf" srcId="{73820394-2159-4075-9E6F-217263B07F8B}" destId="{1FA3C236-5719-4A33-A6BB-80FA85F940E3}" srcOrd="0" destOrd="0" presId="urn:microsoft.com/office/officeart/2016/7/layout/RoundedRectangleTimeline"/>
-    <dgm:cxn modelId="{636DE8C5-F706-4BA5-855F-85FD2239E2BE}" srcId="{E5B2E815-0D19-41DC-B01B-4D608769620A}" destId="{3DE6FF16-CA4D-4D34-ABEB-8BE6A40B5E52}" srcOrd="3" destOrd="0" parTransId="{DA9CCCCB-8206-4757-82C8-F885E9D238B5}" sibTransId="{986162A7-6F89-4679-B40E-33A17DA21B73}"/>
-    <dgm:cxn modelId="{770CA1CC-3DDD-451E-AE83-A71CA570260C}" srcId="{4259F840-24E7-476F-9F30-482E46395856}" destId="{B54C8F6C-BE1E-4EAB-B7A0-48DE01FFAA36}" srcOrd="0" destOrd="0" parTransId="{8DE7CD45-B7C0-432E-B819-6A7D97E31315}" sibTransId="{C33B8BEF-A818-4A2F-A99A-E2B29895E184}"/>
-    <dgm:cxn modelId="{42EE41D1-3C16-4937-BB38-B076896C09A0}" srcId="{E5B2E815-0D19-41DC-B01B-4D608769620A}" destId="{4259F840-24E7-476F-9F30-482E46395856}" srcOrd="0" destOrd="0" parTransId="{FCE8068D-7E50-4749-A8D0-ADEDAC5637B3}" sibTransId="{DCC444A4-F20A-48F5-A61E-47BFFF185A57}"/>
-    <dgm:cxn modelId="{546179F7-5E1B-4360-8938-B9238DA6DE5D}" type="presOf" srcId="{C032D242-8D23-4EEC-A10A-7B0691E5A409}" destId="{1BB5FD64-47F9-47A3-911F-535BFE17A3B9}" srcOrd="0" destOrd="0" presId="urn:microsoft.com/office/officeart/2016/7/layout/RoundedRectangleTimeline"/>
-    <dgm:cxn modelId="{B5EA3CD6-0576-4168-82C9-9ADC0803B31E}" type="presParOf" srcId="{196C9F68-3606-4282-A4C6-4485F1280B5F}" destId="{68D8AC18-502F-4825-B069-75605ADB3A40}" srcOrd="0" destOrd="0" presId="urn:microsoft.com/office/officeart/2016/7/layout/RoundedRectangleTimeline"/>
-    <dgm:cxn modelId="{30A197C5-075F-4643-BF26-64BC9FAF532F}" type="presParOf" srcId="{68D8AC18-502F-4825-B069-75605ADB3A40}" destId="{E088D226-49D7-4C30-90DC-CA1755D98829}" srcOrd="0" destOrd="0" presId="urn:microsoft.com/office/officeart/2016/7/layout/RoundedRectangleTimeline"/>
-    <dgm:cxn modelId="{DBAA9861-CCB2-4B8A-A3AA-B305A4B5783E}" type="presParOf" srcId="{68D8AC18-502F-4825-B069-75605ADB3A40}" destId="{45A02F84-C6CB-43F5-AEE4-3EA66C2BD25F}" srcOrd="1" destOrd="0" presId="urn:microsoft.com/office/officeart/2016/7/layout/RoundedRectangleTimeline"/>
-    <dgm:cxn modelId="{3F249148-C6F7-40D3-8583-B11C276DE023}" type="presParOf" srcId="{68D8AC18-502F-4825-B069-75605ADB3A40}" destId="{6BA46904-CB7C-4538-BD49-D3891EF19552}" srcOrd="2" destOrd="0" presId="urn:microsoft.com/office/officeart/2016/7/layout/RoundedRectangleTimeline"/>
-    <dgm:cxn modelId="{337BF8D5-8206-4D0E-857F-BA46391BB745}" type="presParOf" srcId="{68D8AC18-502F-4825-B069-75605ADB3A40}" destId="{049FDBD0-77FE-49D1-A275-A272C8C5E426}" srcOrd="3" destOrd="0" presId="urn:microsoft.com/office/officeart/2016/7/layout/RoundedRectangleTimeline"/>
-    <dgm:cxn modelId="{8E042F31-23CC-40C0-92DC-707183B24E81}" type="presParOf" srcId="{68D8AC18-502F-4825-B069-75605ADB3A40}" destId="{CB26EA94-33BB-4F98-9E1E-2237D4831263}" srcOrd="4" destOrd="0" presId="urn:microsoft.com/office/officeart/2016/7/layout/RoundedRectangleTimeline"/>
-    <dgm:cxn modelId="{16926BC1-FC34-413E-B35A-2F54A781CCCD}" type="presParOf" srcId="{196C9F68-3606-4282-A4C6-4485F1280B5F}" destId="{606F1DBF-510E-4065-ACCB-3EBDA85CFB92}" srcOrd="1" destOrd="0" presId="urn:microsoft.com/office/officeart/2016/7/layout/RoundedRectangleTimeline"/>
-    <dgm:cxn modelId="{42F07C1F-C715-41B1-8356-B99F8CE1AC01}" type="presParOf" srcId="{196C9F68-3606-4282-A4C6-4485F1280B5F}" destId="{07989479-D1A2-4D15-AA3A-B0CFFB9F91D9}" srcOrd="2" destOrd="0" presId="urn:microsoft.com/office/officeart/2016/7/layout/RoundedRectangleTimeline"/>
-    <dgm:cxn modelId="{5856EE22-FE01-4788-BBF3-407A68D5A730}" type="presParOf" srcId="{07989479-D1A2-4D15-AA3A-B0CFFB9F91D9}" destId="{539615E2-3277-4D8E-8484-FF5088C8BF01}" srcOrd="0" destOrd="0" presId="urn:microsoft.com/office/officeart/2016/7/layout/RoundedRectangleTimeline"/>
-    <dgm:cxn modelId="{3004EE47-5347-4BBA-95CC-D947A73AE485}" type="presParOf" srcId="{07989479-D1A2-4D15-AA3A-B0CFFB9F91D9}" destId="{FEBD3C2A-A340-470A-A475-AE614EA07678}" srcOrd="1" destOrd="0" presId="urn:microsoft.com/office/officeart/2016/7/layout/RoundedRectangleTimeline"/>
-    <dgm:cxn modelId="{400A75AC-5289-4270-AC07-416891AF3888}" type="presParOf" srcId="{07989479-D1A2-4D15-AA3A-B0CFFB9F91D9}" destId="{080474C8-0FEA-4FD1-97F1-0978CFB4A37F}" srcOrd="2" destOrd="0" presId="urn:microsoft.com/office/officeart/2016/7/layout/RoundedRectangleTimeline"/>
-    <dgm:cxn modelId="{304EB087-DD14-4AA8-8A06-DF9485956226}" type="presParOf" srcId="{07989479-D1A2-4D15-AA3A-B0CFFB9F91D9}" destId="{4797FB61-2602-4A58-81E6-6F133DB1E419}" srcOrd="3" destOrd="0" presId="urn:microsoft.com/office/officeart/2016/7/layout/RoundedRectangleTimeline"/>
-    <dgm:cxn modelId="{BC4CC356-31E8-4421-B18C-CB3697E73FAC}" type="presParOf" srcId="{07989479-D1A2-4D15-AA3A-B0CFFB9F91D9}" destId="{3ADF0AE3-D759-4F4F-8135-572855211847}" srcOrd="4" destOrd="0" presId="urn:microsoft.com/office/officeart/2016/7/layout/RoundedRectangleTimeline"/>
-    <dgm:cxn modelId="{718BABD9-3B60-482F-B01A-2E414F152777}" type="presParOf" srcId="{196C9F68-3606-4282-A4C6-4485F1280B5F}" destId="{B0CD7A53-7149-45F2-83E8-36717D7878A1}" srcOrd="3" destOrd="0" presId="urn:microsoft.com/office/officeart/2016/7/layout/RoundedRectangleTimeline"/>
-    <dgm:cxn modelId="{FD435764-A46B-4635-A943-B6C17FFBD43C}" type="presParOf" srcId="{196C9F68-3606-4282-A4C6-4485F1280B5F}" destId="{FB379A6E-C0F9-420B-90FC-2785E757E6AE}" srcOrd="4" destOrd="0" presId="urn:microsoft.com/office/officeart/2016/7/layout/RoundedRectangleTimeline"/>
-    <dgm:cxn modelId="{03D7F2C3-849C-416B-B668-D51C46CA90E6}" type="presParOf" srcId="{FB379A6E-C0F9-420B-90FC-2785E757E6AE}" destId="{9D82041D-873A-4600-A9C7-C0A0ADFB138B}" srcOrd="0" destOrd="0" presId="urn:microsoft.com/office/officeart/2016/7/layout/RoundedRectangleTimeline"/>
-    <dgm:cxn modelId="{1DA536D0-EC28-4B9F-A5E9-28EC8F45638C}" type="presParOf" srcId="{FB379A6E-C0F9-420B-90FC-2785E757E6AE}" destId="{80CDBBF8-C6B4-4166-87C1-DC9120CC7586}" srcOrd="1" destOrd="0" presId="urn:microsoft.com/office/officeart/2016/7/layout/RoundedRectangleTimeline"/>
-    <dgm:cxn modelId="{A1A8842C-F8BC-40AC-8FFC-6A922D88E333}" type="presParOf" srcId="{FB379A6E-C0F9-420B-90FC-2785E757E6AE}" destId="{89759DE5-9F8A-470E-A6D8-F13BB4DEE93D}" srcOrd="2" destOrd="0" presId="urn:microsoft.com/office/officeart/2016/7/layout/RoundedRectangleTimeline"/>
-    <dgm:cxn modelId="{29E74E09-91C9-47DF-AE07-A1527FF00EB2}" type="presParOf" srcId="{FB379A6E-C0F9-420B-90FC-2785E757E6AE}" destId="{07CCF286-8B46-4A20-ACAC-84BA2D6EFBBC}" srcOrd="3" destOrd="0" presId="urn:microsoft.com/office/officeart/2016/7/layout/RoundedRectangleTimeline"/>
-    <dgm:cxn modelId="{410C15E7-86BA-42B7-8F67-411E34B11038}" type="presParOf" srcId="{FB379A6E-C0F9-420B-90FC-2785E757E6AE}" destId="{4624FC32-5405-42B1-B5CC-DF0659852A58}" srcOrd="4" destOrd="0" presId="urn:microsoft.com/office/officeart/2016/7/layout/RoundedRectangleTimeline"/>
-    <dgm:cxn modelId="{E805D201-407E-43CA-9B74-1CB556699F3D}" type="presParOf" srcId="{196C9F68-3606-4282-A4C6-4485F1280B5F}" destId="{8C327064-3851-4ECF-AAB7-82B51711041E}" srcOrd="5" destOrd="0" presId="urn:microsoft.com/office/officeart/2016/7/layout/RoundedRectangleTimeline"/>
-    <dgm:cxn modelId="{43BD8313-2385-4BA0-9145-2022434D3E68}" type="presParOf" srcId="{196C9F68-3606-4282-A4C6-4485F1280B5F}" destId="{3ADEA4DF-6814-494D-9D3D-41947417052B}" srcOrd="6" destOrd="0" presId="urn:microsoft.com/office/officeart/2016/7/layout/RoundedRectangleTimeline"/>
-    <dgm:cxn modelId="{77EE5245-99F9-4607-BF5D-14371704AD7C}" type="presParOf" srcId="{3ADEA4DF-6814-494D-9D3D-41947417052B}" destId="{74CD3FF2-195B-429B-BC6F-5B5A7FED2BE2}" srcOrd="0" destOrd="0" presId="urn:microsoft.com/office/officeart/2016/7/layout/RoundedRectangleTimeline"/>
-    <dgm:cxn modelId="{4182CE37-4E54-4351-9A5F-1904FF20E71C}" type="presParOf" srcId="{3ADEA4DF-6814-494D-9D3D-41947417052B}" destId="{1BB5FD64-47F9-47A3-911F-535BFE17A3B9}" srcOrd="1" destOrd="0" presId="urn:microsoft.com/office/officeart/2016/7/layout/RoundedRectangleTimeline"/>
-    <dgm:cxn modelId="{618B960F-61F5-4357-A407-60CA51E36041}" type="presParOf" srcId="{3ADEA4DF-6814-494D-9D3D-41947417052B}" destId="{FE9B27EB-7AC7-485A-9A55-41E8118F9EAF}" srcOrd="2" destOrd="0" presId="urn:microsoft.com/office/officeart/2016/7/layout/RoundedRectangleTimeline"/>
-    <dgm:cxn modelId="{181A4BE4-72AF-463E-880D-D34673D0F9E8}" type="presParOf" srcId="{3ADEA4DF-6814-494D-9D3D-41947417052B}" destId="{46BD4721-4664-4AD0-9F11-DBE7E0B207D5}" srcOrd="3" destOrd="0" presId="urn:microsoft.com/office/officeart/2016/7/layout/RoundedRectangleTimeline"/>
-    <dgm:cxn modelId="{AC4EA57A-E4C0-4C2D-8EC9-38BC20FC13B6}" type="presParOf" srcId="{3ADEA4DF-6814-494D-9D3D-41947417052B}" destId="{69028BD0-349D-4B47-B1F4-B64C6478DE3C}" srcOrd="4" destOrd="0" presId="urn:microsoft.com/office/officeart/2016/7/layout/RoundedRectangleTimeline"/>
-    <dgm:cxn modelId="{AA8AD3DD-2E80-42F5-B3E4-A5C7AF3802D4}" type="presParOf" srcId="{196C9F68-3606-4282-A4C6-4485F1280B5F}" destId="{619CFBB1-86F5-45A6-80BA-23F97450662F}" srcOrd="7" destOrd="0" presId="urn:microsoft.com/office/officeart/2016/7/layout/RoundedRectangleTimeline"/>
-    <dgm:cxn modelId="{FDD0F37D-1C7B-48B3-AC81-ED4C6F1B5BBD}" type="presParOf" srcId="{196C9F68-3606-4282-A4C6-4485F1280B5F}" destId="{E4E0A96A-AF87-442A-A1A3-64B8F3CFC7FE}" srcOrd="8" destOrd="0" presId="urn:microsoft.com/office/officeart/2016/7/layout/RoundedRectangleTimeline"/>
-    <dgm:cxn modelId="{CF303A04-9A48-4B41-A7BB-CC3D8C5695D3}" type="presParOf" srcId="{E4E0A96A-AF87-442A-A1A3-64B8F3CFC7FE}" destId="{483E7832-9872-48C4-8E65-DCB39D4CDBDF}" srcOrd="0" destOrd="0" presId="urn:microsoft.com/office/officeart/2016/7/layout/RoundedRectangleTimeline"/>
-    <dgm:cxn modelId="{73245F8D-03D3-46C1-81E4-D90E66C49907}" type="presParOf" srcId="{E4E0A96A-AF87-442A-A1A3-64B8F3CFC7FE}" destId="{1FA3C236-5719-4A33-A6BB-80FA85F940E3}" srcOrd="1" destOrd="0" presId="urn:microsoft.com/office/officeart/2016/7/layout/RoundedRectangleTimeline"/>
-    <dgm:cxn modelId="{412C5C97-3381-4F16-9B7D-FDFBEDD4E918}" type="presParOf" srcId="{E4E0A96A-AF87-442A-A1A3-64B8F3CFC7FE}" destId="{18F1C823-9ACD-4FCD-8102-F468DCE57A45}" srcOrd="2" destOrd="0" presId="urn:microsoft.com/office/officeart/2016/7/layout/RoundedRectangleTimeline"/>
-    <dgm:cxn modelId="{23A8F6FC-DFDA-4E9F-A354-A33937E1BFC9}" type="presParOf" srcId="{E4E0A96A-AF87-442A-A1A3-64B8F3CFC7FE}" destId="{F8AD0AB8-BBDF-4F0A-A6A0-850E289DD521}" srcOrd="3" destOrd="0" presId="urn:microsoft.com/office/officeart/2016/7/layout/RoundedRectangleTimeline"/>
-    <dgm:cxn modelId="{C02C06C2-0966-4212-84DD-DA325FCEF64C}" type="presParOf" srcId="{E4E0A96A-AF87-442A-A1A3-64B8F3CFC7FE}" destId="{11CAE2E7-2E06-450A-A729-9C2DCEF85421}" srcOrd="4" destOrd="0" presId="urn:microsoft.com/office/officeart/2016/7/layout/RoundedRectangleTimeline"/>
-  </dgm:cxnLst>
-  <dgm:bg/>
-  <dgm:whole/>
-  <dgm:extLst>
-    <a:ext uri="http://schemas.microsoft.com/office/drawing/2008/diagram">
-      <dsp:dataModelExt xmlns:dsp="http://schemas.microsoft.com/office/drawing/2008/diagram" relId="rId7" minVer="http://schemas.openxmlformats.org/drawingml/2006/diagram"/>
-    </a:ext>
-  </dgm:extLst>
-</dgm:dataModel>
-</file>
-
-<file path=ppt/diagrams/drawing1.xml><?xml version="1.0" encoding="utf-8"?>
-<dsp:drawing xmlns:dgm="http://schemas.openxmlformats.org/drawingml/2006/diagram" xmlns:dsp="http://schemas.microsoft.com/office/drawing/2008/diagram" xmlns:a="http://schemas.openxmlformats.org/drawingml/2006/main">
-  <dsp:spTree>
-    <dsp:nvGrpSpPr>
-      <dsp:cNvPr id="0" name=""/>
-      <dsp:cNvGrpSpPr/>
-    </dsp:nvGrpSpPr>
-    <dsp:grpSpPr/>
-    <dsp:sp modelId="{E088D226-49D7-4C30-90DC-CA1755D98829}">
-      <dsp:nvSpPr>
-        <dsp:cNvPr id="0" name=""/>
-        <dsp:cNvSpPr/>
-      </dsp:nvSpPr>
-      <dsp:spPr>
-        <a:xfrm rot="16200000">
-          <a:off x="1434223" y="1011950"/>
-          <a:ext cx="397986" cy="1955960"/>
-        </a:xfrm>
-        <a:prstGeom prst="round2SameRect">
-          <a:avLst/>
-        </a:prstGeom>
-        <a:solidFill>
-          <a:schemeClr val="accent5">
-            <a:hueOff val="0"/>
-            <a:satOff val="0"/>
-            <a:lumOff val="0"/>
-            <a:alphaOff val="0"/>
-          </a:schemeClr>
-        </a:solidFill>
-        <a:ln w="12700" cap="flat" cmpd="sng" algn="ctr">
-          <a:solidFill>
-            <a:schemeClr val="accent5">
-              <a:hueOff val="0"/>
-              <a:satOff val="0"/>
-              <a:lumOff val="0"/>
-              <a:alphaOff val="0"/>
-            </a:schemeClr>
-          </a:solidFill>
-          <a:prstDash val="solid"/>
-          <a:miter lim="800000"/>
-        </a:ln>
-        <a:effectLst/>
-      </dsp:spPr>
-      <dsp:style>
-        <a:lnRef idx="2">
-          <a:scrgbClr r="0" g="0" b="0"/>
-        </a:lnRef>
-        <a:fillRef idx="1">
-          <a:scrgbClr r="0" g="0" b="0"/>
-        </a:fillRef>
-        <a:effectRef idx="0">
-          <a:scrgbClr r="0" g="0" b="0"/>
-        </a:effectRef>
-        <a:fontRef idx="minor">
-          <a:schemeClr val="lt1"/>
-        </a:fontRef>
-      </dsp:style>
-      <dsp:txBody>
-        <a:bodyPr spcFirstLastPara="0" vert="horz" wrap="square" lIns="137160" tIns="137160" rIns="137160" bIns="137160" numCol="1" spcCol="1270" rtlCol="0" anchor="ctr" anchorCtr="1">
-          <a:noAutofit/>
-        </a:bodyPr>
-        <a:lstStyle/>
-        <a:p>
-          <a:pPr marL="0" lvl="0" indent="0" algn="ctr" defTabSz="800100" rtl="0">
-            <a:lnSpc>
-              <a:spcPct val="90000"/>
-            </a:lnSpc>
-            <a:spcBef>
-              <a:spcPct val="0"/>
-            </a:spcBef>
-            <a:spcAft>
-              <a:spcPct val="35000"/>
-            </a:spcAft>
-            <a:buNone/>
-          </a:pPr>
-          <a:r>
-            <a:rPr lang="pl-PL" sz="1800" kern="1200">
-              <a:latin typeface="+mn-lt"/>
-            </a:rPr>
-            <a:t>Tytuł</a:t>
-          </a:r>
-        </a:p>
-      </dsp:txBody>
-      <dsp:txXfrm rot="5400000">
-        <a:off x="674664" y="1810365"/>
-        <a:ext cx="1936532" cy="359130"/>
-      </dsp:txXfrm>
-    </dsp:sp>
-    <dsp:sp modelId="{45A02F84-C6CB-43F5-AEE4-3EA66C2BD25F}">
-      <dsp:nvSpPr>
-        <dsp:cNvPr id="0" name=""/>
-        <dsp:cNvSpPr/>
-      </dsp:nvSpPr>
-      <dsp:spPr>
-        <a:xfrm>
-          <a:off x="3249" y="0"/>
-          <a:ext cx="3259934" cy="1392951"/>
-        </a:xfrm>
-        <a:prstGeom prst="rect">
-          <a:avLst/>
-        </a:prstGeom>
-        <a:noFill/>
-        <a:ln>
-          <a:noFill/>
-        </a:ln>
-        <a:effectLst/>
-      </dsp:spPr>
-      <dsp:style>
-        <a:lnRef idx="0">
-          <a:scrgbClr r="0" g="0" b="0"/>
-        </a:lnRef>
-        <a:fillRef idx="0">
-          <a:scrgbClr r="0" g="0" b="0"/>
-        </a:fillRef>
-        <a:effectRef idx="0">
-          <a:scrgbClr r="0" g="0" b="0"/>
-        </a:effectRef>
-        <a:fontRef idx="minor"/>
-      </dsp:style>
-      <dsp:txBody>
-        <a:bodyPr spcFirstLastPara="0" vert="horz" wrap="square" lIns="0" tIns="0" rIns="0" bIns="137160" numCol="1" spcCol="1270" rtlCol="0" anchor="b" anchorCtr="1">
-          <a:noAutofit/>
-        </a:bodyPr>
-        <a:lstStyle/>
-        <a:p>
-          <a:pPr marL="0" lvl="0" indent="0" algn="ctr" defTabSz="800100" rtl="0">
-            <a:lnSpc>
-              <a:spcPct val="90000"/>
-            </a:lnSpc>
-            <a:spcBef>
-              <a:spcPct val="0"/>
-            </a:spcBef>
-            <a:spcAft>
-              <a:spcPct val="35000"/>
-            </a:spcAft>
-            <a:buFont typeface="Symbol" panose="05050102010706020507" pitchFamily="18" charset="2"/>
-            <a:buNone/>
-          </a:pPr>
-          <a:r>
-            <a:rPr lang="pl-PL" sz="1800" kern="1200" dirty="0">
-              <a:latin typeface="+mn-lt"/>
-            </a:rPr>
-            <a:t>Aby rozpocząć prezentację, przejdź do karty Pokaz slajdów, a następnie wybierz pozycję Od początku.</a:t>
-          </a:r>
-        </a:p>
-      </dsp:txBody>
-      <dsp:txXfrm>
-        <a:off x="3249" y="0"/>
-        <a:ext cx="3259934" cy="1392951"/>
-      </dsp:txXfrm>
-    </dsp:sp>
-    <dsp:sp modelId="{6BA46904-CB7C-4538-BD49-D3891EF19552}">
-      <dsp:nvSpPr>
-        <dsp:cNvPr id="0" name=""/>
-        <dsp:cNvSpPr/>
-      </dsp:nvSpPr>
-      <dsp:spPr>
-        <a:xfrm>
-          <a:off x="1633216" y="1472548"/>
-          <a:ext cx="0" cy="318388"/>
-        </a:xfrm>
-        <a:prstGeom prst="line">
-          <a:avLst/>
-        </a:prstGeom>
-        <a:noFill/>
-        <a:ln w="6350" cap="flat" cmpd="sng" algn="ctr">
-          <a:solidFill>
-            <a:schemeClr val="accent5">
-              <a:hueOff val="0"/>
-              <a:satOff val="0"/>
-              <a:lumOff val="0"/>
-              <a:alphaOff val="0"/>
-            </a:schemeClr>
-          </a:solidFill>
-          <a:prstDash val="dash"/>
-          <a:miter lim="800000"/>
-        </a:ln>
-        <a:effectLst/>
-      </dsp:spPr>
-      <dsp:style>
-        <a:lnRef idx="1">
-          <a:scrgbClr r="0" g="0" b="0"/>
-        </a:lnRef>
-        <a:fillRef idx="0">
-          <a:scrgbClr r="0" g="0" b="0"/>
-        </a:fillRef>
-        <a:effectRef idx="0">
-          <a:scrgbClr r="0" g="0" b="0"/>
-        </a:effectRef>
-        <a:fontRef idx="minor"/>
-      </dsp:style>
-    </dsp:sp>
-    <dsp:sp modelId="{049FDBD0-77FE-49D1-A275-A272C8C5E426}">
-      <dsp:nvSpPr>
-        <dsp:cNvPr id="0" name=""/>
-        <dsp:cNvSpPr/>
-      </dsp:nvSpPr>
-      <dsp:spPr>
-        <a:xfrm>
-          <a:off x="1593417" y="1392951"/>
-          <a:ext cx="79597" cy="79597"/>
-        </a:xfrm>
-        <a:prstGeom prst="ellipse">
-          <a:avLst/>
-        </a:prstGeom>
-        <a:solidFill>
-          <a:schemeClr val="accent5">
-            <a:hueOff val="0"/>
-            <a:satOff val="0"/>
-            <a:lumOff val="0"/>
-            <a:alphaOff val="0"/>
-          </a:schemeClr>
-        </a:solidFill>
-        <a:ln w="12700" cap="flat" cmpd="sng" algn="ctr">
-          <a:solidFill>
-            <a:schemeClr val="lt1">
-              <a:hueOff val="0"/>
-              <a:satOff val="0"/>
-              <a:lumOff val="0"/>
-              <a:alphaOff val="0"/>
-            </a:schemeClr>
-          </a:solidFill>
-          <a:prstDash val="solid"/>
-          <a:miter lim="800000"/>
-        </a:ln>
-        <a:effectLst/>
-      </dsp:spPr>
-      <dsp:style>
-        <a:lnRef idx="2">
-          <a:scrgbClr r="0" g="0" b="0"/>
-        </a:lnRef>
-        <a:fillRef idx="1">
-          <a:scrgbClr r="0" g="0" b="0"/>
-        </a:fillRef>
-        <a:effectRef idx="0">
-          <a:scrgbClr r="0" g="0" b="0"/>
-        </a:effectRef>
-        <a:fontRef idx="minor">
-          <a:schemeClr val="lt1"/>
-        </a:fontRef>
-      </dsp:style>
-    </dsp:sp>
-    <dsp:sp modelId="{539615E2-3277-4D8E-8484-FF5088C8BF01}">
-      <dsp:nvSpPr>
-        <dsp:cNvPr id="0" name=""/>
-        <dsp:cNvSpPr/>
-      </dsp:nvSpPr>
-      <dsp:spPr>
-        <a:xfrm>
-          <a:off x="2611196" y="1790937"/>
-          <a:ext cx="1955960" cy="397986"/>
-        </a:xfrm>
-        <a:prstGeom prst="rect">
-          <a:avLst/>
-        </a:prstGeom>
-        <a:solidFill>
-          <a:schemeClr val="accent5">
-            <a:hueOff val="90002"/>
-            <a:satOff val="2173"/>
-            <a:lumOff val="-10490"/>
-            <a:alphaOff val="0"/>
-          </a:schemeClr>
-        </a:solidFill>
-        <a:ln w="12700" cap="flat" cmpd="sng" algn="ctr">
-          <a:solidFill>
-            <a:schemeClr val="accent5">
-              <a:hueOff val="90002"/>
-              <a:satOff val="2173"/>
-              <a:lumOff val="-10490"/>
-              <a:alphaOff val="0"/>
-            </a:schemeClr>
-          </a:solidFill>
-          <a:prstDash val="solid"/>
-          <a:miter lim="800000"/>
-        </a:ln>
-        <a:effectLst/>
-      </dsp:spPr>
-      <dsp:style>
-        <a:lnRef idx="2">
-          <a:scrgbClr r="0" g="0" b="0"/>
-        </a:lnRef>
-        <a:fillRef idx="1">
-          <a:scrgbClr r="0" g="0" b="0"/>
-        </a:fillRef>
-        <a:effectRef idx="0">
-          <a:scrgbClr r="0" g="0" b="0"/>
-        </a:effectRef>
-        <a:fontRef idx="minor">
-          <a:schemeClr val="lt1"/>
-        </a:fontRef>
-      </dsp:style>
-      <dsp:txBody>
-        <a:bodyPr spcFirstLastPara="0" vert="horz" wrap="square" lIns="137160" tIns="137160" rIns="137160" bIns="137160" numCol="1" spcCol="1270" rtlCol="0" anchor="ctr" anchorCtr="1">
-          <a:noAutofit/>
-        </a:bodyPr>
-        <a:lstStyle/>
-        <a:p>
-          <a:pPr marL="0" lvl="0" indent="0" algn="ctr" defTabSz="800100" rtl="0">
-            <a:lnSpc>
-              <a:spcPct val="90000"/>
-            </a:lnSpc>
-            <a:spcBef>
-              <a:spcPct val="0"/>
-            </a:spcBef>
-            <a:spcAft>
-              <a:spcPct val="35000"/>
-            </a:spcAft>
-            <a:buNone/>
-          </a:pPr>
-          <a:r>
-            <a:rPr lang="pl-PL" sz="1800" kern="1200">
-              <a:latin typeface="+mn-lt"/>
-            </a:rPr>
-            <a:t>Tytuł</a:t>
-          </a:r>
-        </a:p>
-      </dsp:txBody>
-      <dsp:txXfrm>
-        <a:off x="2611196" y="1790937"/>
-        <a:ext cx="1955960" cy="397986"/>
-      </dsp:txXfrm>
-    </dsp:sp>
-    <dsp:sp modelId="{FEBD3C2A-A340-470A-A475-AE614EA07678}">
-      <dsp:nvSpPr>
-        <dsp:cNvPr id="0" name=""/>
-        <dsp:cNvSpPr/>
-      </dsp:nvSpPr>
-      <dsp:spPr>
-        <a:xfrm>
-          <a:off x="1959209" y="2586910"/>
-          <a:ext cx="3259934" cy="1392951"/>
-        </a:xfrm>
-        <a:prstGeom prst="rect">
-          <a:avLst/>
-        </a:prstGeom>
-        <a:noFill/>
-        <a:ln>
-          <a:noFill/>
-        </a:ln>
-        <a:effectLst/>
-      </dsp:spPr>
-      <dsp:style>
-        <a:lnRef idx="0">
-          <a:scrgbClr r="0" g="0" b="0"/>
-        </a:lnRef>
-        <a:fillRef idx="0">
-          <a:scrgbClr r="0" g="0" b="0"/>
-        </a:fillRef>
-        <a:effectRef idx="0">
-          <a:scrgbClr r="0" g="0" b="0"/>
-        </a:effectRef>
-        <a:fontRef idx="minor"/>
-      </dsp:style>
-      <dsp:txBody>
-        <a:bodyPr spcFirstLastPara="0" vert="horz" wrap="square" lIns="0" tIns="137160" rIns="0" bIns="0" numCol="1" spcCol="1270" rtlCol="0" anchor="t" anchorCtr="1">
-          <a:noAutofit/>
-        </a:bodyPr>
-        <a:lstStyle/>
-        <a:p>
-          <a:pPr marL="0" lvl="0" indent="0" algn="ctr" defTabSz="800100" rtl="0">
-            <a:lnSpc>
-              <a:spcPct val="90000"/>
-            </a:lnSpc>
-            <a:spcBef>
-              <a:spcPct val="0"/>
-            </a:spcBef>
-            <a:spcAft>
-              <a:spcPct val="35000"/>
-            </a:spcAft>
-            <a:buFont typeface="Symbol" panose="05050102010706020507" pitchFamily="18" charset="2"/>
-            <a:buNone/>
-          </a:pPr>
-          <a:r>
-            <a:rPr lang="pl-PL" sz="1800" kern="1200" dirty="0">
-              <a:latin typeface="+mn-lt"/>
-            </a:rPr>
-            <a:t>Aby wyświetlić widok prezentera, w widoku Pokaz slajdów na pasku sterowania w lewym dolnym rogu wybierz ikonę wielokropka, </a:t>
-          </a:r>
-          <a:br>
-            <a:rPr lang="pl-PL" sz="1800" kern="1200" dirty="0">
-              <a:latin typeface="+mn-lt"/>
-            </a:rPr>
-          </a:br>
-          <a:r>
-            <a:rPr lang="pl-PL" sz="1800" kern="1200" dirty="0">
-              <a:latin typeface="+mn-lt"/>
-            </a:rPr>
-            <a:t>a następnie polecenie Pokaż Widok prezentera.</a:t>
-          </a:r>
-        </a:p>
-      </dsp:txBody>
-      <dsp:txXfrm>
-        <a:off x="1959209" y="2586910"/>
-        <a:ext cx="3259934" cy="1392951"/>
-      </dsp:txXfrm>
-    </dsp:sp>
-    <dsp:sp modelId="{080474C8-0FEA-4FD1-97F1-0978CFB4A37F}">
-      <dsp:nvSpPr>
-        <dsp:cNvPr id="0" name=""/>
-        <dsp:cNvSpPr/>
-      </dsp:nvSpPr>
-      <dsp:spPr>
-        <a:xfrm>
-          <a:off x="3589176" y="2188924"/>
-          <a:ext cx="0" cy="318388"/>
-        </a:xfrm>
-        <a:prstGeom prst="line">
-          <a:avLst/>
-        </a:prstGeom>
-        <a:noFill/>
-        <a:ln w="6350" cap="flat" cmpd="sng" algn="ctr">
-          <a:solidFill>
-            <a:schemeClr val="accent5">
-              <a:hueOff val="90002"/>
-              <a:satOff val="2173"/>
-              <a:lumOff val="-10490"/>
-              <a:alphaOff val="0"/>
-            </a:schemeClr>
-          </a:solidFill>
-          <a:prstDash val="dash"/>
-          <a:miter lim="800000"/>
-        </a:ln>
-        <a:effectLst/>
-      </dsp:spPr>
-      <dsp:style>
-        <a:lnRef idx="1">
-          <a:scrgbClr r="0" g="0" b="0"/>
-        </a:lnRef>
-        <a:fillRef idx="0">
-          <a:scrgbClr r="0" g="0" b="0"/>
-        </a:fillRef>
-        <a:effectRef idx="0">
-          <a:scrgbClr r="0" g="0" b="0"/>
-        </a:effectRef>
-        <a:fontRef idx="minor"/>
-      </dsp:style>
-    </dsp:sp>
-    <dsp:sp modelId="{4797FB61-2602-4A58-81E6-6F133DB1E419}">
-      <dsp:nvSpPr>
-        <dsp:cNvPr id="0" name=""/>
-        <dsp:cNvSpPr/>
-      </dsp:nvSpPr>
-      <dsp:spPr>
-        <a:xfrm>
-          <a:off x="3549378" y="2507313"/>
-          <a:ext cx="79597" cy="79597"/>
-        </a:xfrm>
-        <a:prstGeom prst="ellipse">
-          <a:avLst/>
-        </a:prstGeom>
-        <a:solidFill>
-          <a:schemeClr val="accent5">
-            <a:hueOff val="90002"/>
-            <a:satOff val="2173"/>
-            <a:lumOff val="-10490"/>
-            <a:alphaOff val="0"/>
-          </a:schemeClr>
-        </a:solidFill>
-        <a:ln w="12700" cap="flat" cmpd="sng" algn="ctr">
-          <a:solidFill>
-            <a:schemeClr val="lt1">
-              <a:hueOff val="0"/>
-              <a:satOff val="0"/>
-              <a:lumOff val="0"/>
-              <a:alphaOff val="0"/>
-            </a:schemeClr>
-          </a:solidFill>
-          <a:prstDash val="solid"/>
-          <a:miter lim="800000"/>
-        </a:ln>
-        <a:effectLst/>
-      </dsp:spPr>
-      <dsp:style>
-        <a:lnRef idx="2">
-          <a:scrgbClr r="0" g="0" b="0"/>
-        </a:lnRef>
-        <a:fillRef idx="1">
-          <a:scrgbClr r="0" g="0" b="0"/>
-        </a:fillRef>
-        <a:effectRef idx="0">
-          <a:scrgbClr r="0" g="0" b="0"/>
-        </a:effectRef>
-        <a:fontRef idx="minor">
-          <a:schemeClr val="lt1"/>
-        </a:fontRef>
-      </dsp:style>
-    </dsp:sp>
-    <dsp:sp modelId="{9D82041D-873A-4600-A9C7-C0A0ADFB138B}">
-      <dsp:nvSpPr>
-        <dsp:cNvPr id="0" name=""/>
-        <dsp:cNvSpPr/>
-      </dsp:nvSpPr>
-      <dsp:spPr>
-        <a:xfrm>
-          <a:off x="4567157" y="1790937"/>
-          <a:ext cx="1955960" cy="397986"/>
-        </a:xfrm>
-        <a:prstGeom prst="rect">
-          <a:avLst/>
-        </a:prstGeom>
-        <a:solidFill>
-          <a:schemeClr val="accent5">
-            <a:hueOff val="180003"/>
-            <a:satOff val="4346"/>
-            <a:lumOff val="-20980"/>
-            <a:alphaOff val="0"/>
-          </a:schemeClr>
-        </a:solidFill>
-        <a:ln w="12700" cap="flat" cmpd="sng" algn="ctr">
-          <a:solidFill>
-            <a:schemeClr val="accent5">
-              <a:hueOff val="180003"/>
-              <a:satOff val="4346"/>
-              <a:lumOff val="-20980"/>
-              <a:alphaOff val="0"/>
-            </a:schemeClr>
-          </a:solidFill>
-          <a:prstDash val="solid"/>
-          <a:miter lim="800000"/>
-        </a:ln>
-        <a:effectLst/>
-      </dsp:spPr>
-      <dsp:style>
-        <a:lnRef idx="2">
-          <a:scrgbClr r="0" g="0" b="0"/>
-        </a:lnRef>
-        <a:fillRef idx="1">
-          <a:scrgbClr r="0" g="0" b="0"/>
-        </a:fillRef>
-        <a:effectRef idx="0">
-          <a:scrgbClr r="0" g="0" b="0"/>
-        </a:effectRef>
-        <a:fontRef idx="minor">
-          <a:schemeClr val="lt1"/>
-        </a:fontRef>
-      </dsp:style>
-      <dsp:txBody>
-        <a:bodyPr spcFirstLastPara="0" vert="horz" wrap="square" lIns="137160" tIns="137160" rIns="137160" bIns="137160" numCol="1" spcCol="1270" rtlCol="0" anchor="ctr" anchorCtr="1">
-          <a:noAutofit/>
-        </a:bodyPr>
-        <a:lstStyle/>
-        <a:p>
-          <a:pPr marL="0" lvl="0" indent="0" algn="ctr" defTabSz="800100" rtl="0">
-            <a:lnSpc>
-              <a:spcPct val="90000"/>
-            </a:lnSpc>
-            <a:spcBef>
-              <a:spcPct val="0"/>
-            </a:spcBef>
-            <a:spcAft>
-              <a:spcPct val="35000"/>
-            </a:spcAft>
-            <a:buNone/>
-          </a:pPr>
-          <a:r>
-            <a:rPr lang="pl-PL" sz="1800" kern="1200">
-              <a:latin typeface="+mn-lt"/>
-            </a:rPr>
-            <a:t>Tytuł</a:t>
-          </a:r>
-        </a:p>
-      </dsp:txBody>
-      <dsp:txXfrm>
-        <a:off x="4567157" y="1790937"/>
-        <a:ext cx="1955960" cy="397986"/>
-      </dsp:txXfrm>
-    </dsp:sp>
-    <dsp:sp modelId="{80CDBBF8-C6B4-4166-87C1-DC9120CC7586}">
-      <dsp:nvSpPr>
-        <dsp:cNvPr id="0" name=""/>
-        <dsp:cNvSpPr/>
-      </dsp:nvSpPr>
-      <dsp:spPr>
-        <a:xfrm>
-          <a:off x="3915170" y="0"/>
-          <a:ext cx="3259934" cy="1392951"/>
-        </a:xfrm>
-        <a:prstGeom prst="rect">
-          <a:avLst/>
-        </a:prstGeom>
-        <a:noFill/>
-        <a:ln>
-          <a:noFill/>
-        </a:ln>
-        <a:effectLst/>
-      </dsp:spPr>
-      <dsp:style>
-        <a:lnRef idx="0">
-          <a:scrgbClr r="0" g="0" b="0"/>
-        </a:lnRef>
-        <a:fillRef idx="0">
-          <a:scrgbClr r="0" g="0" b="0"/>
-        </a:fillRef>
-        <a:effectRef idx="0">
-          <a:scrgbClr r="0" g="0" b="0"/>
-        </a:effectRef>
-        <a:fontRef idx="minor"/>
-      </dsp:style>
-      <dsp:txBody>
-        <a:bodyPr spcFirstLastPara="0" vert="horz" wrap="square" lIns="0" tIns="0" rIns="0" bIns="137160" numCol="1" spcCol="1270" rtlCol="0" anchor="b" anchorCtr="1">
-          <a:noAutofit/>
-        </a:bodyPr>
-        <a:lstStyle/>
-        <a:p>
-          <a:pPr marL="0" lvl="0" indent="0" algn="ctr" defTabSz="800100" rtl="0">
-            <a:lnSpc>
-              <a:spcPct val="90000"/>
-            </a:lnSpc>
-            <a:spcBef>
-              <a:spcPct val="0"/>
-            </a:spcBef>
-            <a:spcAft>
-              <a:spcPct val="35000"/>
-            </a:spcAft>
-            <a:buFont typeface="Symbol" panose="05050102010706020507" pitchFamily="18" charset="2"/>
-            <a:buNone/>
-          </a:pPr>
-          <a:r>
-            <a:rPr lang="pl-PL" sz="1800" kern="1200" dirty="0"/>
-            <a:t>W trakcie prezentacji notatki prelegenta są widoczne na Twoim monitorze, ale nie są widoczne dla odbiorców.</a:t>
-          </a:r>
-          <a:endParaRPr lang="pl-PL" sz="1800" kern="1200" dirty="0">
-            <a:latin typeface="+mn-lt"/>
-          </a:endParaRPr>
-        </a:p>
-      </dsp:txBody>
-      <dsp:txXfrm>
-        <a:off x="3915170" y="0"/>
-        <a:ext cx="3259934" cy="1392951"/>
-      </dsp:txXfrm>
-    </dsp:sp>
-    <dsp:sp modelId="{89759DE5-9F8A-470E-A6D8-F13BB4DEE93D}">
-      <dsp:nvSpPr>
-        <dsp:cNvPr id="0" name=""/>
-        <dsp:cNvSpPr/>
-      </dsp:nvSpPr>
-      <dsp:spPr>
-        <a:xfrm>
-          <a:off x="5545137" y="1472548"/>
-          <a:ext cx="0" cy="318388"/>
-        </a:xfrm>
-        <a:prstGeom prst="line">
-          <a:avLst/>
-        </a:prstGeom>
-        <a:noFill/>
-        <a:ln w="6350" cap="flat" cmpd="sng" algn="ctr">
-          <a:solidFill>
-            <a:schemeClr val="accent5">
-              <a:hueOff val="180003"/>
-              <a:satOff val="4346"/>
-              <a:lumOff val="-20980"/>
-              <a:alphaOff val="0"/>
-            </a:schemeClr>
-          </a:solidFill>
-          <a:prstDash val="dash"/>
-          <a:miter lim="800000"/>
-        </a:ln>
-        <a:effectLst/>
-      </dsp:spPr>
-      <dsp:style>
-        <a:lnRef idx="1">
-          <a:scrgbClr r="0" g="0" b="0"/>
-        </a:lnRef>
-        <a:fillRef idx="0">
-          <a:scrgbClr r="0" g="0" b="0"/>
-        </a:fillRef>
-        <a:effectRef idx="0">
-          <a:scrgbClr r="0" g="0" b="0"/>
-        </a:effectRef>
-        <a:fontRef idx="minor"/>
-      </dsp:style>
-    </dsp:sp>
-    <dsp:sp modelId="{07CCF286-8B46-4A20-ACAC-84BA2D6EFBBC}">
-      <dsp:nvSpPr>
-        <dsp:cNvPr id="0" name=""/>
-        <dsp:cNvSpPr/>
-      </dsp:nvSpPr>
-      <dsp:spPr>
-        <a:xfrm>
-          <a:off x="5505338" y="1392951"/>
-          <a:ext cx="79597" cy="79597"/>
-        </a:xfrm>
-        <a:prstGeom prst="ellipse">
-          <a:avLst/>
-        </a:prstGeom>
-        <a:solidFill>
-          <a:schemeClr val="accent5">
-            <a:hueOff val="180003"/>
-            <a:satOff val="4346"/>
-            <a:lumOff val="-20980"/>
-            <a:alphaOff val="0"/>
-          </a:schemeClr>
-        </a:solidFill>
-        <a:ln w="12700" cap="flat" cmpd="sng" algn="ctr">
-          <a:solidFill>
-            <a:schemeClr val="lt1">
-              <a:hueOff val="0"/>
-              <a:satOff val="0"/>
-              <a:lumOff val="0"/>
-              <a:alphaOff val="0"/>
-            </a:schemeClr>
-          </a:solidFill>
-          <a:prstDash val="solid"/>
-          <a:miter lim="800000"/>
-        </a:ln>
-        <a:effectLst/>
-      </dsp:spPr>
-      <dsp:style>
-        <a:lnRef idx="2">
-          <a:scrgbClr r="0" g="0" b="0"/>
-        </a:lnRef>
-        <a:fillRef idx="1">
-          <a:scrgbClr r="0" g="0" b="0"/>
-        </a:fillRef>
-        <a:effectRef idx="0">
-          <a:scrgbClr r="0" g="0" b="0"/>
-        </a:effectRef>
-        <a:fontRef idx="minor">
-          <a:schemeClr val="lt1"/>
-        </a:fontRef>
-      </dsp:style>
-    </dsp:sp>
-    <dsp:sp modelId="{74CD3FF2-195B-429B-BC6F-5B5A7FED2BE2}">
-      <dsp:nvSpPr>
-        <dsp:cNvPr id="0" name=""/>
-        <dsp:cNvSpPr/>
-      </dsp:nvSpPr>
-      <dsp:spPr>
-        <a:xfrm>
-          <a:off x="6523117" y="1790937"/>
-          <a:ext cx="1955960" cy="397986"/>
-        </a:xfrm>
-        <a:prstGeom prst="rect">
-          <a:avLst/>
-        </a:prstGeom>
-        <a:solidFill>
-          <a:schemeClr val="accent5">
-            <a:hueOff val="270005"/>
-            <a:satOff val="6519"/>
-            <a:lumOff val="-31471"/>
-            <a:alphaOff val="0"/>
-          </a:schemeClr>
-        </a:solidFill>
-        <a:ln w="12700" cap="flat" cmpd="sng" algn="ctr">
-          <a:solidFill>
-            <a:schemeClr val="accent5">
-              <a:hueOff val="270005"/>
-              <a:satOff val="6519"/>
-              <a:lumOff val="-31471"/>
-              <a:alphaOff val="0"/>
-            </a:schemeClr>
-          </a:solidFill>
-          <a:prstDash val="solid"/>
-          <a:miter lim="800000"/>
-        </a:ln>
-        <a:effectLst/>
-      </dsp:spPr>
-      <dsp:style>
-        <a:lnRef idx="2">
-          <a:scrgbClr r="0" g="0" b="0"/>
-        </a:lnRef>
-        <a:fillRef idx="1">
-          <a:scrgbClr r="0" g="0" b="0"/>
-        </a:fillRef>
-        <a:effectRef idx="0">
-          <a:scrgbClr r="0" g="0" b="0"/>
-        </a:effectRef>
-        <a:fontRef idx="minor">
-          <a:schemeClr val="lt1"/>
-        </a:fontRef>
-      </dsp:style>
-      <dsp:txBody>
-        <a:bodyPr spcFirstLastPara="0" vert="horz" wrap="square" lIns="137160" tIns="137160" rIns="137160" bIns="137160" numCol="1" spcCol="1270" rtlCol="0" anchor="ctr" anchorCtr="1">
-          <a:noAutofit/>
-        </a:bodyPr>
-        <a:lstStyle/>
-        <a:p>
-          <a:pPr marL="0" lvl="0" indent="0" algn="ctr" defTabSz="800100" rtl="0">
-            <a:lnSpc>
-              <a:spcPct val="90000"/>
-            </a:lnSpc>
-            <a:spcBef>
-              <a:spcPct val="0"/>
-            </a:spcBef>
-            <a:spcAft>
-              <a:spcPct val="35000"/>
-            </a:spcAft>
-            <a:buFont typeface="Symbol" panose="05050102010706020507" pitchFamily="18" charset="2"/>
-            <a:buNone/>
-          </a:pPr>
-          <a:r>
-            <a:rPr lang="pl-PL" sz="1800" kern="1200">
-              <a:latin typeface="+mn-lt"/>
-            </a:rPr>
-            <a:t>Tytuł</a:t>
-          </a:r>
-        </a:p>
-      </dsp:txBody>
-      <dsp:txXfrm>
-        <a:off x="6523117" y="1790937"/>
-        <a:ext cx="1955960" cy="397986"/>
-      </dsp:txXfrm>
-    </dsp:sp>
-    <dsp:sp modelId="{1BB5FD64-47F9-47A3-911F-535BFE17A3B9}">
-      <dsp:nvSpPr>
-        <dsp:cNvPr id="0" name=""/>
-        <dsp:cNvSpPr/>
-      </dsp:nvSpPr>
-      <dsp:spPr>
-        <a:xfrm>
-          <a:off x="5871130" y="2586910"/>
-          <a:ext cx="3259934" cy="1392951"/>
-        </a:xfrm>
-        <a:prstGeom prst="rect">
-          <a:avLst/>
-        </a:prstGeom>
-        <a:noFill/>
-        <a:ln>
-          <a:noFill/>
-        </a:ln>
-        <a:effectLst/>
-      </dsp:spPr>
-      <dsp:style>
-        <a:lnRef idx="0">
-          <a:scrgbClr r="0" g="0" b="0"/>
-        </a:lnRef>
-        <a:fillRef idx="0">
-          <a:scrgbClr r="0" g="0" b="0"/>
-        </a:fillRef>
-        <a:effectRef idx="0">
-          <a:scrgbClr r="0" g="0" b="0"/>
-        </a:effectRef>
-        <a:fontRef idx="minor"/>
-      </dsp:style>
-      <dsp:txBody>
-        <a:bodyPr spcFirstLastPara="0" vert="horz" wrap="square" lIns="0" tIns="137160" rIns="0" bIns="0" numCol="1" spcCol="1270" rtlCol="0" anchor="t" anchorCtr="1">
-          <a:noAutofit/>
-        </a:bodyPr>
-        <a:lstStyle/>
-        <a:p>
-          <a:pPr marL="0" lvl="0" indent="0" algn="ctr" defTabSz="800100" rtl="0">
-            <a:lnSpc>
-              <a:spcPct val="90000"/>
-            </a:lnSpc>
-            <a:spcBef>
-              <a:spcPct val="0"/>
-            </a:spcBef>
-            <a:spcAft>
-              <a:spcPct val="35000"/>
-            </a:spcAft>
-            <a:buFont typeface="Symbol" panose="05050102010706020507" pitchFamily="18" charset="2"/>
-            <a:buNone/>
-          </a:pPr>
-          <a:r>
-            <a:rPr lang="pl-PL" sz="1800" kern="1200" dirty="0"/>
-            <a:t>Okienko notatek to pole wyświetlane poniżej każdego slajdu. Naciśnij je, aby dodać notatki.</a:t>
-          </a:r>
-          <a:endParaRPr lang="pl-PL" sz="1800" kern="1200" dirty="0">
-            <a:latin typeface="+mn-lt"/>
-          </a:endParaRPr>
-        </a:p>
-      </dsp:txBody>
-      <dsp:txXfrm>
-        <a:off x="5871130" y="2586910"/>
-        <a:ext cx="3259934" cy="1392951"/>
-      </dsp:txXfrm>
-    </dsp:sp>
-    <dsp:sp modelId="{FE9B27EB-7AC7-485A-9A55-41E8118F9EAF}">
-      <dsp:nvSpPr>
-        <dsp:cNvPr id="0" name=""/>
-        <dsp:cNvSpPr/>
-      </dsp:nvSpPr>
-      <dsp:spPr>
-        <a:xfrm>
-          <a:off x="7501098" y="2188924"/>
-          <a:ext cx="0" cy="318388"/>
-        </a:xfrm>
-        <a:prstGeom prst="line">
-          <a:avLst/>
-        </a:prstGeom>
-        <a:noFill/>
-        <a:ln w="6350" cap="flat" cmpd="sng" algn="ctr">
-          <a:solidFill>
-            <a:schemeClr val="accent5">
-              <a:hueOff val="270005"/>
-              <a:satOff val="6519"/>
-              <a:lumOff val="-31471"/>
-              <a:alphaOff val="0"/>
-            </a:schemeClr>
-          </a:solidFill>
-          <a:prstDash val="dash"/>
-          <a:miter lim="800000"/>
-        </a:ln>
-        <a:effectLst/>
-      </dsp:spPr>
-      <dsp:style>
-        <a:lnRef idx="1">
-          <a:scrgbClr r="0" g="0" b="0"/>
-        </a:lnRef>
-        <a:fillRef idx="0">
-          <a:scrgbClr r="0" g="0" b="0"/>
-        </a:fillRef>
-        <a:effectRef idx="0">
-          <a:scrgbClr r="0" g="0" b="0"/>
-        </a:effectRef>
-        <a:fontRef idx="minor"/>
-      </dsp:style>
-    </dsp:sp>
-    <dsp:sp modelId="{46BD4721-4664-4AD0-9F11-DBE7E0B207D5}">
-      <dsp:nvSpPr>
-        <dsp:cNvPr id="0" name=""/>
-        <dsp:cNvSpPr/>
-      </dsp:nvSpPr>
-      <dsp:spPr>
-        <a:xfrm>
-          <a:off x="7461299" y="2507313"/>
-          <a:ext cx="79597" cy="79597"/>
-        </a:xfrm>
-        <a:prstGeom prst="ellipse">
-          <a:avLst/>
-        </a:prstGeom>
-        <a:solidFill>
-          <a:schemeClr val="accent5">
-            <a:hueOff val="270005"/>
-            <a:satOff val="6519"/>
-            <a:lumOff val="-31471"/>
-            <a:alphaOff val="0"/>
-          </a:schemeClr>
-        </a:solidFill>
-        <a:ln w="12700" cap="flat" cmpd="sng" algn="ctr">
-          <a:solidFill>
-            <a:schemeClr val="lt1">
-              <a:hueOff val="0"/>
-              <a:satOff val="0"/>
-              <a:lumOff val="0"/>
-              <a:alphaOff val="0"/>
-            </a:schemeClr>
-          </a:solidFill>
-          <a:prstDash val="solid"/>
-          <a:miter lim="800000"/>
-        </a:ln>
-        <a:effectLst/>
-      </dsp:spPr>
-      <dsp:style>
-        <a:lnRef idx="2">
-          <a:scrgbClr r="0" g="0" b="0"/>
-        </a:lnRef>
-        <a:fillRef idx="1">
-          <a:scrgbClr r="0" g="0" b="0"/>
-        </a:fillRef>
-        <a:effectRef idx="0">
-          <a:scrgbClr r="0" g="0" b="0"/>
-        </a:effectRef>
-        <a:fontRef idx="minor">
-          <a:schemeClr val="lt1"/>
-        </a:fontRef>
-      </dsp:style>
-    </dsp:sp>
-    <dsp:sp modelId="{483E7832-9872-48C4-8E65-DCB39D4CDBDF}">
-      <dsp:nvSpPr>
-        <dsp:cNvPr id="0" name=""/>
-        <dsp:cNvSpPr/>
-      </dsp:nvSpPr>
-      <dsp:spPr>
-        <a:xfrm rot="5400000">
-          <a:off x="9258065" y="1011950"/>
-          <a:ext cx="397986" cy="1955960"/>
-        </a:xfrm>
-        <a:prstGeom prst="round2SameRect">
-          <a:avLst/>
-        </a:prstGeom>
-        <a:solidFill>
-          <a:schemeClr val="accent5">
-            <a:hueOff val="360006"/>
-            <a:satOff val="8692"/>
-            <a:lumOff val="-41961"/>
-            <a:alphaOff val="0"/>
-          </a:schemeClr>
-        </a:solidFill>
-        <a:ln w="12700" cap="flat" cmpd="sng" algn="ctr">
-          <a:solidFill>
-            <a:schemeClr val="accent5">
-              <a:hueOff val="360006"/>
-              <a:satOff val="8692"/>
-              <a:lumOff val="-41961"/>
-              <a:alphaOff val="0"/>
-            </a:schemeClr>
-          </a:solidFill>
-          <a:prstDash val="solid"/>
-          <a:miter lim="800000"/>
-        </a:ln>
-        <a:effectLst/>
-      </dsp:spPr>
-      <dsp:style>
-        <a:lnRef idx="2">
-          <a:scrgbClr r="0" g="0" b="0"/>
-        </a:lnRef>
-        <a:fillRef idx="1">
-          <a:scrgbClr r="0" g="0" b="0"/>
-        </a:fillRef>
-        <a:effectRef idx="0">
-          <a:scrgbClr r="0" g="0" b="0"/>
-        </a:effectRef>
-        <a:fontRef idx="minor">
-          <a:schemeClr val="lt1"/>
-        </a:fontRef>
-      </dsp:style>
-      <dsp:txBody>
-        <a:bodyPr spcFirstLastPara="0" vert="horz" wrap="square" lIns="137160" tIns="137160" rIns="137160" bIns="137160" numCol="1" spcCol="1270" rtlCol="0" anchor="ctr" anchorCtr="1">
-          <a:noAutofit/>
-        </a:bodyPr>
-        <a:lstStyle/>
-        <a:p>
-          <a:pPr marL="0" lvl="0" indent="0" algn="ctr" defTabSz="800100" rtl="0">
-            <a:lnSpc>
-              <a:spcPct val="90000"/>
-            </a:lnSpc>
-            <a:spcBef>
-              <a:spcPct val="0"/>
-            </a:spcBef>
-            <a:spcAft>
-              <a:spcPct val="35000"/>
-            </a:spcAft>
-            <a:buFont typeface="Symbol" panose="05050102010706020507" pitchFamily="18" charset="2"/>
-            <a:buNone/>
-          </a:pPr>
-          <a:r>
-            <a:rPr lang="pl-PL" sz="1800" kern="1200">
-              <a:latin typeface="+mn-lt"/>
-            </a:rPr>
-            <a:t>Tytuł</a:t>
-          </a:r>
-        </a:p>
-      </dsp:txBody>
-      <dsp:txXfrm rot="-5400000">
-        <a:off x="8479078" y="1810365"/>
-        <a:ext cx="1936532" cy="359130"/>
-      </dsp:txXfrm>
-    </dsp:sp>
-    <dsp:sp modelId="{1FA3C236-5719-4A33-A6BB-80FA85F940E3}">
-      <dsp:nvSpPr>
-        <dsp:cNvPr id="0" name=""/>
-        <dsp:cNvSpPr/>
-      </dsp:nvSpPr>
-      <dsp:spPr>
-        <a:xfrm>
-          <a:off x="7827091" y="0"/>
-          <a:ext cx="3259934" cy="1392951"/>
-        </a:xfrm>
-        <a:prstGeom prst="rect">
-          <a:avLst/>
-        </a:prstGeom>
-        <a:noFill/>
-        <a:ln>
-          <a:noFill/>
-        </a:ln>
-        <a:effectLst/>
-      </dsp:spPr>
-      <dsp:style>
-        <a:lnRef idx="0">
-          <a:scrgbClr r="0" g="0" b="0"/>
-        </a:lnRef>
-        <a:fillRef idx="0">
-          <a:scrgbClr r="0" g="0" b="0"/>
-        </a:fillRef>
-        <a:effectRef idx="0">
-          <a:scrgbClr r="0" g="0" b="0"/>
-        </a:effectRef>
-        <a:fontRef idx="minor"/>
-      </dsp:style>
-      <dsp:txBody>
-        <a:bodyPr spcFirstLastPara="0" vert="horz" wrap="square" lIns="0" tIns="0" rIns="0" bIns="137160" numCol="1" spcCol="1270" rtlCol="0" anchor="b" anchorCtr="1">
-          <a:noAutofit/>
-        </a:bodyPr>
-        <a:lstStyle/>
-        <a:p>
-          <a:pPr marL="0" lvl="0" indent="0" algn="ctr" defTabSz="800100" rtl="0">
-            <a:lnSpc>
-              <a:spcPct val="90000"/>
-            </a:lnSpc>
-            <a:spcBef>
-              <a:spcPct val="0"/>
-            </a:spcBef>
-            <a:spcAft>
-              <a:spcPct val="35000"/>
-            </a:spcAft>
-            <a:buFont typeface="Symbol" panose="05050102010706020507" pitchFamily="18" charset="2"/>
-            <a:buNone/>
-          </a:pPr>
-          <a:r>
-            <a:rPr lang="pl-PL" sz="1800" kern="1200" dirty="0"/>
-            <a:t>Jeśli nie widzisz okienka notatek lub jest ono całkowicie zminimalizowane, kliknij pozycję Notatki na pasku zadań w dolnej części okna programu PowerPoint.</a:t>
-          </a:r>
-          <a:endParaRPr lang="pl-PL" sz="1800" kern="1200" dirty="0">
-            <a:latin typeface="+mn-lt"/>
-          </a:endParaRPr>
-        </a:p>
-      </dsp:txBody>
-      <dsp:txXfrm>
-        <a:off x="7827091" y="0"/>
-        <a:ext cx="3259934" cy="1392951"/>
-      </dsp:txXfrm>
-    </dsp:sp>
-    <dsp:sp modelId="{18F1C823-9ACD-4FCD-8102-F468DCE57A45}">
-      <dsp:nvSpPr>
-        <dsp:cNvPr id="0" name=""/>
-        <dsp:cNvSpPr/>
-      </dsp:nvSpPr>
-      <dsp:spPr>
-        <a:xfrm>
-          <a:off x="9457058" y="1472548"/>
-          <a:ext cx="0" cy="318388"/>
-        </a:xfrm>
-        <a:prstGeom prst="line">
-          <a:avLst/>
-        </a:prstGeom>
-        <a:noFill/>
-        <a:ln w="6350" cap="flat" cmpd="sng" algn="ctr">
-          <a:solidFill>
-            <a:schemeClr val="accent5">
-              <a:hueOff val="360006"/>
-              <a:satOff val="8692"/>
-              <a:lumOff val="-41961"/>
-              <a:alphaOff val="0"/>
-            </a:schemeClr>
-          </a:solidFill>
-          <a:prstDash val="dash"/>
-          <a:miter lim="800000"/>
-        </a:ln>
-        <a:effectLst/>
-      </dsp:spPr>
-      <dsp:style>
-        <a:lnRef idx="1">
-          <a:scrgbClr r="0" g="0" b="0"/>
-        </a:lnRef>
-        <a:fillRef idx="0">
-          <a:scrgbClr r="0" g="0" b="0"/>
-        </a:fillRef>
-        <a:effectRef idx="0">
-          <a:scrgbClr r="0" g="0" b="0"/>
-        </a:effectRef>
-        <a:fontRef idx="minor"/>
-      </dsp:style>
-    </dsp:sp>
-    <dsp:sp modelId="{F8AD0AB8-BBDF-4F0A-A6A0-850E289DD521}">
-      <dsp:nvSpPr>
-        <dsp:cNvPr id="0" name=""/>
-        <dsp:cNvSpPr/>
-      </dsp:nvSpPr>
-      <dsp:spPr>
-        <a:xfrm>
-          <a:off x="9417260" y="1392951"/>
-          <a:ext cx="79597" cy="79597"/>
-        </a:xfrm>
-        <a:prstGeom prst="ellipse">
-          <a:avLst/>
-        </a:prstGeom>
-        <a:solidFill>
-          <a:schemeClr val="accent5">
-            <a:hueOff val="360006"/>
-            <a:satOff val="8692"/>
-            <a:lumOff val="-41961"/>
-            <a:alphaOff val="0"/>
-          </a:schemeClr>
-        </a:solidFill>
-        <a:ln w="12700" cap="flat" cmpd="sng" algn="ctr">
-          <a:solidFill>
-            <a:schemeClr val="lt1">
-              <a:hueOff val="0"/>
-              <a:satOff val="0"/>
-              <a:lumOff val="0"/>
-              <a:alphaOff val="0"/>
-            </a:schemeClr>
-          </a:solidFill>
-          <a:prstDash val="solid"/>
-          <a:miter lim="800000"/>
-        </a:ln>
-        <a:effectLst/>
-      </dsp:spPr>
-      <dsp:style>
-        <a:lnRef idx="2">
-          <a:scrgbClr r="0" g="0" b="0"/>
-        </a:lnRef>
-        <a:fillRef idx="1">
-          <a:scrgbClr r="0" g="0" b="0"/>
-        </a:fillRef>
-        <a:effectRef idx="0">
-          <a:scrgbClr r="0" g="0" b="0"/>
-        </a:effectRef>
-        <a:fontRef idx="minor">
-          <a:schemeClr val="lt1"/>
-        </a:fontRef>
-      </dsp:style>
-    </dsp:sp>
-  </dsp:spTree>
-</dsp:drawing>
-</file>
-
-<file path=ppt/diagrams/layout1.xml><?xml version="1.0" encoding="utf-8"?>
-<dgm:layoutDef xmlns:dgm="http://schemas.openxmlformats.org/drawingml/2006/diagram" xmlns:a="http://schemas.openxmlformats.org/drawingml/2006/main" uniqueId="urn:microsoft.com/office/officeart/2016/7/layout/RoundedRectangleTimeline">
-  <dgm:title val="Oś czasu w zaokrąglonym prostokącie"/>
-  <dgm:desc val="Służy do wyświetlania listy zdarzeń uporządkowanych w kolejności chronologicznej. Niewidoczne pole zawiera opis, a daty są pokazywane w prostokątach, z wyjątkiem pierwszego i ostatniego elementu, które mają zaokrąglone rogi. Może służyć do wyświetlania dużej ilość tekstu z długimi, opisowymi datami."/>
-  <dgm:catLst>
-    <dgm:cat type="timeline" pri="500"/>
-    <dgm:cat type="process" pri="600"/>
-  </dgm:catLst>
-  <dgm:sampData>
-    <dgm:dataModel>
-      <dgm:ptLst>
-        <dgm:pt modelId="0" type="doc"/>
-        <dgm:pt modelId="10">
-          <dgm:prSet phldr="1"/>
-        </dgm:pt>
-        <dgm:pt modelId="11">
-          <dgm:prSet phldr="1"/>
-        </dgm:pt>
-        <dgm:pt modelId="20">
-          <dgm:prSet phldr="1"/>
-        </dgm:pt>
-        <dgm:pt modelId="21">
-          <dgm:prSet phldr="1"/>
-        </dgm:pt>
-        <dgm:pt modelId="30">
-          <dgm:prSet phldr="1"/>
-        </dgm:pt>
-        <dgm:pt modelId="31">
-          <dgm:prSet phldr="1"/>
-        </dgm:pt>
-      </dgm:ptLst>
-      <dgm:cxnLst>
-        <dgm:cxn modelId="40" srcId="0" destId="10" srcOrd="0" destOrd="0"/>
-        <dgm:cxn modelId="12" srcId="10" destId="11" srcOrd="0" destOrd="0"/>
-        <dgm:cxn modelId="50" srcId="0" destId="20" srcOrd="1" destOrd="0"/>
-        <dgm:cxn modelId="22" srcId="20" destId="21" srcOrd="0" destOrd="0"/>
-        <dgm:cxn modelId="60" srcId="0" destId="30" srcOrd="1" destOrd="0"/>
-        <dgm:cxn modelId="32" srcId="30" destId="31" srcOrd="0" destOrd="0"/>
-      </dgm:cxnLst>
-      <dgm:bg/>
-      <dgm:whole/>
-    </dgm:dataModel>
-  </dgm:sampData>
-  <dgm:styleData>
-    <dgm:dataModel>
-      <dgm:ptLst>
-        <dgm:pt modelId="0" type="doc"/>
-        <dgm:pt modelId="10">
-          <dgm:prSet phldr="1"/>
-        </dgm:pt>
-        <dgm:pt modelId="20">
-          <dgm:prSet phldr="1"/>
-        </dgm:pt>
-      </dgm:ptLst>
-      <dgm:cxnLst>
-        <dgm:cxn modelId="60" srcId="0" destId="10" srcOrd="0" destOrd="0"/>
-        <dgm:cxn modelId="70" srcId="0" destId="20" srcOrd="1" destOrd="0"/>
-      </dgm:cxnLst>
-      <dgm:bg/>
-      <dgm:whole/>
-    </dgm:dataModel>
-  </dgm:styleData>
-  <dgm:clrData>
-    <dgm:dataModel>
-      <dgm:ptLst>
-        <dgm:pt modelId="0" type="doc"/>
-        <dgm:pt modelId="10">
-          <dgm:prSet phldr="1"/>
-        </dgm:pt>
-        <dgm:pt modelId="20">
-          <dgm:prSet phldr="1"/>
-        </dgm:pt>
-        <dgm:pt modelId="30">
-          <dgm:prSet phldr="1"/>
-        </dgm:pt>
-        <dgm:pt modelId="40">
-          <dgm:prSet phldr="1"/>
-        </dgm:pt>
-      </dgm:ptLst>
-      <dgm:cxnLst>
-        <dgm:cxn modelId="60" srcId="0" destId="10" srcOrd="0" destOrd="0"/>
-        <dgm:cxn modelId="70" srcId="0" destId="20" srcOrd="1" destOrd="0"/>
-        <dgm:cxn modelId="80" srcId="0" destId="30" srcOrd="2" destOrd="0"/>
-        <dgm:cxn modelId="90" srcId="0" destId="40" srcOrd="3" destOrd="0"/>
-      </dgm:cxnLst>
-      <dgm:bg/>
-      <dgm:whole/>
-    </dgm:dataModel>
-  </dgm:clrData>
-  <dgm:layoutNode name="Name0">
-    <dgm:varLst>
-      <dgm:chMax/>
-      <dgm:chPref/>
-      <dgm:animLvl val="lvl"/>
-    </dgm:varLst>
-    <dgm:choose name="Name1">
-      <dgm:if name="Name2" func="var" arg="dir" op="equ" val="norm">
-        <dgm:alg type="lin"/>
-      </dgm:if>
-      <dgm:else name="Name3">
-        <dgm:alg type="lin">
-          <dgm:param type="linDir" val="fromR"/>
-        </dgm:alg>
-      </dgm:else>
-    </dgm:choose>
-    <dgm:shape xmlns:r="http://schemas.openxmlformats.org/officeDocument/2006/relationships" r:blip="">
-      <dgm:adjLst/>
-    </dgm:shape>
-    <dgm:constrLst>
-      <dgm:constr type="primFontSz" for="des" forName="parent" val="18"/>
-      <dgm:constr type="primFontSz" for="des" forName="Childtext" val="18"/>
-      <dgm:constr type="primFontSz" for="des" forName="Childtext" refType="primFontSz" refFor="des" refForName="parent" op="lte"/>
-      <dgm:constr type="w" for="ch" forName="composite" refType="w"/>
-      <dgm:constr type="h" for="ch" forName="composite" refType="h"/>
-      <dgm:constr type="w" for="ch" forName="spaceBetweenRectangles" refType="w" refFor="ch" refForName="composite" fact="-0.4"/>
-      <dgm:constr type="w" for="ch" ptType="sibTrans" op="equ"/>
-      <dgm:constr type="primFontSz" for="des" forName="parent" op="equ"/>
-      <dgm:constr type="primFontSz" for="des" forName="Childtext" op="equ"/>
-      <dgm:constr type="primFontSz" for="des" forName="parent1" val="18"/>
-      <dgm:constr type="primFontSz" for="des" forName="Childtext1" val="18"/>
-      <dgm:constr type="primFontSz" for="des" forName="Childtext1" refType="primFontSz" refFor="des" refForName="parent1" op="lte"/>
-      <dgm:constr type="w" for="ch" forName="composite1" refType="w"/>
-      <dgm:constr type="h" for="ch" forName="composite1" refType="h"/>
-      <dgm:constr type="w" for="ch" forName="spaceBetweenRectangles1" refType="w" refFor="ch" refForName="composite1" fact="-0.4"/>
-      <dgm:constr type="primFontSz" for="des" forName="parent1" op="equ"/>
-      <dgm:constr type="primFontSz" for="des" forName="Childtext1" op="equ"/>
-    </dgm:constrLst>
-    <dgm:choose name="layoutByNodeCnt">
-      <dgm:if name="twoOrLessNodes" axis="ch" ptType="node" func="cnt" op="lte" val="2">
-        <dgm:forEach name="nodesForEach" axis="ch" ptType="node">
-          <dgm:layoutNode name="composite">
-            <dgm:alg type="composite"/>
-            <dgm:shape xmlns:r="http://schemas.openxmlformats.org/officeDocument/2006/relationships" r:blip="">
-              <dgm:adjLst/>
-            </dgm:shape>
-            <dgm:choose name="casesForFirstAndLastNode1">
-              <dgm:if name="startNode1" axis="self" ptType="node" func="pos" op="equ" val="1">
-                <dgm:choose name="removeLineWhenOnlyOneNode1">
-                  <dgm:if name="ifOnlyOneNode1" axis="followSib" ptType="node" func="cnt" op="equ" val="0">
-                    <dgm:constrLst>
-                      <dgm:constr type="w" for="ch" forName="parent" refType="w" fact="0.95"/>
-                      <dgm:constr type="l" for="ch" forName="parent" refType="w" fact="0.025"/>
-                      <dgm:constr type="t" for="ch" forName="parent" refType="h" fact="0.45"/>
-                      <dgm:constr type="h" for="ch" forName="parent" refType="h" fact="0.1"/>
-                      <dgm:constr type="l" for="ch" forName="Childtext" refType="w" fact="0.025"/>
-                      <dgm:constr type="w" for="ch" forName="Childtext" refType="w" fact="0.95"/>
-                      <dgm:constr type="h" for="ch" forName="Childtext" refType="h" fact="0.35"/>
-                      <dgm:constr type="w" for="ch" forName="ConnectLine"/>
-                      <dgm:constr type="h" for="ch" forName="ConnectLine" refType="h" fact="0.08"/>
-                      <dgm:constr type="t" for="ch" forName="ConnectLine" refType="h" fact="0.37"/>
-                      <dgm:constr type="ctrX" for="ch" forName="ConnectLine" refType="w" fact="0.5"/>
-                      <dgm:constr type="w" for="ch" forName="ConnectLineEnd" refType="h" fact="0.02"/>
-                      <dgm:constr type="h" for="ch" forName="ConnectLineEnd" refType="h" fact="0.02"/>
-                      <dgm:constr type="t" for="ch" forName="ConnectLineEnd" refType="h" fact="0.35"/>
-                      <dgm:constr type="ctrX" for="ch" forName="ConnectLineEnd" refType="w" fact="0.5"/>
-                      <dgm:constr type="w" for="ch" forName="EmptyPane" refType="w"/>
-                      <dgm:constr type="t" for="ch" forName="EmptyPane" refType="h" fact="0.55"/>
-                      <dgm:constr type="h" for="ch" forName="EmptyPane" refType="h" fact="0.45"/>
-                    </dgm:constrLst>
-                  </dgm:if>
-                  <dgm:else name="ifMoreThanOneNode1">
-                    <dgm:constrLst>
-                      <dgm:constr type="w" for="ch" forName="parent" refType="w" fact="0.6"/>
-                      <dgm:constr type="l" for="ch" forName="parent" refType="w" fact="0.2"/>
-                      <dgm:constr type="t" for="ch" forName="parent" refType="h" fact="0.45"/>
-                      <dgm:constr type="h" for="ch" forName="parent" refType="h" fact="0.1"/>
-                      <dgm:constr type="l" for="ch" forName="Childtext" refType="w" fact="0.2"/>
-                      <dgm:constr type="w" for="ch" forName="Childtext" refType="w" fact="0.6"/>
-                      <dgm:constr type="h" for="ch" forName="Childtext" refType="h" fact="0.35"/>
-                      <dgm:constr type="w" for="ch" forName="ConnectLine"/>
-                      <dgm:constr type="h" for="ch" forName="ConnectLine" refType="h" fact="0.08"/>
-                      <dgm:constr type="t" for="ch" forName="ConnectLine" refType="h" fact="0.37"/>
-                      <dgm:constr type="ctrX" for="ch" forName="ConnectLine" refType="w" fact="0.5"/>
-                      <dgm:constr type="w" for="ch" forName="ConnectLineEnd" refType="h" fact="0.02"/>
-                      <dgm:constr type="h" for="ch" forName="ConnectLineEnd" refType="h" fact="0.02"/>
-                      <dgm:constr type="t" for="ch" forName="ConnectLineEnd" refType="h" fact="0.35"/>
-                      <dgm:constr type="ctrX" for="ch" forName="ConnectLineEnd" refType="w" fact="0.5"/>
-                      <dgm:constr type="w" for="ch" forName="EmptyPane" refType="w"/>
-                      <dgm:constr type="t" for="ch" forName="EmptyPane" refType="h" fact="0.55"/>
-                      <dgm:constr type="h" for="ch" forName="EmptyPane" refType="h" fact="0.45"/>
-                    </dgm:constrLst>
-                  </dgm:else>
-                </dgm:choose>
-              </dgm:if>
-              <dgm:else name="notStartNode1">
-                <dgm:constrLst>
-                  <dgm:constr type="w" for="ch" forName="parent" refType="w" fact="0.6"/>
-                  <dgm:constr type="l" for="ch" forName="parent" refType="w" fact="0.2"/>
-                  <dgm:constr type="t" for="ch" forName="parent" refType="h" fact="0.45"/>
-                  <dgm:constr type="h" for="ch" forName="parent" refType="h" fact="0.1"/>
-                  <dgm:constr type="l" for="ch" forName="Childtext" refType="w" fact="0.2"/>
-                  <dgm:constr type="w" for="ch" forName="Childtext" refType="w" fact="0.6"/>
-                  <dgm:constr type="h" for="ch" forName="Childtext" refType="h" fact="0.35"/>
-                  <dgm:constr type="t" for="ch" forName="Childtext" refType="h" fact="0.65"/>
-                  <dgm:constr type="w" for="ch" forName="ConnectLine"/>
-                  <dgm:constr type="h" for="ch" forName="ConnectLine" refType="h" fact="0.08"/>
-                  <dgm:constr type="t" for="ch" forName="ConnectLine" refType="h" fact="0.55"/>
-                  <dgm:constr type="ctrX" for="ch" forName="ConnectLine" refType="w" fact="0.5"/>
-                  <dgm:constr type="w" for="ch" forName="ConnectLineEnd" refType="h" fact="0.02"/>
-                  <dgm:constr type="h" for="ch" forName="ConnectLineEnd" refType="h" fact="0.02"/>
-                  <dgm:constr type="b" for="ch" forName="ConnectLineEnd" refType="h" fact="0.65"/>
-                  <dgm:constr type="ctrX" for="ch" forName="ConnectLineEnd" refType="w" fact="0.5"/>
-                  <dgm:constr type="w" for="ch" forName="EmptyPane" refType="w"/>
-                  <dgm:constr type="h" for="ch" forName="EmptyPane" refType="h" fact="0.45"/>
-                </dgm:constrLst>
-              </dgm:else>
-            </dgm:choose>
-            <dgm:layoutNode name="parent" styleLbl="alignNode1">
-              <dgm:varLst>
-                <dgm:chMax val="1"/>
-                <dgm:chPref val="1"/>
-                <dgm:bulletEnabled val="1"/>
-              </dgm:varLst>
-              <dgm:alg type="tx">
-                <dgm:param type="txAnchorHorz" val="ctr"/>
-                <dgm:param type="txAnchorVert" val="mid"/>
-                <dgm:param type="parTxLTRAlign" val="ctr"/>
-                <dgm:param type="parTxRTLAlign" val="ctr"/>
-              </dgm:alg>
-              <dgm:choose name="casesForFirstAndLastNode">
-                <dgm:if name="startNode" axis="self" ptType="node" func="pos" op="equ" val="1">
-                  <dgm:choose name="removeLineWhenOnlyOneNode">
-                    <dgm:if name="ifOnlyOneNode" axis="followSib" ptType="node" func="cnt" op="equ" val="0">
-                      <dgm:shape xmlns:r="http://schemas.openxmlformats.org/officeDocument/2006/relationships" type="roundRect" r:blip="">
-                        <dgm:adjLst/>
-                      </dgm:shape>
-                    </dgm:if>
-                    <dgm:else name="ifMoreThanOneNode">
-                      <dgm:choose name="Name18">
-                        <dgm:if name="Name19" func="var" arg="dir" op="equ" val="norm">
-                          <dgm:shape xmlns:r="http://schemas.openxmlformats.org/officeDocument/2006/relationships" rot="-90" type="round2SameRect" r:blip="">
-                            <dgm:adjLst/>
-                          </dgm:shape>
-                        </dgm:if>
-                        <dgm:else name="Name20">
-                          <dgm:shape xmlns:r="http://schemas.openxmlformats.org/officeDocument/2006/relationships" rot="90" type="round2SameRect" r:blip="">
-                            <dgm:adjLst/>
-                          </dgm:shape>
-                        </dgm:else>
-                      </dgm:choose>
-                    </dgm:else>
-                  </dgm:choose>
-                </dgm:if>
-                <dgm:else name="notStartNode">
-                  <dgm:choose name="Name22">
-                    <dgm:if name="Name23" axis="self" ptType="node" func="revPos" op="equ" val="1">
-                      <dgm:choose name="Name24">
-                        <dgm:if name="Name25" func="var" arg="dir" op="equ" val="norm">
-                          <dgm:shape xmlns:r="http://schemas.openxmlformats.org/officeDocument/2006/relationships" rot="90" type="round2SameRect" r:blip="">
-                            <dgm:adjLst/>
-                          </dgm:shape>
-                        </dgm:if>
-                        <dgm:else name="Name26">
-                          <dgm:shape xmlns:r="http://schemas.openxmlformats.org/officeDocument/2006/relationships" rot="-90" type="round2SameRect" r:blip="">
-                            <dgm:adjLst/>
-                          </dgm:shape>
-                        </dgm:else>
-                      </dgm:choose>
-                    </dgm:if>
-                    <dgm:else name="Name27">
-                      <dgm:shape xmlns:r="http://schemas.openxmlformats.org/officeDocument/2006/relationships" type="rect" r:blip="">
-                        <dgm:adjLst/>
-                      </dgm:shape>
-                    </dgm:else>
-                  </dgm:choose>
-                </dgm:else>
-              </dgm:choose>
-              <dgm:presOf axis="self" ptType="node"/>
-              <dgm:constrLst>
-                <dgm:constr type="lMarg" refType="primFontSz" fact="0.6"/>
-                <dgm:constr type="rMarg" refType="primFontSz" fact="0.6"/>
-                <dgm:constr type="tMarg" refType="primFontSz" fact="0.6"/>
-                <dgm:constr type="bMarg" refType="primFontSz" fact="0.6"/>
-              </dgm:constrLst>
-              <dgm:ruleLst>
-                <dgm:rule type="primFontSz" val="11" fact="NaN" max="NaN"/>
-              </dgm:ruleLst>
-            </dgm:layoutNode>
-            <dgm:layoutNode name="Childtext" styleLbl="revTx">
-              <dgm:varLst>
-                <dgm:bulletEnabled val="1"/>
-              </dgm:varLst>
-              <dgm:choose name="casesForTxtDirLogic">
-                <dgm:if name="Name77" axis="self" ptType="node" func="posOdd" op="equ" val="1">
-                  <dgm:alg type="tx">
-                    <dgm:param type="txAnchorVert" val="b"/>
-                    <dgm:param type="txAnchorHorz" val="ctr"/>
-                    <dgm:param type="parTxLTRAlign" val="ctr"/>
-                    <dgm:param type="parTxRTLAlign" val="ctr"/>
-                  </dgm:alg>
-                  <dgm:constrLst>
-                    <dgm:constr type="lMarg"/>
-                    <dgm:constr type="rMarg"/>
-                    <dgm:constr type="tMarg"/>
-                    <dgm:constr type="bMarg" refType="primFontSz" fact="0.6"/>
-                  </dgm:constrLst>
-                </dgm:if>
-                <dgm:else name="Name88">
-                  <dgm:alg type="tx">
-                    <dgm:param type="txAnchorVert" val="t"/>
-                    <dgm:param type="txAnchorHorz" val="ctr"/>
-                    <dgm:param type="parTxLTRAlign" val="ctr"/>
-                    <dgm:param type="parTxRTLAlign" val="ctr"/>
-                  </dgm:alg>
-                  <dgm:constrLst>
-                    <dgm:constr type="lMarg"/>
-                    <dgm:constr type="rMarg"/>
-                    <dgm:constr type="tMarg" refType="primFontSz" fact="0.6"/>
-                    <dgm:constr type="bMarg"/>
-                  </dgm:constrLst>
-                </dgm:else>
-              </dgm:choose>
-              <dgm:shape xmlns:r="http://schemas.openxmlformats.org/officeDocument/2006/relationships" type="rect" r:blip="">
-                <dgm:adjLst/>
-              </dgm:shape>
-              <dgm:presOf axis="ch" ptType="node"/>
-              <dgm:ruleLst>
-                <dgm:rule type="primFontSz" val="11" fact="NaN" max="NaN"/>
-              </dgm:ruleLst>
-            </dgm:layoutNode>
-            <dgm:layoutNode name="ConnectLine" styleLbl="sibTrans1D1">
-              <dgm:alg type="sp"/>
-              <dgm:shape xmlns:r="http://schemas.openxmlformats.org/officeDocument/2006/relationships" type="line" r:blip="">
-                <dgm:adjLst/>
-                <dgm:extLst>
-                  <a:ext uri="{B698B0E9-8C71-41B9-8309-B3DCBF30829C}">
-                    <dgm1612:spPr xmlns:dgm1612="http://schemas.microsoft.com/office/drawing/2016/12/diagram">
-                      <a:ln>
-                        <a:prstDash val="dash"/>
-                      </a:ln>
-                    </dgm1612:spPr>
-                  </a:ext>
-                </dgm:extLst>
-              </dgm:shape>
-              <dgm:presOf/>
-              <dgm:constrLst/>
-            </dgm:layoutNode>
-            <dgm:layoutNode name="ConnectLineEnd" styleLbl="lnNode1">
-              <dgm:alg type="sp"/>
-              <dgm:shape xmlns:r="http://schemas.openxmlformats.org/officeDocument/2006/relationships" type="ellipse" r:blip="">
-                <dgm:adjLst/>
-              </dgm:shape>
-              <dgm:presOf/>
-              <dgm:constrLst/>
-            </dgm:layoutNode>
-            <dgm:layoutNode name="EmptyPane">
-              <dgm:alg type="sp"/>
-              <dgm:shape xmlns:r="http://schemas.openxmlformats.org/officeDocument/2006/relationships" r:blip="">
-                <dgm:adjLst/>
-              </dgm:shape>
-              <dgm:presOf/>
-              <dgm:constrLst/>
-            </dgm:layoutNode>
-          </dgm:layoutNode>
-          <dgm:forEach name="Name28" axis="followSib" ptType="sibTrans" cnt="1">
-            <dgm:layoutNode name="spaceBetweenRectangles">
-              <dgm:alg type="sp"/>
-              <dgm:shape xmlns:r="http://schemas.openxmlformats.org/officeDocument/2006/relationships" r:blip="">
-                <dgm:adjLst/>
-              </dgm:shape>
-              <dgm:presOf/>
-              <dgm:constrLst/>
-              <dgm:ruleLst/>
-            </dgm:layoutNode>
-          </dgm:forEach>
-        </dgm:forEach>
-      </dgm:if>
-      <dgm:else name="moreThanTwoNodes">
-        <dgm:forEach name="nodesForEach1" axis="ch" ptType="node">
-          <dgm:layoutNode name="composite1">
-            <dgm:alg type="composite"/>
-            <dgm:shape xmlns:r="http://schemas.openxmlformats.org/officeDocument/2006/relationships" r:blip="">
-              <dgm:adjLst/>
-            </dgm:shape>
-            <dgm:choose name="casesForSnakingLogic21">
-              <dgm:if name="oddNode21" axis="self" ptType="node" func="posOdd" op="equ" val="1">
-                <dgm:constrLst>
-                  <dgm:constr type="w" for="ch" forName="parent1" refType="w" fact="0.6"/>
-                  <dgm:constr type="l" for="ch" forName="parent1" refType="w" fact="0.2"/>
-                  <dgm:constr type="t" for="ch" forName="parent1" refType="h" fact="0.45"/>
-                  <dgm:constr type="h" for="ch" forName="parent1" refType="h" fact="0.1"/>
-                  <dgm:constr type="w" for="ch" forName="Childtext1" refType="w"/>
-                  <dgm:constr type="h" for="ch" forName="Childtext1" refType="h" fact="0.35"/>
-                  <dgm:constr type="w" for="ch" forName="ConnectLine1"/>
-                  <dgm:constr type="h" for="ch" forName="ConnectLine1" refType="h" fact="0.08"/>
-                  <dgm:constr type="t" for="ch" forName="ConnectLine1" refType="h" fact="0.37"/>
-                  <dgm:constr type="ctrX" for="ch" forName="ConnectLine1" refType="w" fact="0.5"/>
-                  <dgm:constr type="w" for="ch" forName="ConnectLineEnd1" refType="h" fact="0.02"/>
-                  <dgm:constr type="h" for="ch" forName="ConnectLineEnd1" refType="h" fact="0.02"/>
-                  <dgm:constr type="t" for="ch" forName="ConnectLineEnd1" refType="h" fact="0.35"/>
-                  <dgm:constr type="ctrX" for="ch" forName="ConnectLineEnd1" refType="w" fact="0.5"/>
-                  <dgm:constr type="w" for="ch" forName="EmptyPane1" refType="w"/>
-                  <dgm:constr type="t" for="ch" forName="EmptyPane1" refType="h" fact="0.55"/>
-                  <dgm:constr type="h" for="ch" forName="EmptyPane1" refType="h" fact="0.45"/>
-                </dgm:constrLst>
-              </dgm:if>
-              <dgm:else name="evenNode2">
-                <dgm:constrLst>
-                  <dgm:constr type="w" for="ch" forName="parent1" refType="w" fact="0.6"/>
-                  <dgm:constr type="l" for="ch" forName="parent1" refType="w" fact="0.2"/>
-                  <dgm:constr type="t" for="ch" forName="parent1" refType="h" fact="0.45"/>
-                  <dgm:constr type="h" for="ch" forName="parent1" refType="h" fact="0.1"/>
-                  <dgm:constr type="w" for="ch" forName="Childtext1" refType="w"/>
-                  <dgm:constr type="h" for="ch" forName="Childtext1" refType="h" fact="0.35"/>
-                  <dgm:constr type="t" for="ch" forName="Childtext1" refType="h" fact="0.65"/>
-                  <dgm:constr type="w" for="ch" forName="ConnectLine1"/>
-                  <dgm:constr type="h" for="ch" forName="ConnectLine1" refType="h" fact="0.08"/>
-                  <dgm:constr type="t" for="ch" forName="ConnectLine1" refType="h" fact="0.55"/>
-                  <dgm:constr type="ctrX" for="ch" forName="ConnectLine1" refType="w" fact="0.5"/>
-                  <dgm:constr type="w" for="ch" forName="ConnectLineEnd1" refType="h" fact="0.02"/>
-                  <dgm:constr type="h" for="ch" forName="ConnectLineEnd1" refType="h" fact="0.02"/>
-                  <dgm:constr type="b" for="ch" forName="ConnectLineEnd1" refType="h" fact="0.65"/>
-                  <dgm:constr type="ctrX" for="ch" forName="ConnectLineEnd1" refType="w" fact="0.5"/>
-                  <dgm:constr type="w" for="ch" forName="EmptyPane1" refType="w"/>
-                  <dgm:constr type="h" for="ch" forName="EmptyPane1" refType="h" fact="0.45"/>
-                </dgm:constrLst>
-              </dgm:else>
-            </dgm:choose>
-            <dgm:layoutNode name="parent1" styleLbl="alignNode1">
-              <dgm:varLst>
-                <dgm:chMax val="1"/>
-                <dgm:chPref val="1"/>
-                <dgm:bulletEnabled val="1"/>
-              </dgm:varLst>
-              <dgm:alg type="tx">
-                <dgm:param type="txAnchorHorz" val="ctr"/>
-                <dgm:param type="txAnchorVert" val="mid"/>
-                <dgm:param type="parTxLTRAlign" val="ctr"/>
-                <dgm:param type="parTxRTLAlign" val="ctr"/>
-              </dgm:alg>
-              <dgm:choose name="casesForFirstAndLastNode12">
-                <dgm:if name="startNode12" axis="self" ptType="node" func="pos" op="equ" val="1">
-                  <dgm:choose name="removeLineWhenOnlyOneNode12">
-                    <dgm:if name="ifOnlyOneNode12" axis="followSib" ptType="node" func="cnt" op="equ" val="0">
-                      <dgm:shape xmlns:r="http://schemas.openxmlformats.org/officeDocument/2006/relationships" type="roundRect" r:blip="">
-                        <dgm:adjLst/>
-                      </dgm:shape>
-                    </dgm:if>
-                    <dgm:else name="ifMoreThanOneNode12">
-                      <dgm:choose name="Name181">
-                        <dgm:if name="Name191" func="var" arg="dir" op="equ" val="norm">
-                          <dgm:shape xmlns:r="http://schemas.openxmlformats.org/officeDocument/2006/relationships" rot="-90" type="round2SameRect" r:blip="">
-                            <dgm:adjLst/>
-                          </dgm:shape>
-                        </dgm:if>
-                        <dgm:else name="Name201">
-                          <dgm:shape xmlns:r="http://schemas.openxmlformats.org/officeDocument/2006/relationships" rot="90" type="round2SameRect" r:blip="">
-                            <dgm:adjLst/>
-                          </dgm:shape>
-                        </dgm:else>
-                      </dgm:choose>
-                    </dgm:else>
-                  </dgm:choose>
-                </dgm:if>
-                <dgm:else name="notStartNode12">
-                  <dgm:choose name="Name221">
-                    <dgm:if name="Name231" axis="self" ptType="node" func="revPos" op="equ" val="1">
-                      <dgm:choose name="Name241">
-                        <dgm:if name="Name251" func="var" arg="dir" op="equ" val="norm">
-                          <dgm:shape xmlns:r="http://schemas.openxmlformats.org/officeDocument/2006/relationships" rot="90" type="round2SameRect" r:blip="">
-                            <dgm:adjLst/>
-                          </dgm:shape>
-                        </dgm:if>
-                        <dgm:else name="Name261">
-                          <dgm:shape xmlns:r="http://schemas.openxmlformats.org/officeDocument/2006/relationships" rot="-90" type="round2SameRect" r:blip="">
-                            <dgm:adjLst/>
-                          </dgm:shape>
-                        </dgm:else>
-                      </dgm:choose>
-                    </dgm:if>
-                    <dgm:else name="Name271">
-                      <dgm:shape xmlns:r="http://schemas.openxmlformats.org/officeDocument/2006/relationships" type="rect" r:blip="">
-                        <dgm:adjLst/>
-                      </dgm:shape>
-                    </dgm:else>
-                  </dgm:choose>
-                </dgm:else>
-              </dgm:choose>
-              <dgm:presOf axis="self" ptType="node"/>
-              <dgm:constrLst>
-                <dgm:constr type="lMarg" refType="primFontSz" fact="0.6"/>
-                <dgm:constr type="rMarg" refType="primFontSz" fact="0.6"/>
-                <dgm:constr type="tMarg" refType="primFontSz" fact="0.6"/>
-                <dgm:constr type="bMarg" refType="primFontSz" fact="0.6"/>
-              </dgm:constrLst>
-              <dgm:ruleLst>
-                <dgm:rule type="primFontSz" val="11" fact="NaN" max="NaN"/>
-              </dgm:ruleLst>
-            </dgm:layoutNode>
-            <dgm:layoutNode name="Childtext1" styleLbl="revTx">
-              <dgm:varLst>
-                <dgm:bulletEnabled val="1"/>
-              </dgm:varLst>
-              <dgm:choose name="casesForTxtDirLogic1">
-                <dgm:if name="Name771" axis="self" ptType="node" func="posOdd" op="equ" val="1">
-                  <dgm:alg type="tx">
-                    <dgm:param type="txAnchorVert" val="b"/>
-                    <dgm:param type="txAnchorHorz" val="ctr"/>
-                    <dgm:param type="parTxLTRAlign" val="ctr"/>
-                    <dgm:param type="parTxRTLAlign" val="ctr"/>
-                  </dgm:alg>
-                  <dgm:constrLst>
-                    <dgm:constr type="lMarg"/>
-                    <dgm:constr type="rMarg"/>
-                    <dgm:constr type="tMarg"/>
-                    <dgm:constr type="bMarg" refType="primFontSz" fact="0.6"/>
-                  </dgm:constrLst>
-                </dgm:if>
-                <dgm:else name="Name881">
-                  <dgm:alg type="tx">
-                    <dgm:param type="txAnchorVert" val="t"/>
-                    <dgm:param type="txAnchorHorz" val="ctr"/>
-                    <dgm:param type="parTxLTRAlign" val="ctr"/>
-                    <dgm:param type="parTxRTLAlign" val="ctr"/>
-                  </dgm:alg>
-                  <dgm:constrLst>
-                    <dgm:constr type="lMarg"/>
-                    <dgm:constr type="rMarg"/>
-                    <dgm:constr type="tMarg" refType="primFontSz" fact="0.6"/>
-                    <dgm:constr type="bMarg"/>
-                  </dgm:constrLst>
-                </dgm:else>
-              </dgm:choose>
-              <dgm:shape xmlns:r="http://schemas.openxmlformats.org/officeDocument/2006/relationships" type="rect" r:blip="">
-                <dgm:adjLst/>
-              </dgm:shape>
-              <dgm:presOf axis="ch" ptType="node"/>
-              <dgm:ruleLst>
-                <dgm:rule type="primFontSz" val="11" fact="NaN" max="NaN"/>
-              </dgm:ruleLst>
-            </dgm:layoutNode>
-            <dgm:layoutNode name="ConnectLine1" styleLbl="sibTrans1D1">
-              <dgm:alg type="sp"/>
-              <dgm:shape xmlns:r="http://schemas.openxmlformats.org/officeDocument/2006/relationships" type="line" r:blip="">
-                <dgm:adjLst/>
-                <dgm:extLst>
-                  <a:ext uri="{B698B0E9-8C71-41B9-8309-B3DCBF30829C}">
-                    <dgm1612:spPr xmlns:dgm1612="http://schemas.microsoft.com/office/drawing/2016/12/diagram">
-                      <a:ln>
-                        <a:prstDash val="dash"/>
-                      </a:ln>
-                    </dgm1612:spPr>
-                  </a:ext>
-                </dgm:extLst>
-              </dgm:shape>
-              <dgm:presOf/>
-              <dgm:constrLst/>
-            </dgm:layoutNode>
-            <dgm:layoutNode name="ConnectLineEnd1" styleLbl="lnNode1">
-              <dgm:alg type="sp"/>
-              <dgm:shape xmlns:r="http://schemas.openxmlformats.org/officeDocument/2006/relationships" type="ellipse" r:blip="">
-                <dgm:adjLst/>
-              </dgm:shape>
-              <dgm:presOf/>
-              <dgm:constrLst/>
-            </dgm:layoutNode>
-            <dgm:layoutNode name="EmptyPane1">
-              <dgm:alg type="sp"/>
-              <dgm:shape xmlns:r="http://schemas.openxmlformats.org/officeDocument/2006/relationships" r:blip="">
-                <dgm:adjLst/>
-              </dgm:shape>
-              <dgm:presOf/>
-              <dgm:constrLst/>
-            </dgm:layoutNode>
-          </dgm:layoutNode>
-          <dgm:forEach name="Name281" axis="followSib" ptType="sibTrans" cnt="1">
-            <dgm:layoutNode name="spaceBetweenRectangles1">
-              <dgm:alg type="sp"/>
-              <dgm:shape xmlns:r="http://schemas.openxmlformats.org/officeDocument/2006/relationships" r:blip="">
-                <dgm:adjLst/>
-              </dgm:shape>
-              <dgm:presOf/>
-              <dgm:constrLst/>
-              <dgm:ruleLst/>
-            </dgm:layoutNode>
-          </dgm:forEach>
-        </dgm:forEach>
-      </dgm:else>
-    </dgm:choose>
-  </dgm:layoutNode>
-</dgm:layoutDef>
-</file>
-
-<file path=ppt/diagrams/quickStyle1.xml><?xml version="1.0" encoding="utf-8"?>
-<dgm:styleDef xmlns:dgm="http://schemas.openxmlformats.org/drawingml/2006/diagram" xmlns:a="http://schemas.openxmlformats.org/drawingml/2006/main" uniqueId="urn:microsoft.com/office/officeart/2005/8/quickstyle/simple1">
-  <dgm:title val=""/>
-  <dgm:desc val=""/>
-  <dgm:catLst>
-    <dgm:cat type="simple" pri="10100"/>
-  </dgm:catLst>
-  <dgm:scene3d>
-    <a:camera prst="orthographicFront"/>
-    <a:lightRig rig="threePt" dir="t"/>
-  </dgm:scene3d>
-  <dgm:styleLbl name="node0">
-    <dgm:scene3d>
-      <a:camera prst="orthographicFront"/>
-      <a:lightRig rig="threePt" dir="t"/>
-    </dgm:scene3d>
-    <dgm:sp3d/>
-    <dgm:txPr/>
-    <dgm:style>
-      <a:lnRef idx="2">
-        <a:scrgbClr r="0" g="0" b="0"/>
-      </a:lnRef>
-      <a:fillRef idx="1">
-        <a:scrgbClr r="0" g="0" b="0"/>
-      </a:fillRef>
-      <a:effectRef idx="0">
-        <a:scrgbClr r="0" g="0" b="0"/>
-      </a:effectRef>
-      <a:fontRef idx="minor">
-        <a:schemeClr val="lt1"/>
-      </a:fontRef>
-    </dgm:style>
-  </dgm:styleLbl>
-  <dgm:styleLbl name="lnNode1">
-    <dgm:scene3d>
-      <a:camera prst="orthographicFront"/>
-      <a:lightRig rig="threePt" dir="t"/>
-    </dgm:scene3d>
-    <dgm:sp3d/>
-    <dgm:txPr/>
-    <dgm:style>
-      <a:lnRef idx="2">
-        <a:scrgbClr r="0" g="0" b="0"/>
-      </a:lnRef>
-      <a:fillRef idx="1">
-        <a:scrgbClr r="0" g="0" b="0"/>
-      </a:fillRef>
-      <a:effectRef idx="0">
-        <a:scrgbClr r="0" g="0" b="0"/>
-      </a:effectRef>
-      <a:fontRef idx="minor">
-        <a:schemeClr val="lt1"/>
-      </a:fontRef>
-    </dgm:style>
-  </dgm:styleLbl>
-  <dgm:styleLbl name="vennNode1">
-    <dgm:scene3d>
-      <a:camera prst="orthographicFront"/>
-      <a:lightRig rig="threePt" dir="t"/>
-    </dgm:scene3d>
-    <dgm:sp3d/>
-    <dgm:txPr/>
-    <dgm:style>
-      <a:lnRef idx="2">
-        <a:scrgbClr r="0" g="0" b="0"/>
-      </a:lnRef>
-      <a:fillRef idx="1">
-        <a:scrgbClr r="0" g="0" b="0"/>
-      </a:fillRef>
-      <a:effectRef idx="0">
-        <a:scrgbClr r="0" g="0" b="0"/>
-      </a:effectRef>
-      <a:fontRef idx="minor">
-        <a:schemeClr val="tx1"/>
-      </a:fontRef>
-    </dgm:style>
-  </dgm:styleLbl>
-  <dgm:styleLbl name="alignNode1">
-    <dgm:scene3d>
-      <a:camera prst="orthographicFront"/>
-      <a:lightRig rig="threePt" dir="t"/>
-    </dgm:scene3d>
-    <dgm:sp3d/>
-    <dgm:txPr/>
-    <dgm:style>
-      <a:lnRef idx="2">
-        <a:scrgbClr r="0" g="0" b="0"/>
-      </a:lnRef>
-      <a:fillRef idx="1">
-        <a:scrgbClr r="0" g="0" b="0"/>
-      </a:fillRef>
-      <a:effectRef idx="0">
-        <a:scrgbClr r="0" g="0" b="0"/>
-      </a:effectRef>
-      <a:fontRef idx="minor">
-        <a:schemeClr val="lt1"/>
-      </a:fontRef>
-    </dgm:style>
-  </dgm:styleLbl>
-  <dgm:styleLbl name="node1">
-    <dgm:scene3d>
-      <a:camera prst="orthographicFront"/>
-      <a:lightRig rig="threePt" dir="t"/>
-    </dgm:scene3d>
-    <dgm:sp3d/>
-    <dgm:txPr/>
-    <dgm:style>
-      <a:lnRef idx="2">
-        <a:scrgbClr r="0" g="0" b="0"/>
-      </a:lnRef>
-      <a:fillRef idx="1">
-        <a:scrgbClr r="0" g="0" b="0"/>
-      </a:fillRef>
-      <a:effectRef idx="0">
-        <a:scrgbClr r="0" g="0" b="0"/>
-      </a:effectRef>
-      <a:fontRef idx="minor">
-        <a:schemeClr val="lt1"/>
-      </a:fontRef>
-    </dgm:style>
-  </dgm:styleLbl>
-  <dgm:styleLbl name="node2">
-    <dgm:scene3d>
-      <a:camera prst="orthographicFront"/>
-      <a:lightRig rig="threePt" dir="t"/>
-    </dgm:scene3d>
-    <dgm:sp3d/>
-    <dgm:txPr/>
-    <dgm:style>
-      <a:lnRef idx="2">
-        <a:scrgbClr r="0" g="0" b="0"/>
-      </a:lnRef>
-      <a:fillRef idx="1">
-        <a:scrgbClr r="0" g="0" b="0"/>
-      </a:fillRef>
-      <a:effectRef idx="0">
-        <a:scrgbClr r="0" g="0" b="0"/>
-      </a:effectRef>
-      <a:fontRef idx="minor">
-        <a:schemeClr val="lt1"/>
-      </a:fontRef>
-    </dgm:style>
-  </dgm:styleLbl>
-  <dgm:styleLbl name="node3">
-    <dgm:scene3d>
-      <a:camera prst="orthographicFront"/>
-      <a:lightRig rig="threePt" dir="t"/>
-    </dgm:scene3d>
-    <dgm:sp3d/>
-    <dgm:txPr/>
-    <dgm:style>
-      <a:lnRef idx="2">
-        <a:scrgbClr r="0" g="0" b="0"/>
-      </a:lnRef>
-      <a:fillRef idx="1">
-        <a:scrgbClr r="0" g="0" b="0"/>
-      </a:fillRef>
-      <a:effectRef idx="0">
-        <a:scrgbClr r="0" g="0" b="0"/>
-      </a:effectRef>
-      <a:fontRef idx="minor">
-        <a:schemeClr val="lt1"/>
-      </a:fontRef>
-    </dgm:style>
-  </dgm:styleLbl>
-  <dgm:styleLbl name="node4">
-    <dgm:scene3d>
-      <a:camera prst="orthographicFront"/>
-      <a:lightRig rig="threePt" dir="t"/>
-    </dgm:scene3d>
-    <dgm:sp3d/>
-    <dgm:txPr/>
-    <dgm:style>
-      <a:lnRef idx="2">
-        <a:scrgbClr r="0" g="0" b="0"/>
-      </a:lnRef>
-      <a:fillRef idx="1">
-        <a:scrgbClr r="0" g="0" b="0"/>
-      </a:fillRef>
-      <a:effectRef idx="0">
-        <a:scrgbClr r="0" g="0" b="0"/>
-      </a:effectRef>
-      <a:fontRef idx="minor">
-        <a:schemeClr val="lt1"/>
-      </a:fontRef>
-    </dgm:style>
-  </dgm:styleLbl>
-  <dgm:styleLbl name="fgImgPlace1">
-    <dgm:scene3d>
-      <a:camera prst="orthographicFront"/>
-      <a:lightRig rig="threePt" dir="t"/>
-    </dgm:scene3d>
-    <dgm:sp3d/>
-    <dgm:txPr/>
-    <dgm:style>
-      <a:lnRef idx="2">
-        <a:scrgbClr r="0" g="0" b="0"/>
-      </a:lnRef>
-      <a:fillRef idx="1">
-        <a:scrgbClr r="0" g="0" b="0"/>
-      </a:fillRef>
-      <a:effectRef idx="0">
-        <a:scrgbClr r="0" g="0" b="0"/>
-      </a:effectRef>
-      <a:fontRef idx="minor"/>
-    </dgm:style>
-  </dgm:styleLbl>
-  <dgm:styleLbl name="alignImgPlace1">
-    <dgm:scene3d>
-      <a:camera prst="orthographicFront"/>
-      <a:lightRig rig="threePt" dir="t"/>
-    </dgm:scene3d>
-    <dgm:sp3d/>
-    <dgm:txPr/>
-    <dgm:style>
-      <a:lnRef idx="2">
-        <a:scrgbClr r="0" g="0" b="0"/>
-      </a:lnRef>
-      <a:fillRef idx="1">
-        <a:scrgbClr r="0" g="0" b="0"/>
-      </a:fillRef>
-      <a:effectRef idx="0">
-        <a:scrgbClr r="0" g="0" b="0"/>
-      </a:effectRef>
-      <a:fontRef idx="minor"/>
-    </dgm:style>
-  </dgm:styleLbl>
-  <dgm:styleLbl name="bgImgPlace1">
-    <dgm:scene3d>
-      <a:camera prst="orthographicFront"/>
-      <a:lightRig rig="threePt" dir="t"/>
-    </dgm:scene3d>
-    <dgm:sp3d/>
-    <dgm:txPr/>
-    <dgm:style>
-      <a:lnRef idx="2">
-        <a:scrgbClr r="0" g="0" b="0"/>
-      </a:lnRef>
-      <a:fillRef idx="1">
-        <a:scrgbClr r="0" g="0" b="0"/>
-      </a:fillRef>
-      <a:effectRef idx="0">
-        <a:scrgbClr r="0" g="0" b="0"/>
-      </a:effectRef>
-      <a:fontRef idx="minor"/>
-    </dgm:style>
-  </dgm:styleLbl>
-  <dgm:styleLbl name="sibTrans2D1">
-    <dgm:scene3d>
-      <a:camera prst="orthographicFront"/>
-      <a:lightRig rig="threePt" dir="t"/>
-    </dgm:scene3d>
-    <dgm:sp3d/>
-    <dgm:txPr/>
-    <dgm:style>
-      <a:lnRef idx="0">
-        <a:scrgbClr r="0" g="0" b="0"/>
-      </a:lnRef>
-      <a:fillRef idx="1">
-        <a:scrgbClr r="0" g="0" b="0"/>
-      </a:fillRef>
-      <a:effectRef idx="0">
-        <a:scrgbClr r="0" g="0" b="0"/>
-      </a:effectRef>
-      <a:fontRef idx="minor">
-        <a:schemeClr val="lt1"/>
-      </a:fontRef>
-    </dgm:style>
-  </dgm:styleLbl>
-  <dgm:styleLbl name="fgSibTrans2D1">
-    <dgm:scene3d>
-      <a:camera prst="orthographicFront"/>
-      <a:lightRig rig="threePt" dir="t"/>
-    </dgm:scene3d>
-    <dgm:sp3d/>
-    <dgm:txPr/>
-    <dgm:style>
-      <a:lnRef idx="0">
-        <a:scrgbClr r="0" g="0" b="0"/>
-      </a:lnRef>
-      <a:fillRef idx="1">
-        <a:scrgbClr r="0" g="0" b="0"/>
-      </a:fillRef>
-      <a:effectRef idx="0">
-        <a:scrgbClr r="0" g="0" b="0"/>
-      </a:effectRef>
-      <a:fontRef idx="minor">
-        <a:schemeClr val="lt1"/>
-      </a:fontRef>
-    </dgm:style>
-  </dgm:styleLbl>
-  <dgm:styleLbl name="bgSibTrans2D1">
-    <dgm:scene3d>
-      <a:camera prst="orthographicFront"/>
-      <a:lightRig rig="threePt" dir="t"/>
-    </dgm:scene3d>
-    <dgm:sp3d/>
-    <dgm:txPr/>
-    <dgm:style>
-      <a:lnRef idx="0">
-        <a:scrgbClr r="0" g="0" b="0"/>
-      </a:lnRef>
-      <a:fillRef idx="1">
-        <a:scrgbClr r="0" g="0" b="0"/>
-      </a:fillRef>
-      <a:effectRef idx="0">
-        <a:scrgbClr r="0" g="0" b="0"/>
-      </a:effectRef>
-      <a:fontRef idx="minor">
-        <a:schemeClr val="lt1"/>
-      </a:fontRef>
-    </dgm:style>
-  </dgm:styleLbl>
-  <dgm:styleLbl name="sibTrans1D1">
-    <dgm:scene3d>
-      <a:camera prst="orthographicFront"/>
-      <a:lightRig rig="threePt" dir="t"/>
-    </dgm:scene3d>
-    <dgm:sp3d/>
-    <dgm:txPr/>
-    <dgm:style>
-      <a:lnRef idx="1">
-        <a:scrgbClr r="0" g="0" b="0"/>
-      </a:lnRef>
-      <a:fillRef idx="0">
-        <a:scrgbClr r="0" g="0" b="0"/>
-      </a:fillRef>
-      <a:effectRef idx="0">
-        <a:scrgbClr r="0" g="0" b="0"/>
-      </a:effectRef>
-      <a:fontRef idx="minor"/>
-    </dgm:style>
-  </dgm:styleLbl>
-  <dgm:styleLbl name="callout">
-    <dgm:scene3d>
-      <a:camera prst="orthographicFront"/>
-      <a:lightRig rig="threePt" dir="t"/>
-    </dgm:scene3d>
-    <dgm:sp3d/>
-    <dgm:txPr/>
-    <dgm:style>
-      <a:lnRef idx="2">
-        <a:scrgbClr r="0" g="0" b="0"/>
-      </a:lnRef>
-      <a:fillRef idx="1">
-        <a:scrgbClr r="0" g="0" b="0"/>
-      </a:fillRef>
-      <a:effectRef idx="0">
-        <a:scrgbClr r="0" g="0" b="0"/>
-      </a:effectRef>
-      <a:fontRef idx="minor"/>
-    </dgm:style>
-  </dgm:styleLbl>
-  <dgm:styleLbl name="asst0">
-    <dgm:scene3d>
-      <a:camera prst="orthographicFront"/>
-      <a:lightRig rig="threePt" dir="t"/>
-    </dgm:scene3d>
-    <dgm:sp3d/>
-    <dgm:txPr/>
-    <dgm:style>
-      <a:lnRef idx="2">
-        <a:scrgbClr r="0" g="0" b="0"/>
-      </a:lnRef>
-      <a:fillRef idx="1">
-        <a:scrgbClr r="0" g="0" b="0"/>
-      </a:fillRef>
-      <a:effectRef idx="0">
-        <a:scrgbClr r="0" g="0" b="0"/>
-      </a:effectRef>
-      <a:fontRef idx="minor">
-        <a:schemeClr val="lt1"/>
-      </a:fontRef>
-    </dgm:style>
-  </dgm:styleLbl>
-  <dgm:styleLbl name="asst1">
-    <dgm:scene3d>
-      <a:camera prst="orthographicFront"/>
-      <a:lightRig rig="threePt" dir="t"/>
-    </dgm:scene3d>
-    <dgm:sp3d/>
-    <dgm:txPr/>
-    <dgm:style>
-      <a:lnRef idx="2">
-        <a:scrgbClr r="0" g="0" b="0"/>
-      </a:lnRef>
-      <a:fillRef idx="1">
-        <a:scrgbClr r="0" g="0" b="0"/>
-      </a:fillRef>
-      <a:effectRef idx="0">
-        <a:scrgbClr r="0" g="0" b="0"/>
-      </a:effectRef>
-      <a:fontRef idx="minor">
-        <a:schemeClr val="lt1"/>
-      </a:fontRef>
-    </dgm:style>
-  </dgm:styleLbl>
-  <dgm:styleLbl name="asst2">
-    <dgm:scene3d>
-      <a:camera prst="orthographicFront"/>
-      <a:lightRig rig="threePt" dir="t"/>
-    </dgm:scene3d>
-    <dgm:sp3d/>
-    <dgm:txPr/>
-    <dgm:style>
-      <a:lnRef idx="2">
-        <a:scrgbClr r="0" g="0" b="0"/>
-      </a:lnRef>
-      <a:fillRef idx="1">
-        <a:scrgbClr r="0" g="0" b="0"/>
-      </a:fillRef>
-      <a:effectRef idx="0">
-        <a:scrgbClr r="0" g="0" b="0"/>
-      </a:effectRef>
-      <a:fontRef idx="minor">
-        <a:schemeClr val="lt1"/>
-      </a:fontRef>
-    </dgm:style>
-  </dgm:styleLbl>
-  <dgm:styleLbl name="asst3">
-    <dgm:scene3d>
-      <a:camera prst="orthographicFront"/>
-      <a:lightRig rig="threePt" dir="t"/>
-    </dgm:scene3d>
-    <dgm:sp3d/>
-    <dgm:txPr/>
-    <dgm:style>
-      <a:lnRef idx="2">
-        <a:scrgbClr r="0" g="0" b="0"/>
-      </a:lnRef>
-      <a:fillRef idx="1">
-        <a:scrgbClr r="0" g="0" b="0"/>
-      </a:fillRef>
-      <a:effectRef idx="0">
-        <a:scrgbClr r="0" g="0" b="0"/>
-      </a:effectRef>
-      <a:fontRef idx="minor">
-        <a:schemeClr val="lt1"/>
-      </a:fontRef>
-    </dgm:style>
-  </dgm:styleLbl>
-  <dgm:styleLbl name="asst4">
-    <dgm:scene3d>
-      <a:camera prst="orthographicFront"/>
-      <a:lightRig rig="threePt" dir="t"/>
-    </dgm:scene3d>
-    <dgm:sp3d/>
-    <dgm:txPr/>
-    <dgm:style>
-      <a:lnRef idx="2">
-        <a:scrgbClr r="0" g="0" b="0"/>
-      </a:lnRef>
-      <a:fillRef idx="1">
-        <a:scrgbClr r="0" g="0" b="0"/>
-      </a:fillRef>
-      <a:effectRef idx="0">
-        <a:scrgbClr r="0" g="0" b="0"/>
-      </a:effectRef>
-      <a:fontRef idx="minor">
-        <a:schemeClr val="lt1"/>
-      </a:fontRef>
-    </dgm:style>
-  </dgm:styleLbl>
-  <dgm:styleLbl name="parChTrans2D1">
-    <dgm:scene3d>
-      <a:camera prst="orthographicFront"/>
-      <a:lightRig rig="threePt" dir="t"/>
-    </dgm:scene3d>
-    <dgm:sp3d/>
-    <dgm:txPr/>
-    <dgm:style>
-      <a:lnRef idx="2">
-        <a:scrgbClr r="0" g="0" b="0"/>
-      </a:lnRef>
-      <a:fillRef idx="1">
-        <a:scrgbClr r="0" g="0" b="0"/>
-      </a:fillRef>
-      <a:effectRef idx="0">
-        <a:scrgbClr r="0" g="0" b="0"/>
-      </a:effectRef>
-      <a:fontRef idx="minor">
-        <a:schemeClr val="lt1"/>
-      </a:fontRef>
-    </dgm:style>
-  </dgm:styleLbl>
-  <dgm:styleLbl name="parChTrans2D2">
-    <dgm:scene3d>
-      <a:camera prst="orthographicFront"/>
-      <a:lightRig rig="threePt" dir="t"/>
-    </dgm:scene3d>
-    <dgm:sp3d/>
-    <dgm:txPr/>
-    <dgm:style>
-      <a:lnRef idx="2">
-        <a:scrgbClr r="0" g="0" b="0"/>
-      </a:lnRef>
-      <a:fillRef idx="1">
-        <a:scrgbClr r="0" g="0" b="0"/>
-      </a:fillRef>
-      <a:effectRef idx="0">
-        <a:scrgbClr r="0" g="0" b="0"/>
-      </a:effectRef>
-      <a:fontRef idx="minor">
-        <a:schemeClr val="lt1"/>
-      </a:fontRef>
-    </dgm:style>
-  </dgm:styleLbl>
-  <dgm:styleLbl name="parChTrans2D3">
-    <dgm:scene3d>
-      <a:camera prst="orthographicFront"/>
-      <a:lightRig rig="threePt" dir="t"/>
-    </dgm:scene3d>
-    <dgm:sp3d/>
-    <dgm:txPr/>
-    <dgm:style>
-      <a:lnRef idx="2">
-        <a:scrgbClr r="0" g="0" b="0"/>
-      </a:lnRef>
-      <a:fillRef idx="1">
-        <a:scrgbClr r="0" g="0" b="0"/>
-      </a:fillRef>
-      <a:effectRef idx="0">
-        <a:scrgbClr r="0" g="0" b="0"/>
-      </a:effectRef>
-      <a:fontRef idx="minor">
-        <a:schemeClr val="lt1"/>
-      </a:fontRef>
-    </dgm:style>
-  </dgm:styleLbl>
-  <dgm:styleLbl name="parChTrans2D4">
-    <dgm:scene3d>
-      <a:camera prst="orthographicFront"/>
-      <a:lightRig rig="threePt" dir="t"/>
-    </dgm:scene3d>
-    <dgm:sp3d/>
-    <dgm:txPr/>
-    <dgm:style>
-      <a:lnRef idx="2">
-        <a:scrgbClr r="0" g="0" b="0"/>
-      </a:lnRef>
-      <a:fillRef idx="1">
-        <a:scrgbClr r="0" g="0" b="0"/>
-      </a:fillRef>
-      <a:effectRef idx="0">
-        <a:scrgbClr r="0" g="0" b="0"/>
-      </a:effectRef>
-      <a:fontRef idx="minor">
-        <a:schemeClr val="lt1"/>
-      </a:fontRef>
-    </dgm:style>
-  </dgm:styleLbl>
-  <dgm:styleLbl name="parChTrans1D1">
-    <dgm:scene3d>
-      <a:camera prst="orthographicFront"/>
-      <a:lightRig rig="threePt" dir="t"/>
-    </dgm:scene3d>
-    <dgm:sp3d/>
-    <dgm:txPr/>
-    <dgm:style>
-      <a:lnRef idx="2">
-        <a:scrgbClr r="0" g="0" b="0"/>
-      </a:lnRef>
-      <a:fillRef idx="0">
-        <a:scrgbClr r="0" g="0" b="0"/>
-      </a:fillRef>
-      <a:effectRef idx="0">
-        <a:scrgbClr r="0" g="0" b="0"/>
-      </a:effectRef>
-      <a:fontRef idx="minor"/>
-    </dgm:style>
-  </dgm:styleLbl>
-  <dgm:styleLbl name="parChTrans1D2">
-    <dgm:scene3d>
-      <a:camera prst="orthographicFront"/>
-      <a:lightRig rig="threePt" dir="t"/>
-    </dgm:scene3d>
-    <dgm:sp3d/>
-    <dgm:txPr/>
-    <dgm:style>
-      <a:lnRef idx="2">
-        <a:scrgbClr r="0" g="0" b="0"/>
-      </a:lnRef>
-      <a:fillRef idx="0">
-        <a:scrgbClr r="0" g="0" b="0"/>
-      </a:fillRef>
-      <a:effectRef idx="0">
-        <a:scrgbClr r="0" g="0" b="0"/>
-      </a:effectRef>
-      <a:fontRef idx="minor"/>
-    </dgm:style>
-  </dgm:styleLbl>
-  <dgm:styleLbl name="parChTrans1D3">
-    <dgm:scene3d>
-      <a:camera prst="orthographicFront"/>
-      <a:lightRig rig="threePt" dir="t"/>
-    </dgm:scene3d>
-    <dgm:sp3d/>
-    <dgm:txPr/>
-    <dgm:style>
-      <a:lnRef idx="2">
-        <a:scrgbClr r="0" g="0" b="0"/>
-      </a:lnRef>
-      <a:fillRef idx="0">
-        <a:scrgbClr r="0" g="0" b="0"/>
-      </a:fillRef>
-      <a:effectRef idx="0">
-        <a:scrgbClr r="0" g="0" b="0"/>
-      </a:effectRef>
-      <a:fontRef idx="minor"/>
-    </dgm:style>
-  </dgm:styleLbl>
-  <dgm:styleLbl name="parChTrans1D4">
-    <dgm:scene3d>
-      <a:camera prst="orthographicFront"/>
-      <a:lightRig rig="threePt" dir="t"/>
-    </dgm:scene3d>
-    <dgm:sp3d/>
-    <dgm:txPr/>
-    <dgm:style>
-      <a:lnRef idx="2">
-        <a:scrgbClr r="0" g="0" b="0"/>
-      </a:lnRef>
-      <a:fillRef idx="0">
-        <a:scrgbClr r="0" g="0" b="0"/>
-      </a:fillRef>
-      <a:effectRef idx="0">
-        <a:scrgbClr r="0" g="0" b="0"/>
-      </a:effectRef>
-      <a:fontRef idx="minor"/>
-    </dgm:style>
-  </dgm:styleLbl>
-  <dgm:styleLbl name="fgAcc1">
-    <dgm:scene3d>
-      <a:camera prst="orthographicFront"/>
-      <a:lightRig rig="threePt" dir="t"/>
-    </dgm:scene3d>
-    <dgm:sp3d/>
-    <dgm:txPr/>
-    <dgm:style>
-      <a:lnRef idx="2">
-        <a:scrgbClr r="0" g="0" b="0"/>
-      </a:lnRef>
-      <a:fillRef idx="1">
-        <a:scrgbClr r="0" g="0" b="0"/>
-      </a:fillRef>
-      <a:effectRef idx="0">
-        <a:scrgbClr r="0" g="0" b="0"/>
-      </a:effectRef>
-      <a:fontRef idx="minor"/>
-    </dgm:style>
-  </dgm:styleLbl>
-  <dgm:styleLbl name="conFgAcc1">
-    <dgm:scene3d>
-      <a:camera prst="orthographicFront"/>
-      <a:lightRig rig="threePt" dir="t"/>
-    </dgm:scene3d>
-    <dgm:sp3d/>
-    <dgm:txPr/>
-    <dgm:style>
-      <a:lnRef idx="2">
-        <a:scrgbClr r="0" g="0" b="0"/>
-      </a:lnRef>
-      <a:fillRef idx="1">
-        <a:scrgbClr r="0" g="0" b="0"/>
-      </a:fillRef>
-      <a:effectRef idx="0">
-        <a:scrgbClr r="0" g="0" b="0"/>
-      </a:effectRef>
-      <a:fontRef idx="minor"/>
-    </dgm:style>
-  </dgm:styleLbl>
-  <dgm:styleLbl name="alignAcc1">
-    <dgm:scene3d>
-      <a:camera prst="orthographicFront"/>
-      <a:lightRig rig="threePt" dir="t"/>
-    </dgm:scene3d>
-    <dgm:sp3d/>
-    <dgm:txPr/>
-    <dgm:style>
-      <a:lnRef idx="2">
-        <a:scrgbClr r="0" g="0" b="0"/>
-      </a:lnRef>
-      <a:fillRef idx="1">
-        <a:scrgbClr r="0" g="0" b="0"/>
-      </a:fillRef>
-      <a:effectRef idx="0">
-        <a:scrgbClr r="0" g="0" b="0"/>
-      </a:effectRef>
-      <a:fontRef idx="minor"/>
-    </dgm:style>
-  </dgm:styleLbl>
-  <dgm:styleLbl name="trAlignAcc1">
-    <dgm:scene3d>
-      <a:camera prst="orthographicFront"/>
-      <a:lightRig rig="threePt" dir="t"/>
-    </dgm:scene3d>
-    <dgm:sp3d/>
-    <dgm:txPr/>
-    <dgm:style>
-      <a:lnRef idx="1">
-        <a:scrgbClr r="0" g="0" b="0"/>
-      </a:lnRef>
-      <a:fillRef idx="1">
-        <a:scrgbClr r="0" g="0" b="0"/>
-      </a:fillRef>
-      <a:effectRef idx="0">
-        <a:scrgbClr r="0" g="0" b="0"/>
-      </a:effectRef>
-      <a:fontRef idx="minor"/>
-    </dgm:style>
-  </dgm:styleLbl>
-  <dgm:styleLbl name="bgAcc1">
-    <dgm:scene3d>
-      <a:camera prst="orthographicFront"/>
-      <a:lightRig rig="threePt" dir="t"/>
-    </dgm:scene3d>
-    <dgm:sp3d/>
-    <dgm:txPr/>
-    <dgm:style>
-      <a:lnRef idx="2">
-        <a:scrgbClr r="0" g="0" b="0"/>
-      </a:lnRef>
-      <a:fillRef idx="1">
-        <a:scrgbClr r="0" g="0" b="0"/>
-      </a:fillRef>
-      <a:effectRef idx="0">
-        <a:scrgbClr r="0" g="0" b="0"/>
-      </a:effectRef>
-      <a:fontRef idx="minor"/>
-    </dgm:style>
-  </dgm:styleLbl>
-  <dgm:styleLbl name="solidFgAcc1">
-    <dgm:scene3d>
-      <a:camera prst="orthographicFront"/>
-      <a:lightRig rig="threePt" dir="t"/>
-    </dgm:scene3d>
-    <dgm:sp3d/>
-    <dgm:txPr/>
-    <dgm:style>
-      <a:lnRef idx="2">
-        <a:scrgbClr r="0" g="0" b="0"/>
-      </a:lnRef>
-      <a:fillRef idx="1">
-        <a:scrgbClr r="0" g="0" b="0"/>
-      </a:fillRef>
-      <a:effectRef idx="0">
-        <a:scrgbClr r="0" g="0" b="0"/>
-      </a:effectRef>
-      <a:fontRef idx="minor"/>
-    </dgm:style>
-  </dgm:styleLbl>
-  <dgm:styleLbl name="solidAlignAcc1">
-    <dgm:scene3d>
-      <a:camera prst="orthographicFront"/>
-      <a:lightRig rig="threePt" dir="t"/>
-    </dgm:scene3d>
-    <dgm:sp3d/>
-    <dgm:txPr/>
-    <dgm:style>
-      <a:lnRef idx="2">
-        <a:scrgbClr r="0" g="0" b="0"/>
-      </a:lnRef>
-      <a:fillRef idx="1">
-        <a:scrgbClr r="0" g="0" b="0"/>
-      </a:fillRef>
-      <a:effectRef idx="0">
-        <a:scrgbClr r="0" g="0" b="0"/>
-      </a:effectRef>
-      <a:fontRef idx="minor"/>
-    </dgm:style>
-  </dgm:styleLbl>
-  <dgm:styleLbl name="solidBgAcc1">
-    <dgm:scene3d>
-      <a:camera prst="orthographicFront"/>
-      <a:lightRig rig="threePt" dir="t"/>
-    </dgm:scene3d>
-    <dgm:sp3d/>
-    <dgm:txPr/>
-    <dgm:style>
-      <a:lnRef idx="2">
-        <a:scrgbClr r="0" g="0" b="0"/>
-      </a:lnRef>
-      <a:fillRef idx="1">
-        <a:scrgbClr r="0" g="0" b="0"/>
-      </a:fillRef>
-      <a:effectRef idx="0">
-        <a:scrgbClr r="0" g="0" b="0"/>
-      </a:effectRef>
-      <a:fontRef idx="minor"/>
-    </dgm:style>
-  </dgm:styleLbl>
-  <dgm:styleLbl name="fgAccFollowNode1">
-    <dgm:scene3d>
-      <a:camera prst="orthographicFront"/>
-      <a:lightRig rig="threePt" dir="t"/>
-    </dgm:scene3d>
-    <dgm:sp3d/>
-    <dgm:txPr/>
-    <dgm:style>
-      <a:lnRef idx="2">
-        <a:scrgbClr r="0" g="0" b="0"/>
-      </a:lnRef>
-      <a:fillRef idx="1">
-        <a:scrgbClr r="0" g="0" b="0"/>
-      </a:fillRef>
-      <a:effectRef idx="0">
-        <a:scrgbClr r="0" g="0" b="0"/>
-      </a:effectRef>
-      <a:fontRef idx="minor"/>
-    </dgm:style>
-  </dgm:styleLbl>
-  <dgm:styleLbl name="alignAccFollowNode1">
-    <dgm:scene3d>
-      <a:camera prst="orthographicFront"/>
-      <a:lightRig rig="threePt" dir="t"/>
-    </dgm:scene3d>
-    <dgm:sp3d/>
-    <dgm:txPr/>
-    <dgm:style>
-      <a:lnRef idx="2">
-        <a:scrgbClr r="0" g="0" b="0"/>
-      </a:lnRef>
-      <a:fillRef idx="1">
-        <a:scrgbClr r="0" g="0" b="0"/>
-      </a:fillRef>
-      <a:effectRef idx="0">
-        <a:scrgbClr r="0" g="0" b="0"/>
-      </a:effectRef>
-      <a:fontRef idx="minor"/>
-    </dgm:style>
-  </dgm:styleLbl>
-  <dgm:styleLbl name="bgAccFollowNode1">
-    <dgm:scene3d>
-      <a:camera prst="orthographicFront"/>
-      <a:lightRig rig="threePt" dir="t"/>
-    </dgm:scene3d>
-    <dgm:sp3d/>
-    <dgm:txPr/>
-    <dgm:style>
-      <a:lnRef idx="2">
-        <a:scrgbClr r="0" g="0" b="0"/>
-      </a:lnRef>
-      <a:fillRef idx="1">
-        <a:scrgbClr r="0" g="0" b="0"/>
-      </a:fillRef>
-      <a:effectRef idx="0">
-        <a:scrgbClr r="0" g="0" b="0"/>
-      </a:effectRef>
-      <a:fontRef idx="minor"/>
-    </dgm:style>
-  </dgm:styleLbl>
-  <dgm:styleLbl name="fgAcc0">
-    <dgm:scene3d>
-      <a:camera prst="orthographicFront"/>
-      <a:lightRig rig="threePt" dir="t"/>
-    </dgm:scene3d>
-    <dgm:sp3d/>
-    <dgm:txPr/>
-    <dgm:style>
-      <a:lnRef idx="2">
-        <a:scrgbClr r="0" g="0" b="0"/>
-      </a:lnRef>
-      <a:fillRef idx="1">
-        <a:scrgbClr r="0" g="0" b="0"/>
-      </a:fillRef>
-      <a:effectRef idx="0">
-        <a:scrgbClr r="0" g="0" b="0"/>
-      </a:effectRef>
-      <a:fontRef idx="minor"/>
-    </dgm:style>
-  </dgm:styleLbl>
-  <dgm:styleLbl name="fgAcc2">
-    <dgm:scene3d>
-      <a:camera prst="orthographicFront"/>
-      <a:lightRig rig="threePt" dir="t"/>
-    </dgm:scene3d>
-    <dgm:sp3d/>
-    <dgm:txPr/>
-    <dgm:style>
-      <a:lnRef idx="2">
-        <a:scrgbClr r="0" g="0" b="0"/>
-      </a:lnRef>
-      <a:fillRef idx="1">
-        <a:scrgbClr r="0" g="0" b="0"/>
-      </a:fillRef>
-      <a:effectRef idx="0">
-        <a:scrgbClr r="0" g="0" b="0"/>
-      </a:effectRef>
-      <a:fontRef idx="minor"/>
-    </dgm:style>
-  </dgm:styleLbl>
-  <dgm:styleLbl name="fgAcc3">
-    <dgm:scene3d>
-      <a:camera prst="orthographicFront"/>
-      <a:lightRig rig="threePt" dir="t"/>
-    </dgm:scene3d>
-    <dgm:sp3d/>
-    <dgm:txPr/>
-    <dgm:style>
-      <a:lnRef idx="2">
-        <a:scrgbClr r="0" g="0" b="0"/>
-      </a:lnRef>
-      <a:fillRef idx="1">
-        <a:scrgbClr r="0" g="0" b="0"/>
-      </a:fillRef>
-      <a:effectRef idx="0">
-        <a:scrgbClr r="0" g="0" b="0"/>
-      </a:effectRef>
-      <a:fontRef idx="minor"/>
-    </dgm:style>
-  </dgm:styleLbl>
-  <dgm:styleLbl name="fgAcc4">
-    <dgm:scene3d>
-      <a:camera prst="orthographicFront"/>
-      <a:lightRig rig="threePt" dir="t"/>
-    </dgm:scene3d>
-    <dgm:sp3d/>
-    <dgm:txPr/>
-    <dgm:style>
-      <a:lnRef idx="2">
-        <a:scrgbClr r="0" g="0" b="0"/>
-      </a:lnRef>
-      <a:fillRef idx="1">
-        <a:scrgbClr r="0" g="0" b="0"/>
-      </a:fillRef>
-      <a:effectRef idx="0">
-        <a:scrgbClr r="0" g="0" b="0"/>
-      </a:effectRef>
-      <a:fontRef idx="minor"/>
-    </dgm:style>
-  </dgm:styleLbl>
-  <dgm:styleLbl name="bgShp">
-    <dgm:scene3d>
-      <a:camera prst="orthographicFront"/>
-      <a:lightRig rig="threePt" dir="t"/>
-    </dgm:scene3d>
-    <dgm:sp3d/>
-    <dgm:txPr/>
-    <dgm:style>
-      <a:lnRef idx="0">
-        <a:scrgbClr r="0" g="0" b="0"/>
-      </a:lnRef>
-      <a:fillRef idx="1">
-        <a:scrgbClr r="0" g="0" b="0"/>
-      </a:fillRef>
-      <a:effectRef idx="0">
-        <a:scrgbClr r="0" g="0" b="0"/>
-      </a:effectRef>
-      <a:fontRef idx="minor"/>
-    </dgm:style>
-  </dgm:styleLbl>
-  <dgm:styleLbl name="dkBgShp">
-    <dgm:scene3d>
-      <a:camera prst="orthographicFront"/>
-      <a:lightRig rig="threePt" dir="t"/>
-    </dgm:scene3d>
-    <dgm:sp3d/>
-    <dgm:txPr/>
-    <dgm:style>
-      <a:lnRef idx="0">
-        <a:scrgbClr r="0" g="0" b="0"/>
-      </a:lnRef>
-      <a:fillRef idx="1">
-        <a:scrgbClr r="0" g="0" b="0"/>
-      </a:fillRef>
-      <a:effectRef idx="0">
-        <a:scrgbClr r="0" g="0" b="0"/>
-      </a:effectRef>
-      <a:fontRef idx="minor"/>
-    </dgm:style>
-  </dgm:styleLbl>
-  <dgm:styleLbl name="trBgShp">
-    <dgm:scene3d>
-      <a:camera prst="orthographicFront"/>
-      <a:lightRig rig="threePt" dir="t"/>
-    </dgm:scene3d>
-    <dgm:sp3d/>
-    <dgm:txPr/>
-    <dgm:style>
-      <a:lnRef idx="0">
-        <a:scrgbClr r="0" g="0" b="0"/>
-      </a:lnRef>
-      <a:fillRef idx="1">
-        <a:scrgbClr r="0" g="0" b="0"/>
-      </a:fillRef>
-      <a:effectRef idx="0">
-        <a:scrgbClr r="0" g="0" b="0"/>
-      </a:effectRef>
-      <a:fontRef idx="minor"/>
-    </dgm:style>
-  </dgm:styleLbl>
-  <dgm:styleLbl name="fgShp">
-    <dgm:scene3d>
-      <a:camera prst="orthographicFront"/>
-      <a:lightRig rig="threePt" dir="t"/>
-    </dgm:scene3d>
-    <dgm:sp3d/>
-    <dgm:txPr/>
-    <dgm:style>
-      <a:lnRef idx="2">
-        <a:scrgbClr r="0" g="0" b="0"/>
-      </a:lnRef>
-      <a:fillRef idx="1">
-        <a:scrgbClr r="0" g="0" b="0"/>
-      </a:fillRef>
-      <a:effectRef idx="0">
-        <a:scrgbClr r="0" g="0" b="0"/>
-      </a:effectRef>
-      <a:fontRef idx="minor"/>
-    </dgm:style>
-  </dgm:styleLbl>
-  <dgm:styleLbl name="revTx">
-    <dgm:scene3d>
-      <a:camera prst="orthographicFront"/>
-      <a:lightRig rig="threePt" dir="t"/>
-    </dgm:scene3d>
-    <dgm:sp3d/>
-    <dgm:txPr/>
-    <dgm:style>
-      <a:lnRef idx="0">
-        <a:scrgbClr r="0" g="0" b="0"/>
-      </a:lnRef>
-      <a:fillRef idx="0">
-        <a:scrgbClr r="0" g="0" b="0"/>
-      </a:fillRef>
-      <a:effectRef idx="0">
-        <a:scrgbClr r="0" g="0" b="0"/>
-      </a:effectRef>
-      <a:fontRef idx="minor"/>
-    </dgm:style>
-  </dgm:styleLbl>
-</dgm:styleDef>
 </file>
 
 <file path=ppt/handoutMasters/handoutMaster1.xml><?xml version="1.0" encoding="utf-8"?>
@@ -5251,7 +828,7 @@
       </p:grpSpPr>
       <p:sp>
         <p:nvSpPr>
-          <p:cNvPr id="2" name="Obraz slajdu — symbol zastępczy 1"/>
+          <p:cNvPr id="2" name="Symbol zastępczy obrazu slajdu 1"/>
           <p:cNvSpPr>
             <a:spLocks noGrp="1" noRot="1" noChangeAspect="1"/>
           </p:cNvSpPr>
@@ -5263,7 +840,7 @@
       </p:sp>
       <p:sp>
         <p:nvSpPr>
-          <p:cNvPr id="3" name="Notatki — symbol zastępczy 2"/>
+          <p:cNvPr id="3" name="Symbol zastępczy notatek 2"/>
           <p:cNvSpPr>
             <a:spLocks noGrp="1"/>
           </p:cNvSpPr>
@@ -5273,17 +850,16 @@
         </p:nvSpPr>
         <p:spPr/>
         <p:txBody>
-          <a:bodyPr rtlCol="0"/>
+          <a:bodyPr/>
           <a:lstStyle/>
           <a:p>
-            <a:pPr rtl="0"/>
             <a:endParaRPr lang="pl-PL" dirty="0"/>
           </a:p>
         </p:txBody>
       </p:sp>
       <p:sp>
         <p:nvSpPr>
-          <p:cNvPr id="4" name="Numer slajdu — symbol zastępczy 3"/>
+          <p:cNvPr id="4" name="Symbol zastępczy numeru slajdu 3"/>
           <p:cNvSpPr>
             <a:spLocks noGrp="1"/>
           </p:cNvSpPr>
@@ -5293,11 +869,11 @@
         </p:nvSpPr>
         <p:spPr/>
         <p:txBody>
-          <a:bodyPr rtlCol="0"/>
+          <a:bodyPr/>
           <a:lstStyle/>
           <a:p>
             <a:pPr rtl="0"/>
-            <a:fld id="{1983A999-5E0E-42CA-8400-604AE921FF7C}" type="slidenum">
+            <a:fld id="{E7CCE34D-CFF1-4FFE-815B-D050E7ED2DFD}" type="slidenum">
               <a:rPr lang="pl-PL" smtClean="0"/>
               <a:t>11</a:t>
             </a:fld>
@@ -5310,7 +886,7 @@
           <p:cNvPr id="5" name="Symbol zastępczy daty 4">
             <a:extLst>
               <a:ext uri="{FF2B5EF4-FFF2-40B4-BE49-F238E27FC236}">
-                <a16:creationId xmlns:a16="http://schemas.microsoft.com/office/drawing/2014/main" id="{E233BE3D-D76F-4FC3-90DD-076CC61266C6}"/>
+                <a16:creationId xmlns:a16="http://schemas.microsoft.com/office/drawing/2014/main" id="{E4891A17-6249-461C-B075-652AEA2598D9}"/>
               </a:ext>
             </a:extLst>
           </p:cNvPr>
@@ -5327,7 +903,7 @@
           <a:lstStyle/>
           <a:p>
             <a:pPr rtl="0"/>
-            <a:fld id="{0A1D9C8C-C657-40A7-B3BC-81AB0E04CBBF}" type="datetime1">
+            <a:fld id="{0CE26397-7EB8-4E6D-9388-C37617315B24}" type="datetime1">
               <a:rPr lang="pl-PL" smtClean="0"/>
               <a:t>01.06.2025</a:t>
             </a:fld>
@@ -5338,7 +914,7 @@
     </p:spTree>
     <p:extLst>
       <p:ext uri="{BB962C8B-B14F-4D97-AF65-F5344CB8AC3E}">
-        <p14:creationId xmlns:p14="http://schemas.microsoft.com/office/powerpoint/2010/main" val="396330408"/>
+        <p14:creationId xmlns:p14="http://schemas.microsoft.com/office/powerpoint/2010/main" val="438094687"/>
       </p:ext>
     </p:extLst>
   </p:cSld>
@@ -5393,122 +969,6 @@
           <a:lstStyle/>
           <a:p>
             <a:pPr rtl="0"/>
-            <a:endParaRPr lang="pl-PL"/>
-          </a:p>
-        </p:txBody>
-      </p:sp>
-      <p:sp>
-        <p:nvSpPr>
-          <p:cNvPr id="4" name="Numer slajdu — symbol zastępczy 3"/>
-          <p:cNvSpPr>
-            <a:spLocks noGrp="1"/>
-          </p:cNvSpPr>
-          <p:nvPr>
-            <p:ph type="sldNum" sz="quarter" idx="10"/>
-          </p:nvPr>
-        </p:nvSpPr>
-        <p:spPr/>
-        <p:txBody>
-          <a:bodyPr rtlCol="0"/>
-          <a:lstStyle/>
-          <a:p>
-            <a:pPr rtl="0"/>
-            <a:fld id="{32DC0559-D619-4E56-BF6F-3712370C2150}" type="slidenum">
-              <a:rPr lang="pl-PL" smtClean="0"/>
-              <a:t>12</a:t>
-            </a:fld>
-            <a:endParaRPr lang="pl-PL"/>
-          </a:p>
-        </p:txBody>
-      </p:sp>
-      <p:sp>
-        <p:nvSpPr>
-          <p:cNvPr id="5" name="Symbol zastępczy daty 4">
-            <a:extLst>
-              <a:ext uri="{FF2B5EF4-FFF2-40B4-BE49-F238E27FC236}">
-                <a16:creationId xmlns:a16="http://schemas.microsoft.com/office/drawing/2014/main" id="{53161216-F533-408B-AC3D-C1534949BCE4}"/>
-              </a:ext>
-            </a:extLst>
-          </p:cNvPr>
-          <p:cNvSpPr>
-            <a:spLocks noGrp="1"/>
-          </p:cNvSpPr>
-          <p:nvPr>
-            <p:ph type="dt" idx="1"/>
-          </p:nvPr>
-        </p:nvSpPr>
-        <p:spPr/>
-        <p:txBody>
-          <a:bodyPr/>
-          <a:lstStyle/>
-          <a:p>
-            <a:pPr rtl="0"/>
-            <a:fld id="{23B35D52-2BE3-474F-A65D-1C57A1E9C8EA}" type="datetime1">
-              <a:rPr lang="pl-PL" smtClean="0"/>
-              <a:t>01.06.2025</a:t>
-            </a:fld>
-            <a:endParaRPr lang="pl-PL"/>
-          </a:p>
-        </p:txBody>
-      </p:sp>
-    </p:spTree>
-    <p:extLst>
-      <p:ext uri="{BB962C8B-B14F-4D97-AF65-F5344CB8AC3E}">
-        <p14:creationId xmlns:p14="http://schemas.microsoft.com/office/powerpoint/2010/main" val="514541281"/>
-      </p:ext>
-    </p:extLst>
-  </p:cSld>
-  <p:clrMapOvr>
-    <a:masterClrMapping/>
-  </p:clrMapOvr>
-</p:notes>
-</file>
-
-<file path=ppt/notesSlides/notesSlide4.xml><?xml version="1.0" encoding="utf-8"?>
-<p:notes xmlns:a="http://schemas.openxmlformats.org/drawingml/2006/main" xmlns:r="http://schemas.openxmlformats.org/officeDocument/2006/relationships" xmlns:p="http://schemas.openxmlformats.org/presentationml/2006/main">
-  <p:cSld>
-    <p:spTree>
-      <p:nvGrpSpPr>
-        <p:cNvPr id="1" name=""/>
-        <p:cNvGrpSpPr/>
-        <p:nvPr/>
-      </p:nvGrpSpPr>
-      <p:grpSpPr>
-        <a:xfrm>
-          <a:off x="0" y="0"/>
-          <a:ext cx="0" cy="0"/>
-          <a:chOff x="0" y="0"/>
-          <a:chExt cx="0" cy="0"/>
-        </a:xfrm>
-      </p:grpSpPr>
-      <p:sp>
-        <p:nvSpPr>
-          <p:cNvPr id="2" name="Obraz slajdu — symbol zastępczy 1"/>
-          <p:cNvSpPr>
-            <a:spLocks noGrp="1" noRot="1" noChangeAspect="1"/>
-          </p:cNvSpPr>
-          <p:nvPr>
-            <p:ph type="sldImg"/>
-          </p:nvPr>
-        </p:nvSpPr>
-        <p:spPr/>
-      </p:sp>
-      <p:sp>
-        <p:nvSpPr>
-          <p:cNvPr id="3" name="Notatki — symbol zastępczy 2"/>
-          <p:cNvSpPr>
-            <a:spLocks noGrp="1"/>
-          </p:cNvSpPr>
-          <p:nvPr>
-            <p:ph type="body" idx="1"/>
-          </p:nvPr>
-        </p:nvSpPr>
-        <p:spPr/>
-        <p:txBody>
-          <a:bodyPr rtlCol="0"/>
-          <a:lstStyle/>
-          <a:p>
-            <a:pPr rtl="0"/>
             <a:endParaRPr lang="pl-PL" dirty="0"/>
           </a:p>
         </p:txBody>
@@ -5531,238 +991,7 @@
             <a:pPr rtl="0"/>
             <a:fld id="{1983A999-5E0E-42CA-8400-604AE921FF7C}" type="slidenum">
               <a:rPr lang="pl-PL" smtClean="0"/>
-              <a:t>13</a:t>
-            </a:fld>
-            <a:endParaRPr lang="pl-PL"/>
-          </a:p>
-        </p:txBody>
-      </p:sp>
-      <p:sp>
-        <p:nvSpPr>
-          <p:cNvPr id="5" name="Symbol zastępczy daty 4">
-            <a:extLst>
-              <a:ext uri="{FF2B5EF4-FFF2-40B4-BE49-F238E27FC236}">
-                <a16:creationId xmlns:a16="http://schemas.microsoft.com/office/drawing/2014/main" id="{96F04566-63C4-4E04-95F6-F236912A2F8F}"/>
-              </a:ext>
-            </a:extLst>
-          </p:cNvPr>
-          <p:cNvSpPr>
-            <a:spLocks noGrp="1"/>
-          </p:cNvSpPr>
-          <p:nvPr>
-            <p:ph type="dt" idx="1"/>
-          </p:nvPr>
-        </p:nvSpPr>
-        <p:spPr/>
-        <p:txBody>
-          <a:bodyPr/>
-          <a:lstStyle/>
-          <a:p>
-            <a:pPr rtl="0"/>
-            <a:fld id="{349161C6-02E6-4A51-9612-82E8932FCFC9}" type="datetime1">
-              <a:rPr lang="pl-PL" smtClean="0"/>
-              <a:t>01.06.2025</a:t>
-            </a:fld>
-            <a:endParaRPr lang="pl-PL"/>
-          </a:p>
-        </p:txBody>
-      </p:sp>
-    </p:spTree>
-    <p:extLst>
-      <p:ext uri="{BB962C8B-B14F-4D97-AF65-F5344CB8AC3E}">
-        <p14:creationId xmlns:p14="http://schemas.microsoft.com/office/powerpoint/2010/main" val="404304175"/>
-      </p:ext>
-    </p:extLst>
-  </p:cSld>
-  <p:clrMapOvr>
-    <a:masterClrMapping/>
-  </p:clrMapOvr>
-</p:notes>
-</file>
-
-<file path=ppt/notesSlides/notesSlide5.xml><?xml version="1.0" encoding="utf-8"?>
-<p:notes xmlns:a="http://schemas.openxmlformats.org/drawingml/2006/main" xmlns:r="http://schemas.openxmlformats.org/officeDocument/2006/relationships" xmlns:p="http://schemas.openxmlformats.org/presentationml/2006/main">
-  <p:cSld>
-    <p:spTree>
-      <p:nvGrpSpPr>
-        <p:cNvPr id="1" name=""/>
-        <p:cNvGrpSpPr/>
-        <p:nvPr/>
-      </p:nvGrpSpPr>
-      <p:grpSpPr>
-        <a:xfrm>
-          <a:off x="0" y="0"/>
-          <a:ext cx="0" cy="0"/>
-          <a:chOff x="0" y="0"/>
-          <a:chExt cx="0" cy="0"/>
-        </a:xfrm>
-      </p:grpSpPr>
-      <p:sp>
-        <p:nvSpPr>
-          <p:cNvPr id="2" name="Symbol zastępczy obrazu slajdu 1"/>
-          <p:cNvSpPr>
-            <a:spLocks noGrp="1" noRot="1" noChangeAspect="1"/>
-          </p:cNvSpPr>
-          <p:nvPr>
-            <p:ph type="sldImg"/>
-          </p:nvPr>
-        </p:nvSpPr>
-        <p:spPr/>
-      </p:sp>
-      <p:sp>
-        <p:nvSpPr>
-          <p:cNvPr id="3" name="Symbol zastępczy notatek 2"/>
-          <p:cNvSpPr>
-            <a:spLocks noGrp="1"/>
-          </p:cNvSpPr>
-          <p:nvPr>
-            <p:ph type="body" idx="1"/>
-          </p:nvPr>
-        </p:nvSpPr>
-        <p:spPr/>
-        <p:txBody>
-          <a:bodyPr/>
-          <a:lstStyle/>
-          <a:p>
-            <a:endParaRPr lang="pl-PL" dirty="0"/>
-          </a:p>
-        </p:txBody>
-      </p:sp>
-      <p:sp>
-        <p:nvSpPr>
-          <p:cNvPr id="4" name="Symbol zastępczy numeru slajdu 3"/>
-          <p:cNvSpPr>
-            <a:spLocks noGrp="1"/>
-          </p:cNvSpPr>
-          <p:nvPr>
-            <p:ph type="sldNum" sz="quarter" idx="5"/>
-          </p:nvPr>
-        </p:nvSpPr>
-        <p:spPr/>
-        <p:txBody>
-          <a:bodyPr/>
-          <a:lstStyle/>
-          <a:p>
-            <a:pPr rtl="0"/>
-            <a:fld id="{E7CCE34D-CFF1-4FFE-815B-D050E7ED2DFD}" type="slidenum">
-              <a:rPr lang="pl-PL" smtClean="0"/>
-              <a:t>14</a:t>
-            </a:fld>
-            <a:endParaRPr lang="pl-PL"/>
-          </a:p>
-        </p:txBody>
-      </p:sp>
-      <p:sp>
-        <p:nvSpPr>
-          <p:cNvPr id="5" name="Symbol zastępczy daty 4">
-            <a:extLst>
-              <a:ext uri="{FF2B5EF4-FFF2-40B4-BE49-F238E27FC236}">
-                <a16:creationId xmlns:a16="http://schemas.microsoft.com/office/drawing/2014/main" id="{E4891A17-6249-461C-B075-652AEA2598D9}"/>
-              </a:ext>
-            </a:extLst>
-          </p:cNvPr>
-          <p:cNvSpPr>
-            <a:spLocks noGrp="1"/>
-          </p:cNvSpPr>
-          <p:nvPr>
-            <p:ph type="dt" idx="1"/>
-          </p:nvPr>
-        </p:nvSpPr>
-        <p:spPr/>
-        <p:txBody>
-          <a:bodyPr/>
-          <a:lstStyle/>
-          <a:p>
-            <a:pPr rtl="0"/>
-            <a:fld id="{0CE26397-7EB8-4E6D-9388-C37617315B24}" type="datetime1">
-              <a:rPr lang="pl-PL" smtClean="0"/>
-              <a:t>01.06.2025</a:t>
-            </a:fld>
-            <a:endParaRPr lang="pl-PL"/>
-          </a:p>
-        </p:txBody>
-      </p:sp>
-    </p:spTree>
-    <p:extLst>
-      <p:ext uri="{BB962C8B-B14F-4D97-AF65-F5344CB8AC3E}">
-        <p14:creationId xmlns:p14="http://schemas.microsoft.com/office/powerpoint/2010/main" val="438094687"/>
-      </p:ext>
-    </p:extLst>
-  </p:cSld>
-  <p:clrMapOvr>
-    <a:masterClrMapping/>
-  </p:clrMapOvr>
-</p:notes>
-</file>
-
-<file path=ppt/notesSlides/notesSlide6.xml><?xml version="1.0" encoding="utf-8"?>
-<p:notes xmlns:a="http://schemas.openxmlformats.org/drawingml/2006/main" xmlns:r="http://schemas.openxmlformats.org/officeDocument/2006/relationships" xmlns:p="http://schemas.openxmlformats.org/presentationml/2006/main">
-  <p:cSld>
-    <p:spTree>
-      <p:nvGrpSpPr>
-        <p:cNvPr id="1" name=""/>
-        <p:cNvGrpSpPr/>
-        <p:nvPr/>
-      </p:nvGrpSpPr>
-      <p:grpSpPr>
-        <a:xfrm>
-          <a:off x="0" y="0"/>
-          <a:ext cx="0" cy="0"/>
-          <a:chOff x="0" y="0"/>
-          <a:chExt cx="0" cy="0"/>
-        </a:xfrm>
-      </p:grpSpPr>
-      <p:sp>
-        <p:nvSpPr>
-          <p:cNvPr id="2" name="Obraz slajdu — symbol zastępczy 1"/>
-          <p:cNvSpPr>
-            <a:spLocks noGrp="1" noRot="1" noChangeAspect="1"/>
-          </p:cNvSpPr>
-          <p:nvPr>
-            <p:ph type="sldImg"/>
-          </p:nvPr>
-        </p:nvSpPr>
-        <p:spPr/>
-      </p:sp>
-      <p:sp>
-        <p:nvSpPr>
-          <p:cNvPr id="3" name="Notatki — symbol zastępczy 2"/>
-          <p:cNvSpPr>
-            <a:spLocks noGrp="1"/>
-          </p:cNvSpPr>
-          <p:nvPr>
-            <p:ph type="body" idx="1"/>
-          </p:nvPr>
-        </p:nvSpPr>
-        <p:spPr/>
-        <p:txBody>
-          <a:bodyPr rtlCol="0"/>
-          <a:lstStyle/>
-          <a:p>
-            <a:pPr rtl="0"/>
-            <a:endParaRPr lang="pl-PL" dirty="0"/>
-          </a:p>
-        </p:txBody>
-      </p:sp>
-      <p:sp>
-        <p:nvSpPr>
-          <p:cNvPr id="4" name="Numer slajdu — symbol zastępczy 3"/>
-          <p:cNvSpPr>
-            <a:spLocks noGrp="1"/>
-          </p:cNvSpPr>
-          <p:nvPr>
-            <p:ph type="sldNum" sz="quarter" idx="5"/>
-          </p:nvPr>
-        </p:nvSpPr>
-        <p:spPr/>
-        <p:txBody>
-          <a:bodyPr rtlCol="0"/>
-          <a:lstStyle/>
-          <a:p>
-            <a:pPr rtl="0"/>
-            <a:fld id="{1983A999-5E0E-42CA-8400-604AE921FF7C}" type="slidenum">
-              <a:rPr lang="pl-PL" smtClean="0"/>
-              <a:t>15</a:t>
+              <a:t>12</a:t>
             </a:fld>
             <a:endParaRPr lang="pl-PL"/>
           </a:p>
@@ -19149,87 +14378,202 @@
           <a:chExt cx="0" cy="0"/>
         </a:xfrm>
       </p:grpSpPr>
-      <p:sp>
-        <p:nvSpPr>
-          <p:cNvPr id="21" name="Numer slajdu — symbol zastępczy 20">
-            <a:extLst>
-              <a:ext uri="{FF2B5EF4-FFF2-40B4-BE49-F238E27FC236}">
-                <a16:creationId xmlns:a16="http://schemas.microsoft.com/office/drawing/2014/main" id="{1C563B34-DD53-4FB1-B8C2-8914E01C6365}"/>
-              </a:ext>
-            </a:extLst>
-          </p:cNvPr>
-          <p:cNvSpPr>
-            <a:spLocks noGrp="1"/>
-          </p:cNvSpPr>
-          <p:nvPr>
-            <p:ph type="sldNum" sz="quarter" idx="12"/>
-          </p:nvPr>
-        </p:nvSpPr>
-        <p:spPr>
-          <a:xfrm>
-            <a:off x="9948863" y="6507212"/>
-            <a:ext cx="1692274" cy="153888"/>
-          </a:xfrm>
-        </p:spPr>
-        <p:txBody>
-          <a:bodyPr rtlCol="0"/>
-          <a:lstStyle/>
-          <a:p>
-            <a:pPr rtl="0"/>
-            <a:fld id="{DBA1B0FB-D917-4C8C-928F-313BD683BF39}" type="slidenum">
-              <a:rPr lang="pl-PL" smtClean="0"/>
-              <a:pPr rtl="0"/>
-              <a:t>10</a:t>
-            </a:fld>
-            <a:endParaRPr lang="pl-PL"/>
-          </a:p>
-        </p:txBody>
-      </p:sp>
-      <p:sp>
-        <p:nvSpPr>
-          <p:cNvPr id="5" name="Symbol zastępczy zawartości 4">
-            <a:extLst>
-              <a:ext uri="{FF2B5EF4-FFF2-40B4-BE49-F238E27FC236}">
-                <a16:creationId xmlns:a16="http://schemas.microsoft.com/office/drawing/2014/main" id="{7148E578-9F75-6F03-CDDA-52AA93C2811F}"/>
-              </a:ext>
-            </a:extLst>
-          </p:cNvPr>
-          <p:cNvSpPr>
-            <a:spLocks noGrp="1"/>
-          </p:cNvSpPr>
-          <p:nvPr>
-            <p:ph sz="quarter" idx="15"/>
-          </p:nvPr>
-        </p:nvSpPr>
-        <p:spPr>
-          <a:xfrm>
-            <a:off x="550863" y="196901"/>
-            <a:ext cx="11090274" cy="5991464"/>
-          </a:xfrm>
-        </p:spPr>
-        <p:txBody>
-          <a:bodyPr/>
-          <a:lstStyle/>
-          <a:p>
-            <a:pPr marL="285750" indent="-285750">
-              <a:buFont typeface="Arial" panose="020B0604020202020204" pitchFamily="34" charset="0"/>
-              <a:buChar char="•"/>
-            </a:pPr>
-            <a:r>
-              <a:rPr lang="pl-PL" sz="1500" dirty="0"/>
-              <a:t>Błędy z nieparzystą liczbą bitów</a:t>
-            </a:r>
-            <a:br>
-              <a:rPr lang="pl-PL" sz="1500" dirty="0"/>
-            </a:br>
-            <a:endParaRPr lang="pl-PL" sz="1500" dirty="0"/>
-          </a:p>
-        </p:txBody>
-      </p:sp>
+      <mc:AlternateContent xmlns:mc="http://schemas.openxmlformats.org/markup-compatibility/2006">
+        <mc:Choice xmlns:a14="http://schemas.microsoft.com/office/drawing/2010/main" Requires="a14">
+          <p:sp>
+            <p:nvSpPr>
+              <p:cNvPr id="3" name="Symbol zastępczy zawartości 2">
+                <a:extLst>
+                  <a:ext uri="{FF2B5EF4-FFF2-40B4-BE49-F238E27FC236}">
+                    <a16:creationId xmlns:a16="http://schemas.microsoft.com/office/drawing/2014/main" id="{DCEC79DD-CFAD-418F-637C-086BE7CF31B4}"/>
+                  </a:ext>
+                </a:extLst>
+              </p:cNvPr>
+              <p:cNvSpPr>
+                <a:spLocks noGrp="1"/>
+              </p:cNvSpPr>
+              <p:nvPr>
+                <p:ph sz="quarter" idx="15"/>
+              </p:nvPr>
+            </p:nvSpPr>
+            <p:spPr>
+              <a:xfrm>
+                <a:off x="550863" y="378692"/>
+                <a:ext cx="11271682" cy="6069734"/>
+              </a:xfrm>
+            </p:spPr>
+            <p:txBody>
+              <a:bodyPr/>
+              <a:lstStyle/>
+              <a:p>
+                <a:pPr marL="285750" indent="-285750">
+                  <a:buFont typeface="Arial" panose="020B0604020202020204" pitchFamily="34" charset="0"/>
+                  <a:buChar char="•"/>
+                </a:pPr>
+                <a:r>
+                  <a:rPr lang="pl-PL" sz="1500" dirty="0"/>
+                  <a:t>Wszystkie kombinacje </a:t>
+                </a:r>
+                <a14:m>
+                  <m:oMath xmlns:m="http://schemas.openxmlformats.org/officeDocument/2006/math">
+                    <m:sSub>
+                      <m:sSubPr>
+                        <m:ctrlPr>
+                          <a:rPr lang="pl-PL" sz="1500" i="1" dirty="0" smtClean="0">
+                            <a:latin typeface="Cambria Math" panose="02040503050406030204" pitchFamily="18" charset="0"/>
+                          </a:rPr>
+                        </m:ctrlPr>
+                      </m:sSubPr>
+                      <m:e>
+                        <m:r>
+                          <a:rPr lang="pl-PL" sz="1500" i="1" dirty="0" smtClean="0">
+                            <a:latin typeface="Cambria Math" panose="02040503050406030204" pitchFamily="18" charset="0"/>
+                          </a:rPr>
+                          <m:t>𝑑</m:t>
+                        </m:r>
+                      </m:e>
+                      <m:sub>
+                        <m:r>
+                          <a:rPr lang="pl-PL" sz="1500" b="0" i="1" dirty="0" smtClean="0">
+                            <a:latin typeface="Cambria Math" panose="02040503050406030204" pitchFamily="18" charset="0"/>
+                          </a:rPr>
+                          <m:t>𝑚𝑖𝑛</m:t>
+                        </m:r>
+                      </m:sub>
+                    </m:sSub>
+                    <m:r>
+                      <a:rPr lang="pl-PL" sz="1500" i="1" dirty="0" smtClean="0">
+                        <a:latin typeface="Cambria Math" panose="02040503050406030204" pitchFamily="18" charset="0"/>
+                      </a:rPr>
+                      <m:t>– 1 </m:t>
+                    </m:r>
+                  </m:oMath>
+                </a14:m>
+                <a:r>
+                  <a:rPr lang="pl-PL" sz="1500" dirty="0"/>
+                  <a:t>( lub mniej ) błędów</a:t>
+                </a:r>
+                <a:br>
+                  <a:rPr lang="pl-PL" sz="1500" dirty="0"/>
+                </a:br>
+                <a:r>
+                  <a:rPr lang="pl-PL" sz="1500" dirty="0"/>
+                  <a:t>Minimalna odległość </a:t>
+                </a:r>
+                <a:r>
+                  <a:rPr lang="pl-PL" sz="1500" dirty="0" err="1"/>
+                  <a:t>Hamminga</a:t>
+                </a:r>
+                <a:r>
+                  <a:rPr lang="pl-PL" sz="1500" dirty="0"/>
+                  <a:t> kodu </a:t>
+                </a:r>
+                <a14:m>
+                  <m:oMath xmlns:m="http://schemas.openxmlformats.org/officeDocument/2006/math">
+                    <m:r>
+                      <a:rPr lang="pl-PL" sz="1500" b="0" i="1" smtClean="0">
+                        <a:latin typeface="Cambria Math" panose="02040503050406030204" pitchFamily="18" charset="0"/>
+                      </a:rPr>
+                      <m:t>→</m:t>
+                    </m:r>
+                  </m:oMath>
+                </a14:m>
+                <a:r>
+                  <a:rPr lang="pl-PL" sz="1500" dirty="0"/>
+                  <a:t> czyli najmniejsza liczba bitów, które trzeba zmienić, aby otrzymać inne poprawne słowo kodowe. </a:t>
+                </a:r>
+                <a:br>
+                  <a:rPr lang="pl-PL" sz="1500" dirty="0"/>
+                </a:br>
+                <a:r>
+                  <a:rPr lang="pl-PL" sz="1500" dirty="0"/>
+                  <a:t>Błędy o liczności &lt; </a:t>
+                </a:r>
+                <a14:m>
+                  <m:oMath xmlns:m="http://schemas.openxmlformats.org/officeDocument/2006/math">
+                    <m:sSub>
+                      <m:sSubPr>
+                        <m:ctrlPr>
+                          <a:rPr lang="pl-PL" sz="1500" i="1" smtClean="0">
+                            <a:latin typeface="Cambria Math" panose="02040503050406030204" pitchFamily="18" charset="0"/>
+                          </a:rPr>
+                        </m:ctrlPr>
+                      </m:sSubPr>
+                      <m:e>
+                        <m:r>
+                          <a:rPr lang="pl-PL" sz="1500" b="0" i="1" smtClean="0">
+                            <a:latin typeface="Cambria Math" panose="02040503050406030204" pitchFamily="18" charset="0"/>
+                          </a:rPr>
+                          <m:t>𝑑</m:t>
+                        </m:r>
+                      </m:e>
+                      <m:sub>
+                        <m:r>
+                          <a:rPr lang="pl-PL" sz="1500" b="0" i="1" smtClean="0">
+                            <a:latin typeface="Cambria Math" panose="02040503050406030204" pitchFamily="18" charset="0"/>
+                          </a:rPr>
+                          <m:t>𝑚𝑖𝑛</m:t>
+                        </m:r>
+                      </m:sub>
+                    </m:sSub>
+                  </m:oMath>
+                </a14:m>
+                <a:r>
+                  <a:rPr lang="pl-PL" sz="1500" dirty="0"/>
+                  <a:t> nie są w stanie przekształcić poprawnego słowa kodowego w inne poprawne słowo kodowe. Czyli zawsze takie słowo zostanie wykryte jaki nieprawidłowe.</a:t>
+                </a:r>
+              </a:p>
+            </p:txBody>
+          </p:sp>
+        </mc:Choice>
+        <mc:Fallback>
+          <p:sp>
+            <p:nvSpPr>
+              <p:cNvPr id="3" name="Symbol zastępczy zawartości 2">
+                <a:extLst>
+                  <a:ext uri="{FF2B5EF4-FFF2-40B4-BE49-F238E27FC236}">
+                    <a16:creationId xmlns:a16="http://schemas.microsoft.com/office/drawing/2014/main" id="{DCEC79DD-CFAD-418F-637C-086BE7CF31B4}"/>
+                  </a:ext>
+                </a:extLst>
+              </p:cNvPr>
+              <p:cNvSpPr>
+                <a:spLocks noGrp="1" noRot="1" noChangeAspect="1" noMove="1" noResize="1" noEditPoints="1" noAdjustHandles="1" noChangeArrowheads="1" noChangeShapeType="1" noTextEdit="1"/>
+              </p:cNvSpPr>
+              <p:nvPr>
+                <p:ph sz="quarter" idx="15"/>
+              </p:nvPr>
+            </p:nvSpPr>
+            <p:spPr>
+              <a:xfrm>
+                <a:off x="550863" y="378692"/>
+                <a:ext cx="11271682" cy="6069734"/>
+              </a:xfrm>
+              <a:blipFill>
+                <a:blip r:embed="rId2"/>
+                <a:stretch>
+                  <a:fillRect l="-973" t="-904" r="-1190"/>
+                </a:stretch>
+              </a:blipFill>
+            </p:spPr>
+            <p:txBody>
+              <a:bodyPr/>
+              <a:lstStyle/>
+              <a:p>
+                <a:r>
+                  <a:rPr lang="pl-PL">
+                    <a:noFill/>
+                  </a:rPr>
+                  <a:t> </a:t>
+                </a:r>
+              </a:p>
+            </p:txBody>
+          </p:sp>
+        </mc:Fallback>
+      </mc:AlternateContent>
     </p:spTree>
     <p:extLst>
       <p:ext uri="{BB962C8B-B14F-4D97-AF65-F5344CB8AC3E}">
-        <p14:creationId xmlns:p14="http://schemas.microsoft.com/office/powerpoint/2010/main" val="395518310"/>
+        <p14:creationId xmlns:p14="http://schemas.microsoft.com/office/powerpoint/2010/main" val="1907751112"/>
       </p:ext>
     </p:extLst>
   </p:cSld>
@@ -19258,10 +14602,10 @@
       </p:grpSpPr>
       <p:sp>
         <p:nvSpPr>
-          <p:cNvPr id="6" name="Tytuł 5">
+          <p:cNvPr id="7" name="Tytuł 6">
             <a:extLst>
               <a:ext uri="{FF2B5EF4-FFF2-40B4-BE49-F238E27FC236}">
-                <a16:creationId xmlns:a16="http://schemas.microsoft.com/office/drawing/2014/main" id="{ED2A30C0-1BC4-4764-9C0F-5D811CAB8312}"/>
+                <a16:creationId xmlns:a16="http://schemas.microsoft.com/office/drawing/2014/main" id="{47788B34-4190-4916-9048-47720EA5ABF1}"/>
               </a:ext>
             </a:extLst>
           </p:cNvPr>
@@ -19269,13 +14613,13 @@
             <a:spLocks noGrp="1"/>
           </p:cNvSpPr>
           <p:nvPr>
-            <p:ph type="ctrTitle"/>
+            <p:ph type="title"/>
           </p:nvPr>
         </p:nvSpPr>
         <p:spPr>
           <a:xfrm>
-            <a:off x="548640" y="548640"/>
-            <a:ext cx="8281987" cy="1253041"/>
+            <a:off x="550862" y="549275"/>
+            <a:ext cx="11097551" cy="1332000"/>
           </a:xfrm>
         </p:spPr>
         <p:txBody>
@@ -19285,153 +14629,17 @@
             <a:pPr rtl="0"/>
             <a:r>
               <a:rPr lang="pl-PL"/>
-              <a:t>Zespół</a:t>
+              <a:t>Zawartość 2 </a:t>
             </a:r>
           </a:p>
         </p:txBody>
       </p:sp>
-      <p:pic>
-        <p:nvPicPr>
-          <p:cNvPr id="17" name="Obraz — symbol zastępczy 16" descr="Uśmiechnięty mężczyzna w biurze">
+      <p:sp>
+        <p:nvSpPr>
+          <p:cNvPr id="8" name="Tekst — symbol zastępczy 7">
             <a:extLst>
               <a:ext uri="{FF2B5EF4-FFF2-40B4-BE49-F238E27FC236}">
-                <a16:creationId xmlns:a16="http://schemas.microsoft.com/office/drawing/2014/main" id="{05ED5B1E-974F-476C-A3C9-572D3602E95E}"/>
-              </a:ext>
-            </a:extLst>
-          </p:cNvPr>
-          <p:cNvPicPr>
-            <a:picLocks noGrp="1" noChangeAspect="1"/>
-          </p:cNvPicPr>
-          <p:nvPr>
-            <p:ph type="pic" sz="quarter" idx="13"/>
-          </p:nvPr>
-        </p:nvPicPr>
-        <p:blipFill rotWithShape="1">
-          <a:blip r:embed="rId3" cstate="screen">
-            <a:extLst>
-              <a:ext uri="{28A0092B-C50C-407E-A947-70E740481C1C}">
-                <a14:useLocalDpi xmlns:a14="http://schemas.microsoft.com/office/drawing/2010/main" val="0"/>
-              </a:ext>
-            </a:extLst>
-          </a:blip>
-          <a:srcRect/>
-          <a:stretch/>
-        </p:blipFill>
-        <p:spPr>
-          <a:xfrm>
-            <a:off x="1078992" y="1990724"/>
-            <a:ext cx="1691640" cy="1435608"/>
-          </a:xfrm>
-        </p:spPr>
-      </p:pic>
-      <p:pic>
-        <p:nvPicPr>
-          <p:cNvPr id="36" name="Obraz — symbol zastępczy 35" descr="Uśmiechnięta pani w biurze">
-            <a:extLst>
-              <a:ext uri="{FF2B5EF4-FFF2-40B4-BE49-F238E27FC236}">
-                <a16:creationId xmlns:a16="http://schemas.microsoft.com/office/drawing/2014/main" id="{F3CCCCDF-EA66-4F5E-98F3-A05239CBBAC4}"/>
-              </a:ext>
-            </a:extLst>
-          </p:cNvPr>
-          <p:cNvPicPr>
-            <a:picLocks noGrp="1" noChangeAspect="1"/>
-          </p:cNvPicPr>
-          <p:nvPr>
-            <p:ph type="pic" sz="quarter" idx="14"/>
-          </p:nvPr>
-        </p:nvPicPr>
-        <p:blipFill rotWithShape="1">
-          <a:blip r:embed="rId4" cstate="screen">
-            <a:extLst>
-              <a:ext uri="{28A0092B-C50C-407E-A947-70E740481C1C}">
-                <a14:useLocalDpi xmlns:a14="http://schemas.microsoft.com/office/drawing/2010/main" val="0"/>
-              </a:ext>
-            </a:extLst>
-          </a:blip>
-          <a:srcRect/>
-          <a:stretch/>
-        </p:blipFill>
-        <p:spPr>
-          <a:xfrm>
-            <a:off x="3838384" y="1990724"/>
-            <a:ext cx="1691640" cy="1435608"/>
-          </a:xfrm>
-        </p:spPr>
-      </p:pic>
-      <p:pic>
-        <p:nvPicPr>
-          <p:cNvPr id="38" name="Obraz — symbol zastępczy 37" descr="Pani w biurze uśmiechająca się do aparatu&#10;">
-            <a:extLst>
-              <a:ext uri="{FF2B5EF4-FFF2-40B4-BE49-F238E27FC236}">
-                <a16:creationId xmlns:a16="http://schemas.microsoft.com/office/drawing/2014/main" id="{8A6BB597-41F4-432E-8432-8F39511B2941}"/>
-              </a:ext>
-            </a:extLst>
-          </p:cNvPr>
-          <p:cNvPicPr>
-            <a:picLocks noGrp="1" noChangeAspect="1"/>
-          </p:cNvPicPr>
-          <p:nvPr>
-            <p:ph type="pic" sz="quarter" idx="15"/>
-          </p:nvPr>
-        </p:nvPicPr>
-        <p:blipFill rotWithShape="1">
-          <a:blip r:embed="rId5" cstate="screen">
-            <a:extLst>
-              <a:ext uri="{28A0092B-C50C-407E-A947-70E740481C1C}">
-                <a14:useLocalDpi xmlns:a14="http://schemas.microsoft.com/office/drawing/2010/main" val="0"/>
-              </a:ext>
-            </a:extLst>
-          </a:blip>
-          <a:srcRect/>
-          <a:stretch/>
-        </p:blipFill>
-        <p:spPr>
-          <a:xfrm>
-            <a:off x="6661976" y="1993392"/>
-            <a:ext cx="1691640" cy="1435608"/>
-          </a:xfrm>
-        </p:spPr>
-      </p:pic>
-      <p:pic>
-        <p:nvPicPr>
-          <p:cNvPr id="40" name="Obraz — symbol zastępczy 39" descr="Uśmiechnięty mężczyzna z brodą">
-            <a:extLst>
-              <a:ext uri="{FF2B5EF4-FFF2-40B4-BE49-F238E27FC236}">
-                <a16:creationId xmlns:a16="http://schemas.microsoft.com/office/drawing/2014/main" id="{76B2FC80-9F3B-46D8-94D9-882D90A858F6}"/>
-              </a:ext>
-            </a:extLst>
-          </p:cNvPr>
-          <p:cNvPicPr>
-            <a:picLocks noGrp="1" noChangeAspect="1"/>
-          </p:cNvPicPr>
-          <p:nvPr>
-            <p:ph type="pic" sz="quarter" idx="16"/>
-          </p:nvPr>
-        </p:nvPicPr>
-        <p:blipFill rotWithShape="1">
-          <a:blip r:embed="rId6" cstate="screen">
-            <a:extLst>
-              <a:ext uri="{28A0092B-C50C-407E-A947-70E740481C1C}">
-                <a14:useLocalDpi xmlns:a14="http://schemas.microsoft.com/office/drawing/2010/main" val="0"/>
-              </a:ext>
-            </a:extLst>
-          </a:blip>
-          <a:srcRect/>
-          <a:stretch/>
-        </p:blipFill>
-        <p:spPr>
-          <a:xfrm>
-            <a:off x="9485568" y="1990724"/>
-            <a:ext cx="1691640" cy="1435608"/>
-          </a:xfrm>
-        </p:spPr>
-      </p:pic>
-      <p:sp>
-        <p:nvSpPr>
-          <p:cNvPr id="41" name="Tekst — symbol zastępczy 40">
-            <a:extLst>
-              <a:ext uri="{FF2B5EF4-FFF2-40B4-BE49-F238E27FC236}">
-                <a16:creationId xmlns:a16="http://schemas.microsoft.com/office/drawing/2014/main" id="{91181F6D-A54F-4289-8C36-80ECE3B2C8E2}"/>
+                <a16:creationId xmlns:a16="http://schemas.microsoft.com/office/drawing/2014/main" id="{ABA415A0-3B77-43FB-A408-5F1DA4B0AAFA}"/>
               </a:ext>
             </a:extLst>
           </p:cNvPr>
@@ -19439,33 +14647,33 @@
             <a:spLocks noGrp="1"/>
           </p:cNvSpPr>
           <p:nvPr>
-            <p:ph type="body" sz="quarter" idx="18"/>
+            <p:ph type="body" idx="1"/>
           </p:nvPr>
         </p:nvSpPr>
         <p:spPr>
           <a:xfrm>
-            <a:off x="893795" y="3781425"/>
-            <a:ext cx="2082736" cy="365760"/>
+            <a:off x="550864" y="1731375"/>
+            <a:ext cx="3563936" cy="535354"/>
           </a:xfrm>
         </p:spPr>
         <p:txBody>
           <a:bodyPr rtlCol="0"/>
           <a:lstStyle/>
           <a:p>
-            <a:pPr algn="ctr" rtl="0"/>
+            <a:pPr rtl="0"/>
             <a:r>
-              <a:rPr lang="pl-PL" dirty="0"/>
-              <a:t>Imię i nazwisko</a:t>
+              <a:rPr lang="pl-PL"/>
+              <a:t>Podtytuł</a:t>
             </a:r>
           </a:p>
         </p:txBody>
       </p:sp>
       <p:sp>
         <p:nvSpPr>
-          <p:cNvPr id="15" name="Podtytuł 14">
+          <p:cNvPr id="9" name="Zawartość — symbol zastępczy 8">
             <a:extLst>
               <a:ext uri="{FF2B5EF4-FFF2-40B4-BE49-F238E27FC236}">
-                <a16:creationId xmlns:a16="http://schemas.microsoft.com/office/drawing/2014/main" id="{84D39D81-9726-4BD7-BDC0-FA0B2AD0D219}"/>
+                <a16:creationId xmlns:a16="http://schemas.microsoft.com/office/drawing/2014/main" id="{8598ECEC-4413-4244-8F21-0076EC511806}"/>
               </a:ext>
             </a:extLst>
           </p:cNvPr>
@@ -19473,33 +14681,36 @@
             <a:spLocks noGrp="1"/>
           </p:cNvSpPr>
           <p:nvPr>
-            <p:ph type="body" sz="quarter" idx="17"/>
+            <p:ph sz="half" idx="2"/>
           </p:nvPr>
         </p:nvSpPr>
         <p:spPr>
           <a:xfrm>
-            <a:off x="1078733" y="4232949"/>
-            <a:ext cx="1711572" cy="638175"/>
+            <a:off x="559476" y="2432304"/>
+            <a:ext cx="3563936" cy="3515555"/>
           </a:xfrm>
         </p:spPr>
         <p:txBody>
-          <a:bodyPr rtlCol="0"/>
+          <a:bodyPr rtlCol="0">
+            <a:normAutofit/>
+          </a:bodyPr>
           <a:lstStyle/>
           <a:p>
+            <a:pPr lvl="0" rtl="0"/>
+            <a:endParaRPr lang="pl-PL" sz="1600" dirty="0"/>
+          </a:p>
+          <a:p>
             <a:pPr rtl="0"/>
-            <a:r>
-              <a:rPr lang="pl-PL"/>
-              <a:t>Tytuł</a:t>
-            </a:r>
+            <a:endParaRPr lang="pl-PL" sz="1600" dirty="0"/>
           </a:p>
         </p:txBody>
       </p:sp>
       <p:sp>
         <p:nvSpPr>
-          <p:cNvPr id="43" name="Tekst — symbol zastępczy 42">
+          <p:cNvPr id="12" name="Tekst — symbol zastępczy 11">
             <a:extLst>
               <a:ext uri="{FF2B5EF4-FFF2-40B4-BE49-F238E27FC236}">
-                <a16:creationId xmlns:a16="http://schemas.microsoft.com/office/drawing/2014/main" id="{E4387CED-5FBE-4AFF-B64D-975B5574F16F}"/>
+                <a16:creationId xmlns:a16="http://schemas.microsoft.com/office/drawing/2014/main" id="{3A63626D-0E6E-4023-ABFC-A744C9862159}"/>
               </a:ext>
             </a:extLst>
           </p:cNvPr>
@@ -19507,33 +14718,33 @@
             <a:spLocks noGrp="1"/>
           </p:cNvSpPr>
           <p:nvPr>
-            <p:ph type="body" sz="quarter" idx="20"/>
+            <p:ph type="body" sz="quarter" idx="13"/>
           </p:nvPr>
         </p:nvSpPr>
         <p:spPr>
           <a:xfrm>
-            <a:off x="3600529" y="3781425"/>
-            <a:ext cx="2188570" cy="365760"/>
+            <a:off x="4341573" y="1731375"/>
+            <a:ext cx="3566160" cy="535354"/>
           </a:xfrm>
         </p:spPr>
         <p:txBody>
           <a:bodyPr rtlCol="0"/>
           <a:lstStyle/>
           <a:p>
-            <a:pPr algn="ctr" rtl="0"/>
+            <a:pPr rtl="0"/>
             <a:r>
-              <a:rPr lang="pl-PL" dirty="0"/>
-              <a:t>Imię i nazwisko</a:t>
+              <a:rPr lang="pl-PL"/>
+              <a:t>podtytuł</a:t>
             </a:r>
           </a:p>
         </p:txBody>
       </p:sp>
       <p:sp>
         <p:nvSpPr>
-          <p:cNvPr id="42" name="Tekst — symbol zastępczy 41">
+          <p:cNvPr id="13" name="Zawartość — symbol zastępczy 12">
             <a:extLst>
               <a:ext uri="{FF2B5EF4-FFF2-40B4-BE49-F238E27FC236}">
-                <a16:creationId xmlns:a16="http://schemas.microsoft.com/office/drawing/2014/main" id="{CCDF84CD-BC27-4182-9FBA-9D4FEED95410}"/>
+                <a16:creationId xmlns:a16="http://schemas.microsoft.com/office/drawing/2014/main" id="{258E9390-685C-4BAD-BFAD-EC56E81C4745}"/>
               </a:ext>
             </a:extLst>
           </p:cNvPr>
@@ -19541,33 +14752,63 @@
             <a:spLocks noGrp="1"/>
           </p:cNvSpPr>
           <p:nvPr>
-            <p:ph type="body" sz="quarter" idx="19"/>
+            <p:ph sz="quarter" idx="14"/>
           </p:nvPr>
         </p:nvSpPr>
         <p:spPr>
           <a:xfrm>
-            <a:off x="3838384" y="4232949"/>
-            <a:ext cx="1711572" cy="638175"/>
+            <a:off x="4341573" y="2427370"/>
+            <a:ext cx="3508755" cy="3515555"/>
           </a:xfrm>
         </p:spPr>
         <p:txBody>
-          <a:bodyPr rtlCol="0"/>
+          <a:bodyPr rtlCol="0">
+            <a:noAutofit/>
+          </a:bodyPr>
           <a:lstStyle/>
+          <a:p>
+            <a:pPr lvl="0" rtl="0"/>
+            <a:r>
+              <a:rPr lang="pl-PL" sz="1600"/>
+              <a:t>Dodaj tekst, obrazy, grafiki i klipy wideo. </a:t>
+            </a:r>
+          </a:p>
+          <a:p>
+            <a:pPr lvl="0" rtl="0"/>
+            <a:r>
+              <a:rPr lang="pl-PL" sz="1600"/>
+              <a:t>Dodaj przejścia, animacje i ruch. </a:t>
+            </a:r>
+          </a:p>
+          <a:p>
+            <a:pPr lvl="0" rtl="0"/>
+            <a:r>
+              <a:rPr lang="pl-PL" sz="1600"/>
+              <a:t>Zapisuj prezentacje w usłudze OneDrive, aby uzyskać do nich dostęp z komputera, tabletu lub telefonu. </a:t>
+            </a:r>
+          </a:p>
           <a:p>
             <a:pPr rtl="0"/>
             <a:r>
-              <a:rPr lang="pl-PL"/>
-              <a:t>Tytuł</a:t>
+              <a:rPr lang="pl-PL" sz="1600"/>
+              <a:t>Otwórz okienko Pomysły dotyczące projektu, aby korzystać z błyskawicznych przeobrażeń slajdów. </a:t>
+            </a:r>
+          </a:p>
+          <a:p>
+            <a:pPr rtl="0"/>
+            <a:r>
+              <a:rPr lang="pl-PL" sz="1600"/>
+              <a:t>W tym miejscu będziemy przedstawiać nasze pomysły projektowe.</a:t>
             </a:r>
           </a:p>
         </p:txBody>
       </p:sp>
       <p:sp>
         <p:nvSpPr>
-          <p:cNvPr id="45" name="Tekst — symbol zastępczy 44">
+          <p:cNvPr id="10" name="Tekst — symbol zastępczy 9">
             <a:extLst>
               <a:ext uri="{FF2B5EF4-FFF2-40B4-BE49-F238E27FC236}">
-                <a16:creationId xmlns:a16="http://schemas.microsoft.com/office/drawing/2014/main" id="{FE5CD03B-066A-46AF-8FB8-E8A78074ABEF}"/>
+                <a16:creationId xmlns:a16="http://schemas.microsoft.com/office/drawing/2014/main" id="{34A9BC34-CFDB-4D7A-8D6C-1CE608D0909F}"/>
               </a:ext>
             </a:extLst>
           </p:cNvPr>
@@ -19575,33 +14816,34 @@
             <a:spLocks noGrp="1"/>
           </p:cNvSpPr>
           <p:nvPr>
-            <p:ph type="body" sz="quarter" idx="22"/>
+            <p:ph type="body" sz="quarter" idx="3"/>
           </p:nvPr>
         </p:nvSpPr>
         <p:spPr>
           <a:xfrm>
-            <a:off x="6400484" y="3781425"/>
-            <a:ext cx="2235844" cy="365760"/>
+            <a:off x="8139659" y="1731375"/>
+            <a:ext cx="3566160" cy="535354"/>
           </a:xfrm>
         </p:spPr>
         <p:txBody>
           <a:bodyPr rtlCol="0"/>
           <a:lstStyle/>
           <a:p>
-            <a:pPr algn="ctr" rtl="0"/>
+            <a:pPr rtl="0"/>
             <a:r>
-              <a:rPr lang="pl-PL" dirty="0"/>
-              <a:t>Imię i nazwisko</a:t>
+              <a:rPr lang="pl-PL"/>
+              <a:t>podtytuł</a:t>
             </a:r>
+            <a:endParaRPr lang="pl-PL" dirty="0"/>
           </a:p>
         </p:txBody>
       </p:sp>
       <p:sp>
         <p:nvSpPr>
-          <p:cNvPr id="44" name="Tekst — symbol zastępczy 43">
+          <p:cNvPr id="11" name="Zawartość — symbol zastępczy 10">
             <a:extLst>
               <a:ext uri="{FF2B5EF4-FFF2-40B4-BE49-F238E27FC236}">
-                <a16:creationId xmlns:a16="http://schemas.microsoft.com/office/drawing/2014/main" id="{10E83414-3440-46C7-8C07-7D073B69C422}"/>
+                <a16:creationId xmlns:a16="http://schemas.microsoft.com/office/drawing/2014/main" id="{1D014E48-5DD9-49CE-AD5B-0FEF69204F68}"/>
               </a:ext>
             </a:extLst>
           </p:cNvPr>
@@ -19609,101 +14851,63 @@
             <a:spLocks noGrp="1"/>
           </p:cNvSpPr>
           <p:nvPr>
-            <p:ph type="body" sz="quarter" idx="21"/>
+            <p:ph sz="quarter" idx="4"/>
           </p:nvPr>
         </p:nvSpPr>
         <p:spPr>
           <a:xfrm>
-            <a:off x="6661976" y="4232949"/>
-            <a:ext cx="1711572" cy="638175"/>
+            <a:off x="8139659" y="2427370"/>
+            <a:ext cx="3508755" cy="3515555"/>
           </a:xfrm>
         </p:spPr>
         <p:txBody>
-          <a:bodyPr rtlCol="0"/>
+          <a:bodyPr rtlCol="0">
+            <a:noAutofit/>
+          </a:bodyPr>
           <a:lstStyle/>
+          <a:p>
+            <a:pPr lvl="0" rtl="0"/>
+            <a:r>
+              <a:rPr lang="pl-PL" sz="1600"/>
+              <a:t>Dodaj tekst, obrazy, grafiki i klipy wideo. </a:t>
+            </a:r>
+          </a:p>
+          <a:p>
+            <a:pPr lvl="0" rtl="0"/>
+            <a:r>
+              <a:rPr lang="pl-PL" sz="1600"/>
+              <a:t>Dodaj przejścia, animacje i ruch. </a:t>
+            </a:r>
+          </a:p>
+          <a:p>
+            <a:pPr lvl="0" rtl="0"/>
+            <a:r>
+              <a:rPr lang="pl-PL" sz="1600"/>
+              <a:t>Zapisuj prezentacje w usłudze OneDrive, aby uzyskać do nich dostęp z komputera, tabletu lub telefonu. </a:t>
+            </a:r>
+          </a:p>
           <a:p>
             <a:pPr rtl="0"/>
             <a:r>
-              <a:rPr lang="pl-PL"/>
-              <a:t>Tytuł</a:t>
+              <a:rPr lang="pl-PL" sz="1600"/>
+              <a:t>Otwórz okienko Pomysły dotyczące projektu, aby korzystać z błyskawicznych przeobrażeń slajdów. </a:t>
+            </a:r>
+          </a:p>
+          <a:p>
+            <a:pPr rtl="0"/>
+            <a:r>
+              <a:rPr lang="pl-PL" sz="1600"/>
+              <a:t>W tym miejscu będziemy przedstawiać nasze pomysły projektowe.</a:t>
             </a:r>
           </a:p>
         </p:txBody>
       </p:sp>
       <p:sp>
         <p:nvSpPr>
-          <p:cNvPr id="47" name="Tekst — symbol zastępczy 46">
+          <p:cNvPr id="14" name="Data — symbol zastępczy 13">
             <a:extLst>
               <a:ext uri="{FF2B5EF4-FFF2-40B4-BE49-F238E27FC236}">
-                <a16:creationId xmlns:a16="http://schemas.microsoft.com/office/drawing/2014/main" id="{F4640D91-CB97-4FCC-8FEF-F4B22B844DC4}"/>
-              </a:ext>
-            </a:extLst>
-          </p:cNvPr>
-          <p:cNvSpPr>
-            <a:spLocks noGrp="1"/>
-          </p:cNvSpPr>
-          <p:nvPr>
-            <p:ph type="body" sz="quarter" idx="24"/>
-          </p:nvPr>
-        </p:nvSpPr>
-        <p:spPr>
-          <a:xfrm>
-            <a:off x="9175215" y="3787288"/>
-            <a:ext cx="2227120" cy="365760"/>
-          </a:xfrm>
-        </p:spPr>
-        <p:txBody>
-          <a:bodyPr rtlCol="0"/>
-          <a:lstStyle/>
-          <a:p>
-            <a:pPr algn="ctr" rtl="0"/>
-            <a:r>
-              <a:rPr lang="pl-PL" dirty="0"/>
-              <a:t>Imię i nazwisko</a:t>
-            </a:r>
-          </a:p>
-        </p:txBody>
-      </p:sp>
-      <p:sp>
-        <p:nvSpPr>
-          <p:cNvPr id="3" name="Tekst — symbol zastępczy 2">
-            <a:extLst>
-              <a:ext uri="{FF2B5EF4-FFF2-40B4-BE49-F238E27FC236}">
-                <a16:creationId xmlns:a16="http://schemas.microsoft.com/office/drawing/2014/main" id="{B1C6A53C-7538-4FF9-BC09-EFC116FE7054}"/>
-              </a:ext>
-            </a:extLst>
-          </p:cNvPr>
-          <p:cNvSpPr>
-            <a:spLocks noGrp="1"/>
-          </p:cNvSpPr>
-          <p:nvPr>
-            <p:ph type="body" sz="quarter" idx="23"/>
-          </p:nvPr>
-        </p:nvSpPr>
-        <p:spPr>
-          <a:xfrm>
-            <a:off x="9432345" y="4238812"/>
-            <a:ext cx="1711572" cy="638175"/>
-          </a:xfrm>
-        </p:spPr>
-        <p:txBody>
-          <a:bodyPr rtlCol="0"/>
-          <a:lstStyle/>
-          <a:p>
-            <a:pPr rtl="0"/>
-            <a:r>
-              <a:rPr lang="pl-PL"/>
-              <a:t>Tytuł</a:t>
-            </a:r>
-          </a:p>
-        </p:txBody>
-      </p:sp>
-      <p:sp>
-        <p:nvSpPr>
-          <p:cNvPr id="7" name="Data — symbol zastępczy 6">
-            <a:extLst>
-              <a:ext uri="{FF2B5EF4-FFF2-40B4-BE49-F238E27FC236}">
-                <a16:creationId xmlns:a16="http://schemas.microsoft.com/office/drawing/2014/main" id="{45F69D6A-822D-4DB9-A2CC-D9106F1F2B68}"/>
+                <a16:creationId xmlns:a16="http://schemas.microsoft.com/office/drawing/2014/main" id="{D236478C-E242-44E0-8357-C72C9B588CA7}"/>
               </a:ext>
             </a:extLst>
           </p:cNvPr>
@@ -19735,10 +14939,10 @@
       </p:sp>
       <p:sp>
         <p:nvSpPr>
-          <p:cNvPr id="8" name="Stopka — symbol zastępczy 7">
+          <p:cNvPr id="15" name="Stopka — symbol zastępczy 14">
             <a:extLst>
               <a:ext uri="{FF2B5EF4-FFF2-40B4-BE49-F238E27FC236}">
-                <a16:creationId xmlns:a16="http://schemas.microsoft.com/office/drawing/2014/main" id="{6375D7F3-165A-439B-8D1D-6553B68C2886}"/>
+                <a16:creationId xmlns:a16="http://schemas.microsoft.com/office/drawing/2014/main" id="{65A6DC02-681E-4AF7-AC6E-57CDDB2FBA28}"/>
               </a:ext>
             </a:extLst>
           </p:cNvPr>
@@ -19769,10 +14973,10 @@
       </p:sp>
       <p:sp>
         <p:nvSpPr>
-          <p:cNvPr id="9" name="Numer slajdu — symbol zastępczy 8">
+          <p:cNvPr id="16" name="Numer slajdu — symbol zastępczy 15">
             <a:extLst>
               <a:ext uri="{FF2B5EF4-FFF2-40B4-BE49-F238E27FC236}">
-                <a16:creationId xmlns:a16="http://schemas.microsoft.com/office/drawing/2014/main" id="{7AF9A883-CC44-4401-AE67-8FCEACB7DDDA}"/>
+                <a16:creationId xmlns:a16="http://schemas.microsoft.com/office/drawing/2014/main" id="{CF0A8666-4477-461C-A79D-E91232EE973E}"/>
               </a:ext>
             </a:extLst>
           </p:cNvPr>
@@ -19806,7 +15010,7 @@
     </p:spTree>
     <p:extLst>
       <p:ext uri="{BB962C8B-B14F-4D97-AF65-F5344CB8AC3E}">
-        <p14:creationId xmlns:p14="http://schemas.microsoft.com/office/powerpoint/2010/main" val="2979876663"/>
+        <p14:creationId xmlns:p14="http://schemas.microsoft.com/office/powerpoint/2010/main" val="1420547054"/>
       </p:ext>
     </p:extLst>
   </p:cSld>
@@ -19835,10 +15039,10 @@
       </p:grpSpPr>
       <p:sp>
         <p:nvSpPr>
-          <p:cNvPr id="3" name="Tytuł 2">
+          <p:cNvPr id="11" name="Tytuł 10">
             <a:extLst>
               <a:ext uri="{FF2B5EF4-FFF2-40B4-BE49-F238E27FC236}">
-                <a16:creationId xmlns:a16="http://schemas.microsoft.com/office/drawing/2014/main" id="{FAD72D26-24EF-4CBD-9431-A558CB7CA906}"/>
+                <a16:creationId xmlns:a16="http://schemas.microsoft.com/office/drawing/2014/main" id="{581E8936-2270-47FE-94A4-398CB123EF90}"/>
               </a:ext>
             </a:extLst>
           </p:cNvPr>
@@ -19851,59 +15055,30 @@
         </p:nvSpPr>
         <p:spPr>
           <a:xfrm>
-            <a:off x="550862" y="549275"/>
-            <a:ext cx="11091600" cy="1332000"/>
+            <a:off x="550863" y="549275"/>
+            <a:ext cx="11090274" cy="1332000"/>
           </a:xfrm>
         </p:spPr>
         <p:txBody>
-          <a:bodyPr rtlCol="0"/>
+          <a:bodyPr wrap="square" rtlCol="0" anchor="t">
+            <a:normAutofit/>
+          </a:bodyPr>
           <a:lstStyle/>
           <a:p>
             <a:pPr rtl="0"/>
             <a:r>
-              <a:rPr lang="pl-PL"/>
-              <a:t>Oś czasu</a:t>
+              <a:rPr lang="pl-PL" dirty="0"/>
+              <a:t>Bibliografia</a:t>
             </a:r>
           </a:p>
         </p:txBody>
       </p:sp>
-      <p:graphicFrame>
-        <p:nvGraphicFramePr>
-          <p:cNvPr id="4" name="Zawartość — symbol zastępczy 3" descr="Oś czasu — symbol zastępczy grafiki SmartArt ">
+      <p:sp>
+        <p:nvSpPr>
+          <p:cNvPr id="13" name="Zawartość — symbol zastępczy 12">
             <a:extLst>
               <a:ext uri="{FF2B5EF4-FFF2-40B4-BE49-F238E27FC236}">
-                <a16:creationId xmlns:a16="http://schemas.microsoft.com/office/drawing/2014/main" id="{93897051-DA8D-4072-A594-51769F8D52F5}"/>
-              </a:ext>
-            </a:extLst>
-          </p:cNvPr>
-          <p:cNvGraphicFramePr>
-            <a:graphicFrameLocks noGrp="1"/>
-          </p:cNvGraphicFramePr>
-          <p:nvPr>
-            <p:ph idx="1"/>
-            <p:extLst>
-              <p:ext uri="{D42A27DB-BD31-4B8C-83A1-F6EECF244321}">
-                <p14:modId xmlns:p14="http://schemas.microsoft.com/office/powerpoint/2010/main" val="2564065309"/>
-              </p:ext>
-            </p:extLst>
-          </p:nvPr>
-        </p:nvGraphicFramePr>
-        <p:xfrm>
-          <a:off x="550863" y="2112963"/>
-          <a:ext cx="11090275" cy="3979862"/>
-        </p:xfrm>
-        <a:graphic>
-          <a:graphicData uri="http://schemas.openxmlformats.org/drawingml/2006/diagram">
-            <dgm:relIds xmlns:dgm="http://schemas.openxmlformats.org/drawingml/2006/diagram" xmlns:r="http://schemas.openxmlformats.org/officeDocument/2006/relationships" r:dm="rId3" r:lo="rId4" r:qs="rId5" r:cs="rId6"/>
-          </a:graphicData>
-        </a:graphic>
-      </p:graphicFrame>
-      <p:sp>
-        <p:nvSpPr>
-          <p:cNvPr id="2" name="Data — symbol zastępczy 1">
-            <a:extLst>
-              <a:ext uri="{FF2B5EF4-FFF2-40B4-BE49-F238E27FC236}">
-                <a16:creationId xmlns:a16="http://schemas.microsoft.com/office/drawing/2014/main" id="{81FCAF0A-629F-4EC6-B3E6-563ED999F360}"/>
+                <a16:creationId xmlns:a16="http://schemas.microsoft.com/office/drawing/2014/main" id="{C0287FEC-3826-4868-8D93-52429C6156F5}"/>
               </a:ext>
             </a:extLst>
           </p:cNvPr>
@@ -19911,59 +15086,61 @@
             <a:spLocks noGrp="1"/>
           </p:cNvSpPr>
           <p:nvPr>
-            <p:ph type="dt" sz="half" idx="10"/>
+            <p:ph sz="half" idx="1"/>
           </p:nvPr>
         </p:nvSpPr>
         <p:spPr>
           <a:xfrm>
-            <a:off x="550863" y="6507212"/>
-            <a:ext cx="2628900" cy="153888"/>
+            <a:off x="550862" y="2097175"/>
+            <a:ext cx="5435600" cy="3995650"/>
           </a:xfrm>
         </p:spPr>
         <p:txBody>
-          <a:bodyPr rtlCol="0"/>
+          <a:bodyPr wrap="square" rtlCol="0">
+            <a:normAutofit/>
+          </a:bodyPr>
           <a:lstStyle/>
           <a:p>
             <a:pPr rtl="0"/>
             <a:r>
-              <a:rPr lang="pl-PL"/>
-              <a:t>Wtorek, 2 lutego 20XX</a:t>
+              <a:rPr lang="pl-PL" dirty="0"/>
+              <a:t>[1]</a:t>
+            </a:r>
+            <a:r>
+              <a:rPr lang="pl-PL" dirty="0" err="1">
+                <a:hlinkClick r:id="rId3"/>
+              </a:rPr>
+              <a:t>Cyclic_redundancy_check_wikipedia</a:t>
             </a:r>
             <a:endParaRPr lang="pl-PL" dirty="0"/>
           </a:p>
-        </p:txBody>
-      </p:sp>
-      <p:sp>
-        <p:nvSpPr>
-          <p:cNvPr id="7" name="Stopka — symbol zastępczy 6">
-            <a:extLst>
-              <a:ext uri="{FF2B5EF4-FFF2-40B4-BE49-F238E27FC236}">
-                <a16:creationId xmlns:a16="http://schemas.microsoft.com/office/drawing/2014/main" id="{920A7C57-D6C5-4BA0-AB3C-41D4E3436B0E}"/>
-              </a:ext>
-            </a:extLst>
-          </p:cNvPr>
-          <p:cNvSpPr>
-            <a:spLocks noGrp="1"/>
-          </p:cNvSpPr>
-          <p:nvPr>
-            <p:ph type="ftr" sz="quarter" idx="11"/>
-          </p:nvPr>
-        </p:nvSpPr>
-        <p:spPr>
-          <a:xfrm>
-            <a:off x="3359150" y="6507212"/>
-            <a:ext cx="6379210" cy="153888"/>
-          </a:xfrm>
-        </p:spPr>
-        <p:txBody>
-          <a:bodyPr rtlCol="0"/>
-          <a:lstStyle/>
           <a:p>
             <a:pPr rtl="0"/>
             <a:r>
-              <a:rPr lang="pl-PL"/>
-              <a:t>Przykładowy tekst stopki</a:t>
+              <a:rPr lang="pl-PL" dirty="0"/>
+              <a:t>[2]</a:t>
             </a:r>
+            <a:r>
+              <a:rPr lang="pl-PL" dirty="0" err="1">
+                <a:hlinkClick r:id="rId4"/>
+              </a:rPr>
+              <a:t>Mathematics_of_CRC</a:t>
+            </a:r>
+            <a:endParaRPr lang="pl-PL" dirty="0"/>
+          </a:p>
+          <a:p>
+            <a:pPr rtl="0"/>
+            <a:r>
+              <a:rPr lang="pl-PL" dirty="0"/>
+              <a:t>[3]</a:t>
+            </a:r>
+            <a:r>
+              <a:rPr lang="pl-PL" dirty="0">
+                <a:hlinkClick r:id="rId5"/>
+              </a:rPr>
+              <a:t>IEEE 802.3 - 2022</a:t>
+            </a:r>
+            <a:endParaRPr lang="pl-PL" dirty="0"/>
           </a:p>
         </p:txBody>
       </p:sp>
@@ -19972,7 +15149,7 @@
           <p:cNvPr id="6" name="Numer slajdu — symbol zastępczy 5">
             <a:extLst>
               <a:ext uri="{FF2B5EF4-FFF2-40B4-BE49-F238E27FC236}">
-                <a16:creationId xmlns:a16="http://schemas.microsoft.com/office/drawing/2014/main" id="{5E5CAC52-3FD1-464A-805A-B8F7AF04574A}"/>
+                <a16:creationId xmlns:a16="http://schemas.microsoft.com/office/drawing/2014/main" id="{9ED907F8-C614-4D59-A03F-BF9CD5E35703}"/>
               </a:ext>
             </a:extLst>
           </p:cNvPr>
@@ -19990,15 +15167,50 @@
           </a:xfrm>
         </p:spPr>
         <p:txBody>
-          <a:bodyPr rtlCol="0"/>
+          <a:bodyPr wrap="square" rtlCol="0" anchor="ctr">
+            <a:normAutofit/>
+          </a:bodyPr>
           <a:lstStyle/>
           <a:p>
-            <a:pPr rtl="0"/>
+            <a:pPr rtl="0">
+              <a:spcAft>
+                <a:spcPts val="600"/>
+              </a:spcAft>
+            </a:pPr>
             <a:fld id="{DBA1B0FB-D917-4C8C-928F-313BD683BF39}" type="slidenum">
               <a:rPr lang="pl-PL" smtClean="0"/>
-              <a:pPr rtl="0"/>
+              <a:pPr rtl="0">
+                <a:spcAft>
+                  <a:spcPts val="600"/>
+                </a:spcAft>
+              </a:pPr>
               <a:t>12</a:t>
             </a:fld>
+            <a:endParaRPr lang="pl-PL"/>
+          </a:p>
+        </p:txBody>
+      </p:sp>
+      <p:sp>
+        <p:nvSpPr>
+          <p:cNvPr id="3" name="Symbol zastępczy zawartości 2">
+            <a:extLst>
+              <a:ext uri="{FF2B5EF4-FFF2-40B4-BE49-F238E27FC236}">
+                <a16:creationId xmlns:a16="http://schemas.microsoft.com/office/drawing/2014/main" id="{6529BA9D-6250-284C-255C-31D8AC37A94A}"/>
+              </a:ext>
+            </a:extLst>
+          </p:cNvPr>
+          <p:cNvSpPr>
+            <a:spLocks noGrp="1"/>
+          </p:cNvSpPr>
+          <p:nvPr>
+            <p:ph sz="half" idx="2"/>
+          </p:nvPr>
+        </p:nvSpPr>
+        <p:spPr/>
+        <p:txBody>
+          <a:bodyPr/>
+          <a:lstStyle/>
+          <a:p>
             <a:endParaRPr lang="pl-PL"/>
           </a:p>
         </p:txBody>
@@ -20006,7 +15218,7 @@
     </p:spTree>
     <p:extLst>
       <p:ext uri="{BB962C8B-B14F-4D97-AF65-F5344CB8AC3E}">
-        <p14:creationId xmlns:p14="http://schemas.microsoft.com/office/powerpoint/2010/main" val="2624630061"/>
+        <p14:creationId xmlns:p14="http://schemas.microsoft.com/office/powerpoint/2010/main" val="3521561301"/>
       </p:ext>
     </p:extLst>
   </p:cSld>
@@ -20033,340 +15245,12 @@
           <a:chExt cx="0" cy="0"/>
         </a:xfrm>
       </p:grpSpPr>
-      <p:grpSp>
-        <p:nvGrpSpPr>
-          <p:cNvPr id="25" name="Grupa 24">
+      <p:sp>
+        <p:nvSpPr>
+          <p:cNvPr id="22" name="Tytuł 21">
             <a:extLst>
               <a:ext uri="{FF2B5EF4-FFF2-40B4-BE49-F238E27FC236}">
-                <a16:creationId xmlns:a16="http://schemas.microsoft.com/office/drawing/2014/main" id="{D10F3D66-0109-4903-90B9-66D0E288F721}"/>
-              </a:ext>
-              <a:ext uri="{C183D7F6-B498-43B3-948B-1728B52AA6E4}">
-                <adec:decorative xmlns:adec="http://schemas.microsoft.com/office/drawing/2017/decorative" val="1"/>
-              </a:ext>
-            </a:extLst>
-          </p:cNvPr>
-          <p:cNvGrpSpPr/>
-          <p:nvPr/>
-        </p:nvGrpSpPr>
-        <p:grpSpPr>
-          <a:xfrm>
-            <a:off x="10379261" y="2030035"/>
-            <a:ext cx="1335600" cy="1262947"/>
-            <a:chOff x="10145015" y="2343978"/>
-            <a:chExt cx="1335600" cy="1262947"/>
-          </a:xfrm>
-        </p:grpSpPr>
-        <p:sp>
-          <p:nvSpPr>
-            <p:cNvPr id="26" name="Dowolny kształt: Kształt 25">
-              <a:extLst>
-                <a:ext uri="{FF2B5EF4-FFF2-40B4-BE49-F238E27FC236}">
-                  <a16:creationId xmlns:a16="http://schemas.microsoft.com/office/drawing/2014/main" id="{57DAB968-9B52-4EFF-AD39-7657DFEA6E48}"/>
-                </a:ext>
-              </a:extLst>
-            </p:cNvPr>
-            <p:cNvSpPr>
-              <a:spLocks noChangeAspect="1"/>
-            </p:cNvSpPr>
-            <p:nvPr/>
-          </p:nvSpPr>
-          <p:spPr>
-            <a:xfrm rot="8100000">
-              <a:off x="10400615" y="2343978"/>
-              <a:ext cx="1080000" cy="1262947"/>
-            </a:xfrm>
-            <a:custGeom>
-              <a:avLst/>
-              <a:gdLst>
-                <a:gd name="connsiteX0" fmla="*/ 540000 w 1080000"/>
-                <a:gd name="connsiteY0" fmla="*/ 0 h 1262947"/>
-                <a:gd name="connsiteX1" fmla="*/ 1080000 w 1080000"/>
-                <a:gd name="connsiteY1" fmla="*/ 931034 h 1262947"/>
-                <a:gd name="connsiteX2" fmla="*/ 1064374 w 1080000"/>
-                <a:gd name="connsiteY2" fmla="*/ 931034 h 1262947"/>
-                <a:gd name="connsiteX3" fmla="*/ 1069029 w 1080000"/>
-                <a:gd name="connsiteY3" fmla="*/ 938533 h 1262947"/>
-                <a:gd name="connsiteX4" fmla="*/ 1080000 w 1080000"/>
-                <a:gd name="connsiteY4" fmla="*/ 992947 h 1262947"/>
-                <a:gd name="connsiteX5" fmla="*/ 540000 w 1080000"/>
-                <a:gd name="connsiteY5" fmla="*/ 1262947 h 1262947"/>
-                <a:gd name="connsiteX6" fmla="*/ 0 w 1080000"/>
-                <a:gd name="connsiteY6" fmla="*/ 992947 h 1262947"/>
-                <a:gd name="connsiteX7" fmla="*/ 10971 w 1080000"/>
-                <a:gd name="connsiteY7" fmla="*/ 938533 h 1262947"/>
-                <a:gd name="connsiteX8" fmla="*/ 15626 w 1080000"/>
-                <a:gd name="connsiteY8" fmla="*/ 931034 h 1262947"/>
-                <a:gd name="connsiteX9" fmla="*/ 0 w 1080000"/>
-                <a:gd name="connsiteY9" fmla="*/ 931034 h 1262947"/>
-                <a:gd name="connsiteX0" fmla="*/ 540000 w 1080000"/>
-                <a:gd name="connsiteY0" fmla="*/ 0 h 1262947"/>
-                <a:gd name="connsiteX1" fmla="*/ 1080000 w 1080000"/>
-                <a:gd name="connsiteY1" fmla="*/ 931034 h 1262947"/>
-                <a:gd name="connsiteX2" fmla="*/ 1064374 w 1080000"/>
-                <a:gd name="connsiteY2" fmla="*/ 931034 h 1262947"/>
-                <a:gd name="connsiteX3" fmla="*/ 1069029 w 1080000"/>
-                <a:gd name="connsiteY3" fmla="*/ 938533 h 1262947"/>
-                <a:gd name="connsiteX4" fmla="*/ 1080000 w 1080000"/>
-                <a:gd name="connsiteY4" fmla="*/ 992947 h 1262947"/>
-                <a:gd name="connsiteX5" fmla="*/ 540000 w 1080000"/>
-                <a:gd name="connsiteY5" fmla="*/ 1262947 h 1262947"/>
-                <a:gd name="connsiteX6" fmla="*/ 0 w 1080000"/>
-                <a:gd name="connsiteY6" fmla="*/ 992947 h 1262947"/>
-                <a:gd name="connsiteX7" fmla="*/ 10971 w 1080000"/>
-                <a:gd name="connsiteY7" fmla="*/ 938533 h 1262947"/>
-                <a:gd name="connsiteX8" fmla="*/ 15626 w 1080000"/>
-                <a:gd name="connsiteY8" fmla="*/ 931034 h 1262947"/>
-                <a:gd name="connsiteX9" fmla="*/ 540000 w 1080000"/>
-                <a:gd name="connsiteY9" fmla="*/ 0 h 1262947"/>
-                <a:gd name="connsiteX0" fmla="*/ 540000 w 1080000"/>
-                <a:gd name="connsiteY0" fmla="*/ 0 h 1262947"/>
-                <a:gd name="connsiteX1" fmla="*/ 1064374 w 1080000"/>
-                <a:gd name="connsiteY1" fmla="*/ 931034 h 1262947"/>
-                <a:gd name="connsiteX2" fmla="*/ 1069029 w 1080000"/>
-                <a:gd name="connsiteY2" fmla="*/ 938533 h 1262947"/>
-                <a:gd name="connsiteX3" fmla="*/ 1080000 w 1080000"/>
-                <a:gd name="connsiteY3" fmla="*/ 992947 h 1262947"/>
-                <a:gd name="connsiteX4" fmla="*/ 540000 w 1080000"/>
-                <a:gd name="connsiteY4" fmla="*/ 1262947 h 1262947"/>
-                <a:gd name="connsiteX5" fmla="*/ 0 w 1080000"/>
-                <a:gd name="connsiteY5" fmla="*/ 992947 h 1262947"/>
-                <a:gd name="connsiteX6" fmla="*/ 10971 w 1080000"/>
-                <a:gd name="connsiteY6" fmla="*/ 938533 h 1262947"/>
-                <a:gd name="connsiteX7" fmla="*/ 15626 w 1080000"/>
-                <a:gd name="connsiteY7" fmla="*/ 931034 h 1262947"/>
-                <a:gd name="connsiteX8" fmla="*/ 540000 w 1080000"/>
-                <a:gd name="connsiteY8" fmla="*/ 0 h 1262947"/>
-              </a:gdLst>
-              <a:ahLst/>
-              <a:cxnLst>
-                <a:cxn ang="0">
-                  <a:pos x="connsiteX0" y="connsiteY0"/>
-                </a:cxn>
-                <a:cxn ang="0">
-                  <a:pos x="connsiteX1" y="connsiteY1"/>
-                </a:cxn>
-                <a:cxn ang="0">
-                  <a:pos x="connsiteX2" y="connsiteY2"/>
-                </a:cxn>
-                <a:cxn ang="0">
-                  <a:pos x="connsiteX3" y="connsiteY3"/>
-                </a:cxn>
-                <a:cxn ang="0">
-                  <a:pos x="connsiteX4" y="connsiteY4"/>
-                </a:cxn>
-                <a:cxn ang="0">
-                  <a:pos x="connsiteX5" y="connsiteY5"/>
-                </a:cxn>
-                <a:cxn ang="0">
-                  <a:pos x="connsiteX6" y="connsiteY6"/>
-                </a:cxn>
-                <a:cxn ang="0">
-                  <a:pos x="connsiteX7" y="connsiteY7"/>
-                </a:cxn>
-                <a:cxn ang="0">
-                  <a:pos x="connsiteX8" y="connsiteY8"/>
-                </a:cxn>
-              </a:cxnLst>
-              <a:rect l="l" t="t" r="r" b="b"/>
-              <a:pathLst>
-                <a:path w="1080000" h="1262947">
-                  <a:moveTo>
-                    <a:pt x="540000" y="0"/>
-                  </a:moveTo>
-                  <a:lnTo>
-                    <a:pt x="1064374" y="931034"/>
-                  </a:lnTo>
-                  <a:lnTo>
-                    <a:pt x="1069029" y="938533"/>
-                  </a:lnTo>
-                  <a:cubicBezTo>
-                    <a:pt x="1076223" y="956109"/>
-                    <a:pt x="1080000" y="974307"/>
-                    <a:pt x="1080000" y="992947"/>
-                  </a:cubicBezTo>
-                  <a:cubicBezTo>
-                    <a:pt x="1080000" y="1142064"/>
-                    <a:pt x="838234" y="1262947"/>
-                    <a:pt x="540000" y="1262947"/>
-                  </a:cubicBezTo>
-                  <a:cubicBezTo>
-                    <a:pt x="241766" y="1262947"/>
-                    <a:pt x="0" y="1142064"/>
-                    <a:pt x="0" y="992947"/>
-                  </a:cubicBezTo>
-                  <a:cubicBezTo>
-                    <a:pt x="0" y="974307"/>
-                    <a:pt x="3778" y="956109"/>
-                    <a:pt x="10971" y="938533"/>
-                  </a:cubicBezTo>
-                  <a:lnTo>
-                    <a:pt x="15626" y="931034"/>
-                  </a:lnTo>
-                  <a:lnTo>
-                    <a:pt x="540000" y="0"/>
-                  </a:lnTo>
-                  <a:close/>
-                </a:path>
-              </a:pathLst>
-            </a:custGeom>
-            <a:gradFill>
-              <a:gsLst>
-                <a:gs pos="60000">
-                  <a:schemeClr val="bg2">
-                    <a:lumMod val="90000"/>
-                    <a:lumOff val="10000"/>
-                  </a:schemeClr>
-                </a:gs>
-                <a:gs pos="30000">
-                  <a:schemeClr val="bg2">
-                    <a:lumMod val="90000"/>
-                    <a:lumOff val="10000"/>
-                  </a:schemeClr>
-                </a:gs>
-                <a:gs pos="40000">
-                  <a:schemeClr val="bg2">
-                    <a:lumMod val="80000"/>
-                    <a:lumOff val="20000"/>
-                  </a:schemeClr>
-                </a:gs>
-                <a:gs pos="100000">
-                  <a:schemeClr val="bg2"/>
-                </a:gs>
-              </a:gsLst>
-              <a:lin ang="600000" scaled="0"/>
-            </a:gradFill>
-            <a:ln>
-              <a:noFill/>
-            </a:ln>
-            <a:effectLst>
-              <a:innerShdw blurRad="254000" dist="101600" dir="7320000">
-                <a:schemeClr val="accent1">
-                  <a:lumMod val="60000"/>
-                  <a:lumOff val="40000"/>
-                  <a:alpha val="40000"/>
-                </a:schemeClr>
-              </a:innerShdw>
-            </a:effectLst>
-          </p:spPr>
-          <p:style>
-            <a:lnRef idx="2">
-              <a:schemeClr val="accent1">
-                <a:shade val="50000"/>
-              </a:schemeClr>
-            </a:lnRef>
-            <a:fillRef idx="1">
-              <a:schemeClr val="accent1"/>
-            </a:fillRef>
-            <a:effectRef idx="0">
-              <a:schemeClr val="accent1"/>
-            </a:effectRef>
-            <a:fontRef idx="minor">
-              <a:schemeClr val="lt1"/>
-            </a:fontRef>
-          </p:style>
-          <p:txBody>
-            <a:bodyPr rot="0" spcFirstLastPara="0" vertOverflow="overflow" horzOverflow="overflow" vert="horz" wrap="square" lIns="91440" tIns="45720" rIns="91440" bIns="45720" numCol="1" spcCol="0" rtlCol="0" fromWordArt="0" anchor="ctr" anchorCtr="0" forceAA="0" compatLnSpc="1">
-              <a:prstTxWarp prst="textNoShape">
-                <a:avLst/>
-              </a:prstTxWarp>
-              <a:noAutofit/>
-            </a:bodyPr>
-            <a:lstStyle/>
-            <a:p>
-              <a:pPr algn="ctr" rtl="0"/>
-              <a:endParaRPr lang="pl-PL"/>
-            </a:p>
-          </p:txBody>
-        </p:sp>
-        <p:sp>
-          <p:nvSpPr>
-            <p:cNvPr id="27" name="Owal 26">
-              <a:extLst>
-                <a:ext uri="{FF2B5EF4-FFF2-40B4-BE49-F238E27FC236}">
-                  <a16:creationId xmlns:a16="http://schemas.microsoft.com/office/drawing/2014/main" id="{962BE440-9634-4380-B142-5DB692420C52}"/>
-                </a:ext>
-              </a:extLst>
-            </p:cNvPr>
-            <p:cNvSpPr/>
-            <p:nvPr/>
-          </p:nvSpPr>
-          <p:spPr>
-            <a:xfrm rot="13500000">
-              <a:off x="10415015" y="2179851"/>
-              <a:ext cx="540000" cy="1080000"/>
-            </a:xfrm>
-            <a:prstGeom prst="ellipse">
-              <a:avLst/>
-            </a:prstGeom>
-            <a:gradFill>
-              <a:gsLst>
-                <a:gs pos="100000">
-                  <a:schemeClr val="accent1">
-                    <a:lumMod val="60000"/>
-                    <a:lumOff val="40000"/>
-                    <a:alpha val="0"/>
-                  </a:schemeClr>
-                </a:gs>
-                <a:gs pos="0">
-                  <a:schemeClr val="bg2">
-                    <a:lumMod val="75000"/>
-                    <a:lumOff val="25000"/>
-                    <a:alpha val="33000"/>
-                  </a:schemeClr>
-                </a:gs>
-              </a:gsLst>
-              <a:lin ang="5400000" scaled="0"/>
-            </a:gradFill>
-            <a:ln>
-              <a:noFill/>
-            </a:ln>
-            <a:effectLst>
-              <a:innerShdw blurRad="1270000" dist="2540000">
-                <a:schemeClr val="accent1">
-                  <a:lumMod val="60000"/>
-                  <a:lumOff val="40000"/>
-                  <a:alpha val="0"/>
-                </a:schemeClr>
-              </a:innerShdw>
-            </a:effectLst>
-          </p:spPr>
-          <p:style>
-            <a:lnRef idx="2">
-              <a:schemeClr val="accent1">
-                <a:shade val="50000"/>
-              </a:schemeClr>
-            </a:lnRef>
-            <a:fillRef idx="1">
-              <a:schemeClr val="accent1"/>
-            </a:fillRef>
-            <a:effectRef idx="0">
-              <a:schemeClr val="accent1"/>
-            </a:effectRef>
-            <a:fontRef idx="minor">
-              <a:schemeClr val="lt1"/>
-            </a:fontRef>
-          </p:style>
-          <p:txBody>
-            <a:bodyPr rot="0" spcFirstLastPara="0" vertOverflow="overflow" horzOverflow="overflow" vert="horz" wrap="square" lIns="91440" tIns="45720" rIns="91440" bIns="45720" numCol="1" spcCol="0" rtlCol="0" fromWordArt="0" anchor="ctr" anchorCtr="0" forceAA="0" compatLnSpc="1">
-              <a:prstTxWarp prst="textNoShape">
-                <a:avLst/>
-              </a:prstTxWarp>
-              <a:noAutofit/>
-            </a:bodyPr>
-            <a:lstStyle/>
-            <a:p>
-              <a:pPr algn="ctr" rtl="0"/>
-              <a:endParaRPr lang="pl-PL"/>
-            </a:p>
-          </p:txBody>
-        </p:sp>
-      </p:grpSp>
-      <p:sp>
-        <p:nvSpPr>
-          <p:cNvPr id="7" name="Tytuł 6">
-            <a:extLst>
-              <a:ext uri="{FF2B5EF4-FFF2-40B4-BE49-F238E27FC236}">
-                <a16:creationId xmlns:a16="http://schemas.microsoft.com/office/drawing/2014/main" id="{4B18D636-CC10-4B1E-AA38-419DCCF2D9C9}"/>
+                <a16:creationId xmlns:a16="http://schemas.microsoft.com/office/drawing/2014/main" id="{F8FAEED9-1ECD-45F9-87A0-9394BAEABB79}"/>
               </a:ext>
             </a:extLst>
           </p:cNvPr>
@@ -20374,49 +15258,13 @@
             <a:spLocks noGrp="1"/>
           </p:cNvSpPr>
           <p:nvPr>
-            <p:ph type="title"/>
+            <p:ph type="ctrTitle"/>
           </p:nvPr>
         </p:nvSpPr>
         <p:spPr>
           <a:xfrm>
-            <a:off x="550862" y="549275"/>
-            <a:ext cx="11097551" cy="1332000"/>
-          </a:xfrm>
-        </p:spPr>
-        <p:txBody>
-          <a:bodyPr rtlCol="0">
-            <a:normAutofit/>
-          </a:bodyPr>
-          <a:lstStyle/>
-          <a:p>
-            <a:pPr rtl="0"/>
-            <a:r>
-              <a:rPr lang="pl-PL"/>
-              <a:t>Zawartość </a:t>
-            </a:r>
-          </a:p>
-        </p:txBody>
-      </p:sp>
-      <p:sp>
-        <p:nvSpPr>
-          <p:cNvPr id="9" name="Tekst — symbol zastępczy 8">
-            <a:extLst>
-              <a:ext uri="{FF2B5EF4-FFF2-40B4-BE49-F238E27FC236}">
-                <a16:creationId xmlns:a16="http://schemas.microsoft.com/office/drawing/2014/main" id="{0D098C43-2F2A-4100-89BC-5931039293FA}"/>
-              </a:ext>
-            </a:extLst>
-          </p:cNvPr>
-          <p:cNvSpPr>
-            <a:spLocks noGrp="1"/>
-          </p:cNvSpPr>
-          <p:nvPr>
-            <p:ph type="body" idx="1"/>
-          </p:nvPr>
-        </p:nvSpPr>
-        <p:spPr>
-          <a:xfrm>
-            <a:off x="550864" y="1731375"/>
-            <a:ext cx="5437186" cy="535354"/>
+            <a:off x="550863" y="549275"/>
+            <a:ext cx="6274810" cy="2986234"/>
           </a:xfrm>
         </p:spPr>
         <p:txBody>
@@ -20425,205 +15273,8 @@
           <a:p>
             <a:pPr rtl="0"/>
             <a:r>
-              <a:rPr lang="pl-PL"/>
-              <a:t>Podtytuł</a:t>
-            </a:r>
-            <a:endParaRPr lang="pl-PL" dirty="0"/>
-          </a:p>
-        </p:txBody>
-      </p:sp>
-      <p:sp>
-        <p:nvSpPr>
-          <p:cNvPr id="10" name="Zawartość — symbol zastępczy 9">
-            <a:extLst>
-              <a:ext uri="{FF2B5EF4-FFF2-40B4-BE49-F238E27FC236}">
-                <a16:creationId xmlns:a16="http://schemas.microsoft.com/office/drawing/2014/main" id="{1DB251F7-EBE7-46AC-A920-FFE2C5AF68EA}"/>
-              </a:ext>
-            </a:extLst>
-          </p:cNvPr>
-          <p:cNvSpPr>
-            <a:spLocks noGrp="1"/>
-          </p:cNvSpPr>
-          <p:nvPr>
-            <p:ph sz="half" idx="2"/>
-          </p:nvPr>
-        </p:nvSpPr>
-        <p:spPr>
-          <a:xfrm>
-            <a:off x="550863" y="2427370"/>
-            <a:ext cx="5429114" cy="3515555"/>
-          </a:xfrm>
-        </p:spPr>
-        <p:txBody>
-          <a:bodyPr rtlCol="0"/>
-          <a:lstStyle/>
-          <a:p>
-            <a:pPr rtl="0"/>
-            <a:r>
               <a:rPr lang="pl-PL" dirty="0"/>
-              <a:t>Dodaj tekst, obrazy, grafiki i klipy wideo. </a:t>
-            </a:r>
-          </a:p>
-          <a:p>
-            <a:pPr rtl="0"/>
-            <a:r>
-              <a:rPr lang="pl-PL" dirty="0"/>
-              <a:t>Dodaj przejścia, animacje i ruch. </a:t>
-            </a:r>
-          </a:p>
-          <a:p>
-            <a:pPr rtl="0"/>
-            <a:r>
-              <a:rPr lang="pl-PL" dirty="0"/>
-              <a:t>Zapisuj prezentacje w usłudze OneDrive, aby uzyskać do nich dostęp z komputera, tabletu lub telefonu. </a:t>
-            </a:r>
-          </a:p>
-        </p:txBody>
-      </p:sp>
-      <p:sp>
-        <p:nvSpPr>
-          <p:cNvPr id="11" name="Tekst — symbol zastępczy 10">
-            <a:extLst>
-              <a:ext uri="{FF2B5EF4-FFF2-40B4-BE49-F238E27FC236}">
-                <a16:creationId xmlns:a16="http://schemas.microsoft.com/office/drawing/2014/main" id="{60726BA7-44D6-4116-90E3-38325026EAAD}"/>
-              </a:ext>
-            </a:extLst>
-          </p:cNvPr>
-          <p:cNvSpPr>
-            <a:spLocks noGrp="1"/>
-          </p:cNvSpPr>
-          <p:nvPr>
-            <p:ph type="body" sz="quarter" idx="3"/>
-          </p:nvPr>
-        </p:nvSpPr>
-        <p:spPr>
-          <a:xfrm>
-            <a:off x="6212024" y="1731375"/>
-            <a:ext cx="5436392" cy="535354"/>
-          </a:xfrm>
-        </p:spPr>
-        <p:txBody>
-          <a:bodyPr rtlCol="0"/>
-          <a:lstStyle/>
-          <a:p>
-            <a:pPr rtl="0"/>
-            <a:r>
-              <a:rPr lang="pl-PL"/>
-              <a:t>Podtytuł</a:t>
-            </a:r>
-          </a:p>
-        </p:txBody>
-      </p:sp>
-      <p:sp>
-        <p:nvSpPr>
-          <p:cNvPr id="12" name="Zawartość — symbol zastępczy 11">
-            <a:extLst>
-              <a:ext uri="{FF2B5EF4-FFF2-40B4-BE49-F238E27FC236}">
-                <a16:creationId xmlns:a16="http://schemas.microsoft.com/office/drawing/2014/main" id="{7FB7F30B-2A84-4C44-BC5A-E826ED6E74A2}"/>
-              </a:ext>
-            </a:extLst>
-          </p:cNvPr>
-          <p:cNvSpPr>
-            <a:spLocks noGrp="1"/>
-          </p:cNvSpPr>
-          <p:nvPr>
-            <p:ph sz="quarter" idx="4"/>
-          </p:nvPr>
-        </p:nvSpPr>
-        <p:spPr>
-          <a:xfrm>
-            <a:off x="6212023" y="2427370"/>
-            <a:ext cx="5436391" cy="3515555"/>
-          </a:xfrm>
-        </p:spPr>
-        <p:txBody>
-          <a:bodyPr rtlCol="0"/>
-          <a:lstStyle/>
-          <a:p>
-            <a:pPr rtl="0"/>
-            <a:r>
-              <a:rPr lang="pl-PL"/>
-              <a:t>Otwórz okienko Pomysły dotyczące projektu, aby korzystać z błyskawicznych przeobrażeń slajdów. </a:t>
-            </a:r>
-          </a:p>
-          <a:p>
-            <a:pPr rtl="0"/>
-            <a:r>
-              <a:rPr lang="pl-PL"/>
-              <a:t>W tym miejscu będziemy przedstawiać nasze pomysły projektowe. </a:t>
-            </a:r>
-          </a:p>
-          <a:p>
-            <a:pPr rtl="0"/>
-            <a:endParaRPr lang="pl-PL" dirty="0"/>
-          </a:p>
-        </p:txBody>
-      </p:sp>
-      <p:sp>
-        <p:nvSpPr>
-          <p:cNvPr id="4" name="Data — symbol zastępczy 3">
-            <a:extLst>
-              <a:ext uri="{FF2B5EF4-FFF2-40B4-BE49-F238E27FC236}">
-                <a16:creationId xmlns:a16="http://schemas.microsoft.com/office/drawing/2014/main" id="{0C329F70-04F7-4C70-BCF8-D4371F54EF2F}"/>
-              </a:ext>
-            </a:extLst>
-          </p:cNvPr>
-          <p:cNvSpPr>
-            <a:spLocks noGrp="1"/>
-          </p:cNvSpPr>
-          <p:nvPr>
-            <p:ph type="dt" sz="half" idx="10"/>
-          </p:nvPr>
-        </p:nvSpPr>
-        <p:spPr>
-          <a:xfrm>
-            <a:off x="550863" y="6507212"/>
-            <a:ext cx="2628900" cy="153888"/>
-          </a:xfrm>
-        </p:spPr>
-        <p:txBody>
-          <a:bodyPr rtlCol="0"/>
-          <a:lstStyle/>
-          <a:p>
-            <a:pPr rtl="0"/>
-            <a:r>
-              <a:rPr lang="pl-PL"/>
-              <a:t>Wtorek, 2 lutego 20XX</a:t>
-            </a:r>
-            <a:endParaRPr lang="pl-PL" dirty="0"/>
-          </a:p>
-        </p:txBody>
-      </p:sp>
-      <p:sp>
-        <p:nvSpPr>
-          <p:cNvPr id="5" name="Stopka — symbol zastępczy 4">
-            <a:extLst>
-              <a:ext uri="{FF2B5EF4-FFF2-40B4-BE49-F238E27FC236}">
-                <a16:creationId xmlns:a16="http://schemas.microsoft.com/office/drawing/2014/main" id="{06A3302E-502D-4151-81C9-5FD6AF9596D6}"/>
-              </a:ext>
-            </a:extLst>
-          </p:cNvPr>
-          <p:cNvSpPr>
-            <a:spLocks noGrp="1"/>
-          </p:cNvSpPr>
-          <p:nvPr>
-            <p:ph type="ftr" sz="quarter" idx="11"/>
-          </p:nvPr>
-        </p:nvSpPr>
-        <p:spPr>
-          <a:xfrm>
-            <a:off x="3359150" y="6507212"/>
-            <a:ext cx="6379210" cy="153888"/>
-          </a:xfrm>
-        </p:spPr>
-        <p:txBody>
-          <a:bodyPr rtlCol="0"/>
-          <a:lstStyle/>
-          <a:p>
-            <a:pPr rtl="0"/>
-            <a:r>
-              <a:rPr lang="pl-PL"/>
-              <a:t>Przykładowy tekst stopki</a:t>
+              <a:t>Dziękujemy za uwagę</a:t>
             </a:r>
           </a:p>
         </p:txBody>
@@ -20633,7 +15284,7 @@
           <p:cNvPr id="6" name="Numer slajdu — symbol zastępczy 5">
             <a:extLst>
               <a:ext uri="{FF2B5EF4-FFF2-40B4-BE49-F238E27FC236}">
-                <a16:creationId xmlns:a16="http://schemas.microsoft.com/office/drawing/2014/main" id="{9ED907F8-C614-4D59-A03F-BF9CD5E35703}"/>
+                <a16:creationId xmlns:a16="http://schemas.microsoft.com/office/drawing/2014/main" id="{36E60F23-FB58-4EF8-82FD-E86CED25FDD4}"/>
               </a:ext>
             </a:extLst>
           </p:cNvPr>
@@ -20659,1096 +15310,6 @@
               <a:rPr lang="pl-PL" smtClean="0"/>
               <a:pPr rtl="0"/>
               <a:t>13</a:t>
-            </a:fld>
-            <a:endParaRPr lang="pl-PL"/>
-          </a:p>
-        </p:txBody>
-      </p:sp>
-      <p:sp>
-        <p:nvSpPr>
-          <p:cNvPr id="22" name="Dowolny kształt: Kształt 21">
-            <a:extLst>
-              <a:ext uri="{FF2B5EF4-FFF2-40B4-BE49-F238E27FC236}">
-                <a16:creationId xmlns:a16="http://schemas.microsoft.com/office/drawing/2014/main" id="{C6F3814E-455F-456B-B1AF-7B993965A2C0}"/>
-              </a:ext>
-              <a:ext uri="{C183D7F6-B498-43B3-948B-1728B52AA6E4}">
-                <adec:decorative xmlns:adec="http://schemas.microsoft.com/office/drawing/2017/decorative" val="1"/>
-              </a:ext>
-            </a:extLst>
-          </p:cNvPr>
-          <p:cNvSpPr>
-            <a:spLocks noChangeAspect="1"/>
-          </p:cNvSpPr>
-          <p:nvPr/>
-        </p:nvSpPr>
-        <p:spPr>
-          <a:xfrm>
-            <a:off x="4295775" y="0"/>
-            <a:ext cx="360000" cy="274638"/>
-          </a:xfrm>
-          <a:custGeom>
-            <a:avLst/>
-            <a:gdLst>
-              <a:gd name="connsiteX0" fmla="*/ 30714 w 360000"/>
-              <a:gd name="connsiteY0" fmla="*/ 0 h 274638"/>
-              <a:gd name="connsiteX1" fmla="*/ 329286 w 360000"/>
-              <a:gd name="connsiteY1" fmla="*/ 0 h 274638"/>
-              <a:gd name="connsiteX2" fmla="*/ 345855 w 360000"/>
-              <a:gd name="connsiteY2" fmla="*/ 24574 h 274638"/>
-              <a:gd name="connsiteX3" fmla="*/ 360000 w 360000"/>
-              <a:gd name="connsiteY3" fmla="*/ 94638 h 274638"/>
-              <a:gd name="connsiteX4" fmla="*/ 180000 w 360000"/>
-              <a:gd name="connsiteY4" fmla="*/ 274638 h 274638"/>
-              <a:gd name="connsiteX5" fmla="*/ 0 w 360000"/>
-              <a:gd name="connsiteY5" fmla="*/ 94638 h 274638"/>
-              <a:gd name="connsiteX6" fmla="*/ 14145 w 360000"/>
-              <a:gd name="connsiteY6" fmla="*/ 24574 h 274638"/>
-            </a:gdLst>
-            <a:ahLst/>
-            <a:cxnLst>
-              <a:cxn ang="0">
-                <a:pos x="connsiteX0" y="connsiteY0"/>
-              </a:cxn>
-              <a:cxn ang="0">
-                <a:pos x="connsiteX1" y="connsiteY1"/>
-              </a:cxn>
-              <a:cxn ang="0">
-                <a:pos x="connsiteX2" y="connsiteY2"/>
-              </a:cxn>
-              <a:cxn ang="0">
-                <a:pos x="connsiteX3" y="connsiteY3"/>
-              </a:cxn>
-              <a:cxn ang="0">
-                <a:pos x="connsiteX4" y="connsiteY4"/>
-              </a:cxn>
-              <a:cxn ang="0">
-                <a:pos x="connsiteX5" y="connsiteY5"/>
-              </a:cxn>
-              <a:cxn ang="0">
-                <a:pos x="connsiteX6" y="connsiteY6"/>
-              </a:cxn>
-            </a:cxnLst>
-            <a:rect l="l" t="t" r="r" b="b"/>
-            <a:pathLst>
-              <a:path w="360000" h="274638">
-                <a:moveTo>
-                  <a:pt x="30714" y="0"/>
-                </a:moveTo>
-                <a:lnTo>
-                  <a:pt x="329286" y="0"/>
-                </a:lnTo>
-                <a:lnTo>
-                  <a:pt x="345855" y="24574"/>
-                </a:lnTo>
-                <a:cubicBezTo>
-                  <a:pt x="354963" y="46109"/>
-                  <a:pt x="360000" y="69785"/>
-                  <a:pt x="360000" y="94638"/>
-                </a:cubicBezTo>
-                <a:cubicBezTo>
-                  <a:pt x="360000" y="194049"/>
-                  <a:pt x="279411" y="274638"/>
-                  <a:pt x="180000" y="274638"/>
-                </a:cubicBezTo>
-                <a:cubicBezTo>
-                  <a:pt x="80589" y="274638"/>
-                  <a:pt x="0" y="194049"/>
-                  <a:pt x="0" y="94638"/>
-                </a:cubicBezTo>
-                <a:cubicBezTo>
-                  <a:pt x="0" y="69785"/>
-                  <a:pt x="5037" y="46109"/>
-                  <a:pt x="14145" y="24574"/>
-                </a:cubicBezTo>
-                <a:close/>
-              </a:path>
-            </a:pathLst>
-          </a:custGeom>
-          <a:gradFill flip="none" rotWithShape="1">
-            <a:gsLst>
-              <a:gs pos="100000">
-                <a:schemeClr val="bg2">
-                  <a:lumMod val="50000"/>
-                  <a:lumOff val="50000"/>
-                </a:schemeClr>
-              </a:gs>
-              <a:gs pos="60000">
-                <a:schemeClr val="bg2"/>
-              </a:gs>
-            </a:gsLst>
-            <a:path path="circle">
-              <a:fillToRect l="100000" b="100000"/>
-            </a:path>
-            <a:tileRect t="-100000" r="-100000"/>
-          </a:gradFill>
-          <a:ln>
-            <a:noFill/>
-          </a:ln>
-          <a:effectLst>
-            <a:innerShdw blurRad="127000" dist="63500" dir="2700000">
-              <a:schemeClr val="accent1">
-                <a:lumMod val="60000"/>
-                <a:lumOff val="40000"/>
-                <a:alpha val="20000"/>
-              </a:schemeClr>
-            </a:innerShdw>
-            <a:softEdge rad="0"/>
-          </a:effectLst>
-        </p:spPr>
-        <p:style>
-          <a:lnRef idx="2">
-            <a:schemeClr val="accent1">
-              <a:shade val="50000"/>
-            </a:schemeClr>
-          </a:lnRef>
-          <a:fillRef idx="1">
-            <a:schemeClr val="accent1"/>
-          </a:fillRef>
-          <a:effectRef idx="0">
-            <a:schemeClr val="accent1"/>
-          </a:effectRef>
-          <a:fontRef idx="minor">
-            <a:schemeClr val="lt1"/>
-          </a:fontRef>
-        </p:style>
-        <p:txBody>
-          <a:bodyPr rot="0" spcFirstLastPara="0" vertOverflow="overflow" horzOverflow="overflow" vert="horz" wrap="square" lIns="91440" tIns="45720" rIns="91440" bIns="45720" numCol="1" spcCol="0" rtlCol="0" fromWordArt="0" anchor="ctr" anchorCtr="0" forceAA="0" compatLnSpc="1">
-            <a:prstTxWarp prst="textNoShape">
-              <a:avLst/>
-            </a:prstTxWarp>
-            <a:noAutofit/>
-          </a:bodyPr>
-          <a:lstStyle/>
-          <a:p>
-            <a:pPr algn="ctr" rtl="0"/>
-            <a:endParaRPr lang="pl-PL"/>
-          </a:p>
-        </p:txBody>
-      </p:sp>
-    </p:spTree>
-    <p:extLst>
-      <p:ext uri="{BB962C8B-B14F-4D97-AF65-F5344CB8AC3E}">
-        <p14:creationId xmlns:p14="http://schemas.microsoft.com/office/powerpoint/2010/main" val="3891345585"/>
-      </p:ext>
-    </p:extLst>
-  </p:cSld>
-  <p:clrMapOvr>
-    <a:masterClrMapping/>
-  </p:clrMapOvr>
-</p:sld>
-</file>
-
-<file path=ppt/slides/slide14.xml><?xml version="1.0" encoding="utf-8"?>
-<p:sld xmlns:a="http://schemas.openxmlformats.org/drawingml/2006/main" xmlns:r="http://schemas.openxmlformats.org/officeDocument/2006/relationships" xmlns:p="http://schemas.openxmlformats.org/presentationml/2006/main">
-  <p:cSld>
-    <p:spTree>
-      <p:nvGrpSpPr>
-        <p:cNvPr id="1" name=""/>
-        <p:cNvGrpSpPr/>
-        <p:nvPr/>
-      </p:nvGrpSpPr>
-      <p:grpSpPr>
-        <a:xfrm>
-          <a:off x="0" y="0"/>
-          <a:ext cx="0" cy="0"/>
-          <a:chOff x="0" y="0"/>
-          <a:chExt cx="0" cy="0"/>
-        </a:xfrm>
-      </p:grpSpPr>
-      <p:sp>
-        <p:nvSpPr>
-          <p:cNvPr id="7" name="Tytuł 6">
-            <a:extLst>
-              <a:ext uri="{FF2B5EF4-FFF2-40B4-BE49-F238E27FC236}">
-                <a16:creationId xmlns:a16="http://schemas.microsoft.com/office/drawing/2014/main" id="{47788B34-4190-4916-9048-47720EA5ABF1}"/>
-              </a:ext>
-            </a:extLst>
-          </p:cNvPr>
-          <p:cNvSpPr>
-            <a:spLocks noGrp="1"/>
-          </p:cNvSpPr>
-          <p:nvPr>
-            <p:ph type="title"/>
-          </p:nvPr>
-        </p:nvSpPr>
-        <p:spPr>
-          <a:xfrm>
-            <a:off x="550862" y="549275"/>
-            <a:ext cx="11097551" cy="1332000"/>
-          </a:xfrm>
-        </p:spPr>
-        <p:txBody>
-          <a:bodyPr rtlCol="0"/>
-          <a:lstStyle/>
-          <a:p>
-            <a:pPr rtl="0"/>
-            <a:r>
-              <a:rPr lang="pl-PL"/>
-              <a:t>Zawartość 2 </a:t>
-            </a:r>
-          </a:p>
-        </p:txBody>
-      </p:sp>
-      <p:sp>
-        <p:nvSpPr>
-          <p:cNvPr id="8" name="Tekst — symbol zastępczy 7">
-            <a:extLst>
-              <a:ext uri="{FF2B5EF4-FFF2-40B4-BE49-F238E27FC236}">
-                <a16:creationId xmlns:a16="http://schemas.microsoft.com/office/drawing/2014/main" id="{ABA415A0-3B77-43FB-A408-5F1DA4B0AAFA}"/>
-              </a:ext>
-            </a:extLst>
-          </p:cNvPr>
-          <p:cNvSpPr>
-            <a:spLocks noGrp="1"/>
-          </p:cNvSpPr>
-          <p:nvPr>
-            <p:ph type="body" idx="1"/>
-          </p:nvPr>
-        </p:nvSpPr>
-        <p:spPr>
-          <a:xfrm>
-            <a:off x="550864" y="1731375"/>
-            <a:ext cx="3563936" cy="535354"/>
-          </a:xfrm>
-        </p:spPr>
-        <p:txBody>
-          <a:bodyPr rtlCol="0"/>
-          <a:lstStyle/>
-          <a:p>
-            <a:pPr rtl="0"/>
-            <a:r>
-              <a:rPr lang="pl-PL"/>
-              <a:t>Podtytuł</a:t>
-            </a:r>
-          </a:p>
-        </p:txBody>
-      </p:sp>
-      <p:sp>
-        <p:nvSpPr>
-          <p:cNvPr id="9" name="Zawartość — symbol zastępczy 8">
-            <a:extLst>
-              <a:ext uri="{FF2B5EF4-FFF2-40B4-BE49-F238E27FC236}">
-                <a16:creationId xmlns:a16="http://schemas.microsoft.com/office/drawing/2014/main" id="{8598ECEC-4413-4244-8F21-0076EC511806}"/>
-              </a:ext>
-            </a:extLst>
-          </p:cNvPr>
-          <p:cNvSpPr>
-            <a:spLocks noGrp="1"/>
-          </p:cNvSpPr>
-          <p:nvPr>
-            <p:ph sz="half" idx="2"/>
-          </p:nvPr>
-        </p:nvSpPr>
-        <p:spPr>
-          <a:xfrm>
-            <a:off x="559476" y="2432304"/>
-            <a:ext cx="3563936" cy="3515555"/>
-          </a:xfrm>
-        </p:spPr>
-        <p:txBody>
-          <a:bodyPr rtlCol="0">
-            <a:normAutofit/>
-          </a:bodyPr>
-          <a:lstStyle/>
-          <a:p>
-            <a:pPr lvl="0" rtl="0"/>
-            <a:endParaRPr lang="pl-PL" sz="1600" dirty="0"/>
-          </a:p>
-          <a:p>
-            <a:pPr rtl="0"/>
-            <a:endParaRPr lang="pl-PL" sz="1600" dirty="0"/>
-          </a:p>
-        </p:txBody>
-      </p:sp>
-      <p:sp>
-        <p:nvSpPr>
-          <p:cNvPr id="12" name="Tekst — symbol zastępczy 11">
-            <a:extLst>
-              <a:ext uri="{FF2B5EF4-FFF2-40B4-BE49-F238E27FC236}">
-                <a16:creationId xmlns:a16="http://schemas.microsoft.com/office/drawing/2014/main" id="{3A63626D-0E6E-4023-ABFC-A744C9862159}"/>
-              </a:ext>
-            </a:extLst>
-          </p:cNvPr>
-          <p:cNvSpPr>
-            <a:spLocks noGrp="1"/>
-          </p:cNvSpPr>
-          <p:nvPr>
-            <p:ph type="body" sz="quarter" idx="13"/>
-          </p:nvPr>
-        </p:nvSpPr>
-        <p:spPr>
-          <a:xfrm>
-            <a:off x="4341573" y="1731375"/>
-            <a:ext cx="3566160" cy="535354"/>
-          </a:xfrm>
-        </p:spPr>
-        <p:txBody>
-          <a:bodyPr rtlCol="0"/>
-          <a:lstStyle/>
-          <a:p>
-            <a:pPr rtl="0"/>
-            <a:r>
-              <a:rPr lang="pl-PL"/>
-              <a:t>podtytuł</a:t>
-            </a:r>
-          </a:p>
-        </p:txBody>
-      </p:sp>
-      <p:sp>
-        <p:nvSpPr>
-          <p:cNvPr id="13" name="Zawartość — symbol zastępczy 12">
-            <a:extLst>
-              <a:ext uri="{FF2B5EF4-FFF2-40B4-BE49-F238E27FC236}">
-                <a16:creationId xmlns:a16="http://schemas.microsoft.com/office/drawing/2014/main" id="{258E9390-685C-4BAD-BFAD-EC56E81C4745}"/>
-              </a:ext>
-            </a:extLst>
-          </p:cNvPr>
-          <p:cNvSpPr>
-            <a:spLocks noGrp="1"/>
-          </p:cNvSpPr>
-          <p:nvPr>
-            <p:ph sz="quarter" idx="14"/>
-          </p:nvPr>
-        </p:nvSpPr>
-        <p:spPr>
-          <a:xfrm>
-            <a:off x="4341573" y="2427370"/>
-            <a:ext cx="3508755" cy="3515555"/>
-          </a:xfrm>
-        </p:spPr>
-        <p:txBody>
-          <a:bodyPr rtlCol="0">
-            <a:noAutofit/>
-          </a:bodyPr>
-          <a:lstStyle/>
-          <a:p>
-            <a:pPr lvl="0" rtl="0"/>
-            <a:r>
-              <a:rPr lang="pl-PL" sz="1600"/>
-              <a:t>Dodaj tekst, obrazy, grafiki i klipy wideo. </a:t>
-            </a:r>
-          </a:p>
-          <a:p>
-            <a:pPr lvl="0" rtl="0"/>
-            <a:r>
-              <a:rPr lang="pl-PL" sz="1600"/>
-              <a:t>Dodaj przejścia, animacje i ruch. </a:t>
-            </a:r>
-          </a:p>
-          <a:p>
-            <a:pPr lvl="0" rtl="0"/>
-            <a:r>
-              <a:rPr lang="pl-PL" sz="1600"/>
-              <a:t>Zapisuj prezentacje w usłudze OneDrive, aby uzyskać do nich dostęp z komputera, tabletu lub telefonu. </a:t>
-            </a:r>
-          </a:p>
-          <a:p>
-            <a:pPr rtl="0"/>
-            <a:r>
-              <a:rPr lang="pl-PL" sz="1600"/>
-              <a:t>Otwórz okienko Pomysły dotyczące projektu, aby korzystać z błyskawicznych przeobrażeń slajdów. </a:t>
-            </a:r>
-          </a:p>
-          <a:p>
-            <a:pPr rtl="0"/>
-            <a:r>
-              <a:rPr lang="pl-PL" sz="1600"/>
-              <a:t>W tym miejscu będziemy przedstawiać nasze pomysły projektowe.</a:t>
-            </a:r>
-          </a:p>
-        </p:txBody>
-      </p:sp>
-      <p:sp>
-        <p:nvSpPr>
-          <p:cNvPr id="10" name="Tekst — symbol zastępczy 9">
-            <a:extLst>
-              <a:ext uri="{FF2B5EF4-FFF2-40B4-BE49-F238E27FC236}">
-                <a16:creationId xmlns:a16="http://schemas.microsoft.com/office/drawing/2014/main" id="{34A9BC34-CFDB-4D7A-8D6C-1CE608D0909F}"/>
-              </a:ext>
-            </a:extLst>
-          </p:cNvPr>
-          <p:cNvSpPr>
-            <a:spLocks noGrp="1"/>
-          </p:cNvSpPr>
-          <p:nvPr>
-            <p:ph type="body" sz="quarter" idx="3"/>
-          </p:nvPr>
-        </p:nvSpPr>
-        <p:spPr>
-          <a:xfrm>
-            <a:off x="8139659" y="1731375"/>
-            <a:ext cx="3566160" cy="535354"/>
-          </a:xfrm>
-        </p:spPr>
-        <p:txBody>
-          <a:bodyPr rtlCol="0"/>
-          <a:lstStyle/>
-          <a:p>
-            <a:pPr rtl="0"/>
-            <a:r>
-              <a:rPr lang="pl-PL"/>
-              <a:t>podtytuł</a:t>
-            </a:r>
-            <a:endParaRPr lang="pl-PL" dirty="0"/>
-          </a:p>
-        </p:txBody>
-      </p:sp>
-      <p:sp>
-        <p:nvSpPr>
-          <p:cNvPr id="11" name="Zawartość — symbol zastępczy 10">
-            <a:extLst>
-              <a:ext uri="{FF2B5EF4-FFF2-40B4-BE49-F238E27FC236}">
-                <a16:creationId xmlns:a16="http://schemas.microsoft.com/office/drawing/2014/main" id="{1D014E48-5DD9-49CE-AD5B-0FEF69204F68}"/>
-              </a:ext>
-            </a:extLst>
-          </p:cNvPr>
-          <p:cNvSpPr>
-            <a:spLocks noGrp="1"/>
-          </p:cNvSpPr>
-          <p:nvPr>
-            <p:ph sz="quarter" idx="4"/>
-          </p:nvPr>
-        </p:nvSpPr>
-        <p:spPr>
-          <a:xfrm>
-            <a:off x="8139659" y="2427370"/>
-            <a:ext cx="3508755" cy="3515555"/>
-          </a:xfrm>
-        </p:spPr>
-        <p:txBody>
-          <a:bodyPr rtlCol="0">
-            <a:noAutofit/>
-          </a:bodyPr>
-          <a:lstStyle/>
-          <a:p>
-            <a:pPr lvl="0" rtl="0"/>
-            <a:r>
-              <a:rPr lang="pl-PL" sz="1600"/>
-              <a:t>Dodaj tekst, obrazy, grafiki i klipy wideo. </a:t>
-            </a:r>
-          </a:p>
-          <a:p>
-            <a:pPr lvl="0" rtl="0"/>
-            <a:r>
-              <a:rPr lang="pl-PL" sz="1600"/>
-              <a:t>Dodaj przejścia, animacje i ruch. </a:t>
-            </a:r>
-          </a:p>
-          <a:p>
-            <a:pPr lvl="0" rtl="0"/>
-            <a:r>
-              <a:rPr lang="pl-PL" sz="1600"/>
-              <a:t>Zapisuj prezentacje w usłudze OneDrive, aby uzyskać do nich dostęp z komputera, tabletu lub telefonu. </a:t>
-            </a:r>
-          </a:p>
-          <a:p>
-            <a:pPr rtl="0"/>
-            <a:r>
-              <a:rPr lang="pl-PL" sz="1600"/>
-              <a:t>Otwórz okienko Pomysły dotyczące projektu, aby korzystać z błyskawicznych przeobrażeń slajdów. </a:t>
-            </a:r>
-          </a:p>
-          <a:p>
-            <a:pPr rtl="0"/>
-            <a:r>
-              <a:rPr lang="pl-PL" sz="1600"/>
-              <a:t>W tym miejscu będziemy przedstawiać nasze pomysły projektowe.</a:t>
-            </a:r>
-          </a:p>
-        </p:txBody>
-      </p:sp>
-      <p:sp>
-        <p:nvSpPr>
-          <p:cNvPr id="14" name="Data — symbol zastępczy 13">
-            <a:extLst>
-              <a:ext uri="{FF2B5EF4-FFF2-40B4-BE49-F238E27FC236}">
-                <a16:creationId xmlns:a16="http://schemas.microsoft.com/office/drawing/2014/main" id="{D236478C-E242-44E0-8357-C72C9B588CA7}"/>
-              </a:ext>
-            </a:extLst>
-          </p:cNvPr>
-          <p:cNvSpPr>
-            <a:spLocks noGrp="1"/>
-          </p:cNvSpPr>
-          <p:nvPr>
-            <p:ph type="dt" sz="half" idx="10"/>
-          </p:nvPr>
-        </p:nvSpPr>
-        <p:spPr>
-          <a:xfrm>
-            <a:off x="550863" y="6507212"/>
-            <a:ext cx="2628900" cy="153888"/>
-          </a:xfrm>
-        </p:spPr>
-        <p:txBody>
-          <a:bodyPr rtlCol="0"/>
-          <a:lstStyle/>
-          <a:p>
-            <a:pPr rtl="0"/>
-            <a:r>
-              <a:rPr lang="pl-PL"/>
-              <a:t>Wtorek, 2 lutego 20XX</a:t>
-            </a:r>
-            <a:endParaRPr lang="pl-PL" dirty="0"/>
-          </a:p>
-        </p:txBody>
-      </p:sp>
-      <p:sp>
-        <p:nvSpPr>
-          <p:cNvPr id="15" name="Stopka — symbol zastępczy 14">
-            <a:extLst>
-              <a:ext uri="{FF2B5EF4-FFF2-40B4-BE49-F238E27FC236}">
-                <a16:creationId xmlns:a16="http://schemas.microsoft.com/office/drawing/2014/main" id="{65A6DC02-681E-4AF7-AC6E-57CDDB2FBA28}"/>
-              </a:ext>
-            </a:extLst>
-          </p:cNvPr>
-          <p:cNvSpPr>
-            <a:spLocks noGrp="1"/>
-          </p:cNvSpPr>
-          <p:nvPr>
-            <p:ph type="ftr" sz="quarter" idx="11"/>
-          </p:nvPr>
-        </p:nvSpPr>
-        <p:spPr>
-          <a:xfrm>
-            <a:off x="3359150" y="6507212"/>
-            <a:ext cx="6379210" cy="153888"/>
-          </a:xfrm>
-        </p:spPr>
-        <p:txBody>
-          <a:bodyPr rtlCol="0"/>
-          <a:lstStyle/>
-          <a:p>
-            <a:pPr rtl="0"/>
-            <a:r>
-              <a:rPr lang="pl-PL"/>
-              <a:t>Przykładowy tekst stopki</a:t>
-            </a:r>
-          </a:p>
-        </p:txBody>
-      </p:sp>
-      <p:sp>
-        <p:nvSpPr>
-          <p:cNvPr id="16" name="Numer slajdu — symbol zastępczy 15">
-            <a:extLst>
-              <a:ext uri="{FF2B5EF4-FFF2-40B4-BE49-F238E27FC236}">
-                <a16:creationId xmlns:a16="http://schemas.microsoft.com/office/drawing/2014/main" id="{CF0A8666-4477-461C-A79D-E91232EE973E}"/>
-              </a:ext>
-            </a:extLst>
-          </p:cNvPr>
-          <p:cNvSpPr>
-            <a:spLocks noGrp="1"/>
-          </p:cNvSpPr>
-          <p:nvPr>
-            <p:ph type="sldNum" sz="quarter" idx="12"/>
-          </p:nvPr>
-        </p:nvSpPr>
-        <p:spPr>
-          <a:xfrm>
-            <a:off x="9948863" y="6507212"/>
-            <a:ext cx="1692274" cy="153888"/>
-          </a:xfrm>
-        </p:spPr>
-        <p:txBody>
-          <a:bodyPr rtlCol="0"/>
-          <a:lstStyle/>
-          <a:p>
-            <a:pPr rtl="0"/>
-            <a:fld id="{DBA1B0FB-D917-4C8C-928F-313BD683BF39}" type="slidenum">
-              <a:rPr lang="pl-PL" smtClean="0"/>
-              <a:pPr rtl="0"/>
-              <a:t>14</a:t>
-            </a:fld>
-            <a:endParaRPr lang="pl-PL"/>
-          </a:p>
-        </p:txBody>
-      </p:sp>
-    </p:spTree>
-    <p:extLst>
-      <p:ext uri="{BB962C8B-B14F-4D97-AF65-F5344CB8AC3E}">
-        <p14:creationId xmlns:p14="http://schemas.microsoft.com/office/powerpoint/2010/main" val="1420547054"/>
-      </p:ext>
-    </p:extLst>
-  </p:cSld>
-  <p:clrMapOvr>
-    <a:masterClrMapping/>
-  </p:clrMapOvr>
-</p:sld>
-</file>
-
-<file path=ppt/slides/slide15.xml><?xml version="1.0" encoding="utf-8"?>
-<p:sld xmlns:a="http://schemas.openxmlformats.org/drawingml/2006/main" xmlns:r="http://schemas.openxmlformats.org/officeDocument/2006/relationships" xmlns:p="http://schemas.openxmlformats.org/presentationml/2006/main">
-  <p:cSld>
-    <p:spTree>
-      <p:nvGrpSpPr>
-        <p:cNvPr id="1" name=""/>
-        <p:cNvGrpSpPr/>
-        <p:nvPr/>
-      </p:nvGrpSpPr>
-      <p:grpSpPr>
-        <a:xfrm>
-          <a:off x="0" y="0"/>
-          <a:ext cx="0" cy="0"/>
-          <a:chOff x="0" y="0"/>
-          <a:chExt cx="0" cy="0"/>
-        </a:xfrm>
-      </p:grpSpPr>
-      <p:sp>
-        <p:nvSpPr>
-          <p:cNvPr id="11" name="Tytuł 10">
-            <a:extLst>
-              <a:ext uri="{FF2B5EF4-FFF2-40B4-BE49-F238E27FC236}">
-                <a16:creationId xmlns:a16="http://schemas.microsoft.com/office/drawing/2014/main" id="{581E8936-2270-47FE-94A4-398CB123EF90}"/>
-              </a:ext>
-            </a:extLst>
-          </p:cNvPr>
-          <p:cNvSpPr>
-            <a:spLocks noGrp="1"/>
-          </p:cNvSpPr>
-          <p:nvPr>
-            <p:ph type="title"/>
-          </p:nvPr>
-        </p:nvSpPr>
-        <p:spPr>
-          <a:xfrm>
-            <a:off x="550863" y="549275"/>
-            <a:ext cx="11090274" cy="1332000"/>
-          </a:xfrm>
-        </p:spPr>
-        <p:txBody>
-          <a:bodyPr wrap="square" rtlCol="0" anchor="t">
-            <a:normAutofit/>
-          </a:bodyPr>
-          <a:lstStyle/>
-          <a:p>
-            <a:pPr rtl="0"/>
-            <a:r>
-              <a:rPr lang="pl-PL" dirty="0"/>
-              <a:t>Bibliografia</a:t>
-            </a:r>
-          </a:p>
-        </p:txBody>
-      </p:sp>
-      <p:sp>
-        <p:nvSpPr>
-          <p:cNvPr id="13" name="Zawartość — symbol zastępczy 12">
-            <a:extLst>
-              <a:ext uri="{FF2B5EF4-FFF2-40B4-BE49-F238E27FC236}">
-                <a16:creationId xmlns:a16="http://schemas.microsoft.com/office/drawing/2014/main" id="{C0287FEC-3826-4868-8D93-52429C6156F5}"/>
-              </a:ext>
-            </a:extLst>
-          </p:cNvPr>
-          <p:cNvSpPr>
-            <a:spLocks noGrp="1"/>
-          </p:cNvSpPr>
-          <p:nvPr>
-            <p:ph sz="half" idx="1"/>
-          </p:nvPr>
-        </p:nvSpPr>
-        <p:spPr>
-          <a:xfrm>
-            <a:off x="550862" y="2097175"/>
-            <a:ext cx="5435600" cy="3995650"/>
-          </a:xfrm>
-        </p:spPr>
-        <p:txBody>
-          <a:bodyPr wrap="square" rtlCol="0">
-            <a:normAutofit/>
-          </a:bodyPr>
-          <a:lstStyle/>
-          <a:p>
-            <a:pPr rtl="0"/>
-            <a:r>
-              <a:rPr lang="pl-PL" dirty="0"/>
-              <a:t>[1]</a:t>
-            </a:r>
-            <a:r>
-              <a:rPr lang="pl-PL" dirty="0" err="1">
-                <a:hlinkClick r:id="rId3"/>
-              </a:rPr>
-              <a:t>Cyclic_redundancy_check_wikipedia</a:t>
-            </a:r>
-            <a:endParaRPr lang="pl-PL" dirty="0"/>
-          </a:p>
-          <a:p>
-            <a:pPr rtl="0"/>
-            <a:r>
-              <a:rPr lang="pl-PL" dirty="0"/>
-              <a:t>[2]</a:t>
-            </a:r>
-            <a:r>
-              <a:rPr lang="pl-PL" dirty="0" err="1">
-                <a:hlinkClick r:id="rId4"/>
-              </a:rPr>
-              <a:t>Mathematics_of_CRC</a:t>
-            </a:r>
-            <a:endParaRPr lang="pl-PL" dirty="0"/>
-          </a:p>
-          <a:p>
-            <a:pPr rtl="0"/>
-            <a:r>
-              <a:rPr lang="pl-PL" dirty="0"/>
-              <a:t>[3]</a:t>
-            </a:r>
-            <a:r>
-              <a:rPr lang="pl-PL" dirty="0">
-                <a:hlinkClick r:id="rId5"/>
-              </a:rPr>
-              <a:t>IEEE 802.3 - 2022</a:t>
-            </a:r>
-            <a:endParaRPr lang="pl-PL" dirty="0"/>
-          </a:p>
-        </p:txBody>
-      </p:sp>
-      <p:sp>
-        <p:nvSpPr>
-          <p:cNvPr id="6" name="Numer slajdu — symbol zastępczy 5">
-            <a:extLst>
-              <a:ext uri="{FF2B5EF4-FFF2-40B4-BE49-F238E27FC236}">
-                <a16:creationId xmlns:a16="http://schemas.microsoft.com/office/drawing/2014/main" id="{9ED907F8-C614-4D59-A03F-BF9CD5E35703}"/>
-              </a:ext>
-            </a:extLst>
-          </p:cNvPr>
-          <p:cNvSpPr>
-            <a:spLocks noGrp="1"/>
-          </p:cNvSpPr>
-          <p:nvPr>
-            <p:ph type="sldNum" sz="quarter" idx="12"/>
-          </p:nvPr>
-        </p:nvSpPr>
-        <p:spPr>
-          <a:xfrm>
-            <a:off x="9948863" y="6507212"/>
-            <a:ext cx="1692274" cy="153888"/>
-          </a:xfrm>
-        </p:spPr>
-        <p:txBody>
-          <a:bodyPr wrap="square" rtlCol="0" anchor="ctr">
-            <a:normAutofit/>
-          </a:bodyPr>
-          <a:lstStyle/>
-          <a:p>
-            <a:pPr rtl="0">
-              <a:spcAft>
-                <a:spcPts val="600"/>
-              </a:spcAft>
-            </a:pPr>
-            <a:fld id="{DBA1B0FB-D917-4C8C-928F-313BD683BF39}" type="slidenum">
-              <a:rPr lang="pl-PL" smtClean="0"/>
-              <a:pPr rtl="0">
-                <a:spcAft>
-                  <a:spcPts val="600"/>
-                </a:spcAft>
-              </a:pPr>
-              <a:t>15</a:t>
-            </a:fld>
-            <a:endParaRPr lang="pl-PL"/>
-          </a:p>
-        </p:txBody>
-      </p:sp>
-      <p:sp>
-        <p:nvSpPr>
-          <p:cNvPr id="3" name="Symbol zastępczy zawartości 2">
-            <a:extLst>
-              <a:ext uri="{FF2B5EF4-FFF2-40B4-BE49-F238E27FC236}">
-                <a16:creationId xmlns:a16="http://schemas.microsoft.com/office/drawing/2014/main" id="{6529BA9D-6250-284C-255C-31D8AC37A94A}"/>
-              </a:ext>
-            </a:extLst>
-          </p:cNvPr>
-          <p:cNvSpPr>
-            <a:spLocks noGrp="1"/>
-          </p:cNvSpPr>
-          <p:nvPr>
-            <p:ph sz="half" idx="2"/>
-          </p:nvPr>
-        </p:nvSpPr>
-        <p:spPr/>
-        <p:txBody>
-          <a:bodyPr/>
-          <a:lstStyle/>
-          <a:p>
-            <a:endParaRPr lang="pl-PL"/>
-          </a:p>
-        </p:txBody>
-      </p:sp>
-    </p:spTree>
-    <p:extLst>
-      <p:ext uri="{BB962C8B-B14F-4D97-AF65-F5344CB8AC3E}">
-        <p14:creationId xmlns:p14="http://schemas.microsoft.com/office/powerpoint/2010/main" val="3521561301"/>
-      </p:ext>
-    </p:extLst>
-  </p:cSld>
-  <p:clrMapOvr>
-    <a:masterClrMapping/>
-  </p:clrMapOvr>
-</p:sld>
-</file>
-
-<file path=ppt/slides/slide16.xml><?xml version="1.0" encoding="utf-8"?>
-<p:sld xmlns:a="http://schemas.openxmlformats.org/drawingml/2006/main" xmlns:r="http://schemas.openxmlformats.org/officeDocument/2006/relationships" xmlns:p="http://schemas.openxmlformats.org/presentationml/2006/main">
-  <p:cSld>
-    <p:spTree>
-      <p:nvGrpSpPr>
-        <p:cNvPr id="1" name=""/>
-        <p:cNvGrpSpPr/>
-        <p:nvPr/>
-      </p:nvGrpSpPr>
-      <p:grpSpPr>
-        <a:xfrm>
-          <a:off x="0" y="0"/>
-          <a:ext cx="0" cy="0"/>
-          <a:chOff x="0" y="0"/>
-          <a:chExt cx="0" cy="0"/>
-        </a:xfrm>
-      </p:grpSpPr>
-      <p:sp>
-        <p:nvSpPr>
-          <p:cNvPr id="22" name="Tytuł 21">
-            <a:extLst>
-              <a:ext uri="{FF2B5EF4-FFF2-40B4-BE49-F238E27FC236}">
-                <a16:creationId xmlns:a16="http://schemas.microsoft.com/office/drawing/2014/main" id="{F8FAEED9-1ECD-45F9-87A0-9394BAEABB79}"/>
-              </a:ext>
-            </a:extLst>
-          </p:cNvPr>
-          <p:cNvSpPr>
-            <a:spLocks noGrp="1"/>
-          </p:cNvSpPr>
-          <p:nvPr>
-            <p:ph type="ctrTitle"/>
-          </p:nvPr>
-        </p:nvSpPr>
-        <p:spPr>
-          <a:xfrm>
-            <a:off x="550863" y="549275"/>
-            <a:ext cx="5437187" cy="2986234"/>
-          </a:xfrm>
-        </p:spPr>
-        <p:txBody>
-          <a:bodyPr rtlCol="0"/>
-          <a:lstStyle/>
-          <a:p>
-            <a:pPr rtl="0"/>
-            <a:r>
-              <a:rPr lang="pl-PL"/>
-              <a:t>Dziękujemy</a:t>
-            </a:r>
-          </a:p>
-        </p:txBody>
-      </p:sp>
-      <p:sp>
-        <p:nvSpPr>
-          <p:cNvPr id="23" name="Podtytuł 22">
-            <a:extLst>
-              <a:ext uri="{FF2B5EF4-FFF2-40B4-BE49-F238E27FC236}">
-                <a16:creationId xmlns:a16="http://schemas.microsoft.com/office/drawing/2014/main" id="{8E5E4638-9BCB-4C2E-914F-CC868E2020D5}"/>
-              </a:ext>
-            </a:extLst>
-          </p:cNvPr>
-          <p:cNvSpPr>
-            <a:spLocks noGrp="1"/>
-          </p:cNvSpPr>
-          <p:nvPr>
-            <p:ph type="subTitle" idx="1"/>
-          </p:nvPr>
-        </p:nvSpPr>
-        <p:spPr>
-          <a:xfrm>
-            <a:off x="550863" y="3827610"/>
-            <a:ext cx="5437187" cy="2265216"/>
-          </a:xfrm>
-        </p:spPr>
-        <p:txBody>
-          <a:bodyPr rtlCol="0"/>
-          <a:lstStyle/>
-          <a:p>
-            <a:pPr rtl="0"/>
-            <a:r>
-              <a:rPr lang="pl-PL"/>
-              <a:t>Imię i nazwisko osoby prowadzącej</a:t>
-            </a:r>
-          </a:p>
-          <a:p>
-            <a:pPr rtl="0"/>
-            <a:r>
-              <a:rPr lang="pl-PL"/>
-              <a:t>Adres e-mail</a:t>
-            </a:r>
-          </a:p>
-          <a:p>
-            <a:pPr rtl="0"/>
-            <a:r>
-              <a:rPr lang="pl-PL"/>
-              <a:t>Adres witryny internetowej</a:t>
-            </a:r>
-          </a:p>
-        </p:txBody>
-      </p:sp>
-      <p:pic>
-        <p:nvPicPr>
-          <p:cNvPr id="27" name="Obraz — symbol zastępczy 26" descr="Cyfrowe tło punktów danych">
-            <a:extLst>
-              <a:ext uri="{FF2B5EF4-FFF2-40B4-BE49-F238E27FC236}">
-                <a16:creationId xmlns:a16="http://schemas.microsoft.com/office/drawing/2014/main" id="{9E660784-34E2-4CDA-926A-DDD6AAF35046}"/>
-              </a:ext>
-            </a:extLst>
-          </p:cNvPr>
-          <p:cNvPicPr>
-            <a:picLocks noGrp="1" noChangeAspect="1"/>
-          </p:cNvPicPr>
-          <p:nvPr>
-            <p:ph type="pic" sz="quarter" idx="15"/>
-          </p:nvPr>
-        </p:nvPicPr>
-        <p:blipFill rotWithShape="1">
-          <a:blip r:embed="rId2" cstate="screen">
-            <a:extLst>
-              <a:ext uri="{28A0092B-C50C-407E-A947-70E740481C1C}">
-                <a14:useLocalDpi xmlns:a14="http://schemas.microsoft.com/office/drawing/2010/main" val="0"/>
-              </a:ext>
-            </a:extLst>
-          </a:blip>
-          <a:srcRect/>
-          <a:stretch/>
-        </p:blipFill>
-        <p:spPr>
-          <a:xfrm>
-            <a:off x="6556248" y="548640"/>
-            <a:ext cx="5084064" cy="2880360"/>
-          </a:xfrm>
-        </p:spPr>
-      </p:pic>
-      <p:pic>
-        <p:nvPicPr>
-          <p:cNvPr id="33" name="Obraz — symbol zastępczy 32" descr="Cyfrowe tło punktów danych">
-            <a:extLst>
-              <a:ext uri="{FF2B5EF4-FFF2-40B4-BE49-F238E27FC236}">
-                <a16:creationId xmlns:a16="http://schemas.microsoft.com/office/drawing/2014/main" id="{48106962-23C6-4DFE-BB3A-E5FFF03F38CE}"/>
-              </a:ext>
-            </a:extLst>
-          </p:cNvPr>
-          <p:cNvPicPr>
-            <a:picLocks noGrp="1" noChangeAspect="1"/>
-          </p:cNvPicPr>
-          <p:nvPr>
-            <p:ph type="pic" sz="quarter" idx="16"/>
-          </p:nvPr>
-        </p:nvPicPr>
-        <p:blipFill rotWithShape="1">
-          <a:blip r:embed="rId3" cstate="screen">
-            <a:extLst>
-              <a:ext uri="{28A0092B-C50C-407E-A947-70E740481C1C}">
-                <a14:useLocalDpi xmlns:a14="http://schemas.microsoft.com/office/drawing/2010/main" val="0"/>
-              </a:ext>
-            </a:extLst>
-          </a:blip>
-          <a:srcRect/>
-          <a:stretch/>
-        </p:blipFill>
-        <p:spPr>
-          <a:xfrm>
-            <a:off x="6556248" y="3429000"/>
-            <a:ext cx="5084064" cy="2880360"/>
-          </a:xfrm>
-        </p:spPr>
-      </p:pic>
-      <p:sp>
-        <p:nvSpPr>
-          <p:cNvPr id="4" name="Data — symbol zastępczy 3">
-            <a:extLst>
-              <a:ext uri="{FF2B5EF4-FFF2-40B4-BE49-F238E27FC236}">
-                <a16:creationId xmlns:a16="http://schemas.microsoft.com/office/drawing/2014/main" id="{7823E305-6365-4345-8BD1-4A31C61D96CB}"/>
-              </a:ext>
-            </a:extLst>
-          </p:cNvPr>
-          <p:cNvSpPr>
-            <a:spLocks noGrp="1"/>
-          </p:cNvSpPr>
-          <p:nvPr>
-            <p:ph type="dt" sz="half" idx="10"/>
-          </p:nvPr>
-        </p:nvSpPr>
-        <p:spPr>
-          <a:xfrm>
-            <a:off x="550863" y="6507212"/>
-            <a:ext cx="2628900" cy="153888"/>
-          </a:xfrm>
-        </p:spPr>
-        <p:txBody>
-          <a:bodyPr rtlCol="0"/>
-          <a:lstStyle/>
-          <a:p>
-            <a:pPr rtl="0"/>
-            <a:r>
-              <a:rPr lang="pl-PL"/>
-              <a:t>Wtorek, 2 lutego 20XX</a:t>
-            </a:r>
-          </a:p>
-        </p:txBody>
-      </p:sp>
-      <p:sp>
-        <p:nvSpPr>
-          <p:cNvPr id="5" name="Stopka — symbol zastępczy 4">
-            <a:extLst>
-              <a:ext uri="{FF2B5EF4-FFF2-40B4-BE49-F238E27FC236}">
-                <a16:creationId xmlns:a16="http://schemas.microsoft.com/office/drawing/2014/main" id="{0B37A3FF-ED32-4C4A-A21F-848A3BF6F896}"/>
-              </a:ext>
-            </a:extLst>
-          </p:cNvPr>
-          <p:cNvSpPr>
-            <a:spLocks noGrp="1"/>
-          </p:cNvSpPr>
-          <p:nvPr>
-            <p:ph type="ftr" sz="quarter" idx="11"/>
-          </p:nvPr>
-        </p:nvSpPr>
-        <p:spPr>
-          <a:xfrm>
-            <a:off x="3359150" y="6507212"/>
-            <a:ext cx="6379210" cy="153888"/>
-          </a:xfrm>
-        </p:spPr>
-        <p:txBody>
-          <a:bodyPr rtlCol="0"/>
-          <a:lstStyle/>
-          <a:p>
-            <a:pPr rtl="0"/>
-            <a:r>
-              <a:rPr lang="pl-PL"/>
-              <a:t>Przykładowy tekst stopki</a:t>
-            </a:r>
-          </a:p>
-        </p:txBody>
-      </p:sp>
-      <p:sp>
-        <p:nvSpPr>
-          <p:cNvPr id="6" name="Numer slajdu — symbol zastępczy 5">
-            <a:extLst>
-              <a:ext uri="{FF2B5EF4-FFF2-40B4-BE49-F238E27FC236}">
-                <a16:creationId xmlns:a16="http://schemas.microsoft.com/office/drawing/2014/main" id="{36E60F23-FB58-4EF8-82FD-E86CED25FDD4}"/>
-              </a:ext>
-            </a:extLst>
-          </p:cNvPr>
-          <p:cNvSpPr>
-            <a:spLocks noGrp="1"/>
-          </p:cNvSpPr>
-          <p:nvPr>
-            <p:ph type="sldNum" sz="quarter" idx="12"/>
-          </p:nvPr>
-        </p:nvSpPr>
-        <p:spPr>
-          <a:xfrm>
-            <a:off x="9948863" y="6507212"/>
-            <a:ext cx="1692274" cy="153888"/>
-          </a:xfrm>
-        </p:spPr>
-        <p:txBody>
-          <a:bodyPr rtlCol="0"/>
-          <a:lstStyle/>
-          <a:p>
-            <a:pPr rtl="0"/>
-            <a:fld id="{DBA1B0FB-D917-4C8C-928F-313BD683BF39}" type="slidenum">
-              <a:rPr lang="pl-PL" smtClean="0"/>
-              <a:pPr rtl="0"/>
-              <a:t>16</a:t>
             </a:fld>
             <a:endParaRPr lang="pl-PL"/>
           </a:p>
@@ -23221,8 +16782,8 @@
           <a:chExt cx="0" cy="0"/>
         </a:xfrm>
       </p:grpSpPr>
-      <mc:AlternateContent xmlns:mc="http://schemas.openxmlformats.org/markup-compatibility/2006">
-        <mc:Choice xmlns:a14="http://schemas.microsoft.com/office/drawing/2010/main" Requires="a14">
+      <mc:AlternateContent xmlns:mc="http://schemas.openxmlformats.org/markup-compatibility/2006" xmlns:a14="http://schemas.microsoft.com/office/drawing/2010/main">
+        <mc:Choice Requires="a14">
           <p:sp>
             <p:nvSpPr>
               <p:cNvPr id="14" name="Content Placeholder 2">
@@ -23677,7 +17238,7 @@
             </p:txBody>
           </p:sp>
         </mc:Choice>
-        <mc:Fallback>
+        <mc:Fallback xmlns="">
           <p:sp>
             <p:nvSpPr>
               <p:cNvPr id="14" name="Content Placeholder 2">
@@ -23832,64 +17393,6 @@
       </p:sp>
       <p:sp>
         <p:nvSpPr>
-          <p:cNvPr id="5" name="Symbol zastępczy daty 4">
-            <a:extLst>
-              <a:ext uri="{FF2B5EF4-FFF2-40B4-BE49-F238E27FC236}">
-                <a16:creationId xmlns:a16="http://schemas.microsoft.com/office/drawing/2014/main" id="{0BAA7A3A-5026-D349-5E45-F31AA262157C}"/>
-              </a:ext>
-            </a:extLst>
-          </p:cNvPr>
-          <p:cNvSpPr>
-            <a:spLocks noGrp="1"/>
-          </p:cNvSpPr>
-          <p:nvPr>
-            <p:ph type="dt" sz="half" idx="10"/>
-          </p:nvPr>
-        </p:nvSpPr>
-        <p:spPr/>
-        <p:txBody>
-          <a:bodyPr/>
-          <a:lstStyle/>
-          <a:p>
-            <a:pPr rtl="0"/>
-            <a:r>
-              <a:rPr lang="pl-PL"/>
-              <a:t>Wtorek, 2 lutego 20XX</a:t>
-            </a:r>
-          </a:p>
-        </p:txBody>
-      </p:sp>
-      <p:sp>
-        <p:nvSpPr>
-          <p:cNvPr id="6" name="Symbol zastępczy stopki 5">
-            <a:extLst>
-              <a:ext uri="{FF2B5EF4-FFF2-40B4-BE49-F238E27FC236}">
-                <a16:creationId xmlns:a16="http://schemas.microsoft.com/office/drawing/2014/main" id="{63F5ACA9-E8CC-8AE4-EB88-A20D851C0C61}"/>
-              </a:ext>
-            </a:extLst>
-          </p:cNvPr>
-          <p:cNvSpPr>
-            <a:spLocks noGrp="1"/>
-          </p:cNvSpPr>
-          <p:nvPr>
-            <p:ph type="ftr" sz="quarter" idx="11"/>
-          </p:nvPr>
-        </p:nvSpPr>
-        <p:spPr/>
-        <p:txBody>
-          <a:bodyPr/>
-          <a:lstStyle/>
-          <a:p>
-            <a:pPr rtl="0"/>
-            <a:r>
-              <a:rPr lang="pl-PL"/>
-              <a:t>Przykładowy tekst stopki</a:t>
-            </a:r>
-          </a:p>
-        </p:txBody>
-      </p:sp>
-      <p:sp>
-        <p:nvSpPr>
           <p:cNvPr id="7" name="Symbol zastępczy numeru slajdu 6">
             <a:extLst>
               <a:ext uri="{FF2B5EF4-FFF2-40B4-BE49-F238E27FC236}">
@@ -23945,7 +17448,7 @@
             </p:spPr>
             <p:txBody>
               <a:bodyPr rtlCol="0">
-                <a:normAutofit lnSpcReduction="10000"/>
+                <a:normAutofit fontScale="92500" lnSpcReduction="10000"/>
               </a:bodyPr>
               <a:lstStyle>
                 <a:lvl1pPr marL="228600" indent="-228600" algn="l" defTabSz="914400" rtl="0" eaLnBrk="1" latinLnBrk="0" hangingPunct="1">
@@ -24393,7 +17896,7 @@
                   <a:rPr lang="pl-PL" sz="1500" dirty="0"/>
                 </a:br>
                 <a:r>
-                  <a:rPr lang="pl-PL" sz="1500" dirty="0"/>
+                  <a:rPr lang="pl-PL" sz="1600" dirty="0"/>
                   <a:t>Jedynie ma on krótszy maksymalny blok danych, w którym można wykryć błąd: </a:t>
                 </a:r>
                 <a14:m>
@@ -24401,14 +17904,14 @@
                     <m:sSup>
                       <m:sSupPr>
                         <m:ctrlPr>
-                          <a:rPr lang="pl-PL" sz="1500" i="1" dirty="0" smtClean="0">
+                          <a:rPr lang="pl-PL" sz="1600" i="1" dirty="0" smtClean="0">
                             <a:latin typeface="Cambria Math" panose="02040503050406030204" pitchFamily="18" charset="0"/>
                           </a:rPr>
                         </m:ctrlPr>
                       </m:sSupPr>
                       <m:e>
                         <m:r>
-                          <a:rPr lang="pl-PL" sz="1500" i="1" dirty="0" smtClean="0">
+                          <a:rPr lang="pl-PL" sz="1600" i="1" dirty="0" smtClean="0">
                             <a:latin typeface="Cambria Math" panose="02040503050406030204" pitchFamily="18" charset="0"/>
                           </a:rPr>
                           <m:t>2</m:t>
@@ -24416,13 +17919,13 @@
                       </m:e>
                       <m:sup>
                         <m:r>
-                          <a:rPr lang="pl-PL" sz="1500" i="1" dirty="0" smtClean="0">
+                          <a:rPr lang="pl-PL" sz="1600" i="1" dirty="0" smtClean="0">
                             <a:latin typeface="Cambria Math" panose="02040503050406030204" pitchFamily="18" charset="0"/>
                           </a:rPr>
                           <m:t>𝑟</m:t>
                         </m:r>
                         <m:r>
-                          <a:rPr lang="pl-PL" sz="1500" i="1" dirty="0" smtClean="0">
+                          <a:rPr lang="pl-PL" sz="1600" i="1" dirty="0" smtClean="0">
                             <a:latin typeface="Cambria Math" panose="02040503050406030204" pitchFamily="18" charset="0"/>
                           </a:rPr>
                           <m:t>−1</m:t>
@@ -24430,7 +17933,7 @@
                       </m:sup>
                     </m:sSup>
                     <m:r>
-                      <a:rPr lang="pl-PL" sz="1500" i="1" dirty="0" smtClean="0">
+                      <a:rPr lang="pl-PL" sz="1600" i="1" dirty="0" smtClean="0">
                         <a:latin typeface="Cambria Math" panose="02040503050406030204" pitchFamily="18" charset="0"/>
                       </a:rPr>
                       <m:t>– 1</m:t>
@@ -24438,7 +17941,7 @@
                   </m:oMath>
                 </a14:m>
                 <a:r>
-                  <a:rPr lang="pl-PL" sz="1500" dirty="0"/>
+                  <a:rPr lang="pl-PL" sz="1600" dirty="0"/>
                   <a:t>, czyli o połowę mniej niż w przypadku wielomianu generującego czysto pierwotnego.</a:t>
                 </a:r>
               </a:p>
@@ -24643,6 +18146,9 @@
                 <a:br>
                   <a:rPr lang="pl-PL" sz="1600" dirty="0"/>
                 </a:br>
+                <a:br>
+                  <a:rPr lang="pl-PL" sz="1600" dirty="0"/>
+                </a:br>
                 <a:r>
                   <a:rPr lang="pl-PL" sz="1600" dirty="0"/>
                   <a:t>Zatem jeśli jakiś błąd przyjmie taką właśnie postać, to nie będziemy w stanie go wykryć za pomocą CRC.</a:t>
@@ -24677,7 +18183,7 @@
               <a:blipFill>
                 <a:blip r:embed="rId2"/>
                 <a:stretch>
-                  <a:fillRect l="-330" t="-343" r="-220"/>
+                  <a:fillRect l="-220" t="-229" r="-220"/>
                 </a:stretch>
               </a:blipFill>
             </p:spPr>
@@ -24728,199 +18234,6 @@
       </p:grpSpPr>
       <p:sp>
         <p:nvSpPr>
-          <p:cNvPr id="2" name="Tytuł 1">
-            <a:extLst>
-              <a:ext uri="{FF2B5EF4-FFF2-40B4-BE49-F238E27FC236}">
-                <a16:creationId xmlns:a16="http://schemas.microsoft.com/office/drawing/2014/main" id="{3A21D8B7-E5B0-7582-2B4A-AA51CDE17638}"/>
-              </a:ext>
-            </a:extLst>
-          </p:cNvPr>
-          <p:cNvSpPr>
-            <a:spLocks noGrp="1"/>
-          </p:cNvSpPr>
-          <p:nvPr>
-            <p:ph type="title"/>
-          </p:nvPr>
-        </p:nvSpPr>
-        <p:spPr/>
-        <p:txBody>
-          <a:bodyPr/>
-          <a:lstStyle/>
-          <a:p>
-            <a:endParaRPr lang="pl-PL"/>
-          </a:p>
-        </p:txBody>
-      </p:sp>
-      <p:sp>
-        <p:nvSpPr>
-          <p:cNvPr id="3" name="Symbol zastępczy zawartości 2">
-            <a:extLst>
-              <a:ext uri="{FF2B5EF4-FFF2-40B4-BE49-F238E27FC236}">
-                <a16:creationId xmlns:a16="http://schemas.microsoft.com/office/drawing/2014/main" id="{98DF8D17-2DD5-199C-58E2-91C5B895A1C8}"/>
-              </a:ext>
-            </a:extLst>
-          </p:cNvPr>
-          <p:cNvSpPr>
-            <a:spLocks noGrp="1"/>
-          </p:cNvSpPr>
-          <p:nvPr>
-            <p:ph sz="quarter" idx="15"/>
-          </p:nvPr>
-        </p:nvSpPr>
-        <p:spPr/>
-        <p:txBody>
-          <a:bodyPr/>
-          <a:lstStyle/>
-          <a:p>
-            <a:endParaRPr lang="pl-PL"/>
-          </a:p>
-        </p:txBody>
-      </p:sp>
-      <p:sp>
-        <p:nvSpPr>
-          <p:cNvPr id="4" name="Symbol zastępczy obrazu 3">
-            <a:extLst>
-              <a:ext uri="{FF2B5EF4-FFF2-40B4-BE49-F238E27FC236}">
-                <a16:creationId xmlns:a16="http://schemas.microsoft.com/office/drawing/2014/main" id="{89EE3B3D-82A8-C5B2-45C4-43C4CD794367}"/>
-              </a:ext>
-            </a:extLst>
-          </p:cNvPr>
-          <p:cNvSpPr>
-            <a:spLocks noGrp="1"/>
-          </p:cNvSpPr>
-          <p:nvPr>
-            <p:ph type="pic" sz="quarter" idx="13"/>
-          </p:nvPr>
-        </p:nvSpPr>
-        <p:spPr/>
-        <p:txBody>
-          <a:bodyPr/>
-          <a:lstStyle/>
-          <a:p>
-            <a:endParaRPr lang="pl-PL"/>
-          </a:p>
-        </p:txBody>
-      </p:sp>
-      <p:sp>
-        <p:nvSpPr>
-          <p:cNvPr id="5" name="Symbol zastępczy daty 4">
-            <a:extLst>
-              <a:ext uri="{FF2B5EF4-FFF2-40B4-BE49-F238E27FC236}">
-                <a16:creationId xmlns:a16="http://schemas.microsoft.com/office/drawing/2014/main" id="{911D19DC-90C1-9509-6C34-115ACB1C4B0D}"/>
-              </a:ext>
-            </a:extLst>
-          </p:cNvPr>
-          <p:cNvSpPr>
-            <a:spLocks noGrp="1"/>
-          </p:cNvSpPr>
-          <p:nvPr>
-            <p:ph type="dt" sz="half" idx="10"/>
-          </p:nvPr>
-        </p:nvSpPr>
-        <p:spPr/>
-        <p:txBody>
-          <a:bodyPr/>
-          <a:lstStyle/>
-          <a:p>
-            <a:pPr rtl="0"/>
-            <a:r>
-              <a:rPr lang="pl-PL"/>
-              <a:t>Wtorek, 2 lutego 20XX</a:t>
-            </a:r>
-          </a:p>
-        </p:txBody>
-      </p:sp>
-      <p:sp>
-        <p:nvSpPr>
-          <p:cNvPr id="6" name="Symbol zastępczy stopki 5">
-            <a:extLst>
-              <a:ext uri="{FF2B5EF4-FFF2-40B4-BE49-F238E27FC236}">
-                <a16:creationId xmlns:a16="http://schemas.microsoft.com/office/drawing/2014/main" id="{E8BE03B6-8D4E-1FCD-3186-B7FC1FF8CC2D}"/>
-              </a:ext>
-            </a:extLst>
-          </p:cNvPr>
-          <p:cNvSpPr>
-            <a:spLocks noGrp="1"/>
-          </p:cNvSpPr>
-          <p:nvPr>
-            <p:ph type="ftr" sz="quarter" idx="11"/>
-          </p:nvPr>
-        </p:nvSpPr>
-        <p:spPr/>
-        <p:txBody>
-          <a:bodyPr/>
-          <a:lstStyle/>
-          <a:p>
-            <a:pPr rtl="0"/>
-            <a:r>
-              <a:rPr lang="pl-PL"/>
-              <a:t>Przykładowy tekst stopki</a:t>
-            </a:r>
-          </a:p>
-        </p:txBody>
-      </p:sp>
-      <p:sp>
-        <p:nvSpPr>
-          <p:cNvPr id="7" name="Symbol zastępczy numeru slajdu 6">
-            <a:extLst>
-              <a:ext uri="{FF2B5EF4-FFF2-40B4-BE49-F238E27FC236}">
-                <a16:creationId xmlns:a16="http://schemas.microsoft.com/office/drawing/2014/main" id="{B0E4ADD1-4AAF-FCFB-2523-C3B18693E959}"/>
-              </a:ext>
-            </a:extLst>
-          </p:cNvPr>
-          <p:cNvSpPr>
-            <a:spLocks noGrp="1"/>
-          </p:cNvSpPr>
-          <p:nvPr>
-            <p:ph type="sldNum" sz="quarter" idx="12"/>
-          </p:nvPr>
-        </p:nvSpPr>
-        <p:spPr/>
-        <p:txBody>
-          <a:bodyPr/>
-          <a:lstStyle/>
-          <a:p>
-            <a:pPr rtl="0"/>
-            <a:fld id="{DBA1B0FB-D917-4C8C-928F-313BD683BF39}" type="slidenum">
-              <a:rPr lang="pl-PL" smtClean="0"/>
-              <a:t>7</a:t>
-            </a:fld>
-            <a:endParaRPr lang="pl-PL"/>
-          </a:p>
-        </p:txBody>
-      </p:sp>
-    </p:spTree>
-    <p:extLst>
-      <p:ext uri="{BB962C8B-B14F-4D97-AF65-F5344CB8AC3E}">
-        <p14:creationId xmlns:p14="http://schemas.microsoft.com/office/powerpoint/2010/main" val="3436805233"/>
-      </p:ext>
-    </p:extLst>
-  </p:cSld>
-  <p:clrMapOvr>
-    <a:masterClrMapping/>
-  </p:clrMapOvr>
-</p:sld>
-</file>
-
-<file path=ppt/slides/slide8.xml><?xml version="1.0" encoding="utf-8"?>
-<p:sld xmlns:a="http://schemas.openxmlformats.org/drawingml/2006/main" xmlns:r="http://schemas.openxmlformats.org/officeDocument/2006/relationships" xmlns:p="http://schemas.openxmlformats.org/presentationml/2006/main">
-  <p:cSld>
-    <p:spTree>
-      <p:nvGrpSpPr>
-        <p:cNvPr id="1" name=""/>
-        <p:cNvGrpSpPr/>
-        <p:nvPr/>
-      </p:nvGrpSpPr>
-      <p:grpSpPr>
-        <a:xfrm>
-          <a:off x="0" y="0"/>
-          <a:ext cx="0" cy="0"/>
-          <a:chOff x="0" y="0"/>
-          <a:chExt cx="0" cy="0"/>
-        </a:xfrm>
-      </p:grpSpPr>
-      <p:sp>
-        <p:nvSpPr>
           <p:cNvPr id="12" name="Title 1">
             <a:extLst>
               <a:ext uri="{FF2B5EF4-FFF2-40B4-BE49-F238E27FC236}">
@@ -24993,7 +18306,7 @@
                   <a:spcPts val="600"/>
                 </a:spcAft>
               </a:pPr>
-              <a:t>8</a:t>
+              <a:t>7</a:t>
             </a:fld>
             <a:endParaRPr lang="pl-PL"/>
           </a:p>
@@ -25072,7 +18385,7 @@
 </p:sld>
 </file>
 
-<file path=ppt/slides/slide9.xml><?xml version="1.0" encoding="utf-8"?>
+<file path=ppt/slides/slide8.xml><?xml version="1.0" encoding="utf-8"?>
 <p:sld xmlns:a="http://schemas.openxmlformats.org/drawingml/2006/main" xmlns:r="http://schemas.openxmlformats.org/officeDocument/2006/relationships" xmlns:p="http://schemas.openxmlformats.org/presentationml/2006/main">
   <p:cSld>
     <p:spTree>
@@ -25153,14 +18466,14 @@
             <a:fld id="{DBA1B0FB-D917-4C8C-928F-313BD683BF39}" type="slidenum">
               <a:rPr lang="pl-PL" smtClean="0"/>
               <a:pPr rtl="0"/>
-              <a:t>9</a:t>
+              <a:t>8</a:t>
             </a:fld>
             <a:endParaRPr lang="pl-PL"/>
           </a:p>
         </p:txBody>
       </p:sp>
-      <mc:AlternateContent xmlns:mc="http://schemas.openxmlformats.org/markup-compatibility/2006">
-        <mc:Choice xmlns:a14="http://schemas.microsoft.com/office/drawing/2010/main" Requires="a14">
+      <mc:AlternateContent xmlns:mc="http://schemas.openxmlformats.org/markup-compatibility/2006" xmlns:a14="http://schemas.microsoft.com/office/drawing/2010/main">
+        <mc:Choice Requires="a14">
           <p:sp>
             <p:nvSpPr>
               <p:cNvPr id="3" name="Symbol zastępczy zawartości 2">
@@ -26118,7 +19431,7 @@
             </p:txBody>
           </p:sp>
         </mc:Choice>
-        <mc:Fallback>
+        <mc:Fallback xmlns="">
           <p:sp>
             <p:nvSpPr>
               <p:cNvPr id="3" name="Symbol zastępczy zawartości 2">
@@ -26166,6 +19479,602 @@
     <p:extLst>
       <p:ext uri="{BB962C8B-B14F-4D97-AF65-F5344CB8AC3E}">
         <p14:creationId xmlns:p14="http://schemas.microsoft.com/office/powerpoint/2010/main" val="3740286033"/>
+      </p:ext>
+    </p:extLst>
+  </p:cSld>
+  <p:clrMapOvr>
+    <a:masterClrMapping/>
+  </p:clrMapOvr>
+</p:sld>
+</file>
+
+<file path=ppt/slides/slide9.xml><?xml version="1.0" encoding="utf-8"?>
+<p:sld xmlns:a="http://schemas.openxmlformats.org/drawingml/2006/main" xmlns:r="http://schemas.openxmlformats.org/officeDocument/2006/relationships" xmlns:p="http://schemas.openxmlformats.org/presentationml/2006/main">
+  <p:cSld>
+    <p:spTree>
+      <p:nvGrpSpPr>
+        <p:cNvPr id="1" name=""/>
+        <p:cNvGrpSpPr/>
+        <p:nvPr/>
+      </p:nvGrpSpPr>
+      <p:grpSpPr>
+        <a:xfrm>
+          <a:off x="0" y="0"/>
+          <a:ext cx="0" cy="0"/>
+          <a:chOff x="0" y="0"/>
+          <a:chExt cx="0" cy="0"/>
+        </a:xfrm>
+      </p:grpSpPr>
+      <p:sp>
+        <p:nvSpPr>
+          <p:cNvPr id="21" name="Numer slajdu — symbol zastępczy 20">
+            <a:extLst>
+              <a:ext uri="{FF2B5EF4-FFF2-40B4-BE49-F238E27FC236}">
+                <a16:creationId xmlns:a16="http://schemas.microsoft.com/office/drawing/2014/main" id="{1C563B34-DD53-4FB1-B8C2-8914E01C6365}"/>
+              </a:ext>
+            </a:extLst>
+          </p:cNvPr>
+          <p:cNvSpPr>
+            <a:spLocks noGrp="1"/>
+          </p:cNvSpPr>
+          <p:nvPr>
+            <p:ph type="sldNum" sz="quarter" idx="12"/>
+          </p:nvPr>
+        </p:nvSpPr>
+        <p:spPr>
+          <a:xfrm>
+            <a:off x="9948863" y="6507212"/>
+            <a:ext cx="1692274" cy="153888"/>
+          </a:xfrm>
+        </p:spPr>
+        <p:txBody>
+          <a:bodyPr rtlCol="0"/>
+          <a:lstStyle/>
+          <a:p>
+            <a:pPr rtl="0"/>
+            <a:fld id="{DBA1B0FB-D917-4C8C-928F-313BD683BF39}" type="slidenum">
+              <a:rPr lang="pl-PL" smtClean="0"/>
+              <a:pPr rtl="0"/>
+              <a:t>9</a:t>
+            </a:fld>
+            <a:endParaRPr lang="pl-PL"/>
+          </a:p>
+        </p:txBody>
+      </p:sp>
+      <mc:AlternateContent xmlns:mc="http://schemas.openxmlformats.org/markup-compatibility/2006">
+        <mc:Choice xmlns:a14="http://schemas.microsoft.com/office/drawing/2010/main" Requires="a14">
+          <p:sp>
+            <p:nvSpPr>
+              <p:cNvPr id="5" name="Symbol zastępczy zawartości 4">
+                <a:extLst>
+                  <a:ext uri="{FF2B5EF4-FFF2-40B4-BE49-F238E27FC236}">
+                    <a16:creationId xmlns:a16="http://schemas.microsoft.com/office/drawing/2014/main" id="{7148E578-9F75-6F03-CDDA-52AA93C2811F}"/>
+                  </a:ext>
+                </a:extLst>
+              </p:cNvPr>
+              <p:cNvSpPr>
+                <a:spLocks noGrp="1"/>
+              </p:cNvSpPr>
+              <p:nvPr>
+                <p:ph sz="quarter" idx="15"/>
+              </p:nvPr>
+            </p:nvSpPr>
+            <p:spPr>
+              <a:xfrm>
+                <a:off x="550863" y="196901"/>
+                <a:ext cx="11090274" cy="5991464"/>
+              </a:xfrm>
+            </p:spPr>
+            <p:txBody>
+              <a:bodyPr/>
+              <a:lstStyle/>
+              <a:p>
+                <a:pPr marL="285750" indent="-285750">
+                  <a:buFont typeface="Arial" panose="020B0604020202020204" pitchFamily="34" charset="0"/>
+                  <a:buChar char="•"/>
+                </a:pPr>
+                <a:r>
+                  <a:rPr lang="pl-PL" sz="1500" dirty="0"/>
+                  <a:t>Błędy z nieparzystą liczbą bitów</a:t>
+                </a:r>
+                <a:br>
+                  <a:rPr lang="pl-PL" sz="1500" dirty="0"/>
+                </a:br>
+                <a:r>
+                  <a:rPr lang="pl-PL" sz="1500" dirty="0"/>
+                  <a:t>Wielomian dzielący się przez </a:t>
+                </a:r>
+                <a14:m>
+                  <m:oMath xmlns:m="http://schemas.openxmlformats.org/officeDocument/2006/math">
+                    <m:r>
+                      <a:rPr lang="pl-PL" sz="1500" i="1" dirty="0" smtClean="0">
+                        <a:latin typeface="Cambria Math" panose="02040503050406030204" pitchFamily="18" charset="0"/>
+                      </a:rPr>
+                      <m:t>(</m:t>
+                    </m:r>
+                    <m:r>
+                      <a:rPr lang="pl-PL" sz="1500" i="1" dirty="0" smtClean="0">
+                        <a:latin typeface="Cambria Math" panose="02040503050406030204" pitchFamily="18" charset="0"/>
+                      </a:rPr>
+                      <m:t>𝑥</m:t>
+                    </m:r>
+                    <m:r>
+                      <a:rPr lang="pl-PL" sz="1500" i="1" dirty="0" smtClean="0">
+                        <a:latin typeface="Cambria Math" panose="02040503050406030204" pitchFamily="18" charset="0"/>
+                      </a:rPr>
+                      <m:t>+1)</m:t>
+                    </m:r>
+                  </m:oMath>
+                </a14:m>
+                <a:r>
+                  <a:rPr lang="pl-PL" sz="1500" dirty="0"/>
+                  <a:t> wykrywa wszystkie błędy o nieparzystej liczbie bitów. Dlaczego tak jest ?</a:t>
+                </a:r>
+                <a:br>
+                  <a:rPr lang="pl-PL" sz="1500" dirty="0"/>
+                </a:br>
+                <a:br>
+                  <a:rPr lang="pl-PL" sz="1500" dirty="0"/>
+                </a:br>
+                <a:r>
+                  <a:rPr lang="pl-PL" sz="1500" dirty="0"/>
+                  <a:t>Dany wielomian </a:t>
+                </a:r>
+                <a14:m>
+                  <m:oMath xmlns:m="http://schemas.openxmlformats.org/officeDocument/2006/math">
+                    <m:r>
+                      <a:rPr lang="pl-PL" sz="1500" i="1" dirty="0" smtClean="0">
+                        <a:latin typeface="Cambria Math" panose="02040503050406030204" pitchFamily="18" charset="0"/>
+                      </a:rPr>
+                      <m:t>𝑓</m:t>
+                    </m:r>
+                    <m:r>
+                      <a:rPr lang="pl-PL" sz="1500" i="1" dirty="0" smtClean="0">
+                        <a:latin typeface="Cambria Math" panose="02040503050406030204" pitchFamily="18" charset="0"/>
+                      </a:rPr>
+                      <m:t>(</m:t>
+                    </m:r>
+                    <m:r>
+                      <a:rPr lang="pl-PL" sz="1500" i="1" dirty="0" smtClean="0">
+                        <a:latin typeface="Cambria Math" panose="02040503050406030204" pitchFamily="18" charset="0"/>
+                      </a:rPr>
+                      <m:t>𝑥</m:t>
+                    </m:r>
+                    <m:r>
+                      <a:rPr lang="pl-PL" sz="1500" i="1" dirty="0" smtClean="0">
+                        <a:latin typeface="Cambria Math" panose="02040503050406030204" pitchFamily="18" charset="0"/>
+                      </a:rPr>
+                      <m:t>)</m:t>
+                    </m:r>
+                  </m:oMath>
+                </a14:m>
+                <a:r>
+                  <a:rPr lang="pl-PL" sz="1500" dirty="0"/>
+                  <a:t> jest podzielny przez </a:t>
+                </a:r>
+                <a14:m>
+                  <m:oMath xmlns:m="http://schemas.openxmlformats.org/officeDocument/2006/math">
+                    <m:r>
+                      <a:rPr lang="pl-PL" sz="1500" i="1" dirty="0" smtClean="0">
+                        <a:latin typeface="Cambria Math" panose="02040503050406030204" pitchFamily="18" charset="0"/>
+                      </a:rPr>
+                      <m:t>(</m:t>
+                    </m:r>
+                    <m:r>
+                      <a:rPr lang="pl-PL" sz="1500" i="1" dirty="0" smtClean="0">
+                        <a:latin typeface="Cambria Math" panose="02040503050406030204" pitchFamily="18" charset="0"/>
+                      </a:rPr>
+                      <m:t>𝑥</m:t>
+                    </m:r>
+                    <m:r>
+                      <a:rPr lang="pl-PL" sz="1500" i="1" dirty="0" smtClean="0">
+                        <a:latin typeface="Cambria Math" panose="02040503050406030204" pitchFamily="18" charset="0"/>
+                      </a:rPr>
+                      <m:t>+1)</m:t>
+                    </m:r>
+                  </m:oMath>
+                </a14:m>
+                <a:r>
+                  <a:rPr lang="pl-PL" sz="1500" dirty="0"/>
+                  <a:t> jeśli jego wartość w punkcie 1 wynosi 0, czyli:</a:t>
+                </a:r>
+                <a:br>
+                  <a:rPr lang="pl-PL" sz="1500" dirty="0"/>
+                </a:br>
+                <a14:m>
+                  <m:oMath xmlns:m="http://schemas.openxmlformats.org/officeDocument/2006/math">
+                    <m:r>
+                      <a:rPr lang="pl-PL" sz="1500" i="1" dirty="0" smtClean="0">
+                        <a:latin typeface="Cambria Math" panose="02040503050406030204" pitchFamily="18" charset="0"/>
+                      </a:rPr>
+                      <m:t>𝑓</m:t>
+                    </m:r>
+                    <m:d>
+                      <m:dPr>
+                        <m:ctrlPr>
+                          <a:rPr lang="pl-PL" sz="1500" i="1" dirty="0" smtClean="0">
+                            <a:latin typeface="Cambria Math" panose="02040503050406030204" pitchFamily="18" charset="0"/>
+                          </a:rPr>
+                        </m:ctrlPr>
+                      </m:dPr>
+                      <m:e>
+                        <m:r>
+                          <a:rPr lang="pl-PL" sz="1500" i="1" dirty="0" smtClean="0">
+                            <a:latin typeface="Cambria Math" panose="02040503050406030204" pitchFamily="18" charset="0"/>
+                          </a:rPr>
+                          <m:t>1</m:t>
+                        </m:r>
+                      </m:e>
+                    </m:d>
+                    <m:r>
+                      <a:rPr lang="pl-PL" sz="1500" i="1" dirty="0" smtClean="0">
+                        <a:latin typeface="Cambria Math" panose="02040503050406030204" pitchFamily="18" charset="0"/>
+                      </a:rPr>
+                      <m:t>= 0</m:t>
+                    </m:r>
+                    <m:r>
+                      <m:rPr>
+                        <m:nor/>
+                      </m:rPr>
+                      <a:rPr lang="pl-PL" sz="1500" dirty="0">
+                        <a:sym typeface="Wingdings" panose="05000000000000000000" pitchFamily="2" charset="2"/>
+                      </a:rPr>
+                      <m:t> </m:t>
+                    </m:r>
+                    <m:r>
+                      <a:rPr lang="pl-PL" sz="1500" i="1" dirty="0">
+                        <a:latin typeface="Cambria Math" panose="02040503050406030204" pitchFamily="18" charset="0"/>
+                        <a:sym typeface="Wingdings" panose="05000000000000000000" pitchFamily="2" charset="2"/>
+                      </a:rPr>
+                      <m:t>𝑥</m:t>
+                    </m:r>
+                    <m:r>
+                      <a:rPr lang="pl-PL" sz="1500" i="1" dirty="0">
+                        <a:latin typeface="Cambria Math" panose="02040503050406030204" pitchFamily="18" charset="0"/>
+                        <a:sym typeface="Wingdings" panose="05000000000000000000" pitchFamily="2" charset="2"/>
+                      </a:rPr>
+                      <m:t>+1 | </m:t>
+                    </m:r>
+                    <m:r>
+                      <a:rPr lang="pl-PL" sz="1500" i="1" dirty="0">
+                        <a:latin typeface="Cambria Math" panose="02040503050406030204" pitchFamily="18" charset="0"/>
+                        <a:sym typeface="Wingdings" panose="05000000000000000000" pitchFamily="2" charset="2"/>
+                      </a:rPr>
+                      <m:t>𝑓</m:t>
+                    </m:r>
+                    <m:r>
+                      <a:rPr lang="pl-PL" sz="1500" i="1" dirty="0">
+                        <a:latin typeface="Cambria Math" panose="02040503050406030204" pitchFamily="18" charset="0"/>
+                        <a:sym typeface="Wingdings" panose="05000000000000000000" pitchFamily="2" charset="2"/>
+                      </a:rPr>
+                      <m:t>(</m:t>
+                    </m:r>
+                    <m:r>
+                      <a:rPr lang="pl-PL" sz="1500" i="1" dirty="0">
+                        <a:latin typeface="Cambria Math" panose="02040503050406030204" pitchFamily="18" charset="0"/>
+                        <a:sym typeface="Wingdings" panose="05000000000000000000" pitchFamily="2" charset="2"/>
+                      </a:rPr>
+                      <m:t>𝑥</m:t>
+                    </m:r>
+                    <m:r>
+                      <a:rPr lang="pl-PL" sz="1500" i="1" dirty="0">
+                        <a:latin typeface="Cambria Math" panose="02040503050406030204" pitchFamily="18" charset="0"/>
+                        <a:sym typeface="Wingdings" panose="05000000000000000000" pitchFamily="2" charset="2"/>
+                      </a:rPr>
+                      <m:t>)</m:t>
+                    </m:r>
+                  </m:oMath>
+                </a14:m>
+                <a:br>
+                  <a:rPr lang="pl-PL" sz="1500" dirty="0"/>
+                </a:br>
+                <a:br>
+                  <a:rPr lang="pl-PL" sz="1500" dirty="0"/>
+                </a:br>
+                <a:r>
+                  <a:rPr lang="pl-PL" sz="1500" dirty="0"/>
+                  <a:t>Zgodnie z zasadami arytmetyki w ciele GF(2) ( AND ) sumowanie nieparzystej liczby 1 daje </a:t>
+                </a:r>
+                <a14:m>
+                  <m:oMath xmlns:m="http://schemas.openxmlformats.org/officeDocument/2006/math">
+                    <m:r>
+                      <a:rPr lang="pl-PL" sz="1500" b="0" i="1" smtClean="0">
+                        <a:latin typeface="Cambria Math" panose="02040503050406030204" pitchFamily="18" charset="0"/>
+                      </a:rPr>
+                      <m:t>⇒</m:t>
+                    </m:r>
+                  </m:oMath>
+                </a14:m>
+                <a:r>
+                  <a:rPr lang="pl-PL" sz="1500" dirty="0"/>
+                  <a:t>1 ( wystąpienie błędu ), natomiast parzysta liczba 1 w </a:t>
+                </a:r>
+                <a14:m>
+                  <m:oMath xmlns:m="http://schemas.openxmlformats.org/officeDocument/2006/math">
+                    <m:r>
+                      <a:rPr lang="pl-PL" sz="1500" i="1" dirty="0" smtClean="0">
+                        <a:latin typeface="Cambria Math" panose="02040503050406030204" pitchFamily="18" charset="0"/>
+                      </a:rPr>
+                      <m:t>𝐸</m:t>
+                    </m:r>
+                    <m:r>
+                      <a:rPr lang="pl-PL" sz="1500" i="1" dirty="0" smtClean="0">
+                        <a:latin typeface="Cambria Math" panose="02040503050406030204" pitchFamily="18" charset="0"/>
+                      </a:rPr>
+                      <m:t>(</m:t>
+                    </m:r>
+                    <m:r>
+                      <a:rPr lang="pl-PL" sz="1500" i="1" dirty="0" smtClean="0">
+                        <a:latin typeface="Cambria Math" panose="02040503050406030204" pitchFamily="18" charset="0"/>
+                      </a:rPr>
+                      <m:t>𝑥</m:t>
+                    </m:r>
+                    <m:r>
+                      <a:rPr lang="pl-PL" sz="1500" i="1" dirty="0" smtClean="0">
+                        <a:latin typeface="Cambria Math" panose="02040503050406030204" pitchFamily="18" charset="0"/>
+                      </a:rPr>
+                      <m:t>)</m:t>
+                    </m:r>
+                  </m:oMath>
+                </a14:m>
+                <a:r>
+                  <a:rPr lang="pl-PL" sz="1500" dirty="0"/>
+                  <a:t> daje </a:t>
+                </a:r>
+                <a14:m>
+                  <m:oMath xmlns:m="http://schemas.openxmlformats.org/officeDocument/2006/math">
+                    <m:r>
+                      <a:rPr lang="pl-PL" sz="1500" b="0" i="1" smtClean="0">
+                        <a:latin typeface="Cambria Math" panose="02040503050406030204" pitchFamily="18" charset="0"/>
+                      </a:rPr>
+                      <m:t>⇒ </m:t>
+                    </m:r>
+                  </m:oMath>
+                </a14:m>
+                <a:r>
+                  <a:rPr lang="pl-PL" sz="1500" dirty="0"/>
+                  <a:t>pozorny brak błędu ( oczywiście błędne wskazanie ).</a:t>
+                </a:r>
+                <a:br>
+                  <a:rPr lang="pl-PL" sz="1500" dirty="0"/>
+                </a:br>
+                <a:br>
+                  <a:rPr lang="pl-PL" sz="1500" dirty="0"/>
+                </a:br>
+                <a:r>
+                  <a:rPr lang="pl-PL" sz="1500" dirty="0"/>
+                  <a:t>Stąd właśnie wynika właściwość, że wielomian generujący zawierający w sobie (x+1) gwarantuje wykrywanie wszystkich błędów z nieparzystą liczbą bitów. Jeżeli tak nie jest, nie jesteśmy w stanie zagwarantować wykrycia tego rodzaju błędów.</a:t>
+                </a:r>
+                <a:br>
+                  <a:rPr lang="pl-PL" sz="1500" dirty="0"/>
+                </a:br>
+                <a:endParaRPr lang="pl-PL" sz="1500" dirty="0"/>
+              </a:p>
+              <a:p>
+                <a:pPr marL="285750" indent="-285750">
+                  <a:buFont typeface="Arial" panose="020B0604020202020204" pitchFamily="34" charset="0"/>
+                  <a:buChar char="•"/>
+                </a:pPr>
+                <a:r>
+                  <a:rPr lang="pl-PL" sz="1500" dirty="0"/>
+                  <a:t>CRC może mieć problem z wykrywaniem błędów, polegających na pojawieniu się zer na początku sekwencji.</a:t>
+                </a:r>
+              </a:p>
+              <a:p>
+                <a:pPr marL="285750" indent="-285750">
+                  <a:buFont typeface="Arial" panose="020B0604020202020204" pitchFamily="34" charset="0"/>
+                  <a:buChar char="•"/>
+                </a:pPr>
+                <a:r>
+                  <a:rPr lang="pl-PL" sz="1500" dirty="0"/>
+                  <a:t>Błędy </a:t>
+                </a:r>
+                <a:r>
+                  <a:rPr lang="pl-PL" sz="1500" dirty="0" err="1"/>
+                  <a:t>burts</a:t>
+                </a:r>
+                <a:br>
+                  <a:rPr lang="pl-PL" sz="1500" dirty="0"/>
+                </a:br>
+                <a:r>
+                  <a:rPr lang="pl-PL" sz="1500" dirty="0"/>
+                  <a:t>Błąd </a:t>
+                </a:r>
+                <a:r>
+                  <a:rPr lang="pl-PL" sz="1500" dirty="0" err="1"/>
+                  <a:t>burst</a:t>
+                </a:r>
+                <a:r>
+                  <a:rPr lang="pl-PL" sz="1500" dirty="0"/>
+                  <a:t> jest to taki błąd, który występuje w postaci ciągłej sekwencji błędnych bitów, w której: </a:t>
+                </a:r>
+              </a:p>
+              <a:p>
+                <a:pPr lvl="1"/>
+                <a:r>
+                  <a:rPr lang="pl-PL" sz="1500" dirty="0"/>
+                  <a:t>Pierwszy i ostatni bit są błędne</a:t>
+                </a:r>
+              </a:p>
+              <a:p>
+                <a:pPr lvl="1"/>
+                <a:r>
+                  <a:rPr lang="pl-PL" sz="1500" dirty="0"/>
+                  <a:t>Pomiędzy nimi może znajdować się dowolna liczba ( również 0 ) błędnych lub poprawnych bitów</a:t>
+                </a:r>
+              </a:p>
+              <a:p>
+                <a:pPr marL="457200" lvl="1" indent="0">
+                  <a:buNone/>
+                </a:pPr>
+                <a:r>
+                  <a:rPr lang="pl-PL" sz="1500" dirty="0"/>
+                  <a:t>Żaden wielomian błędu </a:t>
+                </a:r>
+                <a14:m>
+                  <m:oMath xmlns:m="http://schemas.openxmlformats.org/officeDocument/2006/math">
+                    <m:r>
+                      <a:rPr lang="pl-PL" sz="1500" i="1" dirty="0" smtClean="0">
+                        <a:latin typeface="Cambria Math" panose="02040503050406030204" pitchFamily="18" charset="0"/>
+                      </a:rPr>
+                      <m:t>𝐸</m:t>
+                    </m:r>
+                    <m:r>
+                      <a:rPr lang="pl-PL" sz="1500" i="1" dirty="0" smtClean="0">
+                        <a:latin typeface="Cambria Math" panose="02040503050406030204" pitchFamily="18" charset="0"/>
+                      </a:rPr>
+                      <m:t>(</m:t>
+                    </m:r>
+                    <m:r>
+                      <a:rPr lang="pl-PL" sz="1500" i="1" dirty="0" smtClean="0">
+                        <a:latin typeface="Cambria Math" panose="02040503050406030204" pitchFamily="18" charset="0"/>
+                      </a:rPr>
+                      <m:t>𝑥</m:t>
+                    </m:r>
+                    <m:r>
+                      <a:rPr lang="pl-PL" sz="1500" i="1" dirty="0" smtClean="0">
+                        <a:latin typeface="Cambria Math" panose="02040503050406030204" pitchFamily="18" charset="0"/>
+                      </a:rPr>
+                      <m:t>)</m:t>
+                    </m:r>
+                  </m:oMath>
+                </a14:m>
+                <a:r>
+                  <a:rPr lang="pl-PL" sz="1500" dirty="0"/>
+                  <a:t> o stopniu &lt; n nie jest w stanie być podzielny przez </a:t>
+                </a:r>
+                <a14:m>
+                  <m:oMath xmlns:m="http://schemas.openxmlformats.org/officeDocument/2006/math">
+                    <m:r>
+                      <a:rPr lang="pl-PL" sz="1500" i="1" dirty="0" smtClean="0">
+                        <a:latin typeface="Cambria Math" panose="02040503050406030204" pitchFamily="18" charset="0"/>
+                      </a:rPr>
+                      <m:t>𝐺</m:t>
+                    </m:r>
+                    <m:r>
+                      <a:rPr lang="pl-PL" sz="1500" i="1" dirty="0" smtClean="0">
+                        <a:latin typeface="Cambria Math" panose="02040503050406030204" pitchFamily="18" charset="0"/>
+                      </a:rPr>
+                      <m:t>(</m:t>
+                    </m:r>
+                    <m:r>
+                      <a:rPr lang="pl-PL" sz="1500" i="1" dirty="0" smtClean="0">
+                        <a:latin typeface="Cambria Math" panose="02040503050406030204" pitchFamily="18" charset="0"/>
+                      </a:rPr>
+                      <m:t>𝑥</m:t>
+                    </m:r>
+                    <m:r>
+                      <a:rPr lang="pl-PL" sz="1500" i="1" dirty="0" smtClean="0">
+                        <a:latin typeface="Cambria Math" panose="02040503050406030204" pitchFamily="18" charset="0"/>
+                      </a:rPr>
+                      <m:t>)</m:t>
+                    </m:r>
+                  </m:oMath>
+                </a14:m>
+                <a:r>
+                  <a:rPr lang="pl-PL" sz="1500" dirty="0"/>
+                  <a:t> o stopniu n, jeśli najwyższy współczynnik </a:t>
+                </a:r>
+                <a14:m>
+                  <m:oMath xmlns:m="http://schemas.openxmlformats.org/officeDocument/2006/math">
+                    <m:r>
+                      <a:rPr lang="pl-PL" sz="1500" i="1" dirty="0" smtClean="0">
+                        <a:latin typeface="Cambria Math" panose="02040503050406030204" pitchFamily="18" charset="0"/>
+                      </a:rPr>
+                      <m:t>𝐺</m:t>
+                    </m:r>
+                    <m:r>
+                      <a:rPr lang="pl-PL" sz="1500" i="1" dirty="0" smtClean="0">
+                        <a:latin typeface="Cambria Math" panose="02040503050406030204" pitchFamily="18" charset="0"/>
+                      </a:rPr>
+                      <m:t>(</m:t>
+                    </m:r>
+                    <m:r>
+                      <a:rPr lang="pl-PL" sz="1500" i="1" dirty="0" smtClean="0">
+                        <a:latin typeface="Cambria Math" panose="02040503050406030204" pitchFamily="18" charset="0"/>
+                      </a:rPr>
+                      <m:t>𝑥</m:t>
+                    </m:r>
+                    <m:r>
+                      <a:rPr lang="pl-PL" sz="1500" i="1" dirty="0" smtClean="0">
+                        <a:latin typeface="Cambria Math" panose="02040503050406030204" pitchFamily="18" charset="0"/>
+                      </a:rPr>
+                      <m:t>)</m:t>
+                    </m:r>
+                  </m:oMath>
+                </a14:m>
+                <a:r>
+                  <a:rPr lang="pl-PL" sz="1500" dirty="0"/>
+                  <a:t> oraz wyraz wolny są niezerowe.</a:t>
+                </a:r>
+                <a:br>
+                  <a:rPr lang="pl-PL" sz="1500" dirty="0"/>
+                </a:br>
+                <a:endParaRPr lang="pl-PL" sz="1500" dirty="0"/>
+              </a:p>
+              <a:p>
+                <a:pPr marL="457200" lvl="1" indent="0">
+                  <a:buNone/>
+                </a:pPr>
+                <a:endParaRPr lang="pl-PL" dirty="0"/>
+              </a:p>
+              <a:p>
+                <a:pPr marL="457200" lvl="1" indent="0">
+                  <a:buNone/>
+                </a:pPr>
+                <a:endParaRPr lang="pl-PL" sz="1500" dirty="0"/>
+              </a:p>
+            </p:txBody>
+          </p:sp>
+        </mc:Choice>
+        <mc:Fallback>
+          <p:sp>
+            <p:nvSpPr>
+              <p:cNvPr id="5" name="Symbol zastępczy zawartości 4">
+                <a:extLst>
+                  <a:ext uri="{FF2B5EF4-FFF2-40B4-BE49-F238E27FC236}">
+                    <a16:creationId xmlns:a16="http://schemas.microsoft.com/office/drawing/2014/main" id="{7148E578-9F75-6F03-CDDA-52AA93C2811F}"/>
+                  </a:ext>
+                </a:extLst>
+              </p:cNvPr>
+              <p:cNvSpPr>
+                <a:spLocks noGrp="1" noRot="1" noChangeAspect="1" noMove="1" noResize="1" noEditPoints="1" noAdjustHandles="1" noChangeArrowheads="1" noChangeShapeType="1" noTextEdit="1"/>
+              </p:cNvSpPr>
+              <p:nvPr>
+                <p:ph sz="quarter" idx="15"/>
+              </p:nvPr>
+            </p:nvSpPr>
+            <p:spPr>
+              <a:xfrm>
+                <a:off x="550863" y="196901"/>
+                <a:ext cx="11090274" cy="5991464"/>
+              </a:xfrm>
+              <a:blipFill>
+                <a:blip r:embed="rId2"/>
+                <a:stretch>
+                  <a:fillRect l="-989" t="-814" r="-1429"/>
+                </a:stretch>
+              </a:blipFill>
+            </p:spPr>
+            <p:txBody>
+              <a:bodyPr/>
+              <a:lstStyle/>
+              <a:p>
+                <a:r>
+                  <a:rPr lang="pl-PL">
+                    <a:noFill/>
+                  </a:rPr>
+                  <a:t> </a:t>
+                </a:r>
+              </a:p>
+            </p:txBody>
+          </p:sp>
+        </mc:Fallback>
+      </mc:AlternateContent>
+    </p:spTree>
+    <p:extLst>
+      <p:ext uri="{BB962C8B-B14F-4D97-AF65-F5344CB8AC3E}">
+        <p14:creationId xmlns:p14="http://schemas.microsoft.com/office/powerpoint/2010/main" val="395518310"/>
       </p:ext>
     </p:extLst>
   </p:cSld>
@@ -26967,34 +20876,6 @@
 </file>
 
 <file path=customXml/item1.xml><?xml version="1.0" encoding="utf-8"?>
-<?mso-contentType ?>
-<FormTemplates xmlns="http://schemas.microsoft.com/sharepoint/v3/contenttype/forms">
-  <Display>DocumentLibraryForm</Display>
-  <Edit>DocumentLibraryForm</Edit>
-  <New>DocumentLibraryForm</New>
-</FormTemplates>
-</file>
-
-<file path=customXml/item2.xml><?xml version="1.0" encoding="utf-8"?>
-<p:properties xmlns:p="http://schemas.microsoft.com/office/2006/metadata/properties" xmlns:xsi="http://www.w3.org/2001/XMLSchema-instance" xmlns:pc="http://schemas.microsoft.com/office/infopath/2007/PartnerControls">
-  <documentManagement>
-    <_ip_UnifiedCompliancePolicyUIAction xmlns="http://schemas.microsoft.com/sharepoint/v3" xsi:nil="true"/>
-    <Image xmlns="71af3243-3dd4-4a8d-8c0d-dd76da1f02a5">
-      <Url xsi:nil="true"/>
-      <Description xsi:nil="true"/>
-    </Image>
-    <Status xmlns="71af3243-3dd4-4a8d-8c0d-dd76da1f02a5">Not started</Status>
-    <_ip_UnifiedCompliancePolicyProperties xmlns="http://schemas.microsoft.com/sharepoint/v3" xsi:nil="true"/>
-    <lcf76f155ced4ddcb4097134ff3c332f xmlns="71af3243-3dd4-4a8d-8c0d-dd76da1f02a5">
-      <Terms xmlns="http://schemas.microsoft.com/office/infopath/2007/PartnerControls"/>
-    </lcf76f155ced4ddcb4097134ff3c332f>
-    <TaxCatchAll xmlns="230e9df3-be65-4c73-a93b-d1236ebd677e"/>
-    <MediaServiceKeyPoints xmlns="71af3243-3dd4-4a8d-8c0d-dd76da1f02a5" xsi:nil="true"/>
-  </documentManagement>
-</p:properties>
-</file>
-
-<file path=customXml/item3.xml><?xml version="1.0" encoding="utf-8"?>
 <ct:contentTypeSchema xmlns:ct="http://schemas.microsoft.com/office/2006/metadata/contentType" xmlns:ma="http://schemas.microsoft.com/office/2006/metadata/properties/metaAttributes" ct:_="" ma:_="" ma:contentTypeName="Document" ma:contentTypeID="0x01010079F111ED35F8CC479449609E8A0923A6" ma:contentTypeVersion="18" ma:contentTypeDescription="Create a new document." ma:contentTypeScope="" ma:versionID="22a266b9fa9a230c5a512669d8b298c3">
   <xsd:schema xmlns:xsd="http://www.w3.org/2001/XMLSchema" xmlns:xs="http://www.w3.org/2001/XMLSchema" xmlns:p="http://schemas.microsoft.com/office/2006/metadata/properties" xmlns:ns1="http://schemas.microsoft.com/sharepoint/v3" xmlns:ns2="71af3243-3dd4-4a8d-8c0d-dd76da1f02a5" xmlns:ns3="16c05727-aa75-4e4a-9b5f-8a80a1165891" xmlns:ns4="230e9df3-be65-4c73-a93b-d1236ebd677e" targetNamespace="http://schemas.microsoft.com/office/2006/metadata/properties" ma:root="true" ma:fieldsID="eddc33fff6b14141ee5c74a0d29ea6a1" ns1:_="" ns2:_="" ns3:_="" ns4:_="">
     <xsd:import namespace="http://schemas.microsoft.com/sharepoint/v3"/>
@@ -27270,27 +21151,35 @@
 </ct:contentTypeSchema>
 </file>
 
-<file path=customXml/itemProps1.xml><?xml version="1.0" encoding="utf-8"?>
-<ds:datastoreItem xmlns:ds="http://schemas.openxmlformats.org/officeDocument/2006/customXml" ds:itemID="{904751AB-E840-446F-8D49-E697067EC887}">
-  <ds:schemaRefs>
-    <ds:schemaRef ds:uri="http://schemas.microsoft.com/sharepoint/v3/contenttype/forms"/>
-  </ds:schemaRefs>
-</ds:datastoreItem>
+<file path=customXml/item2.xml><?xml version="1.0" encoding="utf-8"?>
+<p:properties xmlns:p="http://schemas.microsoft.com/office/2006/metadata/properties" xmlns:xsi="http://www.w3.org/2001/XMLSchema-instance" xmlns:pc="http://schemas.microsoft.com/office/infopath/2007/PartnerControls">
+  <documentManagement>
+    <_ip_UnifiedCompliancePolicyUIAction xmlns="http://schemas.microsoft.com/sharepoint/v3" xsi:nil="true"/>
+    <Image xmlns="71af3243-3dd4-4a8d-8c0d-dd76da1f02a5">
+      <Url xsi:nil="true"/>
+      <Description xsi:nil="true"/>
+    </Image>
+    <Status xmlns="71af3243-3dd4-4a8d-8c0d-dd76da1f02a5">Not started</Status>
+    <_ip_UnifiedCompliancePolicyProperties xmlns="http://schemas.microsoft.com/sharepoint/v3" xsi:nil="true"/>
+    <lcf76f155ced4ddcb4097134ff3c332f xmlns="71af3243-3dd4-4a8d-8c0d-dd76da1f02a5">
+      <Terms xmlns="http://schemas.microsoft.com/office/infopath/2007/PartnerControls"/>
+    </lcf76f155ced4ddcb4097134ff3c332f>
+    <TaxCatchAll xmlns="230e9df3-be65-4c73-a93b-d1236ebd677e"/>
+    <MediaServiceKeyPoints xmlns="71af3243-3dd4-4a8d-8c0d-dd76da1f02a5" xsi:nil="true"/>
+  </documentManagement>
+</p:properties>
 </file>
 
-<file path=customXml/itemProps2.xml><?xml version="1.0" encoding="utf-8"?>
-<ds:datastoreItem xmlns:ds="http://schemas.openxmlformats.org/officeDocument/2006/customXml" ds:itemID="{50811A92-D464-4AC4-A396-BA73B10CEEAC}">
-  <ds:schemaRefs>
-    <ds:schemaRef ds:uri="http://schemas.microsoft.com/office/2006/metadata/properties"/>
-    <ds:schemaRef ds:uri="http://schemas.microsoft.com/office/infopath/2007/PartnerControls"/>
-    <ds:schemaRef ds:uri="http://schemas.microsoft.com/sharepoint/v3"/>
-    <ds:schemaRef ds:uri="71af3243-3dd4-4a8d-8c0d-dd76da1f02a5"/>
-    <ds:schemaRef ds:uri="230e9df3-be65-4c73-a93b-d1236ebd677e"/>
-  </ds:schemaRefs>
-</ds:datastoreItem>
+<file path=customXml/item3.xml><?xml version="1.0" encoding="utf-8"?>
+<?mso-contentType ?>
+<FormTemplates xmlns="http://schemas.microsoft.com/sharepoint/v3/contenttype/forms">
+  <Display>DocumentLibraryForm</Display>
+  <Edit>DocumentLibraryForm</Edit>
+  <New>DocumentLibraryForm</New>
+</FormTemplates>
 </file>
 
-<file path=customXml/itemProps3.xml><?xml version="1.0" encoding="utf-8"?>
+<file path=customXml/itemProps1.xml><?xml version="1.0" encoding="utf-8"?>
 <ds:datastoreItem xmlns:ds="http://schemas.openxmlformats.org/officeDocument/2006/customXml" ds:itemID="{DE4876F9-7AE1-498D-B8FE-1E3AD703D2AF}">
   <ds:schemaRefs>
     <ds:schemaRef ds:uri="http://schemas.microsoft.com/office/2006/metadata/contentType"/>
@@ -27311,6 +21200,26 @@
 </ds:datastoreItem>
 </file>
 
+<file path=customXml/itemProps2.xml><?xml version="1.0" encoding="utf-8"?>
+<ds:datastoreItem xmlns:ds="http://schemas.openxmlformats.org/officeDocument/2006/customXml" ds:itemID="{50811A92-D464-4AC4-A396-BA73B10CEEAC}">
+  <ds:schemaRefs>
+    <ds:schemaRef ds:uri="http://schemas.microsoft.com/office/2006/metadata/properties"/>
+    <ds:schemaRef ds:uri="http://schemas.microsoft.com/office/infopath/2007/PartnerControls"/>
+    <ds:schemaRef ds:uri="http://schemas.microsoft.com/sharepoint/v3"/>
+    <ds:schemaRef ds:uri="71af3243-3dd4-4a8d-8c0d-dd76da1f02a5"/>
+    <ds:schemaRef ds:uri="230e9df3-be65-4c73-a93b-d1236ebd677e"/>
+  </ds:schemaRefs>
+</ds:datastoreItem>
+</file>
+
+<file path=customXml/itemProps3.xml><?xml version="1.0" encoding="utf-8"?>
+<ds:datastoreItem xmlns:ds="http://schemas.openxmlformats.org/officeDocument/2006/customXml" ds:itemID="{904751AB-E840-446F-8D49-E697067EC887}">
+  <ds:schemaRefs>
+    <ds:schemaRef ds:uri="http://schemas.microsoft.com/sharepoint/v3/contenttype/forms"/>
+  </ds:schemaRefs>
+</ds:datastoreItem>
+</file>
+
 <file path=docMetadata/LabelInfo.xml><?xml version="1.0" encoding="utf-8"?>
 <clbl:labelList xmlns:clbl="http://schemas.microsoft.com/office/2020/mipLabelMetadata">
   <clbl:label id="{f42aa342-8706-4288-bd11-ebb85995028c}" enabled="1" method="Standard" siteId="{72f988bf-86f1-41af-91ab-2d7cd011db47}" contentBits="0" removed="0"/>

--- a/Implementacja kodu wielomianowego CRC-32 – IEEE 802-3.pptx
+++ b/Implementacja kodu wielomianowego CRC-32 – IEEE 802-3.pptx
@@ -5,10 +5,10 @@
     <p:sldMasterId id="2147483684" r:id="rId4"/>
   </p:sldMasterIdLst>
   <p:notesMasterIdLst>
-    <p:notesMasterId r:id="rId18"/>
+    <p:notesMasterId r:id="rId17"/>
   </p:notesMasterIdLst>
   <p:handoutMasterIdLst>
-    <p:handoutMasterId r:id="rId19"/>
+    <p:handoutMasterId r:id="rId18"/>
   </p:handoutMasterIdLst>
   <p:sldIdLst>
     <p:sldId id="317" r:id="rId5"/>
@@ -21,9 +21,8 @@
     <p:sldId id="277" r:id="rId12"/>
     <p:sldId id="279" r:id="rId13"/>
     <p:sldId id="396" r:id="rId14"/>
-    <p:sldId id="281" r:id="rId15"/>
-    <p:sldId id="321" r:id="rId16"/>
-    <p:sldId id="391" r:id="rId17"/>
+    <p:sldId id="321" r:id="rId15"/>
+    <p:sldId id="391" r:id="rId16"/>
   </p:sldIdLst>
   <p:sldSz cx="12192000" cy="6858000"/>
   <p:notesSz cx="6858000" cy="9144000"/>
@@ -144,6 +143,14 @@
 </p:presentation>
 </file>
 
+<file path=ppt/revisionInfo.xml><?xml version="1.0" encoding="utf-8"?>
+<p1510:revInfo xmlns:a="http://schemas.openxmlformats.org/drawingml/2006/main" xmlns:r="http://schemas.openxmlformats.org/officeDocument/2006/relationships" xmlns:p1510="http://schemas.microsoft.com/office/powerpoint/2015/10/main">
+  <p1510:revLst>
+    <p1510:client id="{4C64CDC9-FB5B-2018-F1EA-AD3FCE08E79B}" v="1" dt="2025-06-09T08:57:22.608"/>
+  </p1510:revLst>
+</p1510:revInfo>
+</file>
+
 <file path=ppt/handoutMasters/handoutMaster1.xml><?xml version="1.0" encoding="utf-8"?>
 <p:handoutMaster xmlns:a="http://schemas.openxmlformats.org/drawingml/2006/main" xmlns:r="http://schemas.openxmlformats.org/officeDocument/2006/relationships" xmlns:p="http://schemas.openxmlformats.org/presentationml/2006/main">
   <p:cSld>
@@ -240,7 +247,7 @@
             <a:pPr rtl="0"/>
             <a:fld id="{3D4C38CF-67C2-4088-A2AD-522FD06E4E9F}" type="datetime1">
               <a:rPr lang="pl-PL" smtClean="0"/>
-              <a:t>01.06.2025</a:t>
+              <a:t>09.06.2025</a:t>
             </a:fld>
             <a:endParaRPr lang="pl-PL"/>
           </a:p>
@@ -422,7 +429,7 @@
             <a:pPr rtl="0"/>
             <a:fld id="{EBFB94E0-1F98-4426-9482-6C6FD17970C3}" type="datetime1">
               <a:rPr lang="pl-PL" smtClean="0"/>
-              <a:t>01.06.2025</a:t>
+              <a:t>09.06.2025</a:t>
             </a:fld>
             <a:endParaRPr lang="pl-PL"/>
           </a:p>
@@ -790,7 +797,7 @@
             <a:pPr rtl="0"/>
             <a:fld id="{B65CB970-E35C-4CF5-95DE-0955C0BD62D9}" type="datetime1">
               <a:rPr lang="pl-PL" smtClean="0"/>
-              <a:t>01.06.2025</a:t>
+              <a:t>09.06.2025</a:t>
             </a:fld>
             <a:endParaRPr lang="pl-PL"/>
           </a:p>
@@ -810,121 +817,6 @@
 </file>
 
 <file path=ppt/notesSlides/notesSlide2.xml><?xml version="1.0" encoding="utf-8"?>
-<p:notes xmlns:a="http://schemas.openxmlformats.org/drawingml/2006/main" xmlns:r="http://schemas.openxmlformats.org/officeDocument/2006/relationships" xmlns:p="http://schemas.openxmlformats.org/presentationml/2006/main">
-  <p:cSld>
-    <p:spTree>
-      <p:nvGrpSpPr>
-        <p:cNvPr id="1" name=""/>
-        <p:cNvGrpSpPr/>
-        <p:nvPr/>
-      </p:nvGrpSpPr>
-      <p:grpSpPr>
-        <a:xfrm>
-          <a:off x="0" y="0"/>
-          <a:ext cx="0" cy="0"/>
-          <a:chOff x="0" y="0"/>
-          <a:chExt cx="0" cy="0"/>
-        </a:xfrm>
-      </p:grpSpPr>
-      <p:sp>
-        <p:nvSpPr>
-          <p:cNvPr id="2" name="Symbol zastępczy obrazu slajdu 1"/>
-          <p:cNvSpPr>
-            <a:spLocks noGrp="1" noRot="1" noChangeAspect="1"/>
-          </p:cNvSpPr>
-          <p:nvPr>
-            <p:ph type="sldImg"/>
-          </p:nvPr>
-        </p:nvSpPr>
-        <p:spPr/>
-      </p:sp>
-      <p:sp>
-        <p:nvSpPr>
-          <p:cNvPr id="3" name="Symbol zastępczy notatek 2"/>
-          <p:cNvSpPr>
-            <a:spLocks noGrp="1"/>
-          </p:cNvSpPr>
-          <p:nvPr>
-            <p:ph type="body" idx="1"/>
-          </p:nvPr>
-        </p:nvSpPr>
-        <p:spPr/>
-        <p:txBody>
-          <a:bodyPr/>
-          <a:lstStyle/>
-          <a:p>
-            <a:endParaRPr lang="pl-PL" dirty="0"/>
-          </a:p>
-        </p:txBody>
-      </p:sp>
-      <p:sp>
-        <p:nvSpPr>
-          <p:cNvPr id="4" name="Symbol zastępczy numeru slajdu 3"/>
-          <p:cNvSpPr>
-            <a:spLocks noGrp="1"/>
-          </p:cNvSpPr>
-          <p:nvPr>
-            <p:ph type="sldNum" sz="quarter" idx="5"/>
-          </p:nvPr>
-        </p:nvSpPr>
-        <p:spPr/>
-        <p:txBody>
-          <a:bodyPr/>
-          <a:lstStyle/>
-          <a:p>
-            <a:pPr rtl="0"/>
-            <a:fld id="{E7CCE34D-CFF1-4FFE-815B-D050E7ED2DFD}" type="slidenum">
-              <a:rPr lang="pl-PL" smtClean="0"/>
-              <a:t>11</a:t>
-            </a:fld>
-            <a:endParaRPr lang="pl-PL"/>
-          </a:p>
-        </p:txBody>
-      </p:sp>
-      <p:sp>
-        <p:nvSpPr>
-          <p:cNvPr id="5" name="Symbol zastępczy daty 4">
-            <a:extLst>
-              <a:ext uri="{FF2B5EF4-FFF2-40B4-BE49-F238E27FC236}">
-                <a16:creationId xmlns:a16="http://schemas.microsoft.com/office/drawing/2014/main" id="{E4891A17-6249-461C-B075-652AEA2598D9}"/>
-              </a:ext>
-            </a:extLst>
-          </p:cNvPr>
-          <p:cNvSpPr>
-            <a:spLocks noGrp="1"/>
-          </p:cNvSpPr>
-          <p:nvPr>
-            <p:ph type="dt" idx="1"/>
-          </p:nvPr>
-        </p:nvSpPr>
-        <p:spPr/>
-        <p:txBody>
-          <a:bodyPr/>
-          <a:lstStyle/>
-          <a:p>
-            <a:pPr rtl="0"/>
-            <a:fld id="{0CE26397-7EB8-4E6D-9388-C37617315B24}" type="datetime1">
-              <a:rPr lang="pl-PL" smtClean="0"/>
-              <a:t>01.06.2025</a:t>
-            </a:fld>
-            <a:endParaRPr lang="pl-PL"/>
-          </a:p>
-        </p:txBody>
-      </p:sp>
-    </p:spTree>
-    <p:extLst>
-      <p:ext uri="{BB962C8B-B14F-4D97-AF65-F5344CB8AC3E}">
-        <p14:creationId xmlns:p14="http://schemas.microsoft.com/office/powerpoint/2010/main" val="438094687"/>
-      </p:ext>
-    </p:extLst>
-  </p:cSld>
-  <p:clrMapOvr>
-    <a:masterClrMapping/>
-  </p:clrMapOvr>
-</p:notes>
-</file>
-
-<file path=ppt/notesSlides/notesSlide3.xml><?xml version="1.0" encoding="utf-8"?>
 <p:notes xmlns:a="http://schemas.openxmlformats.org/drawingml/2006/main" xmlns:r="http://schemas.openxmlformats.org/officeDocument/2006/relationships" xmlns:p="http://schemas.openxmlformats.org/presentationml/2006/main">
   <p:cSld>
     <p:spTree>
@@ -1021,7 +913,7 @@
             <a:pPr rtl="0"/>
             <a:fld id="{9509B6E6-3E65-49C0-94CE-1A750F0F84E8}" type="datetime1">
               <a:rPr lang="pl-PL" smtClean="0"/>
-              <a:t>01.06.2025</a:t>
+              <a:t>09.06.2025</a:t>
             </a:fld>
             <a:endParaRPr lang="pl-PL"/>
           </a:p>
@@ -14378,8 +14270,8 @@
           <a:chExt cx="0" cy="0"/>
         </a:xfrm>
       </p:grpSpPr>
-      <mc:AlternateContent xmlns:mc="http://schemas.openxmlformats.org/markup-compatibility/2006">
-        <mc:Choice xmlns:a14="http://schemas.microsoft.com/office/drawing/2010/main" Requires="a14">
+      <mc:AlternateContent xmlns:mc="http://schemas.openxmlformats.org/markup-compatibility/2006" xmlns:a14="http://schemas.microsoft.com/office/drawing/2010/main">
+        <mc:Choice Requires="a14">
           <p:sp>
             <p:nvSpPr>
               <p:cNvPr id="3" name="Symbol zastępczy zawartości 2">
@@ -14526,7 +14418,7 @@
             </p:txBody>
           </p:sp>
         </mc:Choice>
-        <mc:Fallback>
+        <mc:Fallback xmlns="">
           <p:sp>
             <p:nvSpPr>
               <p:cNvPr id="3" name="Symbol zastępczy zawartości 2">
@@ -14602,10 +14494,10 @@
       </p:grpSpPr>
       <p:sp>
         <p:nvSpPr>
-          <p:cNvPr id="7" name="Tytuł 6">
+          <p:cNvPr id="11" name="Tytuł 10">
             <a:extLst>
               <a:ext uri="{FF2B5EF4-FFF2-40B4-BE49-F238E27FC236}">
-                <a16:creationId xmlns:a16="http://schemas.microsoft.com/office/drawing/2014/main" id="{47788B34-4190-4916-9048-47720EA5ABF1}"/>
+                <a16:creationId xmlns:a16="http://schemas.microsoft.com/office/drawing/2014/main" id="{581E8936-2270-47FE-94A4-398CB123EF90}"/>
               </a:ext>
             </a:extLst>
           </p:cNvPr>
@@ -14618,123 +14510,20 @@
         </p:nvSpPr>
         <p:spPr>
           <a:xfrm>
-            <a:off x="550862" y="549275"/>
-            <a:ext cx="11097551" cy="1332000"/>
+            <a:off x="550863" y="549275"/>
+            <a:ext cx="11090274" cy="1332000"/>
           </a:xfrm>
         </p:spPr>
         <p:txBody>
-          <a:bodyPr rtlCol="0"/>
-          <a:lstStyle/>
-          <a:p>
-            <a:pPr rtl="0"/>
-            <a:r>
-              <a:rPr lang="pl-PL"/>
-              <a:t>Zawartość 2 </a:t>
-            </a:r>
-          </a:p>
-        </p:txBody>
-      </p:sp>
-      <p:sp>
-        <p:nvSpPr>
-          <p:cNvPr id="8" name="Tekst — symbol zastępczy 7">
-            <a:extLst>
-              <a:ext uri="{FF2B5EF4-FFF2-40B4-BE49-F238E27FC236}">
-                <a16:creationId xmlns:a16="http://schemas.microsoft.com/office/drawing/2014/main" id="{ABA415A0-3B77-43FB-A408-5F1DA4B0AAFA}"/>
-              </a:ext>
-            </a:extLst>
-          </p:cNvPr>
-          <p:cNvSpPr>
-            <a:spLocks noGrp="1"/>
-          </p:cNvSpPr>
-          <p:nvPr>
-            <p:ph type="body" idx="1"/>
-          </p:nvPr>
-        </p:nvSpPr>
-        <p:spPr>
-          <a:xfrm>
-            <a:off x="550864" y="1731375"/>
-            <a:ext cx="3563936" cy="535354"/>
-          </a:xfrm>
-        </p:spPr>
-        <p:txBody>
-          <a:bodyPr rtlCol="0"/>
-          <a:lstStyle/>
-          <a:p>
-            <a:pPr rtl="0"/>
-            <a:r>
-              <a:rPr lang="pl-PL"/>
-              <a:t>Podtytuł</a:t>
-            </a:r>
-          </a:p>
-        </p:txBody>
-      </p:sp>
-      <p:sp>
-        <p:nvSpPr>
-          <p:cNvPr id="9" name="Zawartość — symbol zastępczy 8">
-            <a:extLst>
-              <a:ext uri="{FF2B5EF4-FFF2-40B4-BE49-F238E27FC236}">
-                <a16:creationId xmlns:a16="http://schemas.microsoft.com/office/drawing/2014/main" id="{8598ECEC-4413-4244-8F21-0076EC511806}"/>
-              </a:ext>
-            </a:extLst>
-          </p:cNvPr>
-          <p:cNvSpPr>
-            <a:spLocks noGrp="1"/>
-          </p:cNvSpPr>
-          <p:nvPr>
-            <p:ph sz="half" idx="2"/>
-          </p:nvPr>
-        </p:nvSpPr>
-        <p:spPr>
-          <a:xfrm>
-            <a:off x="559476" y="2432304"/>
-            <a:ext cx="3563936" cy="3515555"/>
-          </a:xfrm>
-        </p:spPr>
-        <p:txBody>
-          <a:bodyPr rtlCol="0">
+          <a:bodyPr wrap="square" rtlCol="0" anchor="t">
             <a:normAutofit/>
           </a:bodyPr>
           <a:lstStyle/>
           <a:p>
-            <a:pPr lvl="0" rtl="0"/>
-            <a:endParaRPr lang="pl-PL" sz="1600" dirty="0"/>
-          </a:p>
-          <a:p>
-            <a:pPr rtl="0"/>
-            <a:endParaRPr lang="pl-PL" sz="1600" dirty="0"/>
-          </a:p>
-        </p:txBody>
-      </p:sp>
-      <p:sp>
-        <p:nvSpPr>
-          <p:cNvPr id="12" name="Tekst — symbol zastępczy 11">
-            <a:extLst>
-              <a:ext uri="{FF2B5EF4-FFF2-40B4-BE49-F238E27FC236}">
-                <a16:creationId xmlns:a16="http://schemas.microsoft.com/office/drawing/2014/main" id="{3A63626D-0E6E-4023-ABFC-A744C9862159}"/>
-              </a:ext>
-            </a:extLst>
-          </p:cNvPr>
-          <p:cNvSpPr>
-            <a:spLocks noGrp="1"/>
-          </p:cNvSpPr>
-          <p:nvPr>
-            <p:ph type="body" sz="quarter" idx="13"/>
-          </p:nvPr>
-        </p:nvSpPr>
-        <p:spPr>
-          <a:xfrm>
-            <a:off x="4341573" y="1731375"/>
-            <a:ext cx="3566160" cy="535354"/>
-          </a:xfrm>
-        </p:spPr>
-        <p:txBody>
-          <a:bodyPr rtlCol="0"/>
-          <a:lstStyle/>
-          <a:p>
             <a:pPr rtl="0"/>
             <a:r>
-              <a:rPr lang="pl-PL"/>
-              <a:t>podtytuł</a:t>
+              <a:rPr lang="pl-PL" dirty="0"/>
+              <a:t>Bibliografia</a:t>
             </a:r>
           </a:p>
         </p:txBody>
@@ -14744,7 +14533,7 @@
           <p:cNvPr id="13" name="Zawartość — symbol zastępczy 12">
             <a:extLst>
               <a:ext uri="{FF2B5EF4-FFF2-40B4-BE49-F238E27FC236}">
-                <a16:creationId xmlns:a16="http://schemas.microsoft.com/office/drawing/2014/main" id="{258E9390-685C-4BAD-BFAD-EC56E81C4745}"/>
+                <a16:creationId xmlns:a16="http://schemas.microsoft.com/office/drawing/2014/main" id="{C0287FEC-3826-4868-8D93-52429C6156F5}"/>
               </a:ext>
             </a:extLst>
           </p:cNvPr>
@@ -14752,231 +14541,70 @@
             <a:spLocks noGrp="1"/>
           </p:cNvSpPr>
           <p:nvPr>
-            <p:ph sz="quarter" idx="14"/>
+            <p:ph sz="half" idx="1"/>
           </p:nvPr>
         </p:nvSpPr>
         <p:spPr>
           <a:xfrm>
-            <a:off x="4341573" y="2427370"/>
-            <a:ext cx="3508755" cy="3515555"/>
+            <a:off x="550862" y="2097175"/>
+            <a:ext cx="5435600" cy="3995650"/>
           </a:xfrm>
         </p:spPr>
         <p:txBody>
-          <a:bodyPr rtlCol="0">
-            <a:noAutofit/>
+          <a:bodyPr wrap="square" rtlCol="0">
+            <a:normAutofit/>
           </a:bodyPr>
           <a:lstStyle/>
           <a:p>
-            <a:pPr lvl="0" rtl="0"/>
-            <a:r>
-              <a:rPr lang="pl-PL" sz="1600"/>
-              <a:t>Dodaj tekst, obrazy, grafiki i klipy wideo. </a:t>
-            </a:r>
-          </a:p>
-          <a:p>
-            <a:pPr lvl="0" rtl="0"/>
-            <a:r>
-              <a:rPr lang="pl-PL" sz="1600"/>
-              <a:t>Dodaj przejścia, animacje i ruch. </a:t>
-            </a:r>
-          </a:p>
-          <a:p>
-            <a:pPr lvl="0" rtl="0"/>
-            <a:r>
-              <a:rPr lang="pl-PL" sz="1600"/>
-              <a:t>Zapisuj prezentacje w usłudze OneDrive, aby uzyskać do nich dostęp z komputera, tabletu lub telefonu. </a:t>
-            </a:r>
-          </a:p>
-          <a:p>
             <a:pPr rtl="0"/>
             <a:r>
-              <a:rPr lang="pl-PL" sz="1600"/>
-              <a:t>Otwórz okienko Pomysły dotyczące projektu, aby korzystać z błyskawicznych przeobrażeń slajdów. </a:t>
+              <a:rPr lang="pl-PL" dirty="0"/>
+              <a:t>[1]</a:t>
             </a:r>
+            <a:r>
+              <a:rPr lang="pl-PL" dirty="0" err="1">
+                <a:hlinkClick r:id="rId3"/>
+              </a:rPr>
+              <a:t>Cyclic_redundancy_check_wikipedia</a:t>
+            </a:r>
+            <a:endParaRPr lang="pl-PL" dirty="0"/>
           </a:p>
           <a:p>
             <a:pPr rtl="0"/>
             <a:r>
-              <a:rPr lang="pl-PL" sz="1600"/>
-              <a:t>W tym miejscu będziemy przedstawiać nasze pomysły projektowe.</a:t>
+              <a:rPr lang="pl-PL" dirty="0"/>
+              <a:t>[2]</a:t>
             </a:r>
+            <a:r>
+              <a:rPr lang="pl-PL" dirty="0" err="1">
+                <a:hlinkClick r:id="rId4"/>
+              </a:rPr>
+              <a:t>Mathematics_of_CRC</a:t>
+            </a:r>
+            <a:endParaRPr lang="pl-PL" dirty="0"/>
+          </a:p>
+          <a:p>
+            <a:pPr rtl="0"/>
+            <a:r>
+              <a:rPr lang="pl-PL" dirty="0"/>
+              <a:t>[3]</a:t>
+            </a:r>
+            <a:r>
+              <a:rPr lang="pl-PL" dirty="0">
+                <a:hlinkClick r:id="rId5"/>
+              </a:rPr>
+              <a:t>IEEE 802.3 - 2022</a:t>
+            </a:r>
+            <a:endParaRPr lang="pl-PL" dirty="0"/>
           </a:p>
         </p:txBody>
       </p:sp>
       <p:sp>
         <p:nvSpPr>
-          <p:cNvPr id="10" name="Tekst — symbol zastępczy 9">
+          <p:cNvPr id="6" name="Numer slajdu — symbol zastępczy 5">
             <a:extLst>
               <a:ext uri="{FF2B5EF4-FFF2-40B4-BE49-F238E27FC236}">
-                <a16:creationId xmlns:a16="http://schemas.microsoft.com/office/drawing/2014/main" id="{34A9BC34-CFDB-4D7A-8D6C-1CE608D0909F}"/>
-              </a:ext>
-            </a:extLst>
-          </p:cNvPr>
-          <p:cNvSpPr>
-            <a:spLocks noGrp="1"/>
-          </p:cNvSpPr>
-          <p:nvPr>
-            <p:ph type="body" sz="quarter" idx="3"/>
-          </p:nvPr>
-        </p:nvSpPr>
-        <p:spPr>
-          <a:xfrm>
-            <a:off x="8139659" y="1731375"/>
-            <a:ext cx="3566160" cy="535354"/>
-          </a:xfrm>
-        </p:spPr>
-        <p:txBody>
-          <a:bodyPr rtlCol="0"/>
-          <a:lstStyle/>
-          <a:p>
-            <a:pPr rtl="0"/>
-            <a:r>
-              <a:rPr lang="pl-PL"/>
-              <a:t>podtytuł</a:t>
-            </a:r>
-            <a:endParaRPr lang="pl-PL" dirty="0"/>
-          </a:p>
-        </p:txBody>
-      </p:sp>
-      <p:sp>
-        <p:nvSpPr>
-          <p:cNvPr id="11" name="Zawartość — symbol zastępczy 10">
-            <a:extLst>
-              <a:ext uri="{FF2B5EF4-FFF2-40B4-BE49-F238E27FC236}">
-                <a16:creationId xmlns:a16="http://schemas.microsoft.com/office/drawing/2014/main" id="{1D014E48-5DD9-49CE-AD5B-0FEF69204F68}"/>
-              </a:ext>
-            </a:extLst>
-          </p:cNvPr>
-          <p:cNvSpPr>
-            <a:spLocks noGrp="1"/>
-          </p:cNvSpPr>
-          <p:nvPr>
-            <p:ph sz="quarter" idx="4"/>
-          </p:nvPr>
-        </p:nvSpPr>
-        <p:spPr>
-          <a:xfrm>
-            <a:off x="8139659" y="2427370"/>
-            <a:ext cx="3508755" cy="3515555"/>
-          </a:xfrm>
-        </p:spPr>
-        <p:txBody>
-          <a:bodyPr rtlCol="0">
-            <a:noAutofit/>
-          </a:bodyPr>
-          <a:lstStyle/>
-          <a:p>
-            <a:pPr lvl="0" rtl="0"/>
-            <a:r>
-              <a:rPr lang="pl-PL" sz="1600"/>
-              <a:t>Dodaj tekst, obrazy, grafiki i klipy wideo. </a:t>
-            </a:r>
-          </a:p>
-          <a:p>
-            <a:pPr lvl="0" rtl="0"/>
-            <a:r>
-              <a:rPr lang="pl-PL" sz="1600"/>
-              <a:t>Dodaj przejścia, animacje i ruch. </a:t>
-            </a:r>
-          </a:p>
-          <a:p>
-            <a:pPr lvl="0" rtl="0"/>
-            <a:r>
-              <a:rPr lang="pl-PL" sz="1600"/>
-              <a:t>Zapisuj prezentacje w usłudze OneDrive, aby uzyskać do nich dostęp z komputera, tabletu lub telefonu. </a:t>
-            </a:r>
-          </a:p>
-          <a:p>
-            <a:pPr rtl="0"/>
-            <a:r>
-              <a:rPr lang="pl-PL" sz="1600"/>
-              <a:t>Otwórz okienko Pomysły dotyczące projektu, aby korzystać z błyskawicznych przeobrażeń slajdów. </a:t>
-            </a:r>
-          </a:p>
-          <a:p>
-            <a:pPr rtl="0"/>
-            <a:r>
-              <a:rPr lang="pl-PL" sz="1600"/>
-              <a:t>W tym miejscu będziemy przedstawiać nasze pomysły projektowe.</a:t>
-            </a:r>
-          </a:p>
-        </p:txBody>
-      </p:sp>
-      <p:sp>
-        <p:nvSpPr>
-          <p:cNvPr id="14" name="Data — symbol zastępczy 13">
-            <a:extLst>
-              <a:ext uri="{FF2B5EF4-FFF2-40B4-BE49-F238E27FC236}">
-                <a16:creationId xmlns:a16="http://schemas.microsoft.com/office/drawing/2014/main" id="{D236478C-E242-44E0-8357-C72C9B588CA7}"/>
-              </a:ext>
-            </a:extLst>
-          </p:cNvPr>
-          <p:cNvSpPr>
-            <a:spLocks noGrp="1"/>
-          </p:cNvSpPr>
-          <p:nvPr>
-            <p:ph type="dt" sz="half" idx="10"/>
-          </p:nvPr>
-        </p:nvSpPr>
-        <p:spPr>
-          <a:xfrm>
-            <a:off x="550863" y="6507212"/>
-            <a:ext cx="2628900" cy="153888"/>
-          </a:xfrm>
-        </p:spPr>
-        <p:txBody>
-          <a:bodyPr rtlCol="0"/>
-          <a:lstStyle/>
-          <a:p>
-            <a:pPr rtl="0"/>
-            <a:r>
-              <a:rPr lang="pl-PL"/>
-              <a:t>Wtorek, 2 lutego 20XX</a:t>
-            </a:r>
-            <a:endParaRPr lang="pl-PL" dirty="0"/>
-          </a:p>
-        </p:txBody>
-      </p:sp>
-      <p:sp>
-        <p:nvSpPr>
-          <p:cNvPr id="15" name="Stopka — symbol zastępczy 14">
-            <a:extLst>
-              <a:ext uri="{FF2B5EF4-FFF2-40B4-BE49-F238E27FC236}">
-                <a16:creationId xmlns:a16="http://schemas.microsoft.com/office/drawing/2014/main" id="{65A6DC02-681E-4AF7-AC6E-57CDDB2FBA28}"/>
-              </a:ext>
-            </a:extLst>
-          </p:cNvPr>
-          <p:cNvSpPr>
-            <a:spLocks noGrp="1"/>
-          </p:cNvSpPr>
-          <p:nvPr>
-            <p:ph type="ftr" sz="quarter" idx="11"/>
-          </p:nvPr>
-        </p:nvSpPr>
-        <p:spPr>
-          <a:xfrm>
-            <a:off x="3359150" y="6507212"/>
-            <a:ext cx="6379210" cy="153888"/>
-          </a:xfrm>
-        </p:spPr>
-        <p:txBody>
-          <a:bodyPr rtlCol="0"/>
-          <a:lstStyle/>
-          <a:p>
-            <a:pPr rtl="0"/>
-            <a:r>
-              <a:rPr lang="pl-PL"/>
-              <a:t>Przykładowy tekst stopki</a:t>
-            </a:r>
-          </a:p>
-        </p:txBody>
-      </p:sp>
-      <p:sp>
-        <p:nvSpPr>
-          <p:cNvPr id="16" name="Numer slajdu — symbol zastępczy 15">
-            <a:extLst>
-              <a:ext uri="{FF2B5EF4-FFF2-40B4-BE49-F238E27FC236}">
-                <a16:creationId xmlns:a16="http://schemas.microsoft.com/office/drawing/2014/main" id="{CF0A8666-4477-461C-A79D-E91232EE973E}"/>
+                <a16:creationId xmlns:a16="http://schemas.microsoft.com/office/drawing/2014/main" id="{9ED907F8-C614-4D59-A03F-BF9CD5E35703}"/>
               </a:ext>
             </a:extLst>
           </p:cNvPr>
@@ -14994,15 +14622,50 @@
           </a:xfrm>
         </p:spPr>
         <p:txBody>
-          <a:bodyPr rtlCol="0"/>
+          <a:bodyPr wrap="square" rtlCol="0" anchor="ctr">
+            <a:normAutofit/>
+          </a:bodyPr>
           <a:lstStyle/>
           <a:p>
-            <a:pPr rtl="0"/>
+            <a:pPr rtl="0">
+              <a:spcAft>
+                <a:spcPts val="600"/>
+              </a:spcAft>
+            </a:pPr>
             <a:fld id="{DBA1B0FB-D917-4C8C-928F-313BD683BF39}" type="slidenum">
               <a:rPr lang="pl-PL" smtClean="0"/>
-              <a:pPr rtl="0"/>
+              <a:pPr rtl="0">
+                <a:spcAft>
+                  <a:spcPts val="600"/>
+                </a:spcAft>
+              </a:pPr>
               <a:t>11</a:t>
             </a:fld>
+            <a:endParaRPr lang="pl-PL"/>
+          </a:p>
+        </p:txBody>
+      </p:sp>
+      <p:sp>
+        <p:nvSpPr>
+          <p:cNvPr id="3" name="Symbol zastępczy zawartości 2">
+            <a:extLst>
+              <a:ext uri="{FF2B5EF4-FFF2-40B4-BE49-F238E27FC236}">
+                <a16:creationId xmlns:a16="http://schemas.microsoft.com/office/drawing/2014/main" id="{6529BA9D-6250-284C-255C-31D8AC37A94A}"/>
+              </a:ext>
+            </a:extLst>
+          </p:cNvPr>
+          <p:cNvSpPr>
+            <a:spLocks noGrp="1"/>
+          </p:cNvSpPr>
+          <p:nvPr>
+            <p:ph sz="half" idx="2"/>
+          </p:nvPr>
+        </p:nvSpPr>
+        <p:spPr/>
+        <p:txBody>
+          <a:bodyPr/>
+          <a:lstStyle/>
+          <a:p>
             <a:endParaRPr lang="pl-PL"/>
           </a:p>
         </p:txBody>
@@ -15010,7 +14673,7 @@
     </p:spTree>
     <p:extLst>
       <p:ext uri="{BB962C8B-B14F-4D97-AF65-F5344CB8AC3E}">
-        <p14:creationId xmlns:p14="http://schemas.microsoft.com/office/powerpoint/2010/main" val="1420547054"/>
+        <p14:creationId xmlns:p14="http://schemas.microsoft.com/office/powerpoint/2010/main" val="3521561301"/>
       </p:ext>
     </p:extLst>
   </p:cSld>
@@ -15039,214 +14702,6 @@
       </p:grpSpPr>
       <p:sp>
         <p:nvSpPr>
-          <p:cNvPr id="11" name="Tytuł 10">
-            <a:extLst>
-              <a:ext uri="{FF2B5EF4-FFF2-40B4-BE49-F238E27FC236}">
-                <a16:creationId xmlns:a16="http://schemas.microsoft.com/office/drawing/2014/main" id="{581E8936-2270-47FE-94A4-398CB123EF90}"/>
-              </a:ext>
-            </a:extLst>
-          </p:cNvPr>
-          <p:cNvSpPr>
-            <a:spLocks noGrp="1"/>
-          </p:cNvSpPr>
-          <p:nvPr>
-            <p:ph type="title"/>
-          </p:nvPr>
-        </p:nvSpPr>
-        <p:spPr>
-          <a:xfrm>
-            <a:off x="550863" y="549275"/>
-            <a:ext cx="11090274" cy="1332000"/>
-          </a:xfrm>
-        </p:spPr>
-        <p:txBody>
-          <a:bodyPr wrap="square" rtlCol="0" anchor="t">
-            <a:normAutofit/>
-          </a:bodyPr>
-          <a:lstStyle/>
-          <a:p>
-            <a:pPr rtl="0"/>
-            <a:r>
-              <a:rPr lang="pl-PL" dirty="0"/>
-              <a:t>Bibliografia</a:t>
-            </a:r>
-          </a:p>
-        </p:txBody>
-      </p:sp>
-      <p:sp>
-        <p:nvSpPr>
-          <p:cNvPr id="13" name="Zawartość — symbol zastępczy 12">
-            <a:extLst>
-              <a:ext uri="{FF2B5EF4-FFF2-40B4-BE49-F238E27FC236}">
-                <a16:creationId xmlns:a16="http://schemas.microsoft.com/office/drawing/2014/main" id="{C0287FEC-3826-4868-8D93-52429C6156F5}"/>
-              </a:ext>
-            </a:extLst>
-          </p:cNvPr>
-          <p:cNvSpPr>
-            <a:spLocks noGrp="1"/>
-          </p:cNvSpPr>
-          <p:nvPr>
-            <p:ph sz="half" idx="1"/>
-          </p:nvPr>
-        </p:nvSpPr>
-        <p:spPr>
-          <a:xfrm>
-            <a:off x="550862" y="2097175"/>
-            <a:ext cx="5435600" cy="3995650"/>
-          </a:xfrm>
-        </p:spPr>
-        <p:txBody>
-          <a:bodyPr wrap="square" rtlCol="0">
-            <a:normAutofit/>
-          </a:bodyPr>
-          <a:lstStyle/>
-          <a:p>
-            <a:pPr rtl="0"/>
-            <a:r>
-              <a:rPr lang="pl-PL" dirty="0"/>
-              <a:t>[1]</a:t>
-            </a:r>
-            <a:r>
-              <a:rPr lang="pl-PL" dirty="0" err="1">
-                <a:hlinkClick r:id="rId3"/>
-              </a:rPr>
-              <a:t>Cyclic_redundancy_check_wikipedia</a:t>
-            </a:r>
-            <a:endParaRPr lang="pl-PL" dirty="0"/>
-          </a:p>
-          <a:p>
-            <a:pPr rtl="0"/>
-            <a:r>
-              <a:rPr lang="pl-PL" dirty="0"/>
-              <a:t>[2]</a:t>
-            </a:r>
-            <a:r>
-              <a:rPr lang="pl-PL" dirty="0" err="1">
-                <a:hlinkClick r:id="rId4"/>
-              </a:rPr>
-              <a:t>Mathematics_of_CRC</a:t>
-            </a:r>
-            <a:endParaRPr lang="pl-PL" dirty="0"/>
-          </a:p>
-          <a:p>
-            <a:pPr rtl="0"/>
-            <a:r>
-              <a:rPr lang="pl-PL" dirty="0"/>
-              <a:t>[3]</a:t>
-            </a:r>
-            <a:r>
-              <a:rPr lang="pl-PL" dirty="0">
-                <a:hlinkClick r:id="rId5"/>
-              </a:rPr>
-              <a:t>IEEE 802.3 - 2022</a:t>
-            </a:r>
-            <a:endParaRPr lang="pl-PL" dirty="0"/>
-          </a:p>
-        </p:txBody>
-      </p:sp>
-      <p:sp>
-        <p:nvSpPr>
-          <p:cNvPr id="6" name="Numer slajdu — symbol zastępczy 5">
-            <a:extLst>
-              <a:ext uri="{FF2B5EF4-FFF2-40B4-BE49-F238E27FC236}">
-                <a16:creationId xmlns:a16="http://schemas.microsoft.com/office/drawing/2014/main" id="{9ED907F8-C614-4D59-A03F-BF9CD5E35703}"/>
-              </a:ext>
-            </a:extLst>
-          </p:cNvPr>
-          <p:cNvSpPr>
-            <a:spLocks noGrp="1"/>
-          </p:cNvSpPr>
-          <p:nvPr>
-            <p:ph type="sldNum" sz="quarter" idx="12"/>
-          </p:nvPr>
-        </p:nvSpPr>
-        <p:spPr>
-          <a:xfrm>
-            <a:off x="9948863" y="6507212"/>
-            <a:ext cx="1692274" cy="153888"/>
-          </a:xfrm>
-        </p:spPr>
-        <p:txBody>
-          <a:bodyPr wrap="square" rtlCol="0" anchor="ctr">
-            <a:normAutofit/>
-          </a:bodyPr>
-          <a:lstStyle/>
-          <a:p>
-            <a:pPr rtl="0">
-              <a:spcAft>
-                <a:spcPts val="600"/>
-              </a:spcAft>
-            </a:pPr>
-            <a:fld id="{DBA1B0FB-D917-4C8C-928F-313BD683BF39}" type="slidenum">
-              <a:rPr lang="pl-PL" smtClean="0"/>
-              <a:pPr rtl="0">
-                <a:spcAft>
-                  <a:spcPts val="600"/>
-                </a:spcAft>
-              </a:pPr>
-              <a:t>12</a:t>
-            </a:fld>
-            <a:endParaRPr lang="pl-PL"/>
-          </a:p>
-        </p:txBody>
-      </p:sp>
-      <p:sp>
-        <p:nvSpPr>
-          <p:cNvPr id="3" name="Symbol zastępczy zawartości 2">
-            <a:extLst>
-              <a:ext uri="{FF2B5EF4-FFF2-40B4-BE49-F238E27FC236}">
-                <a16:creationId xmlns:a16="http://schemas.microsoft.com/office/drawing/2014/main" id="{6529BA9D-6250-284C-255C-31D8AC37A94A}"/>
-              </a:ext>
-            </a:extLst>
-          </p:cNvPr>
-          <p:cNvSpPr>
-            <a:spLocks noGrp="1"/>
-          </p:cNvSpPr>
-          <p:nvPr>
-            <p:ph sz="half" idx="2"/>
-          </p:nvPr>
-        </p:nvSpPr>
-        <p:spPr/>
-        <p:txBody>
-          <a:bodyPr/>
-          <a:lstStyle/>
-          <a:p>
-            <a:endParaRPr lang="pl-PL"/>
-          </a:p>
-        </p:txBody>
-      </p:sp>
-    </p:spTree>
-    <p:extLst>
-      <p:ext uri="{BB962C8B-B14F-4D97-AF65-F5344CB8AC3E}">
-        <p14:creationId xmlns:p14="http://schemas.microsoft.com/office/powerpoint/2010/main" val="3521561301"/>
-      </p:ext>
-    </p:extLst>
-  </p:cSld>
-  <p:clrMapOvr>
-    <a:masterClrMapping/>
-  </p:clrMapOvr>
-</p:sld>
-</file>
-
-<file path=ppt/slides/slide13.xml><?xml version="1.0" encoding="utf-8"?>
-<p:sld xmlns:a="http://schemas.openxmlformats.org/drawingml/2006/main" xmlns:r="http://schemas.openxmlformats.org/officeDocument/2006/relationships" xmlns:p="http://schemas.openxmlformats.org/presentationml/2006/main">
-  <p:cSld>
-    <p:spTree>
-      <p:nvGrpSpPr>
-        <p:cNvPr id="1" name=""/>
-        <p:cNvGrpSpPr/>
-        <p:nvPr/>
-      </p:nvGrpSpPr>
-      <p:grpSpPr>
-        <a:xfrm>
-          <a:off x="0" y="0"/>
-          <a:ext cx="0" cy="0"/>
-          <a:chOff x="0" y="0"/>
-          <a:chExt cx="0" cy="0"/>
-        </a:xfrm>
-      </p:grpSpPr>
-      <p:sp>
-        <p:nvSpPr>
           <p:cNvPr id="22" name="Tytuł 21">
             <a:extLst>
               <a:ext uri="{FF2B5EF4-FFF2-40B4-BE49-F238E27FC236}">
@@ -15309,7 +14764,7 @@
             <a:fld id="{DBA1B0FB-D917-4C8C-928F-313BD683BF39}" type="slidenum">
               <a:rPr lang="pl-PL" smtClean="0"/>
               <a:pPr rtl="0"/>
-              <a:t>13</a:t>
+              <a:t>12</a:t>
             </a:fld>
             <a:endParaRPr lang="pl-PL"/>
           </a:p>
@@ -17421,8 +16876,8 @@
           </a:p>
         </p:txBody>
       </p:sp>
-      <mc:AlternateContent xmlns:mc="http://schemas.openxmlformats.org/markup-compatibility/2006">
-        <mc:Choice xmlns:a14="http://schemas.microsoft.com/office/drawing/2010/main" Requires="a14">
+      <mc:AlternateContent xmlns:mc="http://schemas.openxmlformats.org/markup-compatibility/2006" xmlns:a14="http://schemas.microsoft.com/office/drawing/2010/main">
+        <mc:Choice Requires="a14">
           <p:sp>
             <p:nvSpPr>
               <p:cNvPr id="10" name="Zawartość — symbol zastępczy 8">
@@ -18157,7 +17612,7 @@
             </p:txBody>
           </p:sp>
         </mc:Choice>
-        <mc:Fallback>
+        <mc:Fallback xmlns="">
           <p:sp>
             <p:nvSpPr>
               <p:cNvPr id="10" name="Zawartość — symbol zastępczy 8">
@@ -19541,8 +18996,8 @@
           </a:p>
         </p:txBody>
       </p:sp>
-      <mc:AlternateContent xmlns:mc="http://schemas.openxmlformats.org/markup-compatibility/2006">
-        <mc:Choice xmlns:a14="http://schemas.microsoft.com/office/drawing/2010/main" Requires="a14">
+      <mc:AlternateContent xmlns:mc="http://schemas.openxmlformats.org/markup-compatibility/2006" xmlns:a14="http://schemas.microsoft.com/office/drawing/2010/main">
+        <mc:Choice Requires="a14">
           <p:sp>
             <p:nvSpPr>
               <p:cNvPr id="5" name="Symbol zastępczy zawartości 4">
@@ -20027,7 +19482,7 @@
             </p:txBody>
           </p:sp>
         </mc:Choice>
-        <mc:Fallback>
+        <mc:Fallback xmlns="">
           <p:sp>
             <p:nvSpPr>
               <p:cNvPr id="5" name="Symbol zastępczy zawartości 4">
@@ -20876,6 +20331,25 @@
 </file>
 
 <file path=customXml/item1.xml><?xml version="1.0" encoding="utf-8"?>
+<p:properties xmlns:p="http://schemas.microsoft.com/office/2006/metadata/properties" xmlns:xsi="http://www.w3.org/2001/XMLSchema-instance" xmlns:pc="http://schemas.microsoft.com/office/infopath/2007/PartnerControls">
+  <documentManagement>
+    <_ip_UnifiedCompliancePolicyUIAction xmlns="http://schemas.microsoft.com/sharepoint/v3" xsi:nil="true"/>
+    <Image xmlns="71af3243-3dd4-4a8d-8c0d-dd76da1f02a5">
+      <Url xsi:nil="true"/>
+      <Description xsi:nil="true"/>
+    </Image>
+    <Status xmlns="71af3243-3dd4-4a8d-8c0d-dd76da1f02a5">Not started</Status>
+    <_ip_UnifiedCompliancePolicyProperties xmlns="http://schemas.microsoft.com/sharepoint/v3" xsi:nil="true"/>
+    <lcf76f155ced4ddcb4097134ff3c332f xmlns="71af3243-3dd4-4a8d-8c0d-dd76da1f02a5">
+      <Terms xmlns="http://schemas.microsoft.com/office/infopath/2007/PartnerControls"/>
+    </lcf76f155ced4ddcb4097134ff3c332f>
+    <TaxCatchAll xmlns="230e9df3-be65-4c73-a93b-d1236ebd677e"/>
+    <MediaServiceKeyPoints xmlns="71af3243-3dd4-4a8d-8c0d-dd76da1f02a5" xsi:nil="true"/>
+  </documentManagement>
+</p:properties>
+</file>
+
+<file path=customXml/item2.xml><?xml version="1.0" encoding="utf-8"?>
 <ct:contentTypeSchema xmlns:ct="http://schemas.microsoft.com/office/2006/metadata/contentType" xmlns:ma="http://schemas.microsoft.com/office/2006/metadata/properties/metaAttributes" ct:_="" ma:_="" ma:contentTypeName="Document" ma:contentTypeID="0x01010079F111ED35F8CC479449609E8A0923A6" ma:contentTypeVersion="18" ma:contentTypeDescription="Create a new document." ma:contentTypeScope="" ma:versionID="22a266b9fa9a230c5a512669d8b298c3">
   <xsd:schema xmlns:xsd="http://www.w3.org/2001/XMLSchema" xmlns:xs="http://www.w3.org/2001/XMLSchema" xmlns:p="http://schemas.microsoft.com/office/2006/metadata/properties" xmlns:ns1="http://schemas.microsoft.com/sharepoint/v3" xmlns:ns2="71af3243-3dd4-4a8d-8c0d-dd76da1f02a5" xmlns:ns3="16c05727-aa75-4e4a-9b5f-8a80a1165891" xmlns:ns4="230e9df3-be65-4c73-a93b-d1236ebd677e" targetNamespace="http://schemas.microsoft.com/office/2006/metadata/properties" ma:root="true" ma:fieldsID="eddc33fff6b14141ee5c74a0d29ea6a1" ns1:_="" ns2:_="" ns3:_="" ns4:_="">
     <xsd:import namespace="http://schemas.microsoft.com/sharepoint/v3"/>
@@ -21151,25 +20625,6 @@
 </ct:contentTypeSchema>
 </file>
 
-<file path=customXml/item2.xml><?xml version="1.0" encoding="utf-8"?>
-<p:properties xmlns:p="http://schemas.microsoft.com/office/2006/metadata/properties" xmlns:xsi="http://www.w3.org/2001/XMLSchema-instance" xmlns:pc="http://schemas.microsoft.com/office/infopath/2007/PartnerControls">
-  <documentManagement>
-    <_ip_UnifiedCompliancePolicyUIAction xmlns="http://schemas.microsoft.com/sharepoint/v3" xsi:nil="true"/>
-    <Image xmlns="71af3243-3dd4-4a8d-8c0d-dd76da1f02a5">
-      <Url xsi:nil="true"/>
-      <Description xsi:nil="true"/>
-    </Image>
-    <Status xmlns="71af3243-3dd4-4a8d-8c0d-dd76da1f02a5">Not started</Status>
-    <_ip_UnifiedCompliancePolicyProperties xmlns="http://schemas.microsoft.com/sharepoint/v3" xsi:nil="true"/>
-    <lcf76f155ced4ddcb4097134ff3c332f xmlns="71af3243-3dd4-4a8d-8c0d-dd76da1f02a5">
-      <Terms xmlns="http://schemas.microsoft.com/office/infopath/2007/PartnerControls"/>
-    </lcf76f155ced4ddcb4097134ff3c332f>
-    <TaxCatchAll xmlns="230e9df3-be65-4c73-a93b-d1236ebd677e"/>
-    <MediaServiceKeyPoints xmlns="71af3243-3dd4-4a8d-8c0d-dd76da1f02a5" xsi:nil="true"/>
-  </documentManagement>
-</p:properties>
-</file>
-
 <file path=customXml/item3.xml><?xml version="1.0" encoding="utf-8"?>
 <?mso-contentType ?>
 <FormTemplates xmlns="http://schemas.microsoft.com/sharepoint/v3/contenttype/forms">
@@ -21180,6 +20635,18 @@
 </file>
 
 <file path=customXml/itemProps1.xml><?xml version="1.0" encoding="utf-8"?>
+<ds:datastoreItem xmlns:ds="http://schemas.openxmlformats.org/officeDocument/2006/customXml" ds:itemID="{50811A92-D464-4AC4-A396-BA73B10CEEAC}">
+  <ds:schemaRefs>
+    <ds:schemaRef ds:uri="http://schemas.microsoft.com/office/2006/metadata/properties"/>
+    <ds:schemaRef ds:uri="http://schemas.microsoft.com/office/infopath/2007/PartnerControls"/>
+    <ds:schemaRef ds:uri="http://schemas.microsoft.com/sharepoint/v3"/>
+    <ds:schemaRef ds:uri="71af3243-3dd4-4a8d-8c0d-dd76da1f02a5"/>
+    <ds:schemaRef ds:uri="230e9df3-be65-4c73-a93b-d1236ebd677e"/>
+  </ds:schemaRefs>
+</ds:datastoreItem>
+</file>
+
+<file path=customXml/itemProps2.xml><?xml version="1.0" encoding="utf-8"?>
 <ds:datastoreItem xmlns:ds="http://schemas.openxmlformats.org/officeDocument/2006/customXml" ds:itemID="{DE4876F9-7AE1-498D-B8FE-1E3AD703D2AF}">
   <ds:schemaRefs>
     <ds:schemaRef ds:uri="http://schemas.microsoft.com/office/2006/metadata/contentType"/>
@@ -21200,18 +20667,6 @@
 </ds:datastoreItem>
 </file>
 
-<file path=customXml/itemProps2.xml><?xml version="1.0" encoding="utf-8"?>
-<ds:datastoreItem xmlns:ds="http://schemas.openxmlformats.org/officeDocument/2006/customXml" ds:itemID="{50811A92-D464-4AC4-A396-BA73B10CEEAC}">
-  <ds:schemaRefs>
-    <ds:schemaRef ds:uri="http://schemas.microsoft.com/office/2006/metadata/properties"/>
-    <ds:schemaRef ds:uri="http://schemas.microsoft.com/office/infopath/2007/PartnerControls"/>
-    <ds:schemaRef ds:uri="http://schemas.microsoft.com/sharepoint/v3"/>
-    <ds:schemaRef ds:uri="71af3243-3dd4-4a8d-8c0d-dd76da1f02a5"/>
-    <ds:schemaRef ds:uri="230e9df3-be65-4c73-a93b-d1236ebd677e"/>
-  </ds:schemaRefs>
-</ds:datastoreItem>
-</file>
-
 <file path=customXml/itemProps3.xml><?xml version="1.0" encoding="utf-8"?>
 <ds:datastoreItem xmlns:ds="http://schemas.openxmlformats.org/officeDocument/2006/customXml" ds:itemID="{904751AB-E840-446F-8D49-E697067EC887}">
   <ds:schemaRefs>

--- a/Implementacja kodu wielomianowego CRC-32 – IEEE 802-3.pptx
+++ b/Implementacja kodu wielomianowego CRC-32 – IEEE 802-3.pptx
@@ -883,7 +883,7 @@
             <a:pPr rtl="0"/>
             <a:fld id="{1983A999-5E0E-42CA-8400-604AE921FF7C}" type="slidenum">
               <a:rPr lang="pl-PL" smtClean="0"/>
-              <a:t>12</a:t>
+              <a:t>11</a:t>
             </a:fld>
             <a:endParaRPr lang="pl-PL"/>
           </a:p>
@@ -14270,8 +14270,8 @@
           <a:chExt cx="0" cy="0"/>
         </a:xfrm>
       </p:grpSpPr>
-      <mc:AlternateContent xmlns:mc="http://schemas.openxmlformats.org/markup-compatibility/2006" xmlns:a14="http://schemas.microsoft.com/office/drawing/2010/main">
-        <mc:Choice Requires="a14">
+      <mc:AlternateContent xmlns:mc="http://schemas.openxmlformats.org/markup-compatibility/2006">
+        <mc:Choice xmlns:a14="http://schemas.microsoft.com/office/drawing/2010/main" Requires="a14">
           <p:sp>
             <p:nvSpPr>
               <p:cNvPr id="3" name="Symbol zastępczy zawartości 2">
@@ -14412,13 +14412,21 @@
                 </a14:m>
                 <a:r>
                   <a:rPr lang="pl-PL" sz="1500" dirty="0"/>
-                  <a:t> nie są w stanie przekształcić poprawnego słowa kodowego w inne poprawne słowo kodowe. Czyli zawsze takie słowo zostanie wykryte jaki nieprawidłowe.</a:t>
+                  <a:t> nie są w stanie przekształcić poprawnego słowa kodowego w inne poprawne słowo kodowe. Czyli zawsze takie słowo zostanie </a:t>
+                </a:r>
+                <a:r>
+                  <a:rPr lang="pl-PL" sz="1500"/>
+                  <a:t>wykryte jako </a:t>
+                </a:r>
+                <a:r>
+                  <a:rPr lang="pl-PL" sz="1500" dirty="0"/>
+                  <a:t>nieprawidłowe.</a:t>
                 </a:r>
               </a:p>
             </p:txBody>
           </p:sp>
         </mc:Choice>
-        <mc:Fallback xmlns="">
+        <mc:Fallback>
           <p:sp>
             <p:nvSpPr>
               <p:cNvPr id="3" name="Symbol zastępczy zawartości 2">
@@ -16237,8 +16245,8 @@
           <a:chExt cx="0" cy="0"/>
         </a:xfrm>
       </p:grpSpPr>
-      <mc:AlternateContent xmlns:mc="http://schemas.openxmlformats.org/markup-compatibility/2006" xmlns:a14="http://schemas.microsoft.com/office/drawing/2010/main">
-        <mc:Choice Requires="a14">
+      <mc:AlternateContent xmlns:mc="http://schemas.openxmlformats.org/markup-compatibility/2006">
+        <mc:Choice xmlns:a14="http://schemas.microsoft.com/office/drawing/2010/main" Requires="a14">
           <p:sp>
             <p:nvSpPr>
               <p:cNvPr id="14" name="Content Placeholder 2">
@@ -16482,131 +16490,6 @@
                   <a:buChar char="•"/>
                 </a:pPr>
                 <a:r>
-                  <a:rPr lang="pl-PL" sz="1600" dirty="0"/>
-                  <a:t>Do wiadomości następnie dodajemy dopełnienie jedynkowe ( odwracamy każdy bit w </a:t>
-                </a:r>
-                <a14:m>
-                  <m:oMath xmlns:m="http://schemas.openxmlformats.org/officeDocument/2006/math">
-                    <m:r>
-                      <a:rPr lang="pl-PL" sz="1600" i="1" dirty="0" smtClean="0">
-                        <a:latin typeface="Cambria Math" panose="02040503050406030204" pitchFamily="18" charset="0"/>
-                      </a:rPr>
-                      <m:t>𝑅</m:t>
-                    </m:r>
-                    <m:r>
-                      <a:rPr lang="pl-PL" sz="1600" i="1" dirty="0" smtClean="0">
-                        <a:latin typeface="Cambria Math" panose="02040503050406030204" pitchFamily="18" charset="0"/>
-                      </a:rPr>
-                      <m:t>(</m:t>
-                    </m:r>
-                    <m:r>
-                      <a:rPr lang="pl-PL" sz="1600" i="1" dirty="0" smtClean="0">
-                        <a:latin typeface="Cambria Math" panose="02040503050406030204" pitchFamily="18" charset="0"/>
-                      </a:rPr>
-                      <m:t>𝑥</m:t>
-                    </m:r>
-                    <m:r>
-                      <a:rPr lang="pl-PL" sz="1600" i="1" dirty="0" smtClean="0">
-                        <a:latin typeface="Cambria Math" panose="02040503050406030204" pitchFamily="18" charset="0"/>
-                      </a:rPr>
-                      <m:t>)</m:t>
-                    </m:r>
-                  </m:oMath>
-                </a14:m>
-                <a:r>
-                  <a:rPr lang="pl-PL" sz="1600" dirty="0"/>
-                  <a:t> ). Otrzymany w taki sposób ciąg przesyłamy przez kanał transmisyjny.</a:t>
-                </a:r>
-                <a:br>
-                  <a:rPr lang="pl-PL" sz="1600" b="0" dirty="0"/>
-                </a:br>
-                <a:br>
-                  <a:rPr lang="pl-PL" sz="1600" b="0" dirty="0"/>
-                </a:br>
-                <a14:m>
-                  <m:oMath xmlns:m="http://schemas.openxmlformats.org/officeDocument/2006/math">
-                    <m:r>
-                      <a:rPr lang="pl-PL" sz="1600" b="0" i="1" dirty="0" smtClean="0">
-                        <a:latin typeface="Cambria Math" panose="02040503050406030204" pitchFamily="18" charset="0"/>
-                      </a:rPr>
-                      <m:t>𝑀</m:t>
-                    </m:r>
-                    <m:r>
-                      <a:rPr lang="pl-PL" sz="1600" b="0" i="1" dirty="0" smtClean="0">
-                        <a:latin typeface="Cambria Math" panose="02040503050406030204" pitchFamily="18" charset="0"/>
-                      </a:rPr>
-                      <m:t>’(</m:t>
-                    </m:r>
-                    <m:r>
-                      <a:rPr lang="pl-PL" sz="1600" b="0" i="1" dirty="0" smtClean="0">
-                        <a:latin typeface="Cambria Math" panose="02040503050406030204" pitchFamily="18" charset="0"/>
-                      </a:rPr>
-                      <m:t>𝑥</m:t>
-                    </m:r>
-                    <m:r>
-                      <a:rPr lang="pl-PL" sz="1600" b="0" i="1" dirty="0" smtClean="0">
-                        <a:latin typeface="Cambria Math" panose="02040503050406030204" pitchFamily="18" charset="0"/>
-                      </a:rPr>
-                      <m:t>) = </m:t>
-                    </m:r>
-                    <m:r>
-                      <a:rPr lang="pl-PL" sz="1600" b="0" i="1" dirty="0" smtClean="0">
-                        <a:latin typeface="Cambria Math" panose="02040503050406030204" pitchFamily="18" charset="0"/>
-                      </a:rPr>
-                      <m:t>𝑀</m:t>
-                    </m:r>
-                    <m:r>
-                      <a:rPr lang="pl-PL" sz="1600" b="0" i="1" dirty="0" smtClean="0">
-                        <a:latin typeface="Cambria Math" panose="02040503050406030204" pitchFamily="18" charset="0"/>
-                      </a:rPr>
-                      <m:t>’(</m:t>
-                    </m:r>
-                    <m:r>
-                      <a:rPr lang="pl-PL" sz="1600" b="0" i="1" dirty="0" smtClean="0">
-                        <a:latin typeface="Cambria Math" panose="02040503050406030204" pitchFamily="18" charset="0"/>
-                      </a:rPr>
-                      <m:t>𝑥</m:t>
-                    </m:r>
-                    <m:r>
-                      <a:rPr lang="pl-PL" sz="1600" b="0" i="1" dirty="0" smtClean="0">
-                        <a:latin typeface="Cambria Math" panose="02040503050406030204" pitchFamily="18" charset="0"/>
-                      </a:rPr>
-                      <m:t>) + </m:t>
-                    </m:r>
-                    <m:r>
-                      <a:rPr lang="pl-PL" sz="1600" b="0" i="1" dirty="0" smtClean="0">
-                        <a:latin typeface="Cambria Math" panose="02040503050406030204" pitchFamily="18" charset="0"/>
-                      </a:rPr>
-                      <m:t>𝑅</m:t>
-                    </m:r>
-                    <m:r>
-                      <a:rPr lang="pl-PL" sz="1600" b="0" i="1" dirty="0" smtClean="0">
-                        <a:latin typeface="Cambria Math" panose="02040503050406030204" pitchFamily="18" charset="0"/>
-                      </a:rPr>
-                      <m:t>’(</m:t>
-                    </m:r>
-                    <m:r>
-                      <a:rPr lang="pl-PL" sz="1600" b="0" i="1" dirty="0" smtClean="0">
-                        <a:latin typeface="Cambria Math" panose="02040503050406030204" pitchFamily="18" charset="0"/>
-                      </a:rPr>
-                      <m:t>𝑥</m:t>
-                    </m:r>
-                    <m:r>
-                      <a:rPr lang="pl-PL" sz="1600" b="0" i="1" dirty="0" smtClean="0">
-                        <a:latin typeface="Cambria Math" panose="02040503050406030204" pitchFamily="18" charset="0"/>
-                      </a:rPr>
-                      <m:t>)</m:t>
-                    </m:r>
-                  </m:oMath>
-                </a14:m>
-                <a:endParaRPr lang="pl-PL" sz="1600" b="0" dirty="0"/>
-              </a:p>
-              <a:p>
-                <a:pPr marL="342900" indent="-342900">
-                  <a:buFont typeface="Arial" panose="020B0604020202020204" pitchFamily="34" charset="0"/>
-                  <a:buChar char="•"/>
-                </a:pPr>
-                <a:r>
                   <a:rPr lang="pl-PL" sz="1600" b="1" i="1" dirty="0"/>
                   <a:t>Odbiór wiadomości z kanału</a:t>
                 </a:r>
@@ -16693,7 +16576,7 @@
             </p:txBody>
           </p:sp>
         </mc:Choice>
-        <mc:Fallback xmlns="">
+        <mc:Fallback>
           <p:sp>
             <p:nvSpPr>
               <p:cNvPr id="14" name="Content Placeholder 2">
@@ -20331,22 +20214,12 @@
 </file>
 
 <file path=customXml/item1.xml><?xml version="1.0" encoding="utf-8"?>
-<p:properties xmlns:p="http://schemas.microsoft.com/office/2006/metadata/properties" xmlns:xsi="http://www.w3.org/2001/XMLSchema-instance" xmlns:pc="http://schemas.microsoft.com/office/infopath/2007/PartnerControls">
-  <documentManagement>
-    <_ip_UnifiedCompliancePolicyUIAction xmlns="http://schemas.microsoft.com/sharepoint/v3" xsi:nil="true"/>
-    <Image xmlns="71af3243-3dd4-4a8d-8c0d-dd76da1f02a5">
-      <Url xsi:nil="true"/>
-      <Description xsi:nil="true"/>
-    </Image>
-    <Status xmlns="71af3243-3dd4-4a8d-8c0d-dd76da1f02a5">Not started</Status>
-    <_ip_UnifiedCompliancePolicyProperties xmlns="http://schemas.microsoft.com/sharepoint/v3" xsi:nil="true"/>
-    <lcf76f155ced4ddcb4097134ff3c332f xmlns="71af3243-3dd4-4a8d-8c0d-dd76da1f02a5">
-      <Terms xmlns="http://schemas.microsoft.com/office/infopath/2007/PartnerControls"/>
-    </lcf76f155ced4ddcb4097134ff3c332f>
-    <TaxCatchAll xmlns="230e9df3-be65-4c73-a93b-d1236ebd677e"/>
-    <MediaServiceKeyPoints xmlns="71af3243-3dd4-4a8d-8c0d-dd76da1f02a5" xsi:nil="true"/>
-  </documentManagement>
-</p:properties>
+<?mso-contentType ?>
+<FormTemplates xmlns="http://schemas.microsoft.com/sharepoint/v3/contenttype/forms">
+  <Display>DocumentLibraryForm</Display>
+  <Edit>DocumentLibraryForm</Edit>
+  <New>DocumentLibraryForm</New>
+</FormTemplates>
 </file>
 
 <file path=customXml/item2.xml><?xml version="1.0" encoding="utf-8"?>
@@ -20626,22 +20499,28 @@
 </file>
 
 <file path=customXml/item3.xml><?xml version="1.0" encoding="utf-8"?>
-<?mso-contentType ?>
-<FormTemplates xmlns="http://schemas.microsoft.com/sharepoint/v3/contenttype/forms">
-  <Display>DocumentLibraryForm</Display>
-  <Edit>DocumentLibraryForm</Edit>
-  <New>DocumentLibraryForm</New>
-</FormTemplates>
+<p:properties xmlns:p="http://schemas.microsoft.com/office/2006/metadata/properties" xmlns:xsi="http://www.w3.org/2001/XMLSchema-instance" xmlns:pc="http://schemas.microsoft.com/office/infopath/2007/PartnerControls">
+  <documentManagement>
+    <_ip_UnifiedCompliancePolicyUIAction xmlns="http://schemas.microsoft.com/sharepoint/v3" xsi:nil="true"/>
+    <Image xmlns="71af3243-3dd4-4a8d-8c0d-dd76da1f02a5">
+      <Url xsi:nil="true"/>
+      <Description xsi:nil="true"/>
+    </Image>
+    <Status xmlns="71af3243-3dd4-4a8d-8c0d-dd76da1f02a5">Not started</Status>
+    <_ip_UnifiedCompliancePolicyProperties xmlns="http://schemas.microsoft.com/sharepoint/v3" xsi:nil="true"/>
+    <lcf76f155ced4ddcb4097134ff3c332f xmlns="71af3243-3dd4-4a8d-8c0d-dd76da1f02a5">
+      <Terms xmlns="http://schemas.microsoft.com/office/infopath/2007/PartnerControls"/>
+    </lcf76f155ced4ddcb4097134ff3c332f>
+    <TaxCatchAll xmlns="230e9df3-be65-4c73-a93b-d1236ebd677e"/>
+    <MediaServiceKeyPoints xmlns="71af3243-3dd4-4a8d-8c0d-dd76da1f02a5" xsi:nil="true"/>
+  </documentManagement>
+</p:properties>
 </file>
 
 <file path=customXml/itemProps1.xml><?xml version="1.0" encoding="utf-8"?>
-<ds:datastoreItem xmlns:ds="http://schemas.openxmlformats.org/officeDocument/2006/customXml" ds:itemID="{50811A92-D464-4AC4-A396-BA73B10CEEAC}">
+<ds:datastoreItem xmlns:ds="http://schemas.openxmlformats.org/officeDocument/2006/customXml" ds:itemID="{904751AB-E840-446F-8D49-E697067EC887}">
   <ds:schemaRefs>
-    <ds:schemaRef ds:uri="http://schemas.microsoft.com/office/2006/metadata/properties"/>
-    <ds:schemaRef ds:uri="http://schemas.microsoft.com/office/infopath/2007/PartnerControls"/>
-    <ds:schemaRef ds:uri="http://schemas.microsoft.com/sharepoint/v3"/>
-    <ds:schemaRef ds:uri="71af3243-3dd4-4a8d-8c0d-dd76da1f02a5"/>
-    <ds:schemaRef ds:uri="230e9df3-be65-4c73-a93b-d1236ebd677e"/>
+    <ds:schemaRef ds:uri="http://schemas.microsoft.com/sharepoint/v3/contenttype/forms"/>
   </ds:schemaRefs>
 </ds:datastoreItem>
 </file>
@@ -20668,9 +20547,13 @@
 </file>
 
 <file path=customXml/itemProps3.xml><?xml version="1.0" encoding="utf-8"?>
-<ds:datastoreItem xmlns:ds="http://schemas.openxmlformats.org/officeDocument/2006/customXml" ds:itemID="{904751AB-E840-446F-8D49-E697067EC887}">
+<ds:datastoreItem xmlns:ds="http://schemas.openxmlformats.org/officeDocument/2006/customXml" ds:itemID="{50811A92-D464-4AC4-A396-BA73B10CEEAC}">
   <ds:schemaRefs>
-    <ds:schemaRef ds:uri="http://schemas.microsoft.com/sharepoint/v3/contenttype/forms"/>
+    <ds:schemaRef ds:uri="http://schemas.microsoft.com/office/2006/metadata/properties"/>
+    <ds:schemaRef ds:uri="http://schemas.microsoft.com/office/infopath/2007/PartnerControls"/>
+    <ds:schemaRef ds:uri="http://schemas.microsoft.com/sharepoint/v3"/>
+    <ds:schemaRef ds:uri="71af3243-3dd4-4a8d-8c0d-dd76da1f02a5"/>
+    <ds:schemaRef ds:uri="230e9df3-be65-4c73-a93b-d1236ebd677e"/>
   </ds:schemaRefs>
 </ds:datastoreItem>
 </file>

--- a/Implementacja kodu wielomianowego CRC-32 – IEEE 802-3.pptx
+++ b/Implementacja kodu wielomianowego CRC-32 – IEEE 802-3.pptx
@@ -247,7 +247,7 @@
             <a:pPr rtl="0"/>
             <a:fld id="{3D4C38CF-67C2-4088-A2AD-522FD06E4E9F}" type="datetime1">
               <a:rPr lang="pl-PL" smtClean="0"/>
-              <a:t>09.06.2025</a:t>
+              <a:t>15.06.2025</a:t>
             </a:fld>
             <a:endParaRPr lang="pl-PL"/>
           </a:p>
@@ -429,7 +429,7 @@
             <a:pPr rtl="0"/>
             <a:fld id="{EBFB94E0-1F98-4426-9482-6C6FD17970C3}" type="datetime1">
               <a:rPr lang="pl-PL" smtClean="0"/>
-              <a:t>09.06.2025</a:t>
+              <a:t>15.06.2025</a:t>
             </a:fld>
             <a:endParaRPr lang="pl-PL"/>
           </a:p>
@@ -797,7 +797,7 @@
             <a:pPr rtl="0"/>
             <a:fld id="{B65CB970-E35C-4CF5-95DE-0955C0BD62D9}" type="datetime1">
               <a:rPr lang="pl-PL" smtClean="0"/>
-              <a:t>09.06.2025</a:t>
+              <a:t>15.06.2025</a:t>
             </a:fld>
             <a:endParaRPr lang="pl-PL"/>
           </a:p>
@@ -913,7 +913,7 @@
             <a:pPr rtl="0"/>
             <a:fld id="{9509B6E6-3E65-49C0-94CE-1A750F0F84E8}" type="datetime1">
               <a:rPr lang="pl-PL" smtClean="0"/>
-              <a:t>09.06.2025</a:t>
+              <a:t>15.06.2025</a:t>
             </a:fld>
             <a:endParaRPr lang="pl-PL"/>
           </a:p>
@@ -14270,8 +14270,8 @@
           <a:chExt cx="0" cy="0"/>
         </a:xfrm>
       </p:grpSpPr>
-      <mc:AlternateContent xmlns:mc="http://schemas.openxmlformats.org/markup-compatibility/2006">
-        <mc:Choice xmlns:a14="http://schemas.microsoft.com/office/drawing/2010/main" Requires="a14">
+      <mc:AlternateContent xmlns:mc="http://schemas.openxmlformats.org/markup-compatibility/2006" xmlns:a14="http://schemas.microsoft.com/office/drawing/2010/main">
+        <mc:Choice Requires="a14">
           <p:sp>
             <p:nvSpPr>
               <p:cNvPr id="3" name="Symbol zastępczy zawartości 2">
@@ -14426,7 +14426,7 @@
             </p:txBody>
           </p:sp>
         </mc:Choice>
-        <mc:Fallback>
+        <mc:Fallback xmlns="">
           <p:sp>
             <p:nvSpPr>
               <p:cNvPr id="3" name="Symbol zastępczy zawartości 2">
@@ -16245,8 +16245,8 @@
           <a:chExt cx="0" cy="0"/>
         </a:xfrm>
       </p:grpSpPr>
-      <mc:AlternateContent xmlns:mc="http://schemas.openxmlformats.org/markup-compatibility/2006">
-        <mc:Choice xmlns:a14="http://schemas.microsoft.com/office/drawing/2010/main" Requires="a14">
+      <mc:AlternateContent xmlns:mc="http://schemas.openxmlformats.org/markup-compatibility/2006" xmlns:a14="http://schemas.microsoft.com/office/drawing/2010/main">
+        <mc:Choice Requires="a14">
           <p:sp>
             <p:nvSpPr>
               <p:cNvPr id="14" name="Content Placeholder 2">
@@ -16576,7 +16576,7 @@
             </p:txBody>
           </p:sp>
         </mc:Choice>
-        <mc:Fallback>
+        <mc:Fallback xmlns="">
           <p:sp>
             <p:nvSpPr>
               <p:cNvPr id="14" name="Content Placeholder 2">
@@ -17598,7 +17598,7 @@
           <a:p>
             <a:r>
               <a:rPr lang="pl-PL" sz="3200" dirty="0"/>
-              <a:t>Algorytm CRC-32 – IEEE 802.11 1997</a:t>
+              <a:t>Algorytm CRC-32 – IEEE 802.3 2022</a:t>
             </a:r>
             <a:endParaRPr lang="en-US" sz="3200" dirty="0"/>
           </a:p>
@@ -20214,12 +20214,22 @@
 </file>
 
 <file path=customXml/item1.xml><?xml version="1.0" encoding="utf-8"?>
-<?mso-contentType ?>
-<FormTemplates xmlns="http://schemas.microsoft.com/sharepoint/v3/contenttype/forms">
-  <Display>DocumentLibraryForm</Display>
-  <Edit>DocumentLibraryForm</Edit>
-  <New>DocumentLibraryForm</New>
-</FormTemplates>
+<p:properties xmlns:p="http://schemas.microsoft.com/office/2006/metadata/properties" xmlns:xsi="http://www.w3.org/2001/XMLSchema-instance" xmlns:pc="http://schemas.microsoft.com/office/infopath/2007/PartnerControls">
+  <documentManagement>
+    <_ip_UnifiedCompliancePolicyUIAction xmlns="http://schemas.microsoft.com/sharepoint/v3" xsi:nil="true"/>
+    <Image xmlns="71af3243-3dd4-4a8d-8c0d-dd76da1f02a5">
+      <Url xsi:nil="true"/>
+      <Description xsi:nil="true"/>
+    </Image>
+    <Status xmlns="71af3243-3dd4-4a8d-8c0d-dd76da1f02a5">Not started</Status>
+    <_ip_UnifiedCompliancePolicyProperties xmlns="http://schemas.microsoft.com/sharepoint/v3" xsi:nil="true"/>
+    <lcf76f155ced4ddcb4097134ff3c332f xmlns="71af3243-3dd4-4a8d-8c0d-dd76da1f02a5">
+      <Terms xmlns="http://schemas.microsoft.com/office/infopath/2007/PartnerControls"/>
+    </lcf76f155ced4ddcb4097134ff3c332f>
+    <TaxCatchAll xmlns="230e9df3-be65-4c73-a93b-d1236ebd677e"/>
+    <MediaServiceKeyPoints xmlns="71af3243-3dd4-4a8d-8c0d-dd76da1f02a5" xsi:nil="true"/>
+  </documentManagement>
+</p:properties>
 </file>
 
 <file path=customXml/item2.xml><?xml version="1.0" encoding="utf-8"?>
@@ -20499,28 +20509,22 @@
 </file>
 
 <file path=customXml/item3.xml><?xml version="1.0" encoding="utf-8"?>
-<p:properties xmlns:p="http://schemas.microsoft.com/office/2006/metadata/properties" xmlns:xsi="http://www.w3.org/2001/XMLSchema-instance" xmlns:pc="http://schemas.microsoft.com/office/infopath/2007/PartnerControls">
-  <documentManagement>
-    <_ip_UnifiedCompliancePolicyUIAction xmlns="http://schemas.microsoft.com/sharepoint/v3" xsi:nil="true"/>
-    <Image xmlns="71af3243-3dd4-4a8d-8c0d-dd76da1f02a5">
-      <Url xsi:nil="true"/>
-      <Description xsi:nil="true"/>
-    </Image>
-    <Status xmlns="71af3243-3dd4-4a8d-8c0d-dd76da1f02a5">Not started</Status>
-    <_ip_UnifiedCompliancePolicyProperties xmlns="http://schemas.microsoft.com/sharepoint/v3" xsi:nil="true"/>
-    <lcf76f155ced4ddcb4097134ff3c332f xmlns="71af3243-3dd4-4a8d-8c0d-dd76da1f02a5">
-      <Terms xmlns="http://schemas.microsoft.com/office/infopath/2007/PartnerControls"/>
-    </lcf76f155ced4ddcb4097134ff3c332f>
-    <TaxCatchAll xmlns="230e9df3-be65-4c73-a93b-d1236ebd677e"/>
-    <MediaServiceKeyPoints xmlns="71af3243-3dd4-4a8d-8c0d-dd76da1f02a5" xsi:nil="true"/>
-  </documentManagement>
-</p:properties>
+<?mso-contentType ?>
+<FormTemplates xmlns="http://schemas.microsoft.com/sharepoint/v3/contenttype/forms">
+  <Display>DocumentLibraryForm</Display>
+  <Edit>DocumentLibraryForm</Edit>
+  <New>DocumentLibraryForm</New>
+</FormTemplates>
 </file>
 
 <file path=customXml/itemProps1.xml><?xml version="1.0" encoding="utf-8"?>
-<ds:datastoreItem xmlns:ds="http://schemas.openxmlformats.org/officeDocument/2006/customXml" ds:itemID="{904751AB-E840-446F-8D49-E697067EC887}">
+<ds:datastoreItem xmlns:ds="http://schemas.openxmlformats.org/officeDocument/2006/customXml" ds:itemID="{50811A92-D464-4AC4-A396-BA73B10CEEAC}">
   <ds:schemaRefs>
-    <ds:schemaRef ds:uri="http://schemas.microsoft.com/sharepoint/v3/contenttype/forms"/>
+    <ds:schemaRef ds:uri="http://schemas.microsoft.com/office/2006/metadata/properties"/>
+    <ds:schemaRef ds:uri="http://schemas.microsoft.com/office/infopath/2007/PartnerControls"/>
+    <ds:schemaRef ds:uri="http://schemas.microsoft.com/sharepoint/v3"/>
+    <ds:schemaRef ds:uri="71af3243-3dd4-4a8d-8c0d-dd76da1f02a5"/>
+    <ds:schemaRef ds:uri="230e9df3-be65-4c73-a93b-d1236ebd677e"/>
   </ds:schemaRefs>
 </ds:datastoreItem>
 </file>
@@ -20547,13 +20551,9 @@
 </file>
 
 <file path=customXml/itemProps3.xml><?xml version="1.0" encoding="utf-8"?>
-<ds:datastoreItem xmlns:ds="http://schemas.openxmlformats.org/officeDocument/2006/customXml" ds:itemID="{50811A92-D464-4AC4-A396-BA73B10CEEAC}">
+<ds:datastoreItem xmlns:ds="http://schemas.openxmlformats.org/officeDocument/2006/customXml" ds:itemID="{904751AB-E840-446F-8D49-E697067EC887}">
   <ds:schemaRefs>
-    <ds:schemaRef ds:uri="http://schemas.microsoft.com/office/2006/metadata/properties"/>
-    <ds:schemaRef ds:uri="http://schemas.microsoft.com/office/infopath/2007/PartnerControls"/>
-    <ds:schemaRef ds:uri="http://schemas.microsoft.com/sharepoint/v3"/>
-    <ds:schemaRef ds:uri="71af3243-3dd4-4a8d-8c0d-dd76da1f02a5"/>
-    <ds:schemaRef ds:uri="230e9df3-be65-4c73-a93b-d1236ebd677e"/>
+    <ds:schemaRef ds:uri="http://schemas.microsoft.com/sharepoint/v3/contenttype/forms"/>
   </ds:schemaRefs>
 </ds:datastoreItem>
 </file>
